--- a/ppt/main_ppt.pptx
+++ b/ppt/main_ppt.pptx
@@ -1,50 +1,51 @@
 
 <file path=ppt/presentation.xml><?xml version="1.0" encoding="utf-8"?>
-<p:presentation xmlns:a="http://schemas.openxmlformats.org/drawingml/2006/main" xmlns:r="http://schemas.openxmlformats.org/officeDocument/2006/relationships" xmlns:mc="http://schemas.openxmlformats.org/markup-compatibility/2006" xmlns:mv="urn:schemas-microsoft-com:mac:vml" xmlns:p="http://schemas.openxmlformats.org/presentationml/2006/main" xmlns:c="http://schemas.openxmlformats.org/drawingml/2006/chart" xmlns:dgm="http://schemas.openxmlformats.org/drawingml/2006/diagram" xmlns:o="urn:schemas-microsoft-com:office:office" xmlns:v="urn:schemas-microsoft-com:vml" xmlns:pvml="urn:schemas-microsoft-com:office:powerpoint" xmlns:com="http://schemas.openxmlformats.org/drawingml/2006/compatibility" xmlns:p14="http://schemas.microsoft.com/office/powerpoint/2010/main" xmlns:p15="http://schemas.microsoft.com/office/powerpoint/2012/main" xmlns:ahyp="http://schemas.microsoft.com/office/drawing/2018/hyperlinkcolor" autoCompressPictures="0" embedTrueTypeFonts="1" strictFirstAndLastChars="0" saveSubsetFonts="1">
+<p:presentation xmlns:a="http://schemas.openxmlformats.org/drawingml/2006/main" xmlns:r="http://schemas.openxmlformats.org/officeDocument/2006/relationships" xmlns:p="http://schemas.openxmlformats.org/presentationml/2006/main" strictFirstAndLastChars="0" embedTrueTypeFonts="1" saveSubsetFonts="1" autoCompressPictures="0">
   <p:sldMasterIdLst>
-    <p:sldMasterId id="2147483659" r:id="rId4"/>
+    <p:sldMasterId id="2147483659" r:id="rId1"/>
   </p:sldMasterIdLst>
   <p:notesMasterIdLst>
-    <p:notesMasterId r:id="rId5"/>
+    <p:notesMasterId r:id="rId19"/>
   </p:notesMasterIdLst>
   <p:sldIdLst>
-    <p:sldId id="256" r:id="rId6"/>
-    <p:sldId id="257" r:id="rId7"/>
-    <p:sldId id="258" r:id="rId8"/>
-    <p:sldId id="259" r:id="rId9"/>
-    <p:sldId id="260" r:id="rId10"/>
-    <p:sldId id="261" r:id="rId11"/>
-    <p:sldId id="262" r:id="rId12"/>
-    <p:sldId id="263" r:id="rId13"/>
-    <p:sldId id="264" r:id="rId14"/>
-    <p:sldId id="265" r:id="rId15"/>
-    <p:sldId id="266" r:id="rId16"/>
-    <p:sldId id="267" r:id="rId17"/>
-    <p:sldId id="268" r:id="rId18"/>
-    <p:sldId id="269" r:id="rId19"/>
-    <p:sldId id="270" r:id="rId20"/>
-    <p:sldId id="271" r:id="rId21"/>
+    <p:sldId id="256" r:id="rId2"/>
+    <p:sldId id="257" r:id="rId3"/>
+    <p:sldId id="258" r:id="rId4"/>
+    <p:sldId id="259" r:id="rId5"/>
+    <p:sldId id="260" r:id="rId6"/>
+    <p:sldId id="261" r:id="rId7"/>
+    <p:sldId id="262" r:id="rId8"/>
+    <p:sldId id="263" r:id="rId9"/>
+    <p:sldId id="264" r:id="rId10"/>
+    <p:sldId id="265" r:id="rId11"/>
+    <p:sldId id="272" r:id="rId12"/>
+    <p:sldId id="266" r:id="rId13"/>
+    <p:sldId id="267" r:id="rId14"/>
+    <p:sldId id="268" r:id="rId15"/>
+    <p:sldId id="269" r:id="rId16"/>
+    <p:sldId id="270" r:id="rId17"/>
+    <p:sldId id="271" r:id="rId18"/>
   </p:sldIdLst>
-  <p:sldSz cy="5143500" cx="9144000"/>
+  <p:sldSz cx="9144000" cy="5143500" type="screen16x9"/>
   <p:notesSz cx="6858000" cy="9144000"/>
   <p:embeddedFontLst>
     <p:embeddedFont>
-      <p:font typeface="Montserrat"/>
-      <p:regular r:id="rId22"/>
-      <p:bold r:id="rId23"/>
-      <p:italic r:id="rId24"/>
-      <p:boldItalic r:id="rId25"/>
+      <p:font typeface="Lato" panose="020F0502020204030203" pitchFamily="34" charset="0"/>
+      <p:regular r:id="rId20"/>
+      <p:bold r:id="rId21"/>
+      <p:italic r:id="rId22"/>
+      <p:boldItalic r:id="rId23"/>
     </p:embeddedFont>
     <p:embeddedFont>
-      <p:font typeface="Lato"/>
-      <p:regular r:id="rId26"/>
-      <p:bold r:id="rId27"/>
-      <p:italic r:id="rId28"/>
-      <p:boldItalic r:id="rId29"/>
+      <p:font typeface="Montserrat" panose="00000500000000000000" pitchFamily="2" charset="0"/>
+      <p:regular r:id="rId24"/>
+      <p:bold r:id="rId25"/>
+      <p:italic r:id="rId26"/>
+      <p:boldItalic r:id="rId27"/>
     </p:embeddedFont>
   </p:embeddedFontLst>
   <p:defaultTextStyle>
-    <a:defPPr lvl="0" marR="0" rtl="0" algn="l">
+    <a:defPPr marR="0" lvl="0" algn="l" rtl="0">
       <a:lnSpc>
         <a:spcPct val="100000"/>
       </a:lnSpc>
@@ -55,7 +56,7 @@
         <a:spcPts val="0"/>
       </a:spcAft>
     </a:defPPr>
-    <a:lvl1pPr lvl="0" marR="0" rtl="0" algn="l">
+    <a:lvl1pPr marR="0" lvl="0" algn="l" rtl="0">
       <a:lnSpc>
         <a:spcPct val="100000"/>
       </a:lnSpc>
@@ -69,7 +70,7 @@
         <a:srgbClr val="000000"/>
       </a:buClr>
       <a:buFont typeface="Arial"/>
-      <a:defRPr b="0" i="0" sz="1400" u="none" cap="none" strike="noStrike">
+      <a:defRPr sz="1400" b="0" i="0" u="none" strike="noStrike" cap="none">
         <a:solidFill>
           <a:srgbClr val="000000"/>
         </a:solidFill>
@@ -79,7 +80,7 @@
         <a:sym typeface="Arial"/>
       </a:defRPr>
     </a:lvl1pPr>
-    <a:lvl2pPr lvl="1" marR="0" rtl="0" algn="l">
+    <a:lvl2pPr marR="0" lvl="1" algn="l" rtl="0">
       <a:lnSpc>
         <a:spcPct val="100000"/>
       </a:lnSpc>
@@ -93,7 +94,7 @@
         <a:srgbClr val="000000"/>
       </a:buClr>
       <a:buFont typeface="Arial"/>
-      <a:defRPr b="0" i="0" sz="1400" u="none" cap="none" strike="noStrike">
+      <a:defRPr sz="1400" b="0" i="0" u="none" strike="noStrike" cap="none">
         <a:solidFill>
           <a:srgbClr val="000000"/>
         </a:solidFill>
@@ -103,7 +104,7 @@
         <a:sym typeface="Arial"/>
       </a:defRPr>
     </a:lvl2pPr>
-    <a:lvl3pPr lvl="2" marR="0" rtl="0" algn="l">
+    <a:lvl3pPr marR="0" lvl="2" algn="l" rtl="0">
       <a:lnSpc>
         <a:spcPct val="100000"/>
       </a:lnSpc>
@@ -117,7 +118,7 @@
         <a:srgbClr val="000000"/>
       </a:buClr>
       <a:buFont typeface="Arial"/>
-      <a:defRPr b="0" i="0" sz="1400" u="none" cap="none" strike="noStrike">
+      <a:defRPr sz="1400" b="0" i="0" u="none" strike="noStrike" cap="none">
         <a:solidFill>
           <a:srgbClr val="000000"/>
         </a:solidFill>
@@ -127,7 +128,7 @@
         <a:sym typeface="Arial"/>
       </a:defRPr>
     </a:lvl3pPr>
-    <a:lvl4pPr lvl="3" marR="0" rtl="0" algn="l">
+    <a:lvl4pPr marR="0" lvl="3" algn="l" rtl="0">
       <a:lnSpc>
         <a:spcPct val="100000"/>
       </a:lnSpc>
@@ -141,7 +142,7 @@
         <a:srgbClr val="000000"/>
       </a:buClr>
       <a:buFont typeface="Arial"/>
-      <a:defRPr b="0" i="0" sz="1400" u="none" cap="none" strike="noStrike">
+      <a:defRPr sz="1400" b="0" i="0" u="none" strike="noStrike" cap="none">
         <a:solidFill>
           <a:srgbClr val="000000"/>
         </a:solidFill>
@@ -151,7 +152,7 @@
         <a:sym typeface="Arial"/>
       </a:defRPr>
     </a:lvl4pPr>
-    <a:lvl5pPr lvl="4" marR="0" rtl="0" algn="l">
+    <a:lvl5pPr marR="0" lvl="4" algn="l" rtl="0">
       <a:lnSpc>
         <a:spcPct val="100000"/>
       </a:lnSpc>
@@ -165,7 +166,7 @@
         <a:srgbClr val="000000"/>
       </a:buClr>
       <a:buFont typeface="Arial"/>
-      <a:defRPr b="0" i="0" sz="1400" u="none" cap="none" strike="noStrike">
+      <a:defRPr sz="1400" b="0" i="0" u="none" strike="noStrike" cap="none">
         <a:solidFill>
           <a:srgbClr val="000000"/>
         </a:solidFill>
@@ -175,7 +176,7 @@
         <a:sym typeface="Arial"/>
       </a:defRPr>
     </a:lvl5pPr>
-    <a:lvl6pPr lvl="5" marR="0" rtl="0" algn="l">
+    <a:lvl6pPr marR="0" lvl="5" algn="l" rtl="0">
       <a:lnSpc>
         <a:spcPct val="100000"/>
       </a:lnSpc>
@@ -189,7 +190,7 @@
         <a:srgbClr val="000000"/>
       </a:buClr>
       <a:buFont typeface="Arial"/>
-      <a:defRPr b="0" i="0" sz="1400" u="none" cap="none" strike="noStrike">
+      <a:defRPr sz="1400" b="0" i="0" u="none" strike="noStrike" cap="none">
         <a:solidFill>
           <a:srgbClr val="000000"/>
         </a:solidFill>
@@ -199,7 +200,7 @@
         <a:sym typeface="Arial"/>
       </a:defRPr>
     </a:lvl6pPr>
-    <a:lvl7pPr lvl="6" marR="0" rtl="0" algn="l">
+    <a:lvl7pPr marR="0" lvl="6" algn="l" rtl="0">
       <a:lnSpc>
         <a:spcPct val="100000"/>
       </a:lnSpc>
@@ -213,7 +214,7 @@
         <a:srgbClr val="000000"/>
       </a:buClr>
       <a:buFont typeface="Arial"/>
-      <a:defRPr b="0" i="0" sz="1400" u="none" cap="none" strike="noStrike">
+      <a:defRPr sz="1400" b="0" i="0" u="none" strike="noStrike" cap="none">
         <a:solidFill>
           <a:srgbClr val="000000"/>
         </a:solidFill>
@@ -223,7 +224,7 @@
         <a:sym typeface="Arial"/>
       </a:defRPr>
     </a:lvl7pPr>
-    <a:lvl8pPr lvl="7" marR="0" rtl="0" algn="l">
+    <a:lvl8pPr marR="0" lvl="7" algn="l" rtl="0">
       <a:lnSpc>
         <a:spcPct val="100000"/>
       </a:lnSpc>
@@ -237,7 +238,7 @@
         <a:srgbClr val="000000"/>
       </a:buClr>
       <a:buFont typeface="Arial"/>
-      <a:defRPr b="0" i="0" sz="1400" u="none" cap="none" strike="noStrike">
+      <a:defRPr sz="1400" b="0" i="0" u="none" strike="noStrike" cap="none">
         <a:solidFill>
           <a:srgbClr val="000000"/>
         </a:solidFill>
@@ -247,7 +248,7 @@
         <a:sym typeface="Arial"/>
       </a:defRPr>
     </a:lvl8pPr>
-    <a:lvl9pPr lvl="8" marR="0" rtl="0" algn="l">
+    <a:lvl9pPr marR="0" lvl="8" algn="l" rtl="0">
       <a:lnSpc>
         <a:spcPct val="100000"/>
       </a:lnSpc>
@@ -261,7 +262,7 @@
         <a:srgbClr val="000000"/>
       </a:buClr>
       <a:buFont typeface="Arial"/>
-      <a:defRPr b="0" i="0" sz="1400" u="none" cap="none" strike="noStrike">
+      <a:defRPr sz="1400" b="0" i="0" u="none" strike="noStrike" cap="none">
         <a:solidFill>
           <a:srgbClr val="000000"/>
         </a:solidFill>
@@ -274,7 +275,7 @@
   </p:defaultTextStyle>
   <p:extLst>
     <p:ext uri="{EFAFB233-063F-42B5-8137-9DF3F51BA10A}">
-      <p15:sldGuideLst>
+      <p15:sldGuideLst xmlns:p15="http://schemas.microsoft.com/office/powerpoint/2012/main">
         <p15:guide id="1" orient="horz" pos="1620">
           <p15:clr>
             <a:srgbClr val="747775"/>
@@ -292,11 +293,16 @@
 </file>
 
 <file path=ppt/notesMasters/notesMaster1.xml><?xml version="1.0" encoding="utf-8"?>
-<p:notesMaster xmlns:a="http://schemas.openxmlformats.org/drawingml/2006/main" xmlns:r="http://schemas.openxmlformats.org/officeDocument/2006/relationships" xmlns:mc="http://schemas.openxmlformats.org/markup-compatibility/2006" xmlns:mv="urn:schemas-microsoft-com:mac:vml" xmlns:p="http://schemas.openxmlformats.org/presentationml/2006/main" xmlns:c="http://schemas.openxmlformats.org/drawingml/2006/chart" xmlns:dgm="http://schemas.openxmlformats.org/drawingml/2006/diagram" xmlns:o="urn:schemas-microsoft-com:office:office" xmlns:v="urn:schemas-microsoft-com:vml" xmlns:pvml="urn:schemas-microsoft-com:office:powerpoint" xmlns:com="http://schemas.openxmlformats.org/drawingml/2006/compatibility" xmlns:p14="http://schemas.microsoft.com/office/powerpoint/2010/main" xmlns:p15="http://schemas.microsoft.com/office/powerpoint/2012/main" xmlns:ahyp="http://schemas.microsoft.com/office/drawing/2018/hyperlinkcolor">
+<p:notesMaster xmlns:a="http://schemas.openxmlformats.org/drawingml/2006/main" xmlns:r="http://schemas.openxmlformats.org/officeDocument/2006/relationships" xmlns:p="http://schemas.openxmlformats.org/presentationml/2006/main">
   <p:cSld>
+    <p:bg>
+      <p:bgRef idx="1001">
+        <a:schemeClr val="bg1"/>
+      </p:bgRef>
+    </p:bg>
     <p:spTree>
       <p:nvGrpSpPr>
-        <p:cNvPr id="2" name="Shape 2"/>
+        <p:cNvPr id="1" name="Shape 2"/>
         <p:cNvGrpSpPr/>
         <p:nvPr/>
       </p:nvGrpSpPr>
@@ -311,9 +317,11 @@
       <p:sp>
         <p:nvSpPr>
           <p:cNvPr id="3" name="Google Shape;3;n"/>
-          <p:cNvSpPr/>
+          <p:cNvSpPr>
+            <a:spLocks noGrp="1" noRot="1" noChangeAspect="1"/>
+          </p:cNvSpPr>
           <p:nvPr>
-            <p:ph idx="2" type="sldImg"/>
+            <p:ph type="sldImg" idx="2"/>
           </p:nvPr>
         </p:nvSpPr>
         <p:spPr>
@@ -322,9 +330,13 @@
             <a:ext cx="6096075" cy="3429000"/>
           </a:xfrm>
           <a:custGeom>
-            <a:rect b="b" l="l" r="r" t="t"/>
+            <a:avLst/>
+            <a:gdLst/>
+            <a:ahLst/>
+            <a:cxnLst/>
+            <a:rect l="l" t="t" r="r" b="b"/>
             <a:pathLst>
-              <a:path extrusionOk="0" h="120000" w="120000">
+              <a:path w="120000" h="120000" extrusionOk="0">
                 <a:moveTo>
                   <a:pt x="0" y="0"/>
                 </a:moveTo>
@@ -342,23 +354,25 @@
             </a:pathLst>
           </a:custGeom>
           <a:noFill/>
-          <a:ln cap="flat" cmpd="sng" w="9525">
+          <a:ln w="9525" cap="flat" cmpd="sng">
             <a:solidFill>
               <a:srgbClr val="000000"/>
             </a:solidFill>
             <a:prstDash val="solid"/>
             <a:round/>
-            <a:headEnd len="sm" w="sm" type="none"/>
-            <a:tailEnd len="sm" w="sm" type="none"/>
+            <a:headEnd type="none" w="sm" len="sm"/>
+            <a:tailEnd type="none" w="sm" len="sm"/>
           </a:ln>
         </p:spPr>
       </p:sp>
       <p:sp>
         <p:nvSpPr>
           <p:cNvPr id="4" name="Google Shape;4;n"/>
-          <p:cNvSpPr txBox="1"/>
+          <p:cNvSpPr txBox="1">
+            <a:spLocks noGrp="1"/>
+          </p:cNvSpPr>
           <p:nvPr>
-            <p:ph idx="1" type="body"/>
+            <p:ph type="body" idx="1"/>
           </p:nvPr>
         </p:nvSpPr>
         <p:spPr>
@@ -375,11 +389,11 @@
           </a:ln>
         </p:spPr>
         <p:txBody>
-          <a:bodyPr anchorCtr="0" anchor="t" bIns="91425" lIns="91425" spcFirstLastPara="1" rIns="91425" wrap="square" tIns="91425">
+          <a:bodyPr spcFirstLastPara="1" wrap="square" lIns="91425" tIns="91425" rIns="91425" bIns="91425" anchor="t" anchorCtr="0">
             <a:noAutofit/>
           </a:bodyPr>
           <a:lstStyle>
-            <a:lvl1pPr indent="-298450" lvl="0" marL="457200">
+            <a:lvl1pPr marL="457200" lvl="0" indent="-298450">
               <a:spcBef>
                 <a:spcPts val="0"/>
               </a:spcBef>
@@ -390,7 +404,7 @@
               <a:buChar char="●"/>
               <a:defRPr sz="1100"/>
             </a:lvl1pPr>
-            <a:lvl2pPr indent="-298450" lvl="1" marL="914400">
+            <a:lvl2pPr marL="914400" lvl="1" indent="-298450">
               <a:spcBef>
                 <a:spcPts val="0"/>
               </a:spcBef>
@@ -401,7 +415,7 @@
               <a:buChar char="○"/>
               <a:defRPr sz="1100"/>
             </a:lvl2pPr>
-            <a:lvl3pPr indent="-298450" lvl="2" marL="1371600">
+            <a:lvl3pPr marL="1371600" lvl="2" indent="-298450">
               <a:spcBef>
                 <a:spcPts val="0"/>
               </a:spcBef>
@@ -412,7 +426,7 @@
               <a:buChar char="■"/>
               <a:defRPr sz="1100"/>
             </a:lvl3pPr>
-            <a:lvl4pPr indent="-298450" lvl="3" marL="1828800">
+            <a:lvl4pPr marL="1828800" lvl="3" indent="-298450">
               <a:spcBef>
                 <a:spcPts val="0"/>
               </a:spcBef>
@@ -423,7 +437,7 @@
               <a:buChar char="●"/>
               <a:defRPr sz="1100"/>
             </a:lvl4pPr>
-            <a:lvl5pPr indent="-298450" lvl="4" marL="2286000">
+            <a:lvl5pPr marL="2286000" lvl="4" indent="-298450">
               <a:spcBef>
                 <a:spcPts val="0"/>
               </a:spcBef>
@@ -434,7 +448,7 @@
               <a:buChar char="○"/>
               <a:defRPr sz="1100"/>
             </a:lvl5pPr>
-            <a:lvl6pPr indent="-298450" lvl="5" marL="2743200">
+            <a:lvl6pPr marL="2743200" lvl="5" indent="-298450">
               <a:spcBef>
                 <a:spcPts val="0"/>
               </a:spcBef>
@@ -445,7 +459,7 @@
               <a:buChar char="■"/>
               <a:defRPr sz="1100"/>
             </a:lvl6pPr>
-            <a:lvl7pPr indent="-298450" lvl="6" marL="3200400">
+            <a:lvl7pPr marL="3200400" lvl="6" indent="-298450">
               <a:spcBef>
                 <a:spcPts val="0"/>
               </a:spcBef>
@@ -456,7 +470,7 @@
               <a:buChar char="●"/>
               <a:defRPr sz="1100"/>
             </a:lvl7pPr>
-            <a:lvl8pPr indent="-298450" lvl="7" marL="3657600">
+            <a:lvl8pPr marL="3657600" lvl="7" indent="-298450">
               <a:spcBef>
                 <a:spcPts val="0"/>
               </a:spcBef>
@@ -467,7 +481,7 @@
               <a:buChar char="○"/>
               <a:defRPr sz="1100"/>
             </a:lvl8pPr>
-            <a:lvl9pPr indent="-298450" lvl="8" marL="4114800">
+            <a:lvl9pPr marL="4114800" lvl="8" indent="-298450">
               <a:spcBef>
                 <a:spcPts val="0"/>
               </a:spcBef>
@@ -479,14 +493,16 @@
               <a:defRPr sz="1100"/>
             </a:lvl9pPr>
           </a:lstStyle>
-          <a:p/>
+          <a:p>
+            <a:endParaRPr/>
+          </a:p>
         </p:txBody>
       </p:sp>
     </p:spTree>
   </p:cSld>
-  <p:clrMap accent1="accent1" accent2="accent2" accent3="accent3" accent4="accent4" accent5="accent5" accent6="accent6" bg1="lt1" bg2="dk2" tx1="dk1" tx2="lt2" folHlink="folHlink" hlink="hlink"/>
+  <p:clrMap bg1="lt1" tx1="dk1" bg2="dk2" tx2="lt2" accent1="accent1" accent2="accent2" accent3="accent3" accent4="accent4" accent5="accent5" accent6="accent6" hlink="hlink" folHlink="folHlink"/>
   <p:notesStyle>
-    <a:defPPr lvl="0" marR="0" rtl="0" algn="l">
+    <a:defPPr marR="0" lvl="0" algn="l" rtl="0">
       <a:lnSpc>
         <a:spcPct val="100000"/>
       </a:lnSpc>
@@ -497,7 +513,7 @@
         <a:spcPts val="0"/>
       </a:spcAft>
     </a:defPPr>
-    <a:lvl1pPr lvl="0" marR="0" rtl="0" algn="l">
+    <a:lvl1pPr marR="0" lvl="0" algn="l" rtl="0">
       <a:lnSpc>
         <a:spcPct val="100000"/>
       </a:lnSpc>
@@ -511,7 +527,7 @@
         <a:srgbClr val="000000"/>
       </a:buClr>
       <a:buFont typeface="Arial"/>
-      <a:defRPr b="0" i="0" sz="1400" u="none" cap="none" strike="noStrike">
+      <a:defRPr sz="1400" b="0" i="0" u="none" strike="noStrike" cap="none">
         <a:solidFill>
           <a:srgbClr val="000000"/>
         </a:solidFill>
@@ -521,7 +537,7 @@
         <a:sym typeface="Arial"/>
       </a:defRPr>
     </a:lvl1pPr>
-    <a:lvl2pPr lvl="1" marR="0" rtl="0" algn="l">
+    <a:lvl2pPr marR="0" lvl="1" algn="l" rtl="0">
       <a:lnSpc>
         <a:spcPct val="100000"/>
       </a:lnSpc>
@@ -535,7 +551,7 @@
         <a:srgbClr val="000000"/>
       </a:buClr>
       <a:buFont typeface="Arial"/>
-      <a:defRPr b="0" i="0" sz="1400" u="none" cap="none" strike="noStrike">
+      <a:defRPr sz="1400" b="0" i="0" u="none" strike="noStrike" cap="none">
         <a:solidFill>
           <a:srgbClr val="000000"/>
         </a:solidFill>
@@ -545,7 +561,7 @@
         <a:sym typeface="Arial"/>
       </a:defRPr>
     </a:lvl2pPr>
-    <a:lvl3pPr lvl="2" marR="0" rtl="0" algn="l">
+    <a:lvl3pPr marR="0" lvl="2" algn="l" rtl="0">
       <a:lnSpc>
         <a:spcPct val="100000"/>
       </a:lnSpc>
@@ -559,7 +575,7 @@
         <a:srgbClr val="000000"/>
       </a:buClr>
       <a:buFont typeface="Arial"/>
-      <a:defRPr b="0" i="0" sz="1400" u="none" cap="none" strike="noStrike">
+      <a:defRPr sz="1400" b="0" i="0" u="none" strike="noStrike" cap="none">
         <a:solidFill>
           <a:srgbClr val="000000"/>
         </a:solidFill>
@@ -569,7 +585,7 @@
         <a:sym typeface="Arial"/>
       </a:defRPr>
     </a:lvl3pPr>
-    <a:lvl4pPr lvl="3" marR="0" rtl="0" algn="l">
+    <a:lvl4pPr marR="0" lvl="3" algn="l" rtl="0">
       <a:lnSpc>
         <a:spcPct val="100000"/>
       </a:lnSpc>
@@ -583,7 +599,7 @@
         <a:srgbClr val="000000"/>
       </a:buClr>
       <a:buFont typeface="Arial"/>
-      <a:defRPr b="0" i="0" sz="1400" u="none" cap="none" strike="noStrike">
+      <a:defRPr sz="1400" b="0" i="0" u="none" strike="noStrike" cap="none">
         <a:solidFill>
           <a:srgbClr val="000000"/>
         </a:solidFill>
@@ -593,7 +609,7 @@
         <a:sym typeface="Arial"/>
       </a:defRPr>
     </a:lvl4pPr>
-    <a:lvl5pPr lvl="4" marR="0" rtl="0" algn="l">
+    <a:lvl5pPr marR="0" lvl="4" algn="l" rtl="0">
       <a:lnSpc>
         <a:spcPct val="100000"/>
       </a:lnSpc>
@@ -607,7 +623,7 @@
         <a:srgbClr val="000000"/>
       </a:buClr>
       <a:buFont typeface="Arial"/>
-      <a:defRPr b="0" i="0" sz="1400" u="none" cap="none" strike="noStrike">
+      <a:defRPr sz="1400" b="0" i="0" u="none" strike="noStrike" cap="none">
         <a:solidFill>
           <a:srgbClr val="000000"/>
         </a:solidFill>
@@ -617,7 +633,7 @@
         <a:sym typeface="Arial"/>
       </a:defRPr>
     </a:lvl5pPr>
-    <a:lvl6pPr lvl="5" marR="0" rtl="0" algn="l">
+    <a:lvl6pPr marR="0" lvl="5" algn="l" rtl="0">
       <a:lnSpc>
         <a:spcPct val="100000"/>
       </a:lnSpc>
@@ -631,7 +647,7 @@
         <a:srgbClr val="000000"/>
       </a:buClr>
       <a:buFont typeface="Arial"/>
-      <a:defRPr b="0" i="0" sz="1400" u="none" cap="none" strike="noStrike">
+      <a:defRPr sz="1400" b="0" i="0" u="none" strike="noStrike" cap="none">
         <a:solidFill>
           <a:srgbClr val="000000"/>
         </a:solidFill>
@@ -641,7 +657,7 @@
         <a:sym typeface="Arial"/>
       </a:defRPr>
     </a:lvl6pPr>
-    <a:lvl7pPr lvl="6" marR="0" rtl="0" algn="l">
+    <a:lvl7pPr marR="0" lvl="6" algn="l" rtl="0">
       <a:lnSpc>
         <a:spcPct val="100000"/>
       </a:lnSpc>
@@ -655,7 +671,7 @@
         <a:srgbClr val="000000"/>
       </a:buClr>
       <a:buFont typeface="Arial"/>
-      <a:defRPr b="0" i="0" sz="1400" u="none" cap="none" strike="noStrike">
+      <a:defRPr sz="1400" b="0" i="0" u="none" strike="noStrike" cap="none">
         <a:solidFill>
           <a:srgbClr val="000000"/>
         </a:solidFill>
@@ -665,7 +681,7 @@
         <a:sym typeface="Arial"/>
       </a:defRPr>
     </a:lvl7pPr>
-    <a:lvl8pPr lvl="7" marR="0" rtl="0" algn="l">
+    <a:lvl8pPr marR="0" lvl="7" algn="l" rtl="0">
       <a:lnSpc>
         <a:spcPct val="100000"/>
       </a:lnSpc>
@@ -679,7 +695,7 @@
         <a:srgbClr val="000000"/>
       </a:buClr>
       <a:buFont typeface="Arial"/>
-      <a:defRPr b="0" i="0" sz="1400" u="none" cap="none" strike="noStrike">
+      <a:defRPr sz="1400" b="0" i="0" u="none" strike="noStrike" cap="none">
         <a:solidFill>
           <a:srgbClr val="000000"/>
         </a:solidFill>
@@ -689,7 +705,7 @@
         <a:sym typeface="Arial"/>
       </a:defRPr>
     </a:lvl8pPr>
-    <a:lvl9pPr lvl="8" marR="0" rtl="0" algn="l">
+    <a:lvl9pPr marR="0" lvl="8" algn="l" rtl="0">
       <a:lnSpc>
         <a:spcPct val="100000"/>
       </a:lnSpc>
@@ -703,7 +719,7 @@
         <a:srgbClr val="000000"/>
       </a:buClr>
       <a:buFont typeface="Arial"/>
-      <a:defRPr b="0" i="0" sz="1400" u="none" cap="none" strike="noStrike">
+      <a:defRPr sz="1400" b="0" i="0" u="none" strike="noStrike" cap="none">
         <a:solidFill>
           <a:srgbClr val="000000"/>
         </a:solidFill>
@@ -718,11 +734,11 @@
 </file>
 
 <file path=ppt/notesSlides/notesSlide1.xml><?xml version="1.0" encoding="utf-8"?>
-<p:notes xmlns:a="http://schemas.openxmlformats.org/drawingml/2006/main" xmlns:r="http://schemas.openxmlformats.org/officeDocument/2006/relationships" xmlns:mc="http://schemas.openxmlformats.org/markup-compatibility/2006" xmlns:mv="urn:schemas-microsoft-com:mac:vml" xmlns:p="http://schemas.openxmlformats.org/presentationml/2006/main" xmlns:c="http://schemas.openxmlformats.org/drawingml/2006/chart" xmlns:dgm="http://schemas.openxmlformats.org/drawingml/2006/diagram" xmlns:o="urn:schemas-microsoft-com:office:office" xmlns:v="urn:schemas-microsoft-com:vml" xmlns:pvml="urn:schemas-microsoft-com:office:powerpoint" xmlns:com="http://schemas.openxmlformats.org/drawingml/2006/compatibility" xmlns:p14="http://schemas.microsoft.com/office/powerpoint/2010/main" xmlns:p15="http://schemas.microsoft.com/office/powerpoint/2012/main" xmlns:ahyp="http://schemas.microsoft.com/office/drawing/2018/hyperlinkcolor" showMasterPhAnim="0" showMasterSp="0">
+<p:notes xmlns:a="http://schemas.openxmlformats.org/drawingml/2006/main" xmlns:r="http://schemas.openxmlformats.org/officeDocument/2006/relationships" xmlns:p="http://schemas.openxmlformats.org/presentationml/2006/main" showMasterSp="0" showMasterPhAnim="0">
   <p:cSld>
     <p:spTree>
       <p:nvGrpSpPr>
-        <p:cNvPr id="130" name="Shape 130"/>
+        <p:cNvPr id="1" name="Shape 130"/>
         <p:cNvGrpSpPr/>
         <p:nvPr/>
       </p:nvGrpSpPr>
@@ -737,20 +753,26 @@
       <p:sp>
         <p:nvSpPr>
           <p:cNvPr id="131" name="Google Shape;131;p:notes"/>
-          <p:cNvSpPr/>
+          <p:cNvSpPr>
+            <a:spLocks noGrp="1" noRot="1" noChangeAspect="1"/>
+          </p:cNvSpPr>
           <p:nvPr>
-            <p:ph idx="2" type="sldImg"/>
+            <p:ph type="sldImg" idx="2"/>
           </p:nvPr>
         </p:nvSpPr>
         <p:spPr>
           <a:xfrm>
-            <a:off x="381300" y="685800"/>
-            <a:ext cx="6096075" cy="3429000"/>
+            <a:off x="381000" y="685800"/>
+            <a:ext cx="6096000" cy="3429000"/>
           </a:xfrm>
           <a:custGeom>
-            <a:rect b="b" l="l" r="r" t="t"/>
+            <a:avLst/>
+            <a:gdLst/>
+            <a:ahLst/>
+            <a:cxnLst/>
+            <a:rect l="l" t="t" r="r" b="b"/>
             <a:pathLst>
-              <a:path extrusionOk="0" h="120000" w="120000">
+              <a:path w="120000" h="120000" extrusionOk="0">
                 <a:moveTo>
                   <a:pt x="0" y="0"/>
                 </a:moveTo>
@@ -772,9 +794,11 @@
       <p:sp>
         <p:nvSpPr>
           <p:cNvPr id="132" name="Google Shape;132;p:notes"/>
-          <p:cNvSpPr txBox="1"/>
+          <p:cNvSpPr txBox="1">
+            <a:spLocks noGrp="1"/>
+          </p:cNvSpPr>
           <p:nvPr>
-            <p:ph idx="1" type="body"/>
+            <p:ph type="body" idx="1"/>
           </p:nvPr>
         </p:nvSpPr>
         <p:spPr>
@@ -787,12 +811,12 @@
           </a:prstGeom>
         </p:spPr>
         <p:txBody>
-          <a:bodyPr anchorCtr="0" anchor="t" bIns="91425" lIns="91425" spcFirstLastPara="1" rIns="91425" wrap="square" tIns="91425">
+          <a:bodyPr spcFirstLastPara="1" wrap="square" lIns="91425" tIns="91425" rIns="91425" bIns="91425" anchor="t" anchorCtr="0">
             <a:noAutofit/>
           </a:bodyPr>
           <a:lstStyle/>
           <a:p>
-            <a:pPr indent="0" lvl="0" marL="0" rtl="0" algn="l">
+            <a:pPr marL="0" lvl="0" indent="0" algn="l" rtl="0">
               <a:spcBef>
                 <a:spcPts val="0"/>
               </a:spcBef>
@@ -801,9 +825,6 @@
               </a:spcAft>
               <a:buNone/>
             </a:pPr>
-            <a:r>
-              <a:t/>
-            </a:r>
             <a:endParaRPr/>
           </a:p>
         </p:txBody>
@@ -817,11 +838,11 @@
 </file>
 
 <file path=ppt/notesSlides/notesSlide10.xml><?xml version="1.0" encoding="utf-8"?>
-<p:notes xmlns:a="http://schemas.openxmlformats.org/drawingml/2006/main" xmlns:r="http://schemas.openxmlformats.org/officeDocument/2006/relationships" xmlns:mc="http://schemas.openxmlformats.org/markup-compatibility/2006" xmlns:mv="urn:schemas-microsoft-com:mac:vml" xmlns:p="http://schemas.openxmlformats.org/presentationml/2006/main" xmlns:c="http://schemas.openxmlformats.org/drawingml/2006/chart" xmlns:dgm="http://schemas.openxmlformats.org/drawingml/2006/diagram" xmlns:o="urn:schemas-microsoft-com:office:office" xmlns:v="urn:schemas-microsoft-com:vml" xmlns:pvml="urn:schemas-microsoft-com:office:powerpoint" xmlns:com="http://schemas.openxmlformats.org/drawingml/2006/compatibility" xmlns:p14="http://schemas.microsoft.com/office/powerpoint/2010/main" xmlns:p15="http://schemas.microsoft.com/office/powerpoint/2012/main" xmlns:ahyp="http://schemas.microsoft.com/office/drawing/2018/hyperlinkcolor" showMasterPhAnim="0" showMasterSp="0">
+<p:notes xmlns:a="http://schemas.openxmlformats.org/drawingml/2006/main" xmlns:r="http://schemas.openxmlformats.org/officeDocument/2006/relationships" xmlns:p="http://schemas.openxmlformats.org/presentationml/2006/main" showMasterSp="0" showMasterPhAnim="0">
   <p:cSld>
     <p:spTree>
       <p:nvGrpSpPr>
-        <p:cNvPr id="185" name="Shape 185"/>
+        <p:cNvPr id="1" name="Shape 185"/>
         <p:cNvGrpSpPr/>
         <p:nvPr/>
       </p:nvGrpSpPr>
@@ -836,20 +857,26 @@
       <p:sp>
         <p:nvSpPr>
           <p:cNvPr id="186" name="Google Shape;186;g26da7904dac_0_966:notes"/>
-          <p:cNvSpPr/>
+          <p:cNvSpPr>
+            <a:spLocks noGrp="1" noRot="1" noChangeAspect="1"/>
+          </p:cNvSpPr>
           <p:nvPr>
-            <p:ph idx="2" type="sldImg"/>
+            <p:ph type="sldImg" idx="2"/>
           </p:nvPr>
         </p:nvSpPr>
         <p:spPr>
           <a:xfrm>
-            <a:off x="381300" y="685800"/>
+            <a:off x="381000" y="685800"/>
             <a:ext cx="6096000" cy="3429000"/>
           </a:xfrm>
           <a:custGeom>
-            <a:rect b="b" l="l" r="r" t="t"/>
+            <a:avLst/>
+            <a:gdLst/>
+            <a:ahLst/>
+            <a:cxnLst/>
+            <a:rect l="l" t="t" r="r" b="b"/>
             <a:pathLst>
-              <a:path extrusionOk="0" h="120000" w="120000">
+              <a:path w="120000" h="120000" extrusionOk="0">
                 <a:moveTo>
                   <a:pt x="0" y="0"/>
                 </a:moveTo>
@@ -871,9 +898,11 @@
       <p:sp>
         <p:nvSpPr>
           <p:cNvPr id="187" name="Google Shape;187;g26da7904dac_0_966:notes"/>
-          <p:cNvSpPr txBox="1"/>
+          <p:cNvSpPr txBox="1">
+            <a:spLocks noGrp="1"/>
+          </p:cNvSpPr>
           <p:nvPr>
-            <p:ph idx="1" type="body"/>
+            <p:ph type="body" idx="1"/>
           </p:nvPr>
         </p:nvSpPr>
         <p:spPr>
@@ -886,12 +915,12 @@
           </a:prstGeom>
         </p:spPr>
         <p:txBody>
-          <a:bodyPr anchorCtr="0" anchor="t" bIns="91425" lIns="91425" spcFirstLastPara="1" rIns="91425" wrap="square" tIns="91425">
+          <a:bodyPr spcFirstLastPara="1" wrap="square" lIns="91425" tIns="91425" rIns="91425" bIns="91425" anchor="t" anchorCtr="0">
             <a:noAutofit/>
           </a:bodyPr>
           <a:lstStyle/>
           <a:p>
-            <a:pPr indent="0" lvl="0" marL="0" rtl="0" algn="l">
+            <a:pPr marL="0" lvl="0" indent="0" algn="l" rtl="0">
               <a:spcBef>
                 <a:spcPts val="0"/>
               </a:spcBef>
@@ -900,9 +929,6 @@
               </a:spcAft>
               <a:buNone/>
             </a:pPr>
-            <a:r>
-              <a:t/>
-            </a:r>
             <a:endParaRPr/>
           </a:p>
         </p:txBody>
@@ -916,11 +942,11 @@
 </file>
 
 <file path=ppt/notesSlides/notesSlide11.xml><?xml version="1.0" encoding="utf-8"?>
-<p:notes xmlns:a="http://schemas.openxmlformats.org/drawingml/2006/main" xmlns:r="http://schemas.openxmlformats.org/officeDocument/2006/relationships" xmlns:mc="http://schemas.openxmlformats.org/markup-compatibility/2006" xmlns:mv="urn:schemas-microsoft-com:mac:vml" xmlns:p="http://schemas.openxmlformats.org/presentationml/2006/main" xmlns:c="http://schemas.openxmlformats.org/drawingml/2006/chart" xmlns:dgm="http://schemas.openxmlformats.org/drawingml/2006/diagram" xmlns:o="urn:schemas-microsoft-com:office:office" xmlns:v="urn:schemas-microsoft-com:vml" xmlns:pvml="urn:schemas-microsoft-com:office:powerpoint" xmlns:com="http://schemas.openxmlformats.org/drawingml/2006/compatibility" xmlns:p14="http://schemas.microsoft.com/office/powerpoint/2010/main" xmlns:p15="http://schemas.microsoft.com/office/powerpoint/2012/main" xmlns:ahyp="http://schemas.microsoft.com/office/drawing/2018/hyperlinkcolor" showMasterPhAnim="0" showMasterSp="0">
+<p:notes xmlns:a="http://schemas.openxmlformats.org/drawingml/2006/main" xmlns:r="http://schemas.openxmlformats.org/officeDocument/2006/relationships" xmlns:p="http://schemas.openxmlformats.org/presentationml/2006/main" showMasterSp="0" showMasterPhAnim="0">
   <p:cSld>
     <p:spTree>
       <p:nvGrpSpPr>
-        <p:cNvPr id="191" name="Shape 191"/>
+        <p:cNvPr id="1" name="Shape 191"/>
         <p:cNvGrpSpPr/>
         <p:nvPr/>
       </p:nvGrpSpPr>
@@ -935,9 +961,11 @@
       <p:sp>
         <p:nvSpPr>
           <p:cNvPr id="192" name="Google Shape;192;g26da7904dac_0_971:notes"/>
-          <p:cNvSpPr/>
+          <p:cNvSpPr>
+            <a:spLocks noGrp="1" noRot="1" noChangeAspect="1"/>
+          </p:cNvSpPr>
           <p:nvPr>
-            <p:ph idx="2" type="sldImg"/>
+            <p:ph type="sldImg" idx="2"/>
           </p:nvPr>
         </p:nvSpPr>
         <p:spPr>
@@ -946,9 +974,13 @@
             <a:ext cx="6096000" cy="3429000"/>
           </a:xfrm>
           <a:custGeom>
-            <a:rect b="b" l="l" r="r" t="t"/>
+            <a:avLst/>
+            <a:gdLst/>
+            <a:ahLst/>
+            <a:cxnLst/>
+            <a:rect l="l" t="t" r="r" b="b"/>
             <a:pathLst>
-              <a:path extrusionOk="0" h="120000" w="120000">
+              <a:path w="120000" h="120000" extrusionOk="0">
                 <a:moveTo>
                   <a:pt x="0" y="0"/>
                 </a:moveTo>
@@ -970,9 +1002,11 @@
       <p:sp>
         <p:nvSpPr>
           <p:cNvPr id="193" name="Google Shape;193;g26da7904dac_0_971:notes"/>
-          <p:cNvSpPr txBox="1"/>
+          <p:cNvSpPr txBox="1">
+            <a:spLocks noGrp="1"/>
+          </p:cNvSpPr>
           <p:nvPr>
-            <p:ph idx="1" type="body"/>
+            <p:ph type="body" idx="1"/>
           </p:nvPr>
         </p:nvSpPr>
         <p:spPr>
@@ -985,12 +1019,12 @@
           </a:prstGeom>
         </p:spPr>
         <p:txBody>
-          <a:bodyPr anchorCtr="0" anchor="t" bIns="91425" lIns="91425" spcFirstLastPara="1" rIns="91425" wrap="square" tIns="91425">
+          <a:bodyPr spcFirstLastPara="1" wrap="square" lIns="91425" tIns="91425" rIns="91425" bIns="91425" anchor="t" anchorCtr="0">
             <a:noAutofit/>
           </a:bodyPr>
           <a:lstStyle/>
           <a:p>
-            <a:pPr indent="0" lvl="0" marL="0" rtl="0" algn="l">
+            <a:pPr marL="0" lvl="0" indent="0" algn="l" rtl="0">
               <a:spcBef>
                 <a:spcPts val="0"/>
               </a:spcBef>
@@ -999,9 +1033,6 @@
               </a:spcAft>
               <a:buNone/>
             </a:pPr>
-            <a:r>
-              <a:t/>
-            </a:r>
             <a:endParaRPr/>
           </a:p>
         </p:txBody>
@@ -1015,11 +1046,11 @@
 </file>
 
 <file path=ppt/notesSlides/notesSlide12.xml><?xml version="1.0" encoding="utf-8"?>
-<p:notes xmlns:a="http://schemas.openxmlformats.org/drawingml/2006/main" xmlns:r="http://schemas.openxmlformats.org/officeDocument/2006/relationships" xmlns:mc="http://schemas.openxmlformats.org/markup-compatibility/2006" xmlns:mv="urn:schemas-microsoft-com:mac:vml" xmlns:p="http://schemas.openxmlformats.org/presentationml/2006/main" xmlns:c="http://schemas.openxmlformats.org/drawingml/2006/chart" xmlns:dgm="http://schemas.openxmlformats.org/drawingml/2006/diagram" xmlns:o="urn:schemas-microsoft-com:office:office" xmlns:v="urn:schemas-microsoft-com:vml" xmlns:pvml="urn:schemas-microsoft-com:office:powerpoint" xmlns:com="http://schemas.openxmlformats.org/drawingml/2006/compatibility" xmlns:p14="http://schemas.microsoft.com/office/powerpoint/2010/main" xmlns:p15="http://schemas.microsoft.com/office/powerpoint/2012/main" xmlns:ahyp="http://schemas.microsoft.com/office/drawing/2018/hyperlinkcolor" showMasterPhAnim="0" showMasterSp="0">
+<p:notes xmlns:a="http://schemas.openxmlformats.org/drawingml/2006/main" xmlns:r="http://schemas.openxmlformats.org/officeDocument/2006/relationships" xmlns:p="http://schemas.openxmlformats.org/presentationml/2006/main" showMasterSp="0" showMasterPhAnim="0">
   <p:cSld>
     <p:spTree>
       <p:nvGrpSpPr>
-        <p:cNvPr id="197" name="Shape 197"/>
+        <p:cNvPr id="1" name="Shape 197"/>
         <p:cNvGrpSpPr/>
         <p:nvPr/>
       </p:nvGrpSpPr>
@@ -1034,9 +1065,11 @@
       <p:sp>
         <p:nvSpPr>
           <p:cNvPr id="198" name="Google Shape;198;g26da7904dac_0_976:notes"/>
-          <p:cNvSpPr/>
+          <p:cNvSpPr>
+            <a:spLocks noGrp="1" noRot="1" noChangeAspect="1"/>
+          </p:cNvSpPr>
           <p:nvPr>
-            <p:ph idx="2" type="sldImg"/>
+            <p:ph type="sldImg" idx="2"/>
           </p:nvPr>
         </p:nvSpPr>
         <p:spPr>
@@ -1045,9 +1078,13 @@
             <a:ext cx="6096000" cy="3429000"/>
           </a:xfrm>
           <a:custGeom>
-            <a:rect b="b" l="l" r="r" t="t"/>
+            <a:avLst/>
+            <a:gdLst/>
+            <a:ahLst/>
+            <a:cxnLst/>
+            <a:rect l="l" t="t" r="r" b="b"/>
             <a:pathLst>
-              <a:path extrusionOk="0" h="120000" w="120000">
+              <a:path w="120000" h="120000" extrusionOk="0">
                 <a:moveTo>
                   <a:pt x="0" y="0"/>
                 </a:moveTo>
@@ -1069,9 +1106,11 @@
       <p:sp>
         <p:nvSpPr>
           <p:cNvPr id="199" name="Google Shape;199;g26da7904dac_0_976:notes"/>
-          <p:cNvSpPr txBox="1"/>
+          <p:cNvSpPr txBox="1">
+            <a:spLocks noGrp="1"/>
+          </p:cNvSpPr>
           <p:nvPr>
-            <p:ph idx="1" type="body"/>
+            <p:ph type="body" idx="1"/>
           </p:nvPr>
         </p:nvSpPr>
         <p:spPr>
@@ -1084,12 +1123,12 @@
           </a:prstGeom>
         </p:spPr>
         <p:txBody>
-          <a:bodyPr anchorCtr="0" anchor="t" bIns="91425" lIns="91425" spcFirstLastPara="1" rIns="91425" wrap="square" tIns="91425">
+          <a:bodyPr spcFirstLastPara="1" wrap="square" lIns="91425" tIns="91425" rIns="91425" bIns="91425" anchor="t" anchorCtr="0">
             <a:noAutofit/>
           </a:bodyPr>
           <a:lstStyle/>
           <a:p>
-            <a:pPr indent="0" lvl="0" marL="0" rtl="0" algn="l">
+            <a:pPr marL="0" lvl="0" indent="0" algn="l" rtl="0">
               <a:spcBef>
                 <a:spcPts val="0"/>
               </a:spcBef>
@@ -1098,9 +1137,6 @@
               </a:spcAft>
               <a:buNone/>
             </a:pPr>
-            <a:r>
-              <a:t/>
-            </a:r>
             <a:endParaRPr/>
           </a:p>
         </p:txBody>
@@ -1114,11 +1150,11 @@
 </file>
 
 <file path=ppt/notesSlides/notesSlide13.xml><?xml version="1.0" encoding="utf-8"?>
-<p:notes xmlns:a="http://schemas.openxmlformats.org/drawingml/2006/main" xmlns:r="http://schemas.openxmlformats.org/officeDocument/2006/relationships" xmlns:mc="http://schemas.openxmlformats.org/markup-compatibility/2006" xmlns:mv="urn:schemas-microsoft-com:mac:vml" xmlns:p="http://schemas.openxmlformats.org/presentationml/2006/main" xmlns:c="http://schemas.openxmlformats.org/drawingml/2006/chart" xmlns:dgm="http://schemas.openxmlformats.org/drawingml/2006/diagram" xmlns:o="urn:schemas-microsoft-com:office:office" xmlns:v="urn:schemas-microsoft-com:vml" xmlns:pvml="urn:schemas-microsoft-com:office:powerpoint" xmlns:com="http://schemas.openxmlformats.org/drawingml/2006/compatibility" xmlns:p14="http://schemas.microsoft.com/office/powerpoint/2010/main" xmlns:p15="http://schemas.microsoft.com/office/powerpoint/2012/main" xmlns:ahyp="http://schemas.microsoft.com/office/drawing/2018/hyperlinkcolor" showMasterPhAnim="0" showMasterSp="0">
+<p:notes xmlns:a="http://schemas.openxmlformats.org/drawingml/2006/main" xmlns:r="http://schemas.openxmlformats.org/officeDocument/2006/relationships" xmlns:p="http://schemas.openxmlformats.org/presentationml/2006/main" showMasterSp="0" showMasterPhAnim="0">
   <p:cSld>
     <p:spTree>
       <p:nvGrpSpPr>
-        <p:cNvPr id="203" name="Shape 203"/>
+        <p:cNvPr id="1" name="Shape 203"/>
         <p:cNvGrpSpPr/>
         <p:nvPr/>
       </p:nvGrpSpPr>
@@ -1133,9 +1169,11 @@
       <p:sp>
         <p:nvSpPr>
           <p:cNvPr id="204" name="Google Shape;204;g26da7904dac_0_981:notes"/>
-          <p:cNvSpPr/>
+          <p:cNvSpPr>
+            <a:spLocks noGrp="1" noRot="1" noChangeAspect="1"/>
+          </p:cNvSpPr>
           <p:nvPr>
-            <p:ph idx="2" type="sldImg"/>
+            <p:ph type="sldImg" idx="2"/>
           </p:nvPr>
         </p:nvSpPr>
         <p:spPr>
@@ -1144,9 +1182,13 @@
             <a:ext cx="6096000" cy="3429000"/>
           </a:xfrm>
           <a:custGeom>
-            <a:rect b="b" l="l" r="r" t="t"/>
+            <a:avLst/>
+            <a:gdLst/>
+            <a:ahLst/>
+            <a:cxnLst/>
+            <a:rect l="l" t="t" r="r" b="b"/>
             <a:pathLst>
-              <a:path extrusionOk="0" h="120000" w="120000">
+              <a:path w="120000" h="120000" extrusionOk="0">
                 <a:moveTo>
                   <a:pt x="0" y="0"/>
                 </a:moveTo>
@@ -1168,9 +1210,11 @@
       <p:sp>
         <p:nvSpPr>
           <p:cNvPr id="205" name="Google Shape;205;g26da7904dac_0_981:notes"/>
-          <p:cNvSpPr txBox="1"/>
+          <p:cNvSpPr txBox="1">
+            <a:spLocks noGrp="1"/>
+          </p:cNvSpPr>
           <p:nvPr>
-            <p:ph idx="1" type="body"/>
+            <p:ph type="body" idx="1"/>
           </p:nvPr>
         </p:nvSpPr>
         <p:spPr>
@@ -1183,12 +1227,12 @@
           </a:prstGeom>
         </p:spPr>
         <p:txBody>
-          <a:bodyPr anchorCtr="0" anchor="t" bIns="91425" lIns="91425" spcFirstLastPara="1" rIns="91425" wrap="square" tIns="91425">
+          <a:bodyPr spcFirstLastPara="1" wrap="square" lIns="91425" tIns="91425" rIns="91425" bIns="91425" anchor="t" anchorCtr="0">
             <a:noAutofit/>
           </a:bodyPr>
           <a:lstStyle/>
           <a:p>
-            <a:pPr indent="0" lvl="0" marL="0" rtl="0" algn="l">
+            <a:pPr marL="0" lvl="0" indent="0" algn="l" rtl="0">
               <a:spcBef>
                 <a:spcPts val="0"/>
               </a:spcBef>
@@ -1197,9 +1241,6 @@
               </a:spcAft>
               <a:buNone/>
             </a:pPr>
-            <a:r>
-              <a:t/>
-            </a:r>
             <a:endParaRPr/>
           </a:p>
         </p:txBody>
@@ -1213,11 +1254,11 @@
 </file>
 
 <file path=ppt/notesSlides/notesSlide14.xml><?xml version="1.0" encoding="utf-8"?>
-<p:notes xmlns:a="http://schemas.openxmlformats.org/drawingml/2006/main" xmlns:r="http://schemas.openxmlformats.org/officeDocument/2006/relationships" xmlns:mc="http://schemas.openxmlformats.org/markup-compatibility/2006" xmlns:mv="urn:schemas-microsoft-com:mac:vml" xmlns:p="http://schemas.openxmlformats.org/presentationml/2006/main" xmlns:c="http://schemas.openxmlformats.org/drawingml/2006/chart" xmlns:dgm="http://schemas.openxmlformats.org/drawingml/2006/diagram" xmlns:o="urn:schemas-microsoft-com:office:office" xmlns:v="urn:schemas-microsoft-com:vml" xmlns:pvml="urn:schemas-microsoft-com:office:powerpoint" xmlns:com="http://schemas.openxmlformats.org/drawingml/2006/compatibility" xmlns:p14="http://schemas.microsoft.com/office/powerpoint/2010/main" xmlns:p15="http://schemas.microsoft.com/office/powerpoint/2012/main" xmlns:ahyp="http://schemas.microsoft.com/office/drawing/2018/hyperlinkcolor" showMasterPhAnim="0" showMasterSp="0">
+<p:notes xmlns:a="http://schemas.openxmlformats.org/drawingml/2006/main" xmlns:r="http://schemas.openxmlformats.org/officeDocument/2006/relationships" xmlns:p="http://schemas.openxmlformats.org/presentationml/2006/main" showMasterSp="0" showMasterPhAnim="0">
   <p:cSld>
     <p:spTree>
       <p:nvGrpSpPr>
-        <p:cNvPr id="209" name="Shape 209"/>
+        <p:cNvPr id="1" name="Shape 209"/>
         <p:cNvGrpSpPr/>
         <p:nvPr/>
       </p:nvGrpSpPr>
@@ -1232,9 +1273,11 @@
       <p:sp>
         <p:nvSpPr>
           <p:cNvPr id="210" name="Google Shape;210;g26da7904dac_0_986:notes"/>
-          <p:cNvSpPr/>
+          <p:cNvSpPr>
+            <a:spLocks noGrp="1" noRot="1" noChangeAspect="1"/>
+          </p:cNvSpPr>
           <p:nvPr>
-            <p:ph idx="2" type="sldImg"/>
+            <p:ph type="sldImg" idx="2"/>
           </p:nvPr>
         </p:nvSpPr>
         <p:spPr>
@@ -1243,9 +1286,13 @@
             <a:ext cx="6096000" cy="3429000"/>
           </a:xfrm>
           <a:custGeom>
-            <a:rect b="b" l="l" r="r" t="t"/>
+            <a:avLst/>
+            <a:gdLst/>
+            <a:ahLst/>
+            <a:cxnLst/>
+            <a:rect l="l" t="t" r="r" b="b"/>
             <a:pathLst>
-              <a:path extrusionOk="0" h="120000" w="120000">
+              <a:path w="120000" h="120000" extrusionOk="0">
                 <a:moveTo>
                   <a:pt x="0" y="0"/>
                 </a:moveTo>
@@ -1267,9 +1314,11 @@
       <p:sp>
         <p:nvSpPr>
           <p:cNvPr id="211" name="Google Shape;211;g26da7904dac_0_986:notes"/>
-          <p:cNvSpPr txBox="1"/>
+          <p:cNvSpPr txBox="1">
+            <a:spLocks noGrp="1"/>
+          </p:cNvSpPr>
           <p:nvPr>
-            <p:ph idx="1" type="body"/>
+            <p:ph type="body" idx="1"/>
           </p:nvPr>
         </p:nvSpPr>
         <p:spPr>
@@ -1282,12 +1331,12 @@
           </a:prstGeom>
         </p:spPr>
         <p:txBody>
-          <a:bodyPr anchorCtr="0" anchor="t" bIns="91425" lIns="91425" spcFirstLastPara="1" rIns="91425" wrap="square" tIns="91425">
+          <a:bodyPr spcFirstLastPara="1" wrap="square" lIns="91425" tIns="91425" rIns="91425" bIns="91425" anchor="t" anchorCtr="0">
             <a:noAutofit/>
           </a:bodyPr>
           <a:lstStyle/>
           <a:p>
-            <a:pPr indent="0" lvl="0" marL="0" rtl="0" algn="l">
+            <a:pPr marL="0" lvl="0" indent="0" algn="l" rtl="0">
               <a:spcBef>
                 <a:spcPts val="0"/>
               </a:spcBef>
@@ -1296,9 +1345,6 @@
               </a:spcAft>
               <a:buNone/>
             </a:pPr>
-            <a:r>
-              <a:t/>
-            </a:r>
             <a:endParaRPr/>
           </a:p>
         </p:txBody>
@@ -1312,11 +1358,11 @@
 </file>
 
 <file path=ppt/notesSlides/notesSlide15.xml><?xml version="1.0" encoding="utf-8"?>
-<p:notes xmlns:a="http://schemas.openxmlformats.org/drawingml/2006/main" xmlns:r="http://schemas.openxmlformats.org/officeDocument/2006/relationships" xmlns:mc="http://schemas.openxmlformats.org/markup-compatibility/2006" xmlns:mv="urn:schemas-microsoft-com:mac:vml" xmlns:p="http://schemas.openxmlformats.org/presentationml/2006/main" xmlns:c="http://schemas.openxmlformats.org/drawingml/2006/chart" xmlns:dgm="http://schemas.openxmlformats.org/drawingml/2006/diagram" xmlns:o="urn:schemas-microsoft-com:office:office" xmlns:v="urn:schemas-microsoft-com:vml" xmlns:pvml="urn:schemas-microsoft-com:office:powerpoint" xmlns:com="http://schemas.openxmlformats.org/drawingml/2006/compatibility" xmlns:p14="http://schemas.microsoft.com/office/powerpoint/2010/main" xmlns:p15="http://schemas.microsoft.com/office/powerpoint/2012/main" xmlns:ahyp="http://schemas.microsoft.com/office/drawing/2018/hyperlinkcolor" showMasterPhAnim="0" showMasterSp="0">
+<p:notes xmlns:a="http://schemas.openxmlformats.org/drawingml/2006/main" xmlns:r="http://schemas.openxmlformats.org/officeDocument/2006/relationships" xmlns:p="http://schemas.openxmlformats.org/presentationml/2006/main" showMasterSp="0" showMasterPhAnim="0">
   <p:cSld>
     <p:spTree>
       <p:nvGrpSpPr>
-        <p:cNvPr id="215" name="Shape 215"/>
+        <p:cNvPr id="1" name="Shape 215"/>
         <p:cNvGrpSpPr/>
         <p:nvPr/>
       </p:nvGrpSpPr>
@@ -1331,9 +1377,11 @@
       <p:sp>
         <p:nvSpPr>
           <p:cNvPr id="216" name="Google Shape;216;g26da7904dac_0_991:notes"/>
-          <p:cNvSpPr/>
+          <p:cNvSpPr>
+            <a:spLocks noGrp="1" noRot="1" noChangeAspect="1"/>
+          </p:cNvSpPr>
           <p:nvPr>
-            <p:ph idx="2" type="sldImg"/>
+            <p:ph type="sldImg" idx="2"/>
           </p:nvPr>
         </p:nvSpPr>
         <p:spPr>
@@ -1342,9 +1390,13 @@
             <a:ext cx="6096000" cy="3429000"/>
           </a:xfrm>
           <a:custGeom>
-            <a:rect b="b" l="l" r="r" t="t"/>
+            <a:avLst/>
+            <a:gdLst/>
+            <a:ahLst/>
+            <a:cxnLst/>
+            <a:rect l="l" t="t" r="r" b="b"/>
             <a:pathLst>
-              <a:path extrusionOk="0" h="120000" w="120000">
+              <a:path w="120000" h="120000" extrusionOk="0">
                 <a:moveTo>
                   <a:pt x="0" y="0"/>
                 </a:moveTo>
@@ -1366,9 +1418,11 @@
       <p:sp>
         <p:nvSpPr>
           <p:cNvPr id="217" name="Google Shape;217;g26da7904dac_0_991:notes"/>
-          <p:cNvSpPr txBox="1"/>
+          <p:cNvSpPr txBox="1">
+            <a:spLocks noGrp="1"/>
+          </p:cNvSpPr>
           <p:nvPr>
-            <p:ph idx="1" type="body"/>
+            <p:ph type="body" idx="1"/>
           </p:nvPr>
         </p:nvSpPr>
         <p:spPr>
@@ -1381,12 +1435,12 @@
           </a:prstGeom>
         </p:spPr>
         <p:txBody>
-          <a:bodyPr anchorCtr="0" anchor="t" bIns="91425" lIns="91425" spcFirstLastPara="1" rIns="91425" wrap="square" tIns="91425">
+          <a:bodyPr spcFirstLastPara="1" wrap="square" lIns="91425" tIns="91425" rIns="91425" bIns="91425" anchor="t" anchorCtr="0">
             <a:noAutofit/>
           </a:bodyPr>
           <a:lstStyle/>
           <a:p>
-            <a:pPr indent="0" lvl="0" marL="0" rtl="0" algn="l">
+            <a:pPr marL="0" lvl="0" indent="0" algn="l" rtl="0">
               <a:spcBef>
                 <a:spcPts val="0"/>
               </a:spcBef>
@@ -1395,9 +1449,6 @@
               </a:spcAft>
               <a:buNone/>
             </a:pPr>
-            <a:r>
-              <a:t/>
-            </a:r>
             <a:endParaRPr/>
           </a:p>
         </p:txBody>
@@ -1411,11 +1462,11 @@
 </file>
 
 <file path=ppt/notesSlides/notesSlide16.xml><?xml version="1.0" encoding="utf-8"?>
-<p:notes xmlns:a="http://schemas.openxmlformats.org/drawingml/2006/main" xmlns:r="http://schemas.openxmlformats.org/officeDocument/2006/relationships" xmlns:mc="http://schemas.openxmlformats.org/markup-compatibility/2006" xmlns:mv="urn:schemas-microsoft-com:mac:vml" xmlns:p="http://schemas.openxmlformats.org/presentationml/2006/main" xmlns:c="http://schemas.openxmlformats.org/drawingml/2006/chart" xmlns:dgm="http://schemas.openxmlformats.org/drawingml/2006/diagram" xmlns:o="urn:schemas-microsoft-com:office:office" xmlns:v="urn:schemas-microsoft-com:vml" xmlns:pvml="urn:schemas-microsoft-com:office:powerpoint" xmlns:com="http://schemas.openxmlformats.org/drawingml/2006/compatibility" xmlns:p14="http://schemas.microsoft.com/office/powerpoint/2010/main" xmlns:p15="http://schemas.microsoft.com/office/powerpoint/2012/main" xmlns:ahyp="http://schemas.microsoft.com/office/drawing/2018/hyperlinkcolor" showMasterPhAnim="0" showMasterSp="0">
+<p:notes xmlns:a="http://schemas.openxmlformats.org/drawingml/2006/main" xmlns:r="http://schemas.openxmlformats.org/officeDocument/2006/relationships" xmlns:p="http://schemas.openxmlformats.org/presentationml/2006/main" showMasterSp="0" showMasterPhAnim="0">
   <p:cSld>
     <p:spTree>
       <p:nvGrpSpPr>
-        <p:cNvPr id="221" name="Shape 221"/>
+        <p:cNvPr id="1" name="Shape 221"/>
         <p:cNvGrpSpPr/>
         <p:nvPr/>
       </p:nvGrpSpPr>
@@ -1430,9 +1481,11 @@
       <p:sp>
         <p:nvSpPr>
           <p:cNvPr id="222" name="Google Shape;222;g26da7904dac_0_996:notes"/>
-          <p:cNvSpPr/>
+          <p:cNvSpPr>
+            <a:spLocks noGrp="1" noRot="1" noChangeAspect="1"/>
+          </p:cNvSpPr>
           <p:nvPr>
-            <p:ph idx="2" type="sldImg"/>
+            <p:ph type="sldImg" idx="2"/>
           </p:nvPr>
         </p:nvSpPr>
         <p:spPr>
@@ -1441,9 +1494,13 @@
             <a:ext cx="6096000" cy="3429000"/>
           </a:xfrm>
           <a:custGeom>
-            <a:rect b="b" l="l" r="r" t="t"/>
+            <a:avLst/>
+            <a:gdLst/>
+            <a:ahLst/>
+            <a:cxnLst/>
+            <a:rect l="l" t="t" r="r" b="b"/>
             <a:pathLst>
-              <a:path extrusionOk="0" h="120000" w="120000">
+              <a:path w="120000" h="120000" extrusionOk="0">
                 <a:moveTo>
                   <a:pt x="0" y="0"/>
                 </a:moveTo>
@@ -1465,9 +1522,11 @@
       <p:sp>
         <p:nvSpPr>
           <p:cNvPr id="223" name="Google Shape;223;g26da7904dac_0_996:notes"/>
-          <p:cNvSpPr txBox="1"/>
+          <p:cNvSpPr txBox="1">
+            <a:spLocks noGrp="1"/>
+          </p:cNvSpPr>
           <p:nvPr>
-            <p:ph idx="1" type="body"/>
+            <p:ph type="body" idx="1"/>
           </p:nvPr>
         </p:nvSpPr>
         <p:spPr>
@@ -1480,12 +1539,12 @@
           </a:prstGeom>
         </p:spPr>
         <p:txBody>
-          <a:bodyPr anchorCtr="0" anchor="t" bIns="91425" lIns="91425" spcFirstLastPara="1" rIns="91425" wrap="square" tIns="91425">
+          <a:bodyPr spcFirstLastPara="1" wrap="square" lIns="91425" tIns="91425" rIns="91425" bIns="91425" anchor="t" anchorCtr="0">
             <a:noAutofit/>
           </a:bodyPr>
           <a:lstStyle/>
           <a:p>
-            <a:pPr indent="0" lvl="0" marL="0" rtl="0" algn="l">
+            <a:pPr marL="0" lvl="0" indent="0" algn="l" rtl="0">
               <a:spcBef>
                 <a:spcPts val="0"/>
               </a:spcBef>
@@ -1494,9 +1553,6 @@
               </a:spcAft>
               <a:buNone/>
             </a:pPr>
-            <a:r>
-              <a:t/>
-            </a:r>
             <a:endParaRPr/>
           </a:p>
         </p:txBody>
@@ -1510,11 +1566,11 @@
 </file>
 
 <file path=ppt/notesSlides/notesSlide2.xml><?xml version="1.0" encoding="utf-8"?>
-<p:notes xmlns:a="http://schemas.openxmlformats.org/drawingml/2006/main" xmlns:r="http://schemas.openxmlformats.org/officeDocument/2006/relationships" xmlns:mc="http://schemas.openxmlformats.org/markup-compatibility/2006" xmlns:mv="urn:schemas-microsoft-com:mac:vml" xmlns:p="http://schemas.openxmlformats.org/presentationml/2006/main" xmlns:c="http://schemas.openxmlformats.org/drawingml/2006/chart" xmlns:dgm="http://schemas.openxmlformats.org/drawingml/2006/diagram" xmlns:o="urn:schemas-microsoft-com:office:office" xmlns:v="urn:schemas-microsoft-com:vml" xmlns:pvml="urn:schemas-microsoft-com:office:powerpoint" xmlns:com="http://schemas.openxmlformats.org/drawingml/2006/compatibility" xmlns:p14="http://schemas.microsoft.com/office/powerpoint/2010/main" xmlns:p15="http://schemas.microsoft.com/office/powerpoint/2012/main" xmlns:ahyp="http://schemas.microsoft.com/office/drawing/2018/hyperlinkcolor" showMasterPhAnim="0" showMasterSp="0">
+<p:notes xmlns:a="http://schemas.openxmlformats.org/drawingml/2006/main" xmlns:r="http://schemas.openxmlformats.org/officeDocument/2006/relationships" xmlns:p="http://schemas.openxmlformats.org/presentationml/2006/main" showMasterSp="0" showMasterPhAnim="0">
   <p:cSld>
     <p:spTree>
       <p:nvGrpSpPr>
-        <p:cNvPr id="136" name="Shape 136"/>
+        <p:cNvPr id="1" name="Shape 136"/>
         <p:cNvGrpSpPr/>
         <p:nvPr/>
       </p:nvGrpSpPr>
@@ -1529,9 +1585,11 @@
       <p:sp>
         <p:nvSpPr>
           <p:cNvPr id="137" name="Google Shape;137;g26da7904dac_0_906:notes"/>
-          <p:cNvSpPr/>
+          <p:cNvSpPr>
+            <a:spLocks noGrp="1" noRot="1" noChangeAspect="1"/>
+          </p:cNvSpPr>
           <p:nvPr>
-            <p:ph idx="2" type="sldImg"/>
+            <p:ph type="sldImg" idx="2"/>
           </p:nvPr>
         </p:nvSpPr>
         <p:spPr>
@@ -1540,9 +1598,13 @@
             <a:ext cx="6096000" cy="3429000"/>
           </a:xfrm>
           <a:custGeom>
-            <a:rect b="b" l="l" r="r" t="t"/>
+            <a:avLst/>
+            <a:gdLst/>
+            <a:ahLst/>
+            <a:cxnLst/>
+            <a:rect l="l" t="t" r="r" b="b"/>
             <a:pathLst>
-              <a:path extrusionOk="0" h="120000" w="120000">
+              <a:path w="120000" h="120000" extrusionOk="0">
                 <a:moveTo>
                   <a:pt x="0" y="0"/>
                 </a:moveTo>
@@ -1564,9 +1626,11 @@
       <p:sp>
         <p:nvSpPr>
           <p:cNvPr id="138" name="Google Shape;138;g26da7904dac_0_906:notes"/>
-          <p:cNvSpPr txBox="1"/>
+          <p:cNvSpPr txBox="1">
+            <a:spLocks noGrp="1"/>
+          </p:cNvSpPr>
           <p:nvPr>
-            <p:ph idx="1" type="body"/>
+            <p:ph type="body" idx="1"/>
           </p:nvPr>
         </p:nvSpPr>
         <p:spPr>
@@ -1579,12 +1643,12 @@
           </a:prstGeom>
         </p:spPr>
         <p:txBody>
-          <a:bodyPr anchorCtr="0" anchor="t" bIns="91425" lIns="91425" spcFirstLastPara="1" rIns="91425" wrap="square" tIns="91425">
+          <a:bodyPr spcFirstLastPara="1" wrap="square" lIns="91425" tIns="91425" rIns="91425" bIns="91425" anchor="t" anchorCtr="0">
             <a:noAutofit/>
           </a:bodyPr>
           <a:lstStyle/>
           <a:p>
-            <a:pPr indent="0" lvl="0" marL="0" rtl="0" algn="l">
+            <a:pPr marL="0" lvl="0" indent="0" algn="l" rtl="0">
               <a:spcBef>
                 <a:spcPts val="0"/>
               </a:spcBef>
@@ -1593,9 +1657,6 @@
               </a:spcAft>
               <a:buNone/>
             </a:pPr>
-            <a:r>
-              <a:t/>
-            </a:r>
             <a:endParaRPr/>
           </a:p>
         </p:txBody>
@@ -1609,11 +1670,11 @@
 </file>
 
 <file path=ppt/notesSlides/notesSlide3.xml><?xml version="1.0" encoding="utf-8"?>
-<p:notes xmlns:a="http://schemas.openxmlformats.org/drawingml/2006/main" xmlns:r="http://schemas.openxmlformats.org/officeDocument/2006/relationships" xmlns:mc="http://schemas.openxmlformats.org/markup-compatibility/2006" xmlns:mv="urn:schemas-microsoft-com:mac:vml" xmlns:p="http://schemas.openxmlformats.org/presentationml/2006/main" xmlns:c="http://schemas.openxmlformats.org/drawingml/2006/chart" xmlns:dgm="http://schemas.openxmlformats.org/drawingml/2006/diagram" xmlns:o="urn:schemas-microsoft-com:office:office" xmlns:v="urn:schemas-microsoft-com:vml" xmlns:pvml="urn:schemas-microsoft-com:office:powerpoint" xmlns:com="http://schemas.openxmlformats.org/drawingml/2006/compatibility" xmlns:p14="http://schemas.microsoft.com/office/powerpoint/2010/main" xmlns:p15="http://schemas.microsoft.com/office/powerpoint/2012/main" xmlns:ahyp="http://schemas.microsoft.com/office/drawing/2018/hyperlinkcolor" showMasterPhAnim="0" showMasterSp="0">
+<p:notes xmlns:a="http://schemas.openxmlformats.org/drawingml/2006/main" xmlns:r="http://schemas.openxmlformats.org/officeDocument/2006/relationships" xmlns:p="http://schemas.openxmlformats.org/presentationml/2006/main" showMasterSp="0" showMasterPhAnim="0">
   <p:cSld>
     <p:spTree>
       <p:nvGrpSpPr>
-        <p:cNvPr id="142" name="Shape 142"/>
+        <p:cNvPr id="1" name="Shape 142"/>
         <p:cNvGrpSpPr/>
         <p:nvPr/>
       </p:nvGrpSpPr>
@@ -1628,9 +1689,11 @@
       <p:sp>
         <p:nvSpPr>
           <p:cNvPr id="143" name="Google Shape;143;g26da7904dac_0_913:notes"/>
-          <p:cNvSpPr/>
+          <p:cNvSpPr>
+            <a:spLocks noGrp="1" noRot="1" noChangeAspect="1"/>
+          </p:cNvSpPr>
           <p:nvPr>
-            <p:ph idx="2" type="sldImg"/>
+            <p:ph type="sldImg" idx="2"/>
           </p:nvPr>
         </p:nvSpPr>
         <p:spPr>
@@ -1639,9 +1702,13 @@
             <a:ext cx="6096000" cy="3429000"/>
           </a:xfrm>
           <a:custGeom>
-            <a:rect b="b" l="l" r="r" t="t"/>
+            <a:avLst/>
+            <a:gdLst/>
+            <a:ahLst/>
+            <a:cxnLst/>
+            <a:rect l="l" t="t" r="r" b="b"/>
             <a:pathLst>
-              <a:path extrusionOk="0" h="120000" w="120000">
+              <a:path w="120000" h="120000" extrusionOk="0">
                 <a:moveTo>
                   <a:pt x="0" y="0"/>
                 </a:moveTo>
@@ -1663,9 +1730,11 @@
       <p:sp>
         <p:nvSpPr>
           <p:cNvPr id="144" name="Google Shape;144;g26da7904dac_0_913:notes"/>
-          <p:cNvSpPr txBox="1"/>
+          <p:cNvSpPr txBox="1">
+            <a:spLocks noGrp="1"/>
+          </p:cNvSpPr>
           <p:nvPr>
-            <p:ph idx="1" type="body"/>
+            <p:ph type="body" idx="1"/>
           </p:nvPr>
         </p:nvSpPr>
         <p:spPr>
@@ -1678,12 +1747,12 @@
           </a:prstGeom>
         </p:spPr>
         <p:txBody>
-          <a:bodyPr anchorCtr="0" anchor="t" bIns="91425" lIns="91425" spcFirstLastPara="1" rIns="91425" wrap="square" tIns="91425">
+          <a:bodyPr spcFirstLastPara="1" wrap="square" lIns="91425" tIns="91425" rIns="91425" bIns="91425" anchor="t" anchorCtr="0">
             <a:noAutofit/>
           </a:bodyPr>
           <a:lstStyle/>
           <a:p>
-            <a:pPr indent="0" lvl="0" marL="0" rtl="0" algn="l">
+            <a:pPr marL="0" lvl="0" indent="0" algn="l" rtl="0">
               <a:spcBef>
                 <a:spcPts val="0"/>
               </a:spcBef>
@@ -1692,9 +1761,6 @@
               </a:spcAft>
               <a:buNone/>
             </a:pPr>
-            <a:r>
-              <a:t/>
-            </a:r>
             <a:endParaRPr/>
           </a:p>
         </p:txBody>
@@ -1708,11 +1774,11 @@
 </file>
 
 <file path=ppt/notesSlides/notesSlide4.xml><?xml version="1.0" encoding="utf-8"?>
-<p:notes xmlns:a="http://schemas.openxmlformats.org/drawingml/2006/main" xmlns:r="http://schemas.openxmlformats.org/officeDocument/2006/relationships" xmlns:mc="http://schemas.openxmlformats.org/markup-compatibility/2006" xmlns:mv="urn:schemas-microsoft-com:mac:vml" xmlns:p="http://schemas.openxmlformats.org/presentationml/2006/main" xmlns:c="http://schemas.openxmlformats.org/drawingml/2006/chart" xmlns:dgm="http://schemas.openxmlformats.org/drawingml/2006/diagram" xmlns:o="urn:schemas-microsoft-com:office:office" xmlns:v="urn:schemas-microsoft-com:vml" xmlns:pvml="urn:schemas-microsoft-com:office:powerpoint" xmlns:com="http://schemas.openxmlformats.org/drawingml/2006/compatibility" xmlns:p14="http://schemas.microsoft.com/office/powerpoint/2010/main" xmlns:p15="http://schemas.microsoft.com/office/powerpoint/2012/main" xmlns:ahyp="http://schemas.microsoft.com/office/drawing/2018/hyperlinkcolor" showMasterPhAnim="0" showMasterSp="0">
+<p:notes xmlns:a="http://schemas.openxmlformats.org/drawingml/2006/main" xmlns:r="http://schemas.openxmlformats.org/officeDocument/2006/relationships" xmlns:p="http://schemas.openxmlformats.org/presentationml/2006/main" showMasterSp="0" showMasterPhAnim="0">
   <p:cSld>
     <p:spTree>
       <p:nvGrpSpPr>
-        <p:cNvPr id="148" name="Shape 148"/>
+        <p:cNvPr id="1" name="Shape 148"/>
         <p:cNvGrpSpPr/>
         <p:nvPr/>
       </p:nvGrpSpPr>
@@ -1727,9 +1793,11 @@
       <p:sp>
         <p:nvSpPr>
           <p:cNvPr id="149" name="Google Shape;149;g26da7904dac_0_956:notes"/>
-          <p:cNvSpPr/>
+          <p:cNvSpPr>
+            <a:spLocks noGrp="1" noRot="1" noChangeAspect="1"/>
+          </p:cNvSpPr>
           <p:nvPr>
-            <p:ph idx="2" type="sldImg"/>
+            <p:ph type="sldImg" idx="2"/>
           </p:nvPr>
         </p:nvSpPr>
         <p:spPr>
@@ -1738,9 +1806,13 @@
             <a:ext cx="6096000" cy="3429000"/>
           </a:xfrm>
           <a:custGeom>
-            <a:rect b="b" l="l" r="r" t="t"/>
+            <a:avLst/>
+            <a:gdLst/>
+            <a:ahLst/>
+            <a:cxnLst/>
+            <a:rect l="l" t="t" r="r" b="b"/>
             <a:pathLst>
-              <a:path extrusionOk="0" h="120000" w="120000">
+              <a:path w="120000" h="120000" extrusionOk="0">
                 <a:moveTo>
                   <a:pt x="0" y="0"/>
                 </a:moveTo>
@@ -1762,9 +1834,11 @@
       <p:sp>
         <p:nvSpPr>
           <p:cNvPr id="150" name="Google Shape;150;g26da7904dac_0_956:notes"/>
-          <p:cNvSpPr txBox="1"/>
+          <p:cNvSpPr txBox="1">
+            <a:spLocks noGrp="1"/>
+          </p:cNvSpPr>
           <p:nvPr>
-            <p:ph idx="1" type="body"/>
+            <p:ph type="body" idx="1"/>
           </p:nvPr>
         </p:nvSpPr>
         <p:spPr>
@@ -1777,12 +1851,12 @@
           </a:prstGeom>
         </p:spPr>
         <p:txBody>
-          <a:bodyPr anchorCtr="0" anchor="t" bIns="91425" lIns="91425" spcFirstLastPara="1" rIns="91425" wrap="square" tIns="91425">
+          <a:bodyPr spcFirstLastPara="1" wrap="square" lIns="91425" tIns="91425" rIns="91425" bIns="91425" anchor="t" anchorCtr="0">
             <a:noAutofit/>
           </a:bodyPr>
           <a:lstStyle/>
           <a:p>
-            <a:pPr indent="0" lvl="0" marL="0" rtl="0" algn="l">
+            <a:pPr marL="0" lvl="0" indent="0" algn="l" rtl="0">
               <a:spcBef>
                 <a:spcPts val="0"/>
               </a:spcBef>
@@ -1791,9 +1865,6 @@
               </a:spcAft>
               <a:buNone/>
             </a:pPr>
-            <a:r>
-              <a:t/>
-            </a:r>
             <a:endParaRPr/>
           </a:p>
         </p:txBody>
@@ -1807,11 +1878,11 @@
 </file>
 
 <file path=ppt/notesSlides/notesSlide5.xml><?xml version="1.0" encoding="utf-8"?>
-<p:notes xmlns:a="http://schemas.openxmlformats.org/drawingml/2006/main" xmlns:r="http://schemas.openxmlformats.org/officeDocument/2006/relationships" xmlns:mc="http://schemas.openxmlformats.org/markup-compatibility/2006" xmlns:mv="urn:schemas-microsoft-com:mac:vml" xmlns:p="http://schemas.openxmlformats.org/presentationml/2006/main" xmlns:c="http://schemas.openxmlformats.org/drawingml/2006/chart" xmlns:dgm="http://schemas.openxmlformats.org/drawingml/2006/diagram" xmlns:o="urn:schemas-microsoft-com:office:office" xmlns:v="urn:schemas-microsoft-com:vml" xmlns:pvml="urn:schemas-microsoft-com:office:powerpoint" xmlns:com="http://schemas.openxmlformats.org/drawingml/2006/compatibility" xmlns:p14="http://schemas.microsoft.com/office/powerpoint/2010/main" xmlns:p15="http://schemas.microsoft.com/office/powerpoint/2012/main" xmlns:ahyp="http://schemas.microsoft.com/office/drawing/2018/hyperlinkcolor" showMasterPhAnim="0" showMasterSp="0">
+<p:notes xmlns:a="http://schemas.openxmlformats.org/drawingml/2006/main" xmlns:r="http://schemas.openxmlformats.org/officeDocument/2006/relationships" xmlns:p="http://schemas.openxmlformats.org/presentationml/2006/main" showMasterSp="0" showMasterPhAnim="0">
   <p:cSld>
     <p:spTree>
       <p:nvGrpSpPr>
-        <p:cNvPr id="154" name="Shape 154"/>
+        <p:cNvPr id="1" name="Shape 154"/>
         <p:cNvGrpSpPr/>
         <p:nvPr/>
       </p:nvGrpSpPr>
@@ -1826,9 +1897,11 @@
       <p:sp>
         <p:nvSpPr>
           <p:cNvPr id="155" name="Google Shape;155;g26da7904dac_0_928:notes"/>
-          <p:cNvSpPr/>
+          <p:cNvSpPr>
+            <a:spLocks noGrp="1" noRot="1" noChangeAspect="1"/>
+          </p:cNvSpPr>
           <p:nvPr>
-            <p:ph idx="2" type="sldImg"/>
+            <p:ph type="sldImg" idx="2"/>
           </p:nvPr>
         </p:nvSpPr>
         <p:spPr>
@@ -1837,9 +1910,13 @@
             <a:ext cx="6096000" cy="3429000"/>
           </a:xfrm>
           <a:custGeom>
-            <a:rect b="b" l="l" r="r" t="t"/>
+            <a:avLst/>
+            <a:gdLst/>
+            <a:ahLst/>
+            <a:cxnLst/>
+            <a:rect l="l" t="t" r="r" b="b"/>
             <a:pathLst>
-              <a:path extrusionOk="0" h="120000" w="120000">
+              <a:path w="120000" h="120000" extrusionOk="0">
                 <a:moveTo>
                   <a:pt x="0" y="0"/>
                 </a:moveTo>
@@ -1861,9 +1938,11 @@
       <p:sp>
         <p:nvSpPr>
           <p:cNvPr id="156" name="Google Shape;156;g26da7904dac_0_928:notes"/>
-          <p:cNvSpPr txBox="1"/>
+          <p:cNvSpPr txBox="1">
+            <a:spLocks noGrp="1"/>
+          </p:cNvSpPr>
           <p:nvPr>
-            <p:ph idx="1" type="body"/>
+            <p:ph type="body" idx="1"/>
           </p:nvPr>
         </p:nvSpPr>
         <p:spPr>
@@ -1876,12 +1955,12 @@
           </a:prstGeom>
         </p:spPr>
         <p:txBody>
-          <a:bodyPr anchorCtr="0" anchor="t" bIns="91425" lIns="91425" spcFirstLastPara="1" rIns="91425" wrap="square" tIns="91425">
+          <a:bodyPr spcFirstLastPara="1" wrap="square" lIns="91425" tIns="91425" rIns="91425" bIns="91425" anchor="t" anchorCtr="0">
             <a:noAutofit/>
           </a:bodyPr>
           <a:lstStyle/>
           <a:p>
-            <a:pPr indent="0" lvl="0" marL="0" rtl="0" algn="l">
+            <a:pPr marL="0" lvl="0" indent="0" algn="l" rtl="0">
               <a:spcBef>
                 <a:spcPts val="0"/>
               </a:spcBef>
@@ -1890,9 +1969,6 @@
               </a:spcAft>
               <a:buNone/>
             </a:pPr>
-            <a:r>
-              <a:t/>
-            </a:r>
             <a:endParaRPr/>
           </a:p>
         </p:txBody>
@@ -1906,11 +1982,11 @@
 </file>
 
 <file path=ppt/notesSlides/notesSlide6.xml><?xml version="1.0" encoding="utf-8"?>
-<p:notes xmlns:a="http://schemas.openxmlformats.org/drawingml/2006/main" xmlns:r="http://schemas.openxmlformats.org/officeDocument/2006/relationships" xmlns:mc="http://schemas.openxmlformats.org/markup-compatibility/2006" xmlns:mv="urn:schemas-microsoft-com:mac:vml" xmlns:p="http://schemas.openxmlformats.org/presentationml/2006/main" xmlns:c="http://schemas.openxmlformats.org/drawingml/2006/chart" xmlns:dgm="http://schemas.openxmlformats.org/drawingml/2006/diagram" xmlns:o="urn:schemas-microsoft-com:office:office" xmlns:v="urn:schemas-microsoft-com:vml" xmlns:pvml="urn:schemas-microsoft-com:office:powerpoint" xmlns:com="http://schemas.openxmlformats.org/drawingml/2006/compatibility" xmlns:p14="http://schemas.microsoft.com/office/powerpoint/2010/main" xmlns:p15="http://schemas.microsoft.com/office/powerpoint/2012/main" xmlns:ahyp="http://schemas.microsoft.com/office/drawing/2018/hyperlinkcolor" showMasterPhAnim="0" showMasterSp="0">
+<p:notes xmlns:a="http://schemas.openxmlformats.org/drawingml/2006/main" xmlns:r="http://schemas.openxmlformats.org/officeDocument/2006/relationships" xmlns:p="http://schemas.openxmlformats.org/presentationml/2006/main" showMasterSp="0" showMasterPhAnim="0">
   <p:cSld>
     <p:spTree>
       <p:nvGrpSpPr>
-        <p:cNvPr id="162" name="Shape 162"/>
+        <p:cNvPr id="1" name="Shape 162"/>
         <p:cNvGrpSpPr/>
         <p:nvPr/>
       </p:nvGrpSpPr>
@@ -1925,9 +2001,11 @@
       <p:sp>
         <p:nvSpPr>
           <p:cNvPr id="163" name="Google Shape;163;g26da7904dac_0_937:notes"/>
-          <p:cNvSpPr/>
+          <p:cNvSpPr>
+            <a:spLocks noGrp="1" noRot="1" noChangeAspect="1"/>
+          </p:cNvSpPr>
           <p:nvPr>
-            <p:ph idx="2" type="sldImg"/>
+            <p:ph type="sldImg" idx="2"/>
           </p:nvPr>
         </p:nvSpPr>
         <p:spPr>
@@ -1936,9 +2014,13 @@
             <a:ext cx="6096000" cy="3429000"/>
           </a:xfrm>
           <a:custGeom>
-            <a:rect b="b" l="l" r="r" t="t"/>
+            <a:avLst/>
+            <a:gdLst/>
+            <a:ahLst/>
+            <a:cxnLst/>
+            <a:rect l="l" t="t" r="r" b="b"/>
             <a:pathLst>
-              <a:path extrusionOk="0" h="120000" w="120000">
+              <a:path w="120000" h="120000" extrusionOk="0">
                 <a:moveTo>
                   <a:pt x="0" y="0"/>
                 </a:moveTo>
@@ -1960,9 +2042,11 @@
       <p:sp>
         <p:nvSpPr>
           <p:cNvPr id="164" name="Google Shape;164;g26da7904dac_0_937:notes"/>
-          <p:cNvSpPr txBox="1"/>
+          <p:cNvSpPr txBox="1">
+            <a:spLocks noGrp="1"/>
+          </p:cNvSpPr>
           <p:nvPr>
-            <p:ph idx="1" type="body"/>
+            <p:ph type="body" idx="1"/>
           </p:nvPr>
         </p:nvSpPr>
         <p:spPr>
@@ -1975,12 +2059,12 @@
           </a:prstGeom>
         </p:spPr>
         <p:txBody>
-          <a:bodyPr anchorCtr="0" anchor="t" bIns="91425" lIns="91425" spcFirstLastPara="1" rIns="91425" wrap="square" tIns="91425">
+          <a:bodyPr spcFirstLastPara="1" wrap="square" lIns="91425" tIns="91425" rIns="91425" bIns="91425" anchor="t" anchorCtr="0">
             <a:noAutofit/>
           </a:bodyPr>
           <a:lstStyle/>
           <a:p>
-            <a:pPr indent="0" lvl="0" marL="0" rtl="0" algn="l">
+            <a:pPr marL="0" lvl="0" indent="0" algn="l" rtl="0">
               <a:spcBef>
                 <a:spcPts val="0"/>
               </a:spcBef>
@@ -1989,9 +2073,6 @@
               </a:spcAft>
               <a:buNone/>
             </a:pPr>
-            <a:r>
-              <a:t/>
-            </a:r>
             <a:endParaRPr/>
           </a:p>
         </p:txBody>
@@ -2005,11 +2086,11 @@
 </file>
 
 <file path=ppt/notesSlides/notesSlide7.xml><?xml version="1.0" encoding="utf-8"?>
-<p:notes xmlns:a="http://schemas.openxmlformats.org/drawingml/2006/main" xmlns:r="http://schemas.openxmlformats.org/officeDocument/2006/relationships" xmlns:mc="http://schemas.openxmlformats.org/markup-compatibility/2006" xmlns:mv="urn:schemas-microsoft-com:mac:vml" xmlns:p="http://schemas.openxmlformats.org/presentationml/2006/main" xmlns:c="http://schemas.openxmlformats.org/drawingml/2006/chart" xmlns:dgm="http://schemas.openxmlformats.org/drawingml/2006/diagram" xmlns:o="urn:schemas-microsoft-com:office:office" xmlns:v="urn:schemas-microsoft-com:vml" xmlns:pvml="urn:schemas-microsoft-com:office:powerpoint" xmlns:com="http://schemas.openxmlformats.org/drawingml/2006/compatibility" xmlns:p14="http://schemas.microsoft.com/office/powerpoint/2010/main" xmlns:p15="http://schemas.microsoft.com/office/powerpoint/2012/main" xmlns:ahyp="http://schemas.microsoft.com/office/drawing/2018/hyperlinkcolor" showMasterPhAnim="0" showMasterSp="0">
+<p:notes xmlns:a="http://schemas.openxmlformats.org/drawingml/2006/main" xmlns:r="http://schemas.openxmlformats.org/officeDocument/2006/relationships" xmlns:p="http://schemas.openxmlformats.org/presentationml/2006/main" showMasterSp="0" showMasterPhAnim="0">
   <p:cSld>
     <p:spTree>
       <p:nvGrpSpPr>
-        <p:cNvPr id="168" name="Shape 168"/>
+        <p:cNvPr id="1" name="Shape 168"/>
         <p:cNvGrpSpPr/>
         <p:nvPr/>
       </p:nvGrpSpPr>
@@ -2024,9 +2105,11 @@
       <p:sp>
         <p:nvSpPr>
           <p:cNvPr id="169" name="Google Shape;169;g26da7904dac_0_946:notes"/>
-          <p:cNvSpPr/>
+          <p:cNvSpPr>
+            <a:spLocks noGrp="1" noRot="1" noChangeAspect="1"/>
+          </p:cNvSpPr>
           <p:nvPr>
-            <p:ph idx="2" type="sldImg"/>
+            <p:ph type="sldImg" idx="2"/>
           </p:nvPr>
         </p:nvSpPr>
         <p:spPr>
@@ -2035,9 +2118,13 @@
             <a:ext cx="6096000" cy="3429000"/>
           </a:xfrm>
           <a:custGeom>
-            <a:rect b="b" l="l" r="r" t="t"/>
+            <a:avLst/>
+            <a:gdLst/>
+            <a:ahLst/>
+            <a:cxnLst/>
+            <a:rect l="l" t="t" r="r" b="b"/>
             <a:pathLst>
-              <a:path extrusionOk="0" h="120000" w="120000">
+              <a:path w="120000" h="120000" extrusionOk="0">
                 <a:moveTo>
                   <a:pt x="0" y="0"/>
                 </a:moveTo>
@@ -2059,9 +2146,11 @@
       <p:sp>
         <p:nvSpPr>
           <p:cNvPr id="170" name="Google Shape;170;g26da7904dac_0_946:notes"/>
-          <p:cNvSpPr txBox="1"/>
+          <p:cNvSpPr txBox="1">
+            <a:spLocks noGrp="1"/>
+          </p:cNvSpPr>
           <p:nvPr>
-            <p:ph idx="1" type="body"/>
+            <p:ph type="body" idx="1"/>
           </p:nvPr>
         </p:nvSpPr>
         <p:spPr>
@@ -2074,12 +2163,12 @@
           </a:prstGeom>
         </p:spPr>
         <p:txBody>
-          <a:bodyPr anchorCtr="0" anchor="t" bIns="91425" lIns="91425" spcFirstLastPara="1" rIns="91425" wrap="square" tIns="91425">
+          <a:bodyPr spcFirstLastPara="1" wrap="square" lIns="91425" tIns="91425" rIns="91425" bIns="91425" anchor="t" anchorCtr="0">
             <a:noAutofit/>
           </a:bodyPr>
           <a:lstStyle/>
           <a:p>
-            <a:pPr indent="0" lvl="0" marL="0" rtl="0" algn="l">
+            <a:pPr marL="0" lvl="0" indent="0" algn="l" rtl="0">
               <a:spcBef>
                 <a:spcPts val="0"/>
               </a:spcBef>
@@ -2088,9 +2177,6 @@
               </a:spcAft>
               <a:buNone/>
             </a:pPr>
-            <a:r>
-              <a:t/>
-            </a:r>
             <a:endParaRPr/>
           </a:p>
         </p:txBody>
@@ -2104,11 +2190,11 @@
 </file>
 
 <file path=ppt/notesSlides/notesSlide8.xml><?xml version="1.0" encoding="utf-8"?>
-<p:notes xmlns:a="http://schemas.openxmlformats.org/drawingml/2006/main" xmlns:r="http://schemas.openxmlformats.org/officeDocument/2006/relationships" xmlns:mc="http://schemas.openxmlformats.org/markup-compatibility/2006" xmlns:mv="urn:schemas-microsoft-com:mac:vml" xmlns:p="http://schemas.openxmlformats.org/presentationml/2006/main" xmlns:c="http://schemas.openxmlformats.org/drawingml/2006/chart" xmlns:dgm="http://schemas.openxmlformats.org/drawingml/2006/diagram" xmlns:o="urn:schemas-microsoft-com:office:office" xmlns:v="urn:schemas-microsoft-com:vml" xmlns:pvml="urn:schemas-microsoft-com:office:powerpoint" xmlns:com="http://schemas.openxmlformats.org/drawingml/2006/compatibility" xmlns:p14="http://schemas.microsoft.com/office/powerpoint/2010/main" xmlns:p15="http://schemas.microsoft.com/office/powerpoint/2012/main" xmlns:ahyp="http://schemas.microsoft.com/office/drawing/2018/hyperlinkcolor" showMasterPhAnim="0" showMasterSp="0">
+<p:notes xmlns:a="http://schemas.openxmlformats.org/drawingml/2006/main" xmlns:r="http://schemas.openxmlformats.org/officeDocument/2006/relationships" xmlns:p="http://schemas.openxmlformats.org/presentationml/2006/main" showMasterSp="0" showMasterPhAnim="0">
   <p:cSld>
     <p:spTree>
       <p:nvGrpSpPr>
-        <p:cNvPr id="174" name="Shape 174"/>
+        <p:cNvPr id="1" name="Shape 174"/>
         <p:cNvGrpSpPr/>
         <p:nvPr/>
       </p:nvGrpSpPr>
@@ -2123,9 +2209,11 @@
       <p:sp>
         <p:nvSpPr>
           <p:cNvPr id="175" name="Google Shape;175;g26da7904dac_0_951:notes"/>
-          <p:cNvSpPr/>
+          <p:cNvSpPr>
+            <a:spLocks noGrp="1" noRot="1" noChangeAspect="1"/>
+          </p:cNvSpPr>
           <p:nvPr>
-            <p:ph idx="2" type="sldImg"/>
+            <p:ph type="sldImg" idx="2"/>
           </p:nvPr>
         </p:nvSpPr>
         <p:spPr>
@@ -2134,9 +2222,13 @@
             <a:ext cx="6096000" cy="3429000"/>
           </a:xfrm>
           <a:custGeom>
-            <a:rect b="b" l="l" r="r" t="t"/>
+            <a:avLst/>
+            <a:gdLst/>
+            <a:ahLst/>
+            <a:cxnLst/>
+            <a:rect l="l" t="t" r="r" b="b"/>
             <a:pathLst>
-              <a:path extrusionOk="0" h="120000" w="120000">
+              <a:path w="120000" h="120000" extrusionOk="0">
                 <a:moveTo>
                   <a:pt x="0" y="0"/>
                 </a:moveTo>
@@ -2158,9 +2250,11 @@
       <p:sp>
         <p:nvSpPr>
           <p:cNvPr id="176" name="Google Shape;176;g26da7904dac_0_951:notes"/>
-          <p:cNvSpPr txBox="1"/>
+          <p:cNvSpPr txBox="1">
+            <a:spLocks noGrp="1"/>
+          </p:cNvSpPr>
           <p:nvPr>
-            <p:ph idx="1" type="body"/>
+            <p:ph type="body" idx="1"/>
           </p:nvPr>
         </p:nvSpPr>
         <p:spPr>
@@ -2173,12 +2267,12 @@
           </a:prstGeom>
         </p:spPr>
         <p:txBody>
-          <a:bodyPr anchorCtr="0" anchor="t" bIns="91425" lIns="91425" spcFirstLastPara="1" rIns="91425" wrap="square" tIns="91425">
+          <a:bodyPr spcFirstLastPara="1" wrap="square" lIns="91425" tIns="91425" rIns="91425" bIns="91425" anchor="t" anchorCtr="0">
             <a:noAutofit/>
           </a:bodyPr>
           <a:lstStyle/>
           <a:p>
-            <a:pPr indent="0" lvl="0" marL="0" rtl="0" algn="l">
+            <a:pPr marL="0" lvl="0" indent="0" algn="l" rtl="0">
               <a:spcBef>
                 <a:spcPts val="0"/>
               </a:spcBef>
@@ -2187,9 +2281,6 @@
               </a:spcAft>
               <a:buNone/>
             </a:pPr>
-            <a:r>
-              <a:t/>
-            </a:r>
             <a:endParaRPr/>
           </a:p>
         </p:txBody>
@@ -2203,11 +2294,11 @@
 </file>
 
 <file path=ppt/notesSlides/notesSlide9.xml><?xml version="1.0" encoding="utf-8"?>
-<p:notes xmlns:a="http://schemas.openxmlformats.org/drawingml/2006/main" xmlns:r="http://schemas.openxmlformats.org/officeDocument/2006/relationships" xmlns:mc="http://schemas.openxmlformats.org/markup-compatibility/2006" xmlns:mv="urn:schemas-microsoft-com:mac:vml" xmlns:p="http://schemas.openxmlformats.org/presentationml/2006/main" xmlns:c="http://schemas.openxmlformats.org/drawingml/2006/chart" xmlns:dgm="http://schemas.openxmlformats.org/drawingml/2006/diagram" xmlns:o="urn:schemas-microsoft-com:office:office" xmlns:v="urn:schemas-microsoft-com:vml" xmlns:pvml="urn:schemas-microsoft-com:office:powerpoint" xmlns:com="http://schemas.openxmlformats.org/drawingml/2006/compatibility" xmlns:p14="http://schemas.microsoft.com/office/powerpoint/2010/main" xmlns:p15="http://schemas.microsoft.com/office/powerpoint/2012/main" xmlns:ahyp="http://schemas.microsoft.com/office/drawing/2018/hyperlinkcolor" showMasterPhAnim="0" showMasterSp="0">
+<p:notes xmlns:a="http://schemas.openxmlformats.org/drawingml/2006/main" xmlns:r="http://schemas.openxmlformats.org/officeDocument/2006/relationships" xmlns:p="http://schemas.openxmlformats.org/presentationml/2006/main" showMasterSp="0" showMasterPhAnim="0">
   <p:cSld>
     <p:spTree>
       <p:nvGrpSpPr>
-        <p:cNvPr id="180" name="Shape 180"/>
+        <p:cNvPr id="1" name="Shape 180"/>
         <p:cNvGrpSpPr/>
         <p:nvPr/>
       </p:nvGrpSpPr>
@@ -2222,20 +2313,26 @@
       <p:sp>
         <p:nvSpPr>
           <p:cNvPr id="181" name="Google Shape;181;g26da7904dac_0_961:notes"/>
-          <p:cNvSpPr/>
+          <p:cNvSpPr>
+            <a:spLocks noGrp="1" noRot="1" noChangeAspect="1"/>
+          </p:cNvSpPr>
           <p:nvPr>
-            <p:ph idx="2" type="sldImg"/>
+            <p:ph type="sldImg" idx="2"/>
           </p:nvPr>
         </p:nvSpPr>
         <p:spPr>
           <a:xfrm>
-            <a:off x="381300" y="685800"/>
+            <a:off x="381000" y="685800"/>
             <a:ext cx="6096000" cy="3429000"/>
           </a:xfrm>
           <a:custGeom>
-            <a:rect b="b" l="l" r="r" t="t"/>
+            <a:avLst/>
+            <a:gdLst/>
+            <a:ahLst/>
+            <a:cxnLst/>
+            <a:rect l="l" t="t" r="r" b="b"/>
             <a:pathLst>
-              <a:path extrusionOk="0" h="120000" w="120000">
+              <a:path w="120000" h="120000" extrusionOk="0">
                 <a:moveTo>
                   <a:pt x="0" y="0"/>
                 </a:moveTo>
@@ -2257,9 +2354,11 @@
       <p:sp>
         <p:nvSpPr>
           <p:cNvPr id="182" name="Google Shape;182;g26da7904dac_0_961:notes"/>
-          <p:cNvSpPr txBox="1"/>
+          <p:cNvSpPr txBox="1">
+            <a:spLocks noGrp="1"/>
+          </p:cNvSpPr>
           <p:nvPr>
-            <p:ph idx="1" type="body"/>
+            <p:ph type="body" idx="1"/>
           </p:nvPr>
         </p:nvSpPr>
         <p:spPr>
@@ -2272,12 +2371,12 @@
           </a:prstGeom>
         </p:spPr>
         <p:txBody>
-          <a:bodyPr anchorCtr="0" anchor="t" bIns="91425" lIns="91425" spcFirstLastPara="1" rIns="91425" wrap="square" tIns="91425">
+          <a:bodyPr spcFirstLastPara="1" wrap="square" lIns="91425" tIns="91425" rIns="91425" bIns="91425" anchor="t" anchorCtr="0">
             <a:noAutofit/>
           </a:bodyPr>
           <a:lstStyle/>
           <a:p>
-            <a:pPr indent="0" lvl="0" marL="0" rtl="0" algn="l">
+            <a:pPr marL="0" lvl="0" indent="0" algn="l" rtl="0">
               <a:spcBef>
                 <a:spcPts val="0"/>
               </a:spcBef>
@@ -2286,9 +2385,6 @@
               </a:spcAft>
               <a:buNone/>
             </a:pPr>
-            <a:r>
-              <a:t/>
-            </a:r>
             <a:endParaRPr/>
           </a:p>
         </p:txBody>
@@ -2302,11 +2398,11 @@
 </file>
 
 <file path=ppt/slideLayouts/slideLayout1.xml><?xml version="1.0" encoding="utf-8"?>
-<p:sldLayout xmlns:a="http://schemas.openxmlformats.org/drawingml/2006/main" xmlns:r="http://schemas.openxmlformats.org/officeDocument/2006/relationships" xmlns:mc="http://schemas.openxmlformats.org/markup-compatibility/2006" xmlns:mv="urn:schemas-microsoft-com:mac:vml" xmlns:p="http://schemas.openxmlformats.org/presentationml/2006/main" xmlns:c="http://schemas.openxmlformats.org/drawingml/2006/chart" xmlns:dgm="http://schemas.openxmlformats.org/drawingml/2006/diagram" xmlns:o="urn:schemas-microsoft-com:office:office" xmlns:v="urn:schemas-microsoft-com:vml" xmlns:pvml="urn:schemas-microsoft-com:office:powerpoint" xmlns:com="http://schemas.openxmlformats.org/drawingml/2006/compatibility" xmlns:p14="http://schemas.microsoft.com/office/powerpoint/2010/main" xmlns:p15="http://schemas.microsoft.com/office/powerpoint/2012/main" xmlns:ahyp="http://schemas.microsoft.com/office/drawing/2018/hyperlinkcolor" matchingName="Title slide" type="title">
+<p:sldLayout xmlns:a="http://schemas.openxmlformats.org/drawingml/2006/main" xmlns:r="http://schemas.openxmlformats.org/officeDocument/2006/relationships" xmlns:p="http://schemas.openxmlformats.org/presentationml/2006/main" matchingName="Title slide" type="title">
   <p:cSld name="TITLE">
     <p:spTree>
       <p:nvGrpSpPr>
-        <p:cNvPr id="9" name="Shape 9"/>
+        <p:cNvPr id="1" name="Shape 9"/>
         <p:cNvGrpSpPr/>
         <p:nvPr/>
       </p:nvGrpSpPr>
@@ -2331,7 +2427,7 @@
           </a:xfrm>
           <a:prstGeom prst="diagStripe">
             <a:avLst>
-              <a:gd fmla="val 0" name="adj"/>
+              <a:gd name="adj" fmla="val 0"/>
             </a:avLst>
           </a:prstGeom>
           <a:solidFill>
@@ -2344,12 +2440,12 @@
           </a:ln>
         </p:spPr>
         <p:txBody>
-          <a:bodyPr anchorCtr="0" anchor="ctr" bIns="91425" lIns="91425" spcFirstLastPara="1" rIns="91425" wrap="square" tIns="91425">
+          <a:bodyPr spcFirstLastPara="1" wrap="square" lIns="91425" tIns="91425" rIns="91425" bIns="91425" anchor="ctr" anchorCtr="0">
             <a:noAutofit/>
           </a:bodyPr>
           <a:lstStyle/>
           <a:p>
-            <a:pPr indent="0" lvl="0" marL="0" rtl="0" algn="l">
+            <a:pPr marL="0" lvl="0" indent="0" algn="l" rtl="0">
               <a:spcBef>
                 <a:spcPts val="0"/>
               </a:spcBef>
@@ -2358,9 +2454,6 @@
               </a:spcAft>
               <a:buNone/>
             </a:pPr>
-            <a:r>
-              <a:t/>
-            </a:r>
             <a:endParaRPr/>
           </a:p>
         </p:txBody>
@@ -2392,7 +2485,7 @@
             </a:xfrm>
             <a:prstGeom prst="diagStripe">
               <a:avLst>
-                <a:gd fmla="val 50000" name="adj"/>
+                <a:gd name="adj" fmla="val 50000"/>
               </a:avLst>
             </a:prstGeom>
             <a:solidFill>
@@ -2405,12 +2498,12 @@
             </a:ln>
           </p:spPr>
           <p:txBody>
-            <a:bodyPr anchorCtr="0" anchor="ctr" bIns="91425" lIns="91425" spcFirstLastPara="1" rIns="91425" wrap="square" tIns="91425">
+            <a:bodyPr spcFirstLastPara="1" wrap="square" lIns="91425" tIns="91425" rIns="91425" bIns="91425" anchor="ctr" anchorCtr="0">
               <a:noAutofit/>
             </a:bodyPr>
             <a:lstStyle/>
             <a:p>
-              <a:pPr indent="0" lvl="0" marL="0" rtl="0" algn="l">
+              <a:pPr marL="0" lvl="0" indent="0" algn="l" rtl="0">
                 <a:spcBef>
                   <a:spcPts val="0"/>
                 </a:spcBef>
@@ -2419,9 +2512,6 @@
                 </a:spcAft>
                 <a:buNone/>
               </a:pPr>
-              <a:r>
-                <a:t/>
-              </a:r>
               <a:endParaRPr/>
             </a:p>
           </p:txBody>
@@ -2439,7 +2529,7 @@
             </a:xfrm>
             <a:prstGeom prst="diagStripe">
               <a:avLst>
-                <a:gd fmla="val 58774" name="adj"/>
+                <a:gd name="adj" fmla="val 58774"/>
               </a:avLst>
             </a:prstGeom>
             <a:solidFill>
@@ -2452,12 +2542,12 @@
             </a:ln>
           </p:spPr>
           <p:txBody>
-            <a:bodyPr anchorCtr="0" anchor="ctr" bIns="91425" lIns="91425" spcFirstLastPara="1" rIns="91425" wrap="square" tIns="91425">
+            <a:bodyPr spcFirstLastPara="1" wrap="square" lIns="91425" tIns="91425" rIns="91425" bIns="91425" anchor="ctr" anchorCtr="0">
               <a:noAutofit/>
             </a:bodyPr>
             <a:lstStyle/>
             <a:p>
-              <a:pPr indent="0" lvl="0" marL="0" rtl="0" algn="l">
+              <a:pPr marL="0" lvl="0" indent="0" algn="l" rtl="0">
                 <a:spcBef>
                   <a:spcPts val="0"/>
                 </a:spcBef>
@@ -2466,9 +2556,6 @@
                 </a:spcAft>
                 <a:buNone/>
               </a:pPr>
-              <a:r>
-                <a:t/>
-              </a:r>
               <a:endParaRPr/>
             </a:p>
           </p:txBody>
@@ -2486,7 +2573,7 @@
             </a:xfrm>
             <a:prstGeom prst="diagStripe">
               <a:avLst>
-                <a:gd fmla="val 50000" name="adj"/>
+                <a:gd name="adj" fmla="val 50000"/>
               </a:avLst>
             </a:prstGeom>
             <a:solidFill>
@@ -2497,12 +2584,12 @@
             </a:ln>
           </p:spPr>
           <p:txBody>
-            <a:bodyPr anchorCtr="0" anchor="ctr" bIns="91425" lIns="91425" spcFirstLastPara="1" rIns="91425" wrap="square" tIns="91425">
+            <a:bodyPr spcFirstLastPara="1" wrap="square" lIns="91425" tIns="91425" rIns="91425" bIns="91425" anchor="ctr" anchorCtr="0">
               <a:noAutofit/>
             </a:bodyPr>
             <a:lstStyle/>
             <a:p>
-              <a:pPr indent="0" lvl="0" marL="0" rtl="0" algn="l">
+              <a:pPr marL="0" lvl="0" indent="0" algn="l" rtl="0">
                 <a:spcBef>
                   <a:spcPts val="0"/>
                 </a:spcBef>
@@ -2511,9 +2598,6 @@
                 </a:spcAft>
                 <a:buNone/>
               </a:pPr>
-              <a:r>
-                <a:t/>
-              </a:r>
               <a:endParaRPr/>
             </a:p>
           </p:txBody>
@@ -2531,7 +2615,7 @@
             </a:xfrm>
             <a:prstGeom prst="diagStripe">
               <a:avLst>
-                <a:gd fmla="val 50000" name="adj"/>
+                <a:gd name="adj" fmla="val 50000"/>
               </a:avLst>
             </a:prstGeom>
             <a:solidFill>
@@ -2542,12 +2626,12 @@
             </a:ln>
           </p:spPr>
           <p:txBody>
-            <a:bodyPr anchorCtr="0" anchor="ctr" bIns="91425" lIns="91425" spcFirstLastPara="1" rIns="91425" wrap="square" tIns="91425">
+            <a:bodyPr spcFirstLastPara="1" wrap="square" lIns="91425" tIns="91425" rIns="91425" bIns="91425" anchor="ctr" anchorCtr="0">
               <a:noAutofit/>
             </a:bodyPr>
             <a:lstStyle/>
             <a:p>
-              <a:pPr indent="0" lvl="0" marL="0" rtl="0" algn="l">
+              <a:pPr marL="0" lvl="0" indent="0" algn="l" rtl="0">
                 <a:spcBef>
                   <a:spcPts val="0"/>
                 </a:spcBef>
@@ -2556,9 +2640,6 @@
                 </a:spcAft>
                 <a:buNone/>
               </a:pPr>
-              <a:r>
-                <a:t/>
-              </a:r>
               <a:endParaRPr/>
             </a:p>
           </p:txBody>
@@ -2567,7 +2648,9 @@
       <p:sp>
         <p:nvSpPr>
           <p:cNvPr id="16" name="Google Shape;16;p2"/>
-          <p:cNvSpPr txBox="1"/>
+          <p:cNvSpPr txBox="1">
+            <a:spLocks noGrp="1"/>
+          </p:cNvSpPr>
           <p:nvPr>
             <p:ph type="ctrTitle"/>
           </p:nvPr>
@@ -2582,7 +2665,7 @@
           </a:prstGeom>
         </p:spPr>
         <p:txBody>
-          <a:bodyPr anchorCtr="0" anchor="t" bIns="91425" lIns="91425" spcFirstLastPara="1" rIns="91425" wrap="square" tIns="91425">
+          <a:bodyPr spcFirstLastPara="1" wrap="square" lIns="91425" tIns="91425" rIns="91425" bIns="91425" anchor="t" anchorCtr="0">
             <a:normAutofit/>
           </a:bodyPr>
           <a:lstStyle>
@@ -2686,15 +2769,19 @@
               <a:defRPr sz="4000"/>
             </a:lvl9pPr>
           </a:lstStyle>
-          <a:p/>
+          <a:p>
+            <a:endParaRPr/>
+          </a:p>
         </p:txBody>
       </p:sp>
       <p:sp>
         <p:nvSpPr>
           <p:cNvPr id="17" name="Google Shape;17;p2"/>
-          <p:cNvSpPr txBox="1"/>
+          <p:cNvSpPr txBox="1">
+            <a:spLocks noGrp="1"/>
+          </p:cNvSpPr>
           <p:nvPr>
-            <p:ph idx="1" type="subTitle"/>
+            <p:ph type="subTitle" idx="1"/>
           </p:nvPr>
         </p:nvSpPr>
         <p:spPr>
@@ -2707,7 +2794,7 @@
           </a:prstGeom>
         </p:spPr>
         <p:txBody>
-          <a:bodyPr anchorCtr="0" anchor="t" bIns="91425" lIns="91425" spcFirstLastPara="1" rIns="91425" wrap="square" tIns="91425">
+          <a:bodyPr spcFirstLastPara="1" wrap="square" lIns="91425" tIns="91425" rIns="91425" bIns="91425" anchor="t" anchorCtr="0">
             <a:normAutofit/>
           </a:bodyPr>
           <a:lstStyle>
@@ -2838,15 +2925,19 @@
               <a:defRPr sz="1300"/>
             </a:lvl9pPr>
           </a:lstStyle>
-          <a:p/>
+          <a:p>
+            <a:endParaRPr/>
+          </a:p>
         </p:txBody>
       </p:sp>
       <p:sp>
         <p:nvSpPr>
           <p:cNvPr id="18" name="Google Shape;18;p2"/>
-          <p:cNvSpPr txBox="1"/>
+          <p:cNvSpPr txBox="1">
+            <a:spLocks noGrp="1"/>
+          </p:cNvSpPr>
           <p:nvPr>
-            <p:ph idx="12" type="sldNum"/>
+            <p:ph type="sldNum" idx="12"/>
           </p:nvPr>
         </p:nvSpPr>
         <p:spPr>
@@ -2859,7 +2950,7 @@
           </a:prstGeom>
         </p:spPr>
         <p:txBody>
-          <a:bodyPr anchorCtr="0" anchor="ctr" bIns="91425" lIns="91425" spcFirstLastPara="1" rIns="91425" wrap="square" tIns="91425">
+          <a:bodyPr spcFirstLastPara="1" wrap="square" lIns="91425" tIns="91425" rIns="91425" bIns="91425" anchor="ctr" anchorCtr="0">
             <a:normAutofit/>
           </a:bodyPr>
           <a:lstStyle>
@@ -2901,7 +2992,7 @@
             </a:lvl9pPr>
           </a:lstStyle>
           <a:p>
-            <a:pPr indent="0" lvl="0" marL="0" rtl="0" algn="r">
+            <a:pPr marL="0" lvl="0" indent="0" algn="r" rtl="0">
               <a:spcBef>
                 <a:spcPts val="0"/>
               </a:spcBef>
@@ -2927,11 +3018,11 @@
 </file>
 
 <file path=ppt/slideLayouts/slideLayout10.xml><?xml version="1.0" encoding="utf-8"?>
-<p:sldLayout xmlns:a="http://schemas.openxmlformats.org/drawingml/2006/main" xmlns:r="http://schemas.openxmlformats.org/officeDocument/2006/relationships" xmlns:mc="http://schemas.openxmlformats.org/markup-compatibility/2006" xmlns:mv="urn:schemas-microsoft-com:mac:vml" xmlns:p="http://schemas.openxmlformats.org/presentationml/2006/main" xmlns:c="http://schemas.openxmlformats.org/drawingml/2006/chart" xmlns:dgm="http://schemas.openxmlformats.org/drawingml/2006/diagram" xmlns:o="urn:schemas-microsoft-com:office:office" xmlns:v="urn:schemas-microsoft-com:vml" xmlns:pvml="urn:schemas-microsoft-com:office:powerpoint" xmlns:com="http://schemas.openxmlformats.org/drawingml/2006/compatibility" xmlns:p14="http://schemas.microsoft.com/office/powerpoint/2010/main" xmlns:p15="http://schemas.microsoft.com/office/powerpoint/2012/main" xmlns:ahyp="http://schemas.microsoft.com/office/drawing/2018/hyperlinkcolor" matchingName="Big number">
+<p:sldLayout xmlns:a="http://schemas.openxmlformats.org/drawingml/2006/main" xmlns:r="http://schemas.openxmlformats.org/officeDocument/2006/relationships" xmlns:p="http://schemas.openxmlformats.org/presentationml/2006/main" matchingName="Big number">
   <p:cSld name="BIG_NUMBER">
     <p:spTree>
       <p:nvGrpSpPr>
-        <p:cNvPr id="105" name="Shape 105"/>
+        <p:cNvPr id="1" name="Shape 105"/>
         <p:cNvGrpSpPr/>
         <p:nvPr/>
       </p:nvGrpSpPr>
@@ -2970,7 +3061,7 @@
             </a:xfrm>
             <a:prstGeom prst="diagStripe">
               <a:avLst>
-                <a:gd fmla="val 49469" name="adj"/>
+                <a:gd name="adj" fmla="val 49469"/>
               </a:avLst>
             </a:prstGeom>
             <a:solidFill>
@@ -2983,12 +3074,12 @@
             </a:ln>
           </p:spPr>
           <p:txBody>
-            <a:bodyPr anchorCtr="0" anchor="ctr" bIns="91425" lIns="91425" spcFirstLastPara="1" rIns="91425" wrap="square" tIns="91425">
+            <a:bodyPr spcFirstLastPara="1" wrap="square" lIns="91425" tIns="91425" rIns="91425" bIns="91425" anchor="ctr" anchorCtr="0">
               <a:noAutofit/>
             </a:bodyPr>
             <a:lstStyle/>
             <a:p>
-              <a:pPr indent="0" lvl="0" marL="0" rtl="0" algn="l">
+              <a:pPr marL="0" lvl="0" indent="0" algn="l" rtl="0">
                 <a:spcBef>
                   <a:spcPts val="0"/>
                 </a:spcBef>
@@ -2997,9 +3088,6 @@
                 </a:spcAft>
                 <a:buNone/>
               </a:pPr>
-              <a:r>
-                <a:t/>
-              </a:r>
               <a:endParaRPr/>
             </a:p>
           </p:txBody>
@@ -3017,7 +3105,7 @@
             </a:xfrm>
             <a:prstGeom prst="diagStripe">
               <a:avLst>
-                <a:gd fmla="val 0" name="adj"/>
+                <a:gd name="adj" fmla="val 0"/>
               </a:avLst>
             </a:prstGeom>
             <a:solidFill>
@@ -3030,12 +3118,12 @@
             </a:ln>
           </p:spPr>
           <p:txBody>
-            <a:bodyPr anchorCtr="0" anchor="ctr" bIns="91425" lIns="91425" spcFirstLastPara="1" rIns="91425" wrap="square" tIns="91425">
+            <a:bodyPr spcFirstLastPara="1" wrap="square" lIns="91425" tIns="91425" rIns="91425" bIns="91425" anchor="ctr" anchorCtr="0">
               <a:noAutofit/>
             </a:bodyPr>
             <a:lstStyle/>
             <a:p>
-              <a:pPr indent="0" lvl="0" marL="0" rtl="0" algn="l">
+              <a:pPr marL="0" lvl="0" indent="0" algn="l" rtl="0">
                 <a:spcBef>
                   <a:spcPts val="0"/>
                 </a:spcBef>
@@ -3044,9 +3132,6 @@
                 </a:spcAft>
                 <a:buNone/>
               </a:pPr>
-              <a:r>
-                <a:t/>
-              </a:r>
               <a:endParaRPr/>
             </a:p>
           </p:txBody>
@@ -3064,7 +3149,7 @@
             </a:xfrm>
             <a:prstGeom prst="diagStripe">
               <a:avLst>
-                <a:gd fmla="val 50000" name="adj"/>
+                <a:gd name="adj" fmla="val 50000"/>
               </a:avLst>
             </a:prstGeom>
             <a:solidFill>
@@ -3077,12 +3162,12 @@
             </a:ln>
           </p:spPr>
           <p:txBody>
-            <a:bodyPr anchorCtr="0" anchor="ctr" bIns="91425" lIns="91425" spcFirstLastPara="1" rIns="91425" wrap="square" tIns="91425">
+            <a:bodyPr spcFirstLastPara="1" wrap="square" lIns="91425" tIns="91425" rIns="91425" bIns="91425" anchor="ctr" anchorCtr="0">
               <a:noAutofit/>
             </a:bodyPr>
             <a:lstStyle/>
             <a:p>
-              <a:pPr indent="0" lvl="0" marL="0" rtl="0" algn="l">
+              <a:pPr marL="0" lvl="0" indent="0" algn="l" rtl="0">
                 <a:spcBef>
                   <a:spcPts val="0"/>
                 </a:spcBef>
@@ -3091,9 +3176,6 @@
                 </a:spcAft>
                 <a:buNone/>
               </a:pPr>
-              <a:r>
-                <a:t/>
-              </a:r>
               <a:endParaRPr/>
             </a:p>
           </p:txBody>
@@ -3111,7 +3193,7 @@
             </a:xfrm>
             <a:prstGeom prst="diagStripe">
               <a:avLst>
-                <a:gd fmla="val 50000" name="adj"/>
+                <a:gd name="adj" fmla="val 50000"/>
               </a:avLst>
             </a:prstGeom>
             <a:solidFill>
@@ -3124,12 +3206,12 @@
             </a:ln>
           </p:spPr>
           <p:txBody>
-            <a:bodyPr anchorCtr="0" anchor="ctr" bIns="91425" lIns="91425" spcFirstLastPara="1" rIns="91425" wrap="square" tIns="91425">
+            <a:bodyPr spcFirstLastPara="1" wrap="square" lIns="91425" tIns="91425" rIns="91425" bIns="91425" anchor="ctr" anchorCtr="0">
               <a:noAutofit/>
             </a:bodyPr>
             <a:lstStyle/>
             <a:p>
-              <a:pPr indent="0" lvl="0" marL="0" rtl="0" algn="l">
+              <a:pPr marL="0" lvl="0" indent="0" algn="l" rtl="0">
                 <a:spcBef>
                   <a:spcPts val="0"/>
                 </a:spcBef>
@@ -3138,9 +3220,6 @@
                 </a:spcAft>
                 <a:buNone/>
               </a:pPr>
-              <a:r>
-                <a:t/>
-              </a:r>
               <a:endParaRPr/>
             </a:p>
           </p:txBody>
@@ -3158,7 +3237,7 @@
             </a:xfrm>
             <a:prstGeom prst="diagStripe">
               <a:avLst>
-                <a:gd fmla="val 50000" name="adj"/>
+                <a:gd name="adj" fmla="val 50000"/>
               </a:avLst>
             </a:prstGeom>
             <a:solidFill>
@@ -3171,12 +3250,12 @@
             </a:ln>
           </p:spPr>
           <p:txBody>
-            <a:bodyPr anchorCtr="0" anchor="ctr" bIns="91425" lIns="91425" spcFirstLastPara="1" rIns="91425" wrap="square" tIns="91425">
+            <a:bodyPr spcFirstLastPara="1" wrap="square" lIns="91425" tIns="91425" rIns="91425" bIns="91425" anchor="ctr" anchorCtr="0">
               <a:noAutofit/>
             </a:bodyPr>
             <a:lstStyle/>
             <a:p>
-              <a:pPr indent="0" lvl="0" marL="0" rtl="0" algn="l">
+              <a:pPr marL="0" lvl="0" indent="0" algn="l" rtl="0">
                 <a:spcBef>
                   <a:spcPts val="0"/>
                 </a:spcBef>
@@ -3185,9 +3264,6 @@
                 </a:spcAft>
                 <a:buNone/>
               </a:pPr>
-              <a:r>
-                <a:t/>
-              </a:r>
               <a:endParaRPr/>
             </a:p>
           </p:txBody>
@@ -3205,7 +3281,7 @@
             </a:xfrm>
             <a:prstGeom prst="diagStripe">
               <a:avLst>
-                <a:gd fmla="val 50000" name="adj"/>
+                <a:gd name="adj" fmla="val 50000"/>
               </a:avLst>
             </a:prstGeom>
             <a:solidFill>
@@ -3218,12 +3294,12 @@
             </a:ln>
           </p:spPr>
           <p:txBody>
-            <a:bodyPr anchorCtr="0" anchor="ctr" bIns="91425" lIns="91425" spcFirstLastPara="1" rIns="91425" wrap="square" tIns="91425">
+            <a:bodyPr spcFirstLastPara="1" wrap="square" lIns="91425" tIns="91425" rIns="91425" bIns="91425" anchor="ctr" anchorCtr="0">
               <a:noAutofit/>
             </a:bodyPr>
             <a:lstStyle/>
             <a:p>
-              <a:pPr indent="0" lvl="0" marL="0" rtl="0" algn="l">
+              <a:pPr marL="0" lvl="0" indent="0" algn="l" rtl="0">
                 <a:spcBef>
                   <a:spcPts val="0"/>
                 </a:spcBef>
@@ -3232,9 +3308,6 @@
                 </a:spcAft>
                 <a:buNone/>
               </a:pPr>
-              <a:r>
-                <a:t/>
-              </a:r>
               <a:endParaRPr/>
             </a:p>
           </p:txBody>
@@ -3252,7 +3325,7 @@
             </a:xfrm>
             <a:prstGeom prst="diagStripe">
               <a:avLst>
-                <a:gd fmla="val 50000" name="adj"/>
+                <a:gd name="adj" fmla="val 50000"/>
               </a:avLst>
             </a:prstGeom>
             <a:solidFill>
@@ -3265,12 +3338,12 @@
             </a:ln>
           </p:spPr>
           <p:txBody>
-            <a:bodyPr anchorCtr="0" anchor="ctr" bIns="91425" lIns="91425" spcFirstLastPara="1" rIns="91425" wrap="square" tIns="91425">
+            <a:bodyPr spcFirstLastPara="1" wrap="square" lIns="91425" tIns="91425" rIns="91425" bIns="91425" anchor="ctr" anchorCtr="0">
               <a:noAutofit/>
             </a:bodyPr>
             <a:lstStyle/>
             <a:p>
-              <a:pPr indent="0" lvl="0" marL="0" rtl="0" algn="l">
+              <a:pPr marL="0" lvl="0" indent="0" algn="l" rtl="0">
                 <a:spcBef>
                   <a:spcPts val="0"/>
                 </a:spcBef>
@@ -3279,9 +3352,6 @@
                 </a:spcAft>
                 <a:buNone/>
               </a:pPr>
-              <a:r>
-                <a:t/>
-              </a:r>
               <a:endParaRPr/>
             </a:p>
           </p:txBody>
@@ -3299,7 +3369,7 @@
             </a:xfrm>
             <a:prstGeom prst="diagStripe">
               <a:avLst>
-                <a:gd fmla="val 50000" name="adj"/>
+                <a:gd name="adj" fmla="val 50000"/>
               </a:avLst>
             </a:prstGeom>
             <a:solidFill>
@@ -3310,12 +3380,12 @@
             </a:ln>
           </p:spPr>
           <p:txBody>
-            <a:bodyPr anchorCtr="0" anchor="ctr" bIns="91425" lIns="91425" spcFirstLastPara="1" rIns="91425" wrap="square" tIns="91425">
+            <a:bodyPr spcFirstLastPara="1" wrap="square" lIns="91425" tIns="91425" rIns="91425" bIns="91425" anchor="ctr" anchorCtr="0">
               <a:noAutofit/>
             </a:bodyPr>
             <a:lstStyle/>
             <a:p>
-              <a:pPr indent="0" lvl="0" marL="0" rtl="0" algn="l">
+              <a:pPr marL="0" lvl="0" indent="0" algn="l" rtl="0">
                 <a:spcBef>
                   <a:spcPts val="0"/>
                 </a:spcBef>
@@ -3324,9 +3394,6 @@
                 </a:spcAft>
                 <a:buNone/>
               </a:pPr>
-              <a:r>
-                <a:t/>
-              </a:r>
               <a:endParaRPr/>
             </a:p>
           </p:txBody>
@@ -3344,7 +3411,7 @@
             </a:xfrm>
             <a:prstGeom prst="diagStripe">
               <a:avLst>
-                <a:gd fmla="val 50000" name="adj"/>
+                <a:gd name="adj" fmla="val 50000"/>
               </a:avLst>
             </a:prstGeom>
             <a:solidFill>
@@ -3357,12 +3424,12 @@
             </a:ln>
           </p:spPr>
           <p:txBody>
-            <a:bodyPr anchorCtr="0" anchor="ctr" bIns="91425" lIns="91425" spcFirstLastPara="1" rIns="91425" wrap="square" tIns="91425">
+            <a:bodyPr spcFirstLastPara="1" wrap="square" lIns="91425" tIns="91425" rIns="91425" bIns="91425" anchor="ctr" anchorCtr="0">
               <a:noAutofit/>
             </a:bodyPr>
             <a:lstStyle/>
             <a:p>
-              <a:pPr indent="0" lvl="0" marL="0" rtl="0" algn="l">
+              <a:pPr marL="0" lvl="0" indent="0" algn="l" rtl="0">
                 <a:spcBef>
                   <a:spcPts val="0"/>
                 </a:spcBef>
@@ -3371,9 +3438,6 @@
                 </a:spcAft>
                 <a:buNone/>
               </a:pPr>
-              <a:r>
-                <a:t/>
-              </a:r>
               <a:endParaRPr/>
             </a:p>
           </p:txBody>
@@ -3391,7 +3455,7 @@
             </a:xfrm>
             <a:prstGeom prst="diagStripe">
               <a:avLst>
-                <a:gd fmla="val 50000" name="adj"/>
+                <a:gd name="adj" fmla="val 50000"/>
               </a:avLst>
             </a:prstGeom>
             <a:solidFill>
@@ -3404,12 +3468,12 @@
             </a:ln>
           </p:spPr>
           <p:txBody>
-            <a:bodyPr anchorCtr="0" anchor="ctr" bIns="91425" lIns="91425" spcFirstLastPara="1" rIns="91425" wrap="square" tIns="91425">
+            <a:bodyPr spcFirstLastPara="1" wrap="square" lIns="91425" tIns="91425" rIns="91425" bIns="91425" anchor="ctr" anchorCtr="0">
               <a:noAutofit/>
             </a:bodyPr>
             <a:lstStyle/>
             <a:p>
-              <a:pPr indent="0" lvl="0" marL="0" rtl="0" algn="l">
+              <a:pPr marL="0" lvl="0" indent="0" algn="l" rtl="0">
                 <a:spcBef>
                   <a:spcPts val="0"/>
                 </a:spcBef>
@@ -3418,9 +3482,6 @@
                 </a:spcAft>
                 <a:buNone/>
               </a:pPr>
-              <a:r>
-                <a:t/>
-              </a:r>
               <a:endParaRPr/>
             </a:p>
           </p:txBody>
@@ -3438,7 +3499,7 @@
             </a:xfrm>
             <a:prstGeom prst="diagStripe">
               <a:avLst>
-                <a:gd fmla="val 50000" name="adj"/>
+                <a:gd name="adj" fmla="val 50000"/>
               </a:avLst>
             </a:prstGeom>
             <a:solidFill>
@@ -3451,12 +3512,12 @@
             </a:ln>
           </p:spPr>
           <p:txBody>
-            <a:bodyPr anchorCtr="0" anchor="ctr" bIns="91425" lIns="91425" spcFirstLastPara="1" rIns="91425" wrap="square" tIns="91425">
+            <a:bodyPr spcFirstLastPara="1" wrap="square" lIns="91425" tIns="91425" rIns="91425" bIns="91425" anchor="ctr" anchorCtr="0">
               <a:noAutofit/>
             </a:bodyPr>
             <a:lstStyle/>
             <a:p>
-              <a:pPr indent="0" lvl="0" marL="0" rtl="0" algn="l">
+              <a:pPr marL="0" lvl="0" indent="0" algn="l" rtl="0">
                 <a:spcBef>
                   <a:spcPts val="0"/>
                 </a:spcBef>
@@ -3465,9 +3526,6 @@
                 </a:spcAft>
                 <a:buNone/>
               </a:pPr>
-              <a:r>
-                <a:t/>
-              </a:r>
               <a:endParaRPr/>
             </a:p>
           </p:txBody>
@@ -3485,7 +3543,7 @@
             </a:xfrm>
             <a:prstGeom prst="diagStripe">
               <a:avLst>
-                <a:gd fmla="val 50000" name="adj"/>
+                <a:gd name="adj" fmla="val 50000"/>
               </a:avLst>
             </a:prstGeom>
             <a:solidFill>
@@ -3498,12 +3556,12 @@
             </a:ln>
           </p:spPr>
           <p:txBody>
-            <a:bodyPr anchorCtr="0" anchor="ctr" bIns="91425" lIns="91425" spcFirstLastPara="1" rIns="91425" wrap="square" tIns="91425">
+            <a:bodyPr spcFirstLastPara="1" wrap="square" lIns="91425" tIns="91425" rIns="91425" bIns="91425" anchor="ctr" anchorCtr="0">
               <a:noAutofit/>
             </a:bodyPr>
             <a:lstStyle/>
             <a:p>
-              <a:pPr indent="0" lvl="0" marL="0" rtl="0" algn="l">
+              <a:pPr marL="0" lvl="0" indent="0" algn="l" rtl="0">
                 <a:spcBef>
                   <a:spcPts val="0"/>
                 </a:spcBef>
@@ -3512,9 +3570,6 @@
                 </a:spcAft>
                 <a:buNone/>
               </a:pPr>
-              <a:r>
-                <a:t/>
-              </a:r>
               <a:endParaRPr/>
             </a:p>
           </p:txBody>
@@ -3532,7 +3587,7 @@
             </a:xfrm>
             <a:prstGeom prst="diagStripe">
               <a:avLst>
-                <a:gd fmla="val 50000" name="adj"/>
+                <a:gd name="adj" fmla="val 50000"/>
               </a:avLst>
             </a:prstGeom>
             <a:solidFill>
@@ -3545,12 +3600,12 @@
             </a:ln>
           </p:spPr>
           <p:txBody>
-            <a:bodyPr anchorCtr="0" anchor="ctr" bIns="91425" lIns="91425" spcFirstLastPara="1" rIns="91425" wrap="square" tIns="91425">
+            <a:bodyPr spcFirstLastPara="1" wrap="square" lIns="91425" tIns="91425" rIns="91425" bIns="91425" anchor="ctr" anchorCtr="0">
               <a:noAutofit/>
             </a:bodyPr>
             <a:lstStyle/>
             <a:p>
-              <a:pPr indent="0" lvl="0" marL="0" rtl="0" algn="l">
+              <a:pPr marL="0" lvl="0" indent="0" algn="l" rtl="0">
                 <a:spcBef>
                   <a:spcPts val="0"/>
                 </a:spcBef>
@@ -3559,9 +3614,6 @@
                 </a:spcAft>
                 <a:buNone/>
               </a:pPr>
-              <a:r>
-                <a:t/>
-              </a:r>
               <a:endParaRPr/>
             </a:p>
           </p:txBody>
@@ -3579,7 +3631,7 @@
             </a:xfrm>
             <a:prstGeom prst="diagStripe">
               <a:avLst>
-                <a:gd fmla="val 50000" name="adj"/>
+                <a:gd name="adj" fmla="val 50000"/>
               </a:avLst>
             </a:prstGeom>
             <a:solidFill>
@@ -3590,12 +3642,12 @@
             </a:ln>
           </p:spPr>
           <p:txBody>
-            <a:bodyPr anchorCtr="0" anchor="ctr" bIns="91425" lIns="91425" spcFirstLastPara="1" rIns="91425" wrap="square" tIns="91425">
+            <a:bodyPr spcFirstLastPara="1" wrap="square" lIns="91425" tIns="91425" rIns="91425" bIns="91425" anchor="ctr" anchorCtr="0">
               <a:noAutofit/>
             </a:bodyPr>
             <a:lstStyle/>
             <a:p>
-              <a:pPr indent="0" lvl="0" marL="0" rtl="0" algn="l">
+              <a:pPr marL="0" lvl="0" indent="0" algn="l" rtl="0">
                 <a:spcBef>
                   <a:spcPts val="0"/>
                 </a:spcBef>
@@ -3604,9 +3656,6 @@
                 </a:spcAft>
                 <a:buNone/>
               </a:pPr>
-              <a:r>
-                <a:t/>
-              </a:r>
               <a:endParaRPr/>
             </a:p>
           </p:txBody>
@@ -3624,7 +3673,7 @@
             </a:xfrm>
             <a:prstGeom prst="diagStripe">
               <a:avLst>
-                <a:gd fmla="val 50000" name="adj"/>
+                <a:gd name="adj" fmla="val 50000"/>
               </a:avLst>
             </a:prstGeom>
             <a:solidFill>
@@ -3637,12 +3686,12 @@
             </a:ln>
           </p:spPr>
           <p:txBody>
-            <a:bodyPr anchorCtr="0" anchor="ctr" bIns="91425" lIns="91425" spcFirstLastPara="1" rIns="91425" wrap="square" tIns="91425">
+            <a:bodyPr spcFirstLastPara="1" wrap="square" lIns="91425" tIns="91425" rIns="91425" bIns="91425" anchor="ctr" anchorCtr="0">
               <a:noAutofit/>
             </a:bodyPr>
             <a:lstStyle/>
             <a:p>
-              <a:pPr indent="0" lvl="0" marL="0" rtl="0" algn="l">
+              <a:pPr marL="0" lvl="0" indent="0" algn="l" rtl="0">
                 <a:spcBef>
                   <a:spcPts val="0"/>
                 </a:spcBef>
@@ -3651,9 +3700,6 @@
                 </a:spcAft>
                 <a:buNone/>
               </a:pPr>
-              <a:r>
-                <a:t/>
-              </a:r>
               <a:endParaRPr/>
             </a:p>
           </p:txBody>
@@ -3671,7 +3717,7 @@
             </a:xfrm>
             <a:prstGeom prst="diagStripe">
               <a:avLst>
-                <a:gd fmla="val 50000" name="adj"/>
+                <a:gd name="adj" fmla="val 50000"/>
               </a:avLst>
             </a:prstGeom>
             <a:solidFill>
@@ -3684,12 +3730,12 @@
             </a:ln>
           </p:spPr>
           <p:txBody>
-            <a:bodyPr anchorCtr="0" anchor="ctr" bIns="91425" lIns="91425" spcFirstLastPara="1" rIns="91425" wrap="square" tIns="91425">
+            <a:bodyPr spcFirstLastPara="1" wrap="square" lIns="91425" tIns="91425" rIns="91425" bIns="91425" anchor="ctr" anchorCtr="0">
               <a:noAutofit/>
             </a:bodyPr>
             <a:lstStyle/>
             <a:p>
-              <a:pPr indent="0" lvl="0" marL="0" rtl="0" algn="l">
+              <a:pPr marL="0" lvl="0" indent="0" algn="l" rtl="0">
                 <a:spcBef>
                   <a:spcPts val="0"/>
                 </a:spcBef>
@@ -3698,9 +3744,6 @@
                 </a:spcAft>
                 <a:buNone/>
               </a:pPr>
-              <a:r>
-                <a:t/>
-              </a:r>
               <a:endParaRPr/>
             </a:p>
           </p:txBody>
@@ -3718,7 +3761,7 @@
             </a:xfrm>
             <a:prstGeom prst="diagStripe">
               <a:avLst>
-                <a:gd fmla="val 50000" name="adj"/>
+                <a:gd name="adj" fmla="val 50000"/>
               </a:avLst>
             </a:prstGeom>
             <a:solidFill>
@@ -3731,12 +3774,12 @@
             </a:ln>
           </p:spPr>
           <p:txBody>
-            <a:bodyPr anchorCtr="0" anchor="ctr" bIns="91425" lIns="91425" spcFirstLastPara="1" rIns="91425" wrap="square" tIns="91425">
+            <a:bodyPr spcFirstLastPara="1" wrap="square" lIns="91425" tIns="91425" rIns="91425" bIns="91425" anchor="ctr" anchorCtr="0">
               <a:noAutofit/>
             </a:bodyPr>
             <a:lstStyle/>
             <a:p>
-              <a:pPr indent="0" lvl="0" marL="0" rtl="0" algn="l">
+              <a:pPr marL="0" lvl="0" indent="0" algn="l" rtl="0">
                 <a:spcBef>
                   <a:spcPts val="0"/>
                 </a:spcBef>
@@ -3745,9 +3788,6 @@
                 </a:spcAft>
                 <a:buNone/>
               </a:pPr>
-              <a:r>
-                <a:t/>
-              </a:r>
               <a:endParaRPr/>
             </a:p>
           </p:txBody>
@@ -3765,7 +3805,7 @@
             </a:xfrm>
             <a:prstGeom prst="diagStripe">
               <a:avLst>
-                <a:gd fmla="val 50000" name="adj"/>
+                <a:gd name="adj" fmla="val 50000"/>
               </a:avLst>
             </a:prstGeom>
             <a:solidFill>
@@ -3778,12 +3818,12 @@
             </a:ln>
           </p:spPr>
           <p:txBody>
-            <a:bodyPr anchorCtr="0" anchor="ctr" bIns="91425" lIns="91425" spcFirstLastPara="1" rIns="91425" wrap="square" tIns="91425">
+            <a:bodyPr spcFirstLastPara="1" wrap="square" lIns="91425" tIns="91425" rIns="91425" bIns="91425" anchor="ctr" anchorCtr="0">
               <a:noAutofit/>
             </a:bodyPr>
             <a:lstStyle/>
             <a:p>
-              <a:pPr indent="0" lvl="0" marL="0" rtl="0" algn="l">
+              <a:pPr marL="0" lvl="0" indent="0" algn="l" rtl="0">
                 <a:spcBef>
                   <a:spcPts val="0"/>
                 </a:spcBef>
@@ -3792,9 +3832,6 @@
                 </a:spcAft>
                 <a:buNone/>
               </a:pPr>
-              <a:r>
-                <a:t/>
-              </a:r>
               <a:endParaRPr/>
             </a:p>
           </p:txBody>
@@ -3803,9 +3840,11 @@
       <p:sp>
         <p:nvSpPr>
           <p:cNvPr id="125" name="Google Shape;125;p11"/>
-          <p:cNvSpPr txBox="1"/>
+          <p:cNvSpPr txBox="1">
+            <a:spLocks noGrp="1"/>
+          </p:cNvSpPr>
           <p:nvPr>
-            <p:ph hasCustomPrompt="1" type="title"/>
+            <p:ph type="title" hasCustomPrompt="1"/>
           </p:nvPr>
         </p:nvSpPr>
         <p:spPr>
@@ -3818,7 +3857,7 @@
           </a:prstGeom>
         </p:spPr>
         <p:txBody>
-          <a:bodyPr anchorCtr="0" anchor="t" bIns="91425" lIns="91425" spcFirstLastPara="1" rIns="91425" wrap="square" tIns="91425">
+          <a:bodyPr spcFirstLastPara="1" wrap="square" lIns="91425" tIns="91425" rIns="91425" bIns="91425" anchor="t" anchorCtr="0">
             <a:normAutofit/>
           </a:bodyPr>
           <a:lstStyle>
@@ -3932,9 +3971,11 @@
       <p:sp>
         <p:nvSpPr>
           <p:cNvPr id="126" name="Google Shape;126;p11"/>
-          <p:cNvSpPr txBox="1"/>
+          <p:cNvSpPr txBox="1">
+            <a:spLocks noGrp="1"/>
+          </p:cNvSpPr>
           <p:nvPr>
-            <p:ph idx="1" type="body"/>
+            <p:ph type="body" idx="1"/>
           </p:nvPr>
         </p:nvSpPr>
         <p:spPr>
@@ -3947,11 +3988,11 @@
           </a:prstGeom>
         </p:spPr>
         <p:txBody>
-          <a:bodyPr anchorCtr="0" anchor="t" bIns="91425" lIns="91425" spcFirstLastPara="1" rIns="91425" wrap="square" tIns="91425">
+          <a:bodyPr spcFirstLastPara="1" wrap="square" lIns="91425" tIns="91425" rIns="91425" bIns="91425" anchor="t" anchorCtr="0">
             <a:normAutofit/>
           </a:bodyPr>
           <a:lstStyle>
-            <a:lvl1pPr indent="-311150" lvl="0" marL="457200">
+            <a:lvl1pPr marL="457200" lvl="0" indent="-311150">
               <a:spcBef>
                 <a:spcPts val="0"/>
               </a:spcBef>
@@ -3962,7 +4003,7 @@
               <a:buChar char="●"/>
               <a:defRPr/>
             </a:lvl1pPr>
-            <a:lvl2pPr indent="-298450" lvl="1" marL="914400">
+            <a:lvl2pPr marL="914400" lvl="1" indent="-298450">
               <a:spcBef>
                 <a:spcPts val="0"/>
               </a:spcBef>
@@ -3973,7 +4014,7 @@
               <a:buChar char="○"/>
               <a:defRPr/>
             </a:lvl2pPr>
-            <a:lvl3pPr indent="-298450" lvl="2" marL="1371600">
+            <a:lvl3pPr marL="1371600" lvl="2" indent="-298450">
               <a:spcBef>
                 <a:spcPts val="0"/>
               </a:spcBef>
@@ -3984,7 +4025,7 @@
               <a:buChar char="■"/>
               <a:defRPr/>
             </a:lvl3pPr>
-            <a:lvl4pPr indent="-298450" lvl="3" marL="1828800">
+            <a:lvl4pPr marL="1828800" lvl="3" indent="-298450">
               <a:spcBef>
                 <a:spcPts val="0"/>
               </a:spcBef>
@@ -3995,7 +4036,7 @@
               <a:buChar char="●"/>
               <a:defRPr/>
             </a:lvl4pPr>
-            <a:lvl5pPr indent="-298450" lvl="4" marL="2286000">
+            <a:lvl5pPr marL="2286000" lvl="4" indent="-298450">
               <a:spcBef>
                 <a:spcPts val="0"/>
               </a:spcBef>
@@ -4006,7 +4047,7 @@
               <a:buChar char="○"/>
               <a:defRPr/>
             </a:lvl5pPr>
-            <a:lvl6pPr indent="-298450" lvl="5" marL="2743200">
+            <a:lvl6pPr marL="2743200" lvl="5" indent="-298450">
               <a:spcBef>
                 <a:spcPts val="0"/>
               </a:spcBef>
@@ -4017,7 +4058,7 @@
               <a:buChar char="■"/>
               <a:defRPr/>
             </a:lvl6pPr>
-            <a:lvl7pPr indent="-298450" lvl="6" marL="3200400">
+            <a:lvl7pPr marL="3200400" lvl="6" indent="-298450">
               <a:spcBef>
                 <a:spcPts val="0"/>
               </a:spcBef>
@@ -4028,7 +4069,7 @@
               <a:buChar char="●"/>
               <a:defRPr/>
             </a:lvl7pPr>
-            <a:lvl8pPr indent="-298450" lvl="7" marL="3657600">
+            <a:lvl8pPr marL="3657600" lvl="7" indent="-298450">
               <a:spcBef>
                 <a:spcPts val="0"/>
               </a:spcBef>
@@ -4039,7 +4080,7 @@
               <a:buChar char="○"/>
               <a:defRPr/>
             </a:lvl8pPr>
-            <a:lvl9pPr indent="-298450" lvl="8" marL="4114800">
+            <a:lvl9pPr marL="4114800" lvl="8" indent="-298450">
               <a:spcBef>
                 <a:spcPts val="0"/>
               </a:spcBef>
@@ -4051,15 +4092,19 @@
               <a:defRPr/>
             </a:lvl9pPr>
           </a:lstStyle>
-          <a:p/>
+          <a:p>
+            <a:endParaRPr/>
+          </a:p>
         </p:txBody>
       </p:sp>
       <p:sp>
         <p:nvSpPr>
           <p:cNvPr id="127" name="Google Shape;127;p11"/>
-          <p:cNvSpPr txBox="1"/>
+          <p:cNvSpPr txBox="1">
+            <a:spLocks noGrp="1"/>
+          </p:cNvSpPr>
           <p:nvPr>
-            <p:ph idx="12" type="sldNum"/>
+            <p:ph type="sldNum" idx="12"/>
           </p:nvPr>
         </p:nvSpPr>
         <p:spPr>
@@ -4072,7 +4117,7 @@
           </a:prstGeom>
         </p:spPr>
         <p:txBody>
-          <a:bodyPr anchorCtr="0" anchor="ctr" bIns="91425" lIns="91425" spcFirstLastPara="1" rIns="91425" wrap="square" tIns="91425">
+          <a:bodyPr spcFirstLastPara="1" wrap="square" lIns="91425" tIns="91425" rIns="91425" bIns="91425" anchor="ctr" anchorCtr="0">
             <a:normAutofit/>
           </a:bodyPr>
           <a:lstStyle>
@@ -4114,7 +4159,7 @@
             </a:lvl9pPr>
           </a:lstStyle>
           <a:p>
-            <a:pPr indent="0" lvl="0" marL="0" rtl="0" algn="r">
+            <a:pPr marL="0" lvl="0" indent="0" algn="r" rtl="0">
               <a:spcBef>
                 <a:spcPts val="0"/>
               </a:spcBef>
@@ -4140,11 +4185,11 @@
 </file>
 
 <file path=ppt/slideLayouts/slideLayout11.xml><?xml version="1.0" encoding="utf-8"?>
-<p:sldLayout xmlns:a="http://schemas.openxmlformats.org/drawingml/2006/main" xmlns:r="http://schemas.openxmlformats.org/officeDocument/2006/relationships" xmlns:mc="http://schemas.openxmlformats.org/markup-compatibility/2006" xmlns:mv="urn:schemas-microsoft-com:mac:vml" xmlns:p="http://schemas.openxmlformats.org/presentationml/2006/main" xmlns:c="http://schemas.openxmlformats.org/drawingml/2006/chart" xmlns:dgm="http://schemas.openxmlformats.org/drawingml/2006/diagram" xmlns:o="urn:schemas-microsoft-com:office:office" xmlns:v="urn:schemas-microsoft-com:vml" xmlns:pvml="urn:schemas-microsoft-com:office:powerpoint" xmlns:com="http://schemas.openxmlformats.org/drawingml/2006/compatibility" xmlns:p14="http://schemas.microsoft.com/office/powerpoint/2010/main" xmlns:p15="http://schemas.microsoft.com/office/powerpoint/2012/main" xmlns:ahyp="http://schemas.microsoft.com/office/drawing/2018/hyperlinkcolor" matchingName="Blank" type="blank">
+<p:sldLayout xmlns:a="http://schemas.openxmlformats.org/drawingml/2006/main" xmlns:r="http://schemas.openxmlformats.org/officeDocument/2006/relationships" xmlns:p="http://schemas.openxmlformats.org/presentationml/2006/main" matchingName="Blank" type="blank">
   <p:cSld name="BLANK">
     <p:spTree>
       <p:nvGrpSpPr>
-        <p:cNvPr id="128" name="Shape 128"/>
+        <p:cNvPr id="1" name="Shape 128"/>
         <p:cNvGrpSpPr/>
         <p:nvPr/>
       </p:nvGrpSpPr>
@@ -4159,9 +4204,11 @@
       <p:sp>
         <p:nvSpPr>
           <p:cNvPr id="129" name="Google Shape;129;p12"/>
-          <p:cNvSpPr txBox="1"/>
+          <p:cNvSpPr txBox="1">
+            <a:spLocks noGrp="1"/>
+          </p:cNvSpPr>
           <p:nvPr>
-            <p:ph idx="12" type="sldNum"/>
+            <p:ph type="sldNum" idx="12"/>
           </p:nvPr>
         </p:nvSpPr>
         <p:spPr>
@@ -4174,7 +4221,7 @@
           </a:prstGeom>
         </p:spPr>
         <p:txBody>
-          <a:bodyPr anchorCtr="0" anchor="ctr" bIns="91425" lIns="91425" spcFirstLastPara="1" rIns="91425" wrap="square" tIns="91425">
+          <a:bodyPr spcFirstLastPara="1" wrap="square" lIns="91425" tIns="91425" rIns="91425" bIns="91425" anchor="ctr" anchorCtr="0">
             <a:normAutofit/>
           </a:bodyPr>
           <a:lstStyle>
@@ -4216,7 +4263,7 @@
             </a:lvl9pPr>
           </a:lstStyle>
           <a:p>
-            <a:pPr indent="0" lvl="0" marL="0" rtl="0" algn="r">
+            <a:pPr marL="0" lvl="0" indent="0" algn="r" rtl="0">
               <a:spcBef>
                 <a:spcPts val="0"/>
               </a:spcBef>
@@ -4242,11 +4289,11 @@
 </file>
 
 <file path=ppt/slideLayouts/slideLayout2.xml><?xml version="1.0" encoding="utf-8"?>
-<p:sldLayout xmlns:a="http://schemas.openxmlformats.org/drawingml/2006/main" xmlns:r="http://schemas.openxmlformats.org/officeDocument/2006/relationships" xmlns:mc="http://schemas.openxmlformats.org/markup-compatibility/2006" xmlns:mv="urn:schemas-microsoft-com:mac:vml" xmlns:p="http://schemas.openxmlformats.org/presentationml/2006/main" xmlns:c="http://schemas.openxmlformats.org/drawingml/2006/chart" xmlns:dgm="http://schemas.openxmlformats.org/drawingml/2006/diagram" xmlns:o="urn:schemas-microsoft-com:office:office" xmlns:v="urn:schemas-microsoft-com:vml" xmlns:pvml="urn:schemas-microsoft-com:office:powerpoint" xmlns:com="http://schemas.openxmlformats.org/drawingml/2006/compatibility" xmlns:p14="http://schemas.microsoft.com/office/powerpoint/2010/main" xmlns:p15="http://schemas.microsoft.com/office/powerpoint/2012/main" xmlns:ahyp="http://schemas.microsoft.com/office/drawing/2018/hyperlinkcolor" matchingName="Section header" type="secHead">
+<p:sldLayout xmlns:a="http://schemas.openxmlformats.org/drawingml/2006/main" xmlns:r="http://schemas.openxmlformats.org/officeDocument/2006/relationships" xmlns:p="http://schemas.openxmlformats.org/presentationml/2006/main" matchingName="Section header" type="secHead">
   <p:cSld name="SECTION_HEADER">
     <p:spTree>
       <p:nvGrpSpPr>
-        <p:cNvPr id="19" name="Shape 19"/>
+        <p:cNvPr id="1" name="Shape 19"/>
         <p:cNvGrpSpPr/>
         <p:nvPr/>
       </p:nvGrpSpPr>
@@ -4285,7 +4332,7 @@
             </a:xfrm>
             <a:prstGeom prst="diagStripe">
               <a:avLst>
-                <a:gd fmla="val 49469" name="adj"/>
+                <a:gd name="adj" fmla="val 49469"/>
               </a:avLst>
             </a:prstGeom>
             <a:solidFill>
@@ -4298,12 +4345,12 @@
             </a:ln>
           </p:spPr>
           <p:txBody>
-            <a:bodyPr anchorCtr="0" anchor="ctr" bIns="91425" lIns="91425" spcFirstLastPara="1" rIns="91425" wrap="square" tIns="91425">
+            <a:bodyPr spcFirstLastPara="1" wrap="square" lIns="91425" tIns="91425" rIns="91425" bIns="91425" anchor="ctr" anchorCtr="0">
               <a:noAutofit/>
             </a:bodyPr>
             <a:lstStyle/>
             <a:p>
-              <a:pPr indent="0" lvl="0" marL="0" rtl="0" algn="l">
+              <a:pPr marL="0" lvl="0" indent="0" algn="l" rtl="0">
                 <a:spcBef>
                   <a:spcPts val="0"/>
                 </a:spcBef>
@@ -4312,9 +4359,6 @@
                 </a:spcAft>
                 <a:buNone/>
               </a:pPr>
-              <a:r>
-                <a:t/>
-              </a:r>
               <a:endParaRPr/>
             </a:p>
           </p:txBody>
@@ -4332,7 +4376,7 @@
             </a:xfrm>
             <a:prstGeom prst="diagStripe">
               <a:avLst>
-                <a:gd fmla="val 0" name="adj"/>
+                <a:gd name="adj" fmla="val 0"/>
               </a:avLst>
             </a:prstGeom>
             <a:solidFill>
@@ -4345,12 +4389,12 @@
             </a:ln>
           </p:spPr>
           <p:txBody>
-            <a:bodyPr anchorCtr="0" anchor="ctr" bIns="91425" lIns="91425" spcFirstLastPara="1" rIns="91425" wrap="square" tIns="91425">
+            <a:bodyPr spcFirstLastPara="1" wrap="square" lIns="91425" tIns="91425" rIns="91425" bIns="91425" anchor="ctr" anchorCtr="0">
               <a:noAutofit/>
             </a:bodyPr>
             <a:lstStyle/>
             <a:p>
-              <a:pPr indent="0" lvl="0" marL="0" rtl="0" algn="l">
+              <a:pPr marL="0" lvl="0" indent="0" algn="l" rtl="0">
                 <a:spcBef>
                   <a:spcPts val="0"/>
                 </a:spcBef>
@@ -4359,9 +4403,6 @@
                 </a:spcAft>
                 <a:buNone/>
               </a:pPr>
-              <a:r>
-                <a:t/>
-              </a:r>
               <a:endParaRPr/>
             </a:p>
           </p:txBody>
@@ -4379,7 +4420,7 @@
             </a:xfrm>
             <a:prstGeom prst="diagStripe">
               <a:avLst>
-                <a:gd fmla="val 50000" name="adj"/>
+                <a:gd name="adj" fmla="val 50000"/>
               </a:avLst>
             </a:prstGeom>
             <a:solidFill>
@@ -4392,12 +4433,12 @@
             </a:ln>
           </p:spPr>
           <p:txBody>
-            <a:bodyPr anchorCtr="0" anchor="ctr" bIns="91425" lIns="91425" spcFirstLastPara="1" rIns="91425" wrap="square" tIns="91425">
+            <a:bodyPr spcFirstLastPara="1" wrap="square" lIns="91425" tIns="91425" rIns="91425" bIns="91425" anchor="ctr" anchorCtr="0">
               <a:noAutofit/>
             </a:bodyPr>
             <a:lstStyle/>
             <a:p>
-              <a:pPr indent="0" lvl="0" marL="0" rtl="0" algn="l">
+              <a:pPr marL="0" lvl="0" indent="0" algn="l" rtl="0">
                 <a:spcBef>
                   <a:spcPts val="0"/>
                 </a:spcBef>
@@ -4406,9 +4447,6 @@
                 </a:spcAft>
                 <a:buNone/>
               </a:pPr>
-              <a:r>
-                <a:t/>
-              </a:r>
               <a:endParaRPr/>
             </a:p>
           </p:txBody>
@@ -4426,7 +4464,7 @@
             </a:xfrm>
             <a:prstGeom prst="diagStripe">
               <a:avLst>
-                <a:gd fmla="val 50000" name="adj"/>
+                <a:gd name="adj" fmla="val 50000"/>
               </a:avLst>
             </a:prstGeom>
             <a:solidFill>
@@ -4439,12 +4477,12 @@
             </a:ln>
           </p:spPr>
           <p:txBody>
-            <a:bodyPr anchorCtr="0" anchor="ctr" bIns="91425" lIns="91425" spcFirstLastPara="1" rIns="91425" wrap="square" tIns="91425">
+            <a:bodyPr spcFirstLastPara="1" wrap="square" lIns="91425" tIns="91425" rIns="91425" bIns="91425" anchor="ctr" anchorCtr="0">
               <a:noAutofit/>
             </a:bodyPr>
             <a:lstStyle/>
             <a:p>
-              <a:pPr indent="0" lvl="0" marL="0" rtl="0" algn="l">
+              <a:pPr marL="0" lvl="0" indent="0" algn="l" rtl="0">
                 <a:spcBef>
                   <a:spcPts val="0"/>
                 </a:spcBef>
@@ -4453,9 +4491,6 @@
                 </a:spcAft>
                 <a:buNone/>
               </a:pPr>
-              <a:r>
-                <a:t/>
-              </a:r>
               <a:endParaRPr/>
             </a:p>
           </p:txBody>
@@ -4473,7 +4508,7 @@
             </a:xfrm>
             <a:prstGeom prst="diagStripe">
               <a:avLst>
-                <a:gd fmla="val 50000" name="adj"/>
+                <a:gd name="adj" fmla="val 50000"/>
               </a:avLst>
             </a:prstGeom>
             <a:solidFill>
@@ -4486,12 +4521,12 @@
             </a:ln>
           </p:spPr>
           <p:txBody>
-            <a:bodyPr anchorCtr="0" anchor="ctr" bIns="91425" lIns="91425" spcFirstLastPara="1" rIns="91425" wrap="square" tIns="91425">
+            <a:bodyPr spcFirstLastPara="1" wrap="square" lIns="91425" tIns="91425" rIns="91425" bIns="91425" anchor="ctr" anchorCtr="0">
               <a:noAutofit/>
             </a:bodyPr>
             <a:lstStyle/>
             <a:p>
-              <a:pPr indent="0" lvl="0" marL="0" rtl="0" algn="l">
+              <a:pPr marL="0" lvl="0" indent="0" algn="l" rtl="0">
                 <a:spcBef>
                   <a:spcPts val="0"/>
                 </a:spcBef>
@@ -4500,9 +4535,6 @@
                 </a:spcAft>
                 <a:buNone/>
               </a:pPr>
-              <a:r>
-                <a:t/>
-              </a:r>
               <a:endParaRPr/>
             </a:p>
           </p:txBody>
@@ -4520,7 +4552,7 @@
             </a:xfrm>
             <a:prstGeom prst="diagStripe">
               <a:avLst>
-                <a:gd fmla="val 50000" name="adj"/>
+                <a:gd name="adj" fmla="val 50000"/>
               </a:avLst>
             </a:prstGeom>
             <a:solidFill>
@@ -4533,12 +4565,12 @@
             </a:ln>
           </p:spPr>
           <p:txBody>
-            <a:bodyPr anchorCtr="0" anchor="ctr" bIns="91425" lIns="91425" spcFirstLastPara="1" rIns="91425" wrap="square" tIns="91425">
+            <a:bodyPr spcFirstLastPara="1" wrap="square" lIns="91425" tIns="91425" rIns="91425" bIns="91425" anchor="ctr" anchorCtr="0">
               <a:noAutofit/>
             </a:bodyPr>
             <a:lstStyle/>
             <a:p>
-              <a:pPr indent="0" lvl="0" marL="0" rtl="0" algn="l">
+              <a:pPr marL="0" lvl="0" indent="0" algn="l" rtl="0">
                 <a:spcBef>
                   <a:spcPts val="0"/>
                 </a:spcBef>
@@ -4547,9 +4579,6 @@
                 </a:spcAft>
                 <a:buNone/>
               </a:pPr>
-              <a:r>
-                <a:t/>
-              </a:r>
               <a:endParaRPr/>
             </a:p>
           </p:txBody>
@@ -4567,7 +4596,7 @@
             </a:xfrm>
             <a:prstGeom prst="diagStripe">
               <a:avLst>
-                <a:gd fmla="val 50000" name="adj"/>
+                <a:gd name="adj" fmla="val 50000"/>
               </a:avLst>
             </a:prstGeom>
             <a:solidFill>
@@ -4580,12 +4609,12 @@
             </a:ln>
           </p:spPr>
           <p:txBody>
-            <a:bodyPr anchorCtr="0" anchor="ctr" bIns="91425" lIns="91425" spcFirstLastPara="1" rIns="91425" wrap="square" tIns="91425">
+            <a:bodyPr spcFirstLastPara="1" wrap="square" lIns="91425" tIns="91425" rIns="91425" bIns="91425" anchor="ctr" anchorCtr="0">
               <a:noAutofit/>
             </a:bodyPr>
             <a:lstStyle/>
             <a:p>
-              <a:pPr indent="0" lvl="0" marL="0" rtl="0" algn="l">
+              <a:pPr marL="0" lvl="0" indent="0" algn="l" rtl="0">
                 <a:spcBef>
                   <a:spcPts val="0"/>
                 </a:spcBef>
@@ -4594,9 +4623,6 @@
                 </a:spcAft>
                 <a:buNone/>
               </a:pPr>
-              <a:r>
-                <a:t/>
-              </a:r>
               <a:endParaRPr/>
             </a:p>
           </p:txBody>
@@ -4614,7 +4640,7 @@
             </a:xfrm>
             <a:prstGeom prst="diagStripe">
               <a:avLst>
-                <a:gd fmla="val 50000" name="adj"/>
+                <a:gd name="adj" fmla="val 50000"/>
               </a:avLst>
             </a:prstGeom>
             <a:solidFill>
@@ -4625,12 +4651,12 @@
             </a:ln>
           </p:spPr>
           <p:txBody>
-            <a:bodyPr anchorCtr="0" anchor="ctr" bIns="91425" lIns="91425" spcFirstLastPara="1" rIns="91425" wrap="square" tIns="91425">
+            <a:bodyPr spcFirstLastPara="1" wrap="square" lIns="91425" tIns="91425" rIns="91425" bIns="91425" anchor="ctr" anchorCtr="0">
               <a:noAutofit/>
             </a:bodyPr>
             <a:lstStyle/>
             <a:p>
-              <a:pPr indent="0" lvl="0" marL="0" rtl="0" algn="l">
+              <a:pPr marL="0" lvl="0" indent="0" algn="l" rtl="0">
                 <a:spcBef>
                   <a:spcPts val="0"/>
                 </a:spcBef>
@@ -4639,9 +4665,6 @@
                 </a:spcAft>
                 <a:buNone/>
               </a:pPr>
-              <a:r>
-                <a:t/>
-              </a:r>
               <a:endParaRPr/>
             </a:p>
           </p:txBody>
@@ -4659,7 +4682,7 @@
             </a:xfrm>
             <a:prstGeom prst="diagStripe">
               <a:avLst>
-                <a:gd fmla="val 50000" name="adj"/>
+                <a:gd name="adj" fmla="val 50000"/>
               </a:avLst>
             </a:prstGeom>
             <a:solidFill>
@@ -4672,12 +4695,12 @@
             </a:ln>
           </p:spPr>
           <p:txBody>
-            <a:bodyPr anchorCtr="0" anchor="ctr" bIns="91425" lIns="91425" spcFirstLastPara="1" rIns="91425" wrap="square" tIns="91425">
+            <a:bodyPr spcFirstLastPara="1" wrap="square" lIns="91425" tIns="91425" rIns="91425" bIns="91425" anchor="ctr" anchorCtr="0">
               <a:noAutofit/>
             </a:bodyPr>
             <a:lstStyle/>
             <a:p>
-              <a:pPr indent="0" lvl="0" marL="0" rtl="0" algn="l">
+              <a:pPr marL="0" lvl="0" indent="0" algn="l" rtl="0">
                 <a:spcBef>
                   <a:spcPts val="0"/>
                 </a:spcBef>
@@ -4686,9 +4709,6 @@
                 </a:spcAft>
                 <a:buNone/>
               </a:pPr>
-              <a:r>
-                <a:t/>
-              </a:r>
               <a:endParaRPr/>
             </a:p>
           </p:txBody>
@@ -4706,7 +4726,7 @@
             </a:xfrm>
             <a:prstGeom prst="diagStripe">
               <a:avLst>
-                <a:gd fmla="val 50000" name="adj"/>
+                <a:gd name="adj" fmla="val 50000"/>
               </a:avLst>
             </a:prstGeom>
             <a:solidFill>
@@ -4719,12 +4739,12 @@
             </a:ln>
           </p:spPr>
           <p:txBody>
-            <a:bodyPr anchorCtr="0" anchor="ctr" bIns="91425" lIns="91425" spcFirstLastPara="1" rIns="91425" wrap="square" tIns="91425">
+            <a:bodyPr spcFirstLastPara="1" wrap="square" lIns="91425" tIns="91425" rIns="91425" bIns="91425" anchor="ctr" anchorCtr="0">
               <a:noAutofit/>
             </a:bodyPr>
             <a:lstStyle/>
             <a:p>
-              <a:pPr indent="0" lvl="0" marL="0" rtl="0" algn="l">
+              <a:pPr marL="0" lvl="0" indent="0" algn="l" rtl="0">
                 <a:spcBef>
                   <a:spcPts val="0"/>
                 </a:spcBef>
@@ -4733,9 +4753,6 @@
                 </a:spcAft>
                 <a:buNone/>
               </a:pPr>
-              <a:r>
-                <a:t/>
-              </a:r>
               <a:endParaRPr/>
             </a:p>
           </p:txBody>
@@ -4753,7 +4770,7 @@
             </a:xfrm>
             <a:prstGeom prst="diagStripe">
               <a:avLst>
-                <a:gd fmla="val 50000" name="adj"/>
+                <a:gd name="adj" fmla="val 50000"/>
               </a:avLst>
             </a:prstGeom>
             <a:solidFill>
@@ -4766,12 +4783,12 @@
             </a:ln>
           </p:spPr>
           <p:txBody>
-            <a:bodyPr anchorCtr="0" anchor="ctr" bIns="91425" lIns="91425" spcFirstLastPara="1" rIns="91425" wrap="square" tIns="91425">
+            <a:bodyPr spcFirstLastPara="1" wrap="square" lIns="91425" tIns="91425" rIns="91425" bIns="91425" anchor="ctr" anchorCtr="0">
               <a:noAutofit/>
             </a:bodyPr>
             <a:lstStyle/>
             <a:p>
-              <a:pPr indent="0" lvl="0" marL="0" rtl="0" algn="l">
+              <a:pPr marL="0" lvl="0" indent="0" algn="l" rtl="0">
                 <a:spcBef>
                   <a:spcPts val="0"/>
                 </a:spcBef>
@@ -4780,9 +4797,6 @@
                 </a:spcAft>
                 <a:buNone/>
               </a:pPr>
-              <a:r>
-                <a:t/>
-              </a:r>
               <a:endParaRPr/>
             </a:p>
           </p:txBody>
@@ -4800,7 +4814,7 @@
             </a:xfrm>
             <a:prstGeom prst="diagStripe">
               <a:avLst>
-                <a:gd fmla="val 50000" name="adj"/>
+                <a:gd name="adj" fmla="val 50000"/>
               </a:avLst>
             </a:prstGeom>
             <a:solidFill>
@@ -4813,12 +4827,12 @@
             </a:ln>
           </p:spPr>
           <p:txBody>
-            <a:bodyPr anchorCtr="0" anchor="ctr" bIns="91425" lIns="91425" spcFirstLastPara="1" rIns="91425" wrap="square" tIns="91425">
+            <a:bodyPr spcFirstLastPara="1" wrap="square" lIns="91425" tIns="91425" rIns="91425" bIns="91425" anchor="ctr" anchorCtr="0">
               <a:noAutofit/>
             </a:bodyPr>
             <a:lstStyle/>
             <a:p>
-              <a:pPr indent="0" lvl="0" marL="0" rtl="0" algn="l">
+              <a:pPr marL="0" lvl="0" indent="0" algn="l" rtl="0">
                 <a:spcBef>
                   <a:spcPts val="0"/>
                 </a:spcBef>
@@ -4827,9 +4841,6 @@
                 </a:spcAft>
                 <a:buNone/>
               </a:pPr>
-              <a:r>
-                <a:t/>
-              </a:r>
               <a:endParaRPr/>
             </a:p>
           </p:txBody>
@@ -4847,7 +4858,7 @@
             </a:xfrm>
             <a:prstGeom prst="diagStripe">
               <a:avLst>
-                <a:gd fmla="val 50000" name="adj"/>
+                <a:gd name="adj" fmla="val 50000"/>
               </a:avLst>
             </a:prstGeom>
             <a:solidFill>
@@ -4860,12 +4871,12 @@
             </a:ln>
           </p:spPr>
           <p:txBody>
-            <a:bodyPr anchorCtr="0" anchor="ctr" bIns="91425" lIns="91425" spcFirstLastPara="1" rIns="91425" wrap="square" tIns="91425">
+            <a:bodyPr spcFirstLastPara="1" wrap="square" lIns="91425" tIns="91425" rIns="91425" bIns="91425" anchor="ctr" anchorCtr="0">
               <a:noAutofit/>
             </a:bodyPr>
             <a:lstStyle/>
             <a:p>
-              <a:pPr indent="0" lvl="0" marL="0" rtl="0" algn="l">
+              <a:pPr marL="0" lvl="0" indent="0" algn="l" rtl="0">
                 <a:spcBef>
                   <a:spcPts val="0"/>
                 </a:spcBef>
@@ -4874,9 +4885,6 @@
                 </a:spcAft>
                 <a:buNone/>
               </a:pPr>
-              <a:r>
-                <a:t/>
-              </a:r>
               <a:endParaRPr/>
             </a:p>
           </p:txBody>
@@ -4894,7 +4902,7 @@
             </a:xfrm>
             <a:prstGeom prst="diagStripe">
               <a:avLst>
-                <a:gd fmla="val 50000" name="adj"/>
+                <a:gd name="adj" fmla="val 50000"/>
               </a:avLst>
             </a:prstGeom>
             <a:solidFill>
@@ -4905,12 +4913,12 @@
             </a:ln>
           </p:spPr>
           <p:txBody>
-            <a:bodyPr anchorCtr="0" anchor="ctr" bIns="91425" lIns="91425" spcFirstLastPara="1" rIns="91425" wrap="square" tIns="91425">
+            <a:bodyPr spcFirstLastPara="1" wrap="square" lIns="91425" tIns="91425" rIns="91425" bIns="91425" anchor="ctr" anchorCtr="0">
               <a:noAutofit/>
             </a:bodyPr>
             <a:lstStyle/>
             <a:p>
-              <a:pPr indent="0" lvl="0" marL="0" rtl="0" algn="l">
+              <a:pPr marL="0" lvl="0" indent="0" algn="l" rtl="0">
                 <a:spcBef>
                   <a:spcPts val="0"/>
                 </a:spcBef>
@@ -4919,9 +4927,6 @@
                 </a:spcAft>
                 <a:buNone/>
               </a:pPr>
-              <a:r>
-                <a:t/>
-              </a:r>
               <a:endParaRPr/>
             </a:p>
           </p:txBody>
@@ -4939,7 +4944,7 @@
             </a:xfrm>
             <a:prstGeom prst="diagStripe">
               <a:avLst>
-                <a:gd fmla="val 50000" name="adj"/>
+                <a:gd name="adj" fmla="val 50000"/>
               </a:avLst>
             </a:prstGeom>
             <a:solidFill>
@@ -4952,12 +4957,12 @@
             </a:ln>
           </p:spPr>
           <p:txBody>
-            <a:bodyPr anchorCtr="0" anchor="ctr" bIns="91425" lIns="91425" spcFirstLastPara="1" rIns="91425" wrap="square" tIns="91425">
+            <a:bodyPr spcFirstLastPara="1" wrap="square" lIns="91425" tIns="91425" rIns="91425" bIns="91425" anchor="ctr" anchorCtr="0">
               <a:noAutofit/>
             </a:bodyPr>
             <a:lstStyle/>
             <a:p>
-              <a:pPr indent="0" lvl="0" marL="0" rtl="0" algn="l">
+              <a:pPr marL="0" lvl="0" indent="0" algn="l" rtl="0">
                 <a:spcBef>
                   <a:spcPts val="0"/>
                 </a:spcBef>
@@ -4966,9 +4971,6 @@
                 </a:spcAft>
                 <a:buNone/>
               </a:pPr>
-              <a:r>
-                <a:t/>
-              </a:r>
               <a:endParaRPr/>
             </a:p>
           </p:txBody>
@@ -4986,7 +4988,7 @@
             </a:xfrm>
             <a:prstGeom prst="diagStripe">
               <a:avLst>
-                <a:gd fmla="val 50000" name="adj"/>
+                <a:gd name="adj" fmla="val 50000"/>
               </a:avLst>
             </a:prstGeom>
             <a:solidFill>
@@ -4999,12 +5001,12 @@
             </a:ln>
           </p:spPr>
           <p:txBody>
-            <a:bodyPr anchorCtr="0" anchor="ctr" bIns="91425" lIns="91425" spcFirstLastPara="1" rIns="91425" wrap="square" tIns="91425">
+            <a:bodyPr spcFirstLastPara="1" wrap="square" lIns="91425" tIns="91425" rIns="91425" bIns="91425" anchor="ctr" anchorCtr="0">
               <a:noAutofit/>
             </a:bodyPr>
             <a:lstStyle/>
             <a:p>
-              <a:pPr indent="0" lvl="0" marL="0" rtl="0" algn="l">
+              <a:pPr marL="0" lvl="0" indent="0" algn="l" rtl="0">
                 <a:spcBef>
                   <a:spcPts val="0"/>
                 </a:spcBef>
@@ -5013,9 +5015,6 @@
                 </a:spcAft>
                 <a:buNone/>
               </a:pPr>
-              <a:r>
-                <a:t/>
-              </a:r>
               <a:endParaRPr/>
             </a:p>
           </p:txBody>
@@ -5033,7 +5032,7 @@
             </a:xfrm>
             <a:prstGeom prst="diagStripe">
               <a:avLst>
-                <a:gd fmla="val 50000" name="adj"/>
+                <a:gd name="adj" fmla="val 50000"/>
               </a:avLst>
             </a:prstGeom>
             <a:solidFill>
@@ -5046,12 +5045,12 @@
             </a:ln>
           </p:spPr>
           <p:txBody>
-            <a:bodyPr anchorCtr="0" anchor="ctr" bIns="91425" lIns="91425" spcFirstLastPara="1" rIns="91425" wrap="square" tIns="91425">
+            <a:bodyPr spcFirstLastPara="1" wrap="square" lIns="91425" tIns="91425" rIns="91425" bIns="91425" anchor="ctr" anchorCtr="0">
               <a:noAutofit/>
             </a:bodyPr>
             <a:lstStyle/>
             <a:p>
-              <a:pPr indent="0" lvl="0" marL="0" rtl="0" algn="l">
+              <a:pPr marL="0" lvl="0" indent="0" algn="l" rtl="0">
                 <a:spcBef>
                   <a:spcPts val="0"/>
                 </a:spcBef>
@@ -5060,9 +5059,6 @@
                 </a:spcAft>
                 <a:buNone/>
               </a:pPr>
-              <a:r>
-                <a:t/>
-              </a:r>
               <a:endParaRPr/>
             </a:p>
           </p:txBody>
@@ -5080,7 +5076,7 @@
             </a:xfrm>
             <a:prstGeom prst="diagStripe">
               <a:avLst>
-                <a:gd fmla="val 50000" name="adj"/>
+                <a:gd name="adj" fmla="val 50000"/>
               </a:avLst>
             </a:prstGeom>
             <a:solidFill>
@@ -5093,12 +5089,12 @@
             </a:ln>
           </p:spPr>
           <p:txBody>
-            <a:bodyPr anchorCtr="0" anchor="ctr" bIns="91425" lIns="91425" spcFirstLastPara="1" rIns="91425" wrap="square" tIns="91425">
+            <a:bodyPr spcFirstLastPara="1" wrap="square" lIns="91425" tIns="91425" rIns="91425" bIns="91425" anchor="ctr" anchorCtr="0">
               <a:noAutofit/>
             </a:bodyPr>
             <a:lstStyle/>
             <a:p>
-              <a:pPr indent="0" lvl="0" marL="0" rtl="0" algn="l">
+              <a:pPr marL="0" lvl="0" indent="0" algn="l" rtl="0">
                 <a:spcBef>
                   <a:spcPts val="0"/>
                 </a:spcBef>
@@ -5107,9 +5103,6 @@
                 </a:spcAft>
                 <a:buNone/>
               </a:pPr>
-              <a:r>
-                <a:t/>
-              </a:r>
               <a:endParaRPr/>
             </a:p>
           </p:txBody>
@@ -5118,7 +5111,9 @@
       <p:sp>
         <p:nvSpPr>
           <p:cNvPr id="39" name="Google Shape;39;p3"/>
-          <p:cNvSpPr txBox="1"/>
+          <p:cNvSpPr txBox="1">
+            <a:spLocks noGrp="1"/>
+          </p:cNvSpPr>
           <p:nvPr>
             <p:ph type="title"/>
           </p:nvPr>
@@ -5133,7 +5128,7 @@
           </a:prstGeom>
         </p:spPr>
         <p:txBody>
-          <a:bodyPr anchorCtr="0" anchor="ctr" bIns="91425" lIns="91425" spcFirstLastPara="1" rIns="91425" wrap="square" tIns="91425">
+          <a:bodyPr spcFirstLastPara="1" wrap="square" lIns="91425" tIns="91425" rIns="91425" bIns="91425" anchor="ctr" anchorCtr="0">
             <a:normAutofit/>
           </a:bodyPr>
           <a:lstStyle>
@@ -5237,15 +5232,19 @@
               <a:defRPr/>
             </a:lvl9pPr>
           </a:lstStyle>
-          <a:p/>
+          <a:p>
+            <a:endParaRPr/>
+          </a:p>
         </p:txBody>
       </p:sp>
       <p:sp>
         <p:nvSpPr>
           <p:cNvPr id="40" name="Google Shape;40;p3"/>
-          <p:cNvSpPr txBox="1"/>
+          <p:cNvSpPr txBox="1">
+            <a:spLocks noGrp="1"/>
+          </p:cNvSpPr>
           <p:nvPr>
-            <p:ph idx="12" type="sldNum"/>
+            <p:ph type="sldNum" idx="12"/>
           </p:nvPr>
         </p:nvSpPr>
         <p:spPr>
@@ -5258,7 +5257,7 @@
           </a:prstGeom>
         </p:spPr>
         <p:txBody>
-          <a:bodyPr anchorCtr="0" anchor="ctr" bIns="91425" lIns="91425" spcFirstLastPara="1" rIns="91425" wrap="square" tIns="91425">
+          <a:bodyPr spcFirstLastPara="1" wrap="square" lIns="91425" tIns="91425" rIns="91425" bIns="91425" anchor="ctr" anchorCtr="0">
             <a:normAutofit/>
           </a:bodyPr>
           <a:lstStyle>
@@ -5300,7 +5299,7 @@
             </a:lvl9pPr>
           </a:lstStyle>
           <a:p>
-            <a:pPr indent="0" lvl="0" marL="0" rtl="0" algn="r">
+            <a:pPr marL="0" lvl="0" indent="0" algn="r" rtl="0">
               <a:spcBef>
                 <a:spcPts val="0"/>
               </a:spcBef>
@@ -5326,11 +5325,11 @@
 </file>
 
 <file path=ppt/slideLayouts/slideLayout3.xml><?xml version="1.0" encoding="utf-8"?>
-<p:sldLayout xmlns:a="http://schemas.openxmlformats.org/drawingml/2006/main" xmlns:r="http://schemas.openxmlformats.org/officeDocument/2006/relationships" xmlns:mc="http://schemas.openxmlformats.org/markup-compatibility/2006" xmlns:mv="urn:schemas-microsoft-com:mac:vml" xmlns:p="http://schemas.openxmlformats.org/presentationml/2006/main" xmlns:c="http://schemas.openxmlformats.org/drawingml/2006/chart" xmlns:dgm="http://schemas.openxmlformats.org/drawingml/2006/diagram" xmlns:o="urn:schemas-microsoft-com:office:office" xmlns:v="urn:schemas-microsoft-com:vml" xmlns:pvml="urn:schemas-microsoft-com:office:powerpoint" xmlns:com="http://schemas.openxmlformats.org/drawingml/2006/compatibility" xmlns:p14="http://schemas.microsoft.com/office/powerpoint/2010/main" xmlns:p15="http://schemas.microsoft.com/office/powerpoint/2012/main" xmlns:ahyp="http://schemas.microsoft.com/office/drawing/2018/hyperlinkcolor" matchingName="Title and body" type="tx">
+<p:sldLayout xmlns:a="http://schemas.openxmlformats.org/drawingml/2006/main" xmlns:r="http://schemas.openxmlformats.org/officeDocument/2006/relationships" xmlns:p="http://schemas.openxmlformats.org/presentationml/2006/main" matchingName="Title and body" type="tx">
   <p:cSld name="TITLE_AND_BODY">
     <p:spTree>
       <p:nvGrpSpPr>
-        <p:cNvPr id="41" name="Shape 41"/>
+        <p:cNvPr id="1" name="Shape 41"/>
         <p:cNvGrpSpPr/>
         <p:nvPr/>
       </p:nvGrpSpPr>
@@ -5369,7 +5368,7 @@
             </a:xfrm>
             <a:prstGeom prst="diagStripe">
               <a:avLst>
-                <a:gd fmla="val 50000" name="adj"/>
+                <a:gd name="adj" fmla="val 50000"/>
               </a:avLst>
             </a:prstGeom>
             <a:solidFill>
@@ -5380,12 +5379,12 @@
             </a:ln>
           </p:spPr>
           <p:txBody>
-            <a:bodyPr anchorCtr="0" anchor="ctr" bIns="91425" lIns="91425" spcFirstLastPara="1" rIns="91425" wrap="square" tIns="91425">
+            <a:bodyPr spcFirstLastPara="1" wrap="square" lIns="91425" tIns="91425" rIns="91425" bIns="91425" anchor="ctr" anchorCtr="0">
               <a:noAutofit/>
             </a:bodyPr>
             <a:lstStyle/>
             <a:p>
-              <a:pPr indent="0" lvl="0" marL="0" rtl="0" algn="l">
+              <a:pPr marL="0" lvl="0" indent="0" algn="l" rtl="0">
                 <a:spcBef>
                   <a:spcPts val="0"/>
                 </a:spcBef>
@@ -5394,9 +5393,6 @@
                 </a:spcAft>
                 <a:buNone/>
               </a:pPr>
-              <a:r>
-                <a:t/>
-              </a:r>
               <a:endParaRPr/>
             </a:p>
           </p:txBody>
@@ -5414,7 +5410,7 @@
             </a:xfrm>
             <a:prstGeom prst="diagStripe">
               <a:avLst>
-                <a:gd fmla="val 50000" name="adj"/>
+                <a:gd name="adj" fmla="val 50000"/>
               </a:avLst>
             </a:prstGeom>
             <a:solidFill>
@@ -5425,12 +5421,12 @@
             </a:ln>
           </p:spPr>
           <p:txBody>
-            <a:bodyPr anchorCtr="0" anchor="ctr" bIns="91425" lIns="91425" spcFirstLastPara="1" rIns="91425" wrap="square" tIns="91425">
+            <a:bodyPr spcFirstLastPara="1" wrap="square" lIns="91425" tIns="91425" rIns="91425" bIns="91425" anchor="ctr" anchorCtr="0">
               <a:noAutofit/>
             </a:bodyPr>
             <a:lstStyle/>
             <a:p>
-              <a:pPr indent="0" lvl="0" marL="0" rtl="0" algn="l">
+              <a:pPr marL="0" lvl="0" indent="0" algn="l" rtl="0">
                 <a:spcBef>
                   <a:spcPts val="0"/>
                 </a:spcBef>
@@ -5439,9 +5435,6 @@
                 </a:spcAft>
                 <a:buNone/>
               </a:pPr>
-              <a:r>
-                <a:t/>
-              </a:r>
               <a:endParaRPr/>
             </a:p>
           </p:txBody>
@@ -5450,7 +5443,9 @@
       <p:sp>
         <p:nvSpPr>
           <p:cNvPr id="45" name="Google Shape;45;p4"/>
-          <p:cNvSpPr txBox="1"/>
+          <p:cNvSpPr txBox="1">
+            <a:spLocks noGrp="1"/>
+          </p:cNvSpPr>
           <p:nvPr>
             <p:ph type="title"/>
           </p:nvPr>
@@ -5465,7 +5460,7 @@
           </a:prstGeom>
         </p:spPr>
         <p:txBody>
-          <a:bodyPr anchorCtr="0" anchor="t" bIns="91425" lIns="91425" spcFirstLastPara="1" rIns="91425" wrap="square" tIns="91425">
+          <a:bodyPr spcFirstLastPara="1" wrap="square" lIns="91425" tIns="91425" rIns="91425" bIns="91425" anchor="t" anchorCtr="0">
             <a:normAutofit/>
           </a:bodyPr>
           <a:lstStyle>
@@ -5569,15 +5564,19 @@
               <a:defRPr sz="2400"/>
             </a:lvl9pPr>
           </a:lstStyle>
-          <a:p/>
+          <a:p>
+            <a:endParaRPr/>
+          </a:p>
         </p:txBody>
       </p:sp>
       <p:sp>
         <p:nvSpPr>
           <p:cNvPr id="46" name="Google Shape;46;p4"/>
-          <p:cNvSpPr txBox="1"/>
+          <p:cNvSpPr txBox="1">
+            <a:spLocks noGrp="1"/>
+          </p:cNvSpPr>
           <p:nvPr>
-            <p:ph idx="1" type="body"/>
+            <p:ph type="body" idx="1"/>
           </p:nvPr>
         </p:nvSpPr>
         <p:spPr>
@@ -5590,11 +5589,11 @@
           </a:prstGeom>
         </p:spPr>
         <p:txBody>
-          <a:bodyPr anchorCtr="0" anchor="t" bIns="91425" lIns="91425" spcFirstLastPara="1" rIns="91425" wrap="square" tIns="91425">
+          <a:bodyPr spcFirstLastPara="1" wrap="square" lIns="91425" tIns="91425" rIns="91425" bIns="91425" anchor="t" anchorCtr="0">
             <a:normAutofit/>
           </a:bodyPr>
           <a:lstStyle>
-            <a:lvl1pPr indent="-311150" lvl="0" marL="457200">
+            <a:lvl1pPr marL="457200" lvl="0" indent="-311150">
               <a:spcBef>
                 <a:spcPts val="0"/>
               </a:spcBef>
@@ -5605,7 +5604,7 @@
               <a:buChar char="●"/>
               <a:defRPr/>
             </a:lvl1pPr>
-            <a:lvl2pPr indent="-298450" lvl="1" marL="914400">
+            <a:lvl2pPr marL="914400" lvl="1" indent="-298450">
               <a:spcBef>
                 <a:spcPts val="0"/>
               </a:spcBef>
@@ -5616,7 +5615,7 @@
               <a:buChar char="○"/>
               <a:defRPr/>
             </a:lvl2pPr>
-            <a:lvl3pPr indent="-298450" lvl="2" marL="1371600">
+            <a:lvl3pPr marL="1371600" lvl="2" indent="-298450">
               <a:spcBef>
                 <a:spcPts val="0"/>
               </a:spcBef>
@@ -5627,7 +5626,7 @@
               <a:buChar char="■"/>
               <a:defRPr/>
             </a:lvl3pPr>
-            <a:lvl4pPr indent="-298450" lvl="3" marL="1828800">
+            <a:lvl4pPr marL="1828800" lvl="3" indent="-298450">
               <a:spcBef>
                 <a:spcPts val="0"/>
               </a:spcBef>
@@ -5638,7 +5637,7 @@
               <a:buChar char="●"/>
               <a:defRPr/>
             </a:lvl4pPr>
-            <a:lvl5pPr indent="-298450" lvl="4" marL="2286000">
+            <a:lvl5pPr marL="2286000" lvl="4" indent="-298450">
               <a:spcBef>
                 <a:spcPts val="0"/>
               </a:spcBef>
@@ -5649,7 +5648,7 @@
               <a:buChar char="○"/>
               <a:defRPr/>
             </a:lvl5pPr>
-            <a:lvl6pPr indent="-298450" lvl="5" marL="2743200">
+            <a:lvl6pPr marL="2743200" lvl="5" indent="-298450">
               <a:spcBef>
                 <a:spcPts val="0"/>
               </a:spcBef>
@@ -5660,7 +5659,7 @@
               <a:buChar char="■"/>
               <a:defRPr/>
             </a:lvl6pPr>
-            <a:lvl7pPr indent="-298450" lvl="6" marL="3200400">
+            <a:lvl7pPr marL="3200400" lvl="6" indent="-298450">
               <a:spcBef>
                 <a:spcPts val="0"/>
               </a:spcBef>
@@ -5671,7 +5670,7 @@
               <a:buChar char="●"/>
               <a:defRPr/>
             </a:lvl7pPr>
-            <a:lvl8pPr indent="-298450" lvl="7" marL="3657600">
+            <a:lvl8pPr marL="3657600" lvl="7" indent="-298450">
               <a:spcBef>
                 <a:spcPts val="0"/>
               </a:spcBef>
@@ -5682,7 +5681,7 @@
               <a:buChar char="○"/>
               <a:defRPr/>
             </a:lvl8pPr>
-            <a:lvl9pPr indent="-298450" lvl="8" marL="4114800">
+            <a:lvl9pPr marL="4114800" lvl="8" indent="-298450">
               <a:spcBef>
                 <a:spcPts val="0"/>
               </a:spcBef>
@@ -5694,15 +5693,19 @@
               <a:defRPr/>
             </a:lvl9pPr>
           </a:lstStyle>
-          <a:p/>
+          <a:p>
+            <a:endParaRPr/>
+          </a:p>
         </p:txBody>
       </p:sp>
       <p:sp>
         <p:nvSpPr>
           <p:cNvPr id="47" name="Google Shape;47;p4"/>
-          <p:cNvSpPr txBox="1"/>
+          <p:cNvSpPr txBox="1">
+            <a:spLocks noGrp="1"/>
+          </p:cNvSpPr>
           <p:nvPr>
-            <p:ph idx="12" type="sldNum"/>
+            <p:ph type="sldNum" idx="12"/>
           </p:nvPr>
         </p:nvSpPr>
         <p:spPr>
@@ -5715,7 +5718,7 @@
           </a:prstGeom>
         </p:spPr>
         <p:txBody>
-          <a:bodyPr anchorCtr="0" anchor="ctr" bIns="91425" lIns="91425" spcFirstLastPara="1" rIns="91425" wrap="square" tIns="91425">
+          <a:bodyPr spcFirstLastPara="1" wrap="square" lIns="91425" tIns="91425" rIns="91425" bIns="91425" anchor="ctr" anchorCtr="0">
             <a:normAutofit/>
           </a:bodyPr>
           <a:lstStyle>
@@ -5757,7 +5760,7 @@
             </a:lvl9pPr>
           </a:lstStyle>
           <a:p>
-            <a:pPr indent="0" lvl="0" marL="0" rtl="0" algn="r">
+            <a:pPr marL="0" lvl="0" indent="0" algn="r" rtl="0">
               <a:spcBef>
                 <a:spcPts val="0"/>
               </a:spcBef>
@@ -5783,11 +5786,11 @@
 </file>
 
 <file path=ppt/slideLayouts/slideLayout4.xml><?xml version="1.0" encoding="utf-8"?>
-<p:sldLayout xmlns:a="http://schemas.openxmlformats.org/drawingml/2006/main" xmlns:r="http://schemas.openxmlformats.org/officeDocument/2006/relationships" xmlns:mc="http://schemas.openxmlformats.org/markup-compatibility/2006" xmlns:mv="urn:schemas-microsoft-com:mac:vml" xmlns:p="http://schemas.openxmlformats.org/presentationml/2006/main" xmlns:c="http://schemas.openxmlformats.org/drawingml/2006/chart" xmlns:dgm="http://schemas.openxmlformats.org/drawingml/2006/diagram" xmlns:o="urn:schemas-microsoft-com:office:office" xmlns:v="urn:schemas-microsoft-com:vml" xmlns:pvml="urn:schemas-microsoft-com:office:powerpoint" xmlns:com="http://schemas.openxmlformats.org/drawingml/2006/compatibility" xmlns:p14="http://schemas.microsoft.com/office/powerpoint/2010/main" xmlns:p15="http://schemas.microsoft.com/office/powerpoint/2012/main" xmlns:ahyp="http://schemas.microsoft.com/office/drawing/2018/hyperlinkcolor" matchingName="Title and two columns" type="twoColTx">
+<p:sldLayout xmlns:a="http://schemas.openxmlformats.org/drawingml/2006/main" xmlns:r="http://schemas.openxmlformats.org/officeDocument/2006/relationships" xmlns:p="http://schemas.openxmlformats.org/presentationml/2006/main" matchingName="Title and two columns" type="twoColTx">
   <p:cSld name="TITLE_AND_TWO_COLUMNS">
     <p:spTree>
       <p:nvGrpSpPr>
-        <p:cNvPr id="48" name="Shape 48"/>
+        <p:cNvPr id="1" name="Shape 48"/>
         <p:cNvGrpSpPr/>
         <p:nvPr/>
       </p:nvGrpSpPr>
@@ -5826,7 +5829,7 @@
             </a:xfrm>
             <a:prstGeom prst="diagStripe">
               <a:avLst>
-                <a:gd fmla="val 50000" name="adj"/>
+                <a:gd name="adj" fmla="val 50000"/>
               </a:avLst>
             </a:prstGeom>
             <a:solidFill>
@@ -5837,12 +5840,12 @@
             </a:ln>
           </p:spPr>
           <p:txBody>
-            <a:bodyPr anchorCtr="0" anchor="ctr" bIns="91425" lIns="91425" spcFirstLastPara="1" rIns="91425" wrap="square" tIns="91425">
+            <a:bodyPr spcFirstLastPara="1" wrap="square" lIns="91425" tIns="91425" rIns="91425" bIns="91425" anchor="ctr" anchorCtr="0">
               <a:noAutofit/>
             </a:bodyPr>
             <a:lstStyle/>
             <a:p>
-              <a:pPr indent="0" lvl="0" marL="0" rtl="0" algn="l">
+              <a:pPr marL="0" lvl="0" indent="0" algn="l" rtl="0">
                 <a:spcBef>
                   <a:spcPts val="0"/>
                 </a:spcBef>
@@ -5851,9 +5854,6 @@
                 </a:spcAft>
                 <a:buNone/>
               </a:pPr>
-              <a:r>
-                <a:t/>
-              </a:r>
               <a:endParaRPr/>
             </a:p>
           </p:txBody>
@@ -5871,7 +5871,7 @@
             </a:xfrm>
             <a:prstGeom prst="diagStripe">
               <a:avLst>
-                <a:gd fmla="val 50000" name="adj"/>
+                <a:gd name="adj" fmla="val 50000"/>
               </a:avLst>
             </a:prstGeom>
             <a:solidFill>
@@ -5882,12 +5882,12 @@
             </a:ln>
           </p:spPr>
           <p:txBody>
-            <a:bodyPr anchorCtr="0" anchor="ctr" bIns="91425" lIns="91425" spcFirstLastPara="1" rIns="91425" wrap="square" tIns="91425">
+            <a:bodyPr spcFirstLastPara="1" wrap="square" lIns="91425" tIns="91425" rIns="91425" bIns="91425" anchor="ctr" anchorCtr="0">
               <a:noAutofit/>
             </a:bodyPr>
             <a:lstStyle/>
             <a:p>
-              <a:pPr indent="0" lvl="0" marL="0" rtl="0" algn="l">
+              <a:pPr marL="0" lvl="0" indent="0" algn="l" rtl="0">
                 <a:spcBef>
                   <a:spcPts val="0"/>
                 </a:spcBef>
@@ -5896,9 +5896,6 @@
                 </a:spcAft>
                 <a:buNone/>
               </a:pPr>
-              <a:r>
-                <a:t/>
-              </a:r>
               <a:endParaRPr/>
             </a:p>
           </p:txBody>
@@ -5907,7 +5904,9 @@
       <p:sp>
         <p:nvSpPr>
           <p:cNvPr id="52" name="Google Shape;52;p5"/>
-          <p:cNvSpPr txBox="1"/>
+          <p:cNvSpPr txBox="1">
+            <a:spLocks noGrp="1"/>
+          </p:cNvSpPr>
           <p:nvPr>
             <p:ph type="title"/>
           </p:nvPr>
@@ -5922,7 +5921,7 @@
           </a:prstGeom>
         </p:spPr>
         <p:txBody>
-          <a:bodyPr anchorCtr="0" anchor="t" bIns="91425" lIns="91425" spcFirstLastPara="1" rIns="91425" wrap="square" tIns="91425">
+          <a:bodyPr spcFirstLastPara="1" wrap="square" lIns="91425" tIns="91425" rIns="91425" bIns="91425" anchor="t" anchorCtr="0">
             <a:normAutofit/>
           </a:bodyPr>
           <a:lstStyle>
@@ -6026,15 +6025,19 @@
               <a:defRPr sz="2400"/>
             </a:lvl9pPr>
           </a:lstStyle>
-          <a:p/>
+          <a:p>
+            <a:endParaRPr/>
+          </a:p>
         </p:txBody>
       </p:sp>
       <p:sp>
         <p:nvSpPr>
           <p:cNvPr id="53" name="Google Shape;53;p5"/>
-          <p:cNvSpPr txBox="1"/>
+          <p:cNvSpPr txBox="1">
+            <a:spLocks noGrp="1"/>
+          </p:cNvSpPr>
           <p:nvPr>
-            <p:ph idx="1" type="body"/>
+            <p:ph type="body" idx="1"/>
           </p:nvPr>
         </p:nvSpPr>
         <p:spPr>
@@ -6047,11 +6050,11 @@
           </a:prstGeom>
         </p:spPr>
         <p:txBody>
-          <a:bodyPr anchorCtr="0" anchor="t" bIns="91425" lIns="91425" spcFirstLastPara="1" rIns="91425" wrap="square" tIns="91425">
+          <a:bodyPr spcFirstLastPara="1" wrap="square" lIns="91425" tIns="91425" rIns="91425" bIns="91425" anchor="t" anchorCtr="0">
             <a:normAutofit/>
           </a:bodyPr>
           <a:lstStyle>
-            <a:lvl1pPr indent="-311150" lvl="0" marL="457200">
+            <a:lvl1pPr marL="457200" lvl="0" indent="-311150">
               <a:spcBef>
                 <a:spcPts val="0"/>
               </a:spcBef>
@@ -6062,7 +6065,7 @@
               <a:buChar char="●"/>
               <a:defRPr/>
             </a:lvl1pPr>
-            <a:lvl2pPr indent="-298450" lvl="1" marL="914400">
+            <a:lvl2pPr marL="914400" lvl="1" indent="-298450">
               <a:spcBef>
                 <a:spcPts val="0"/>
               </a:spcBef>
@@ -6073,7 +6076,7 @@
               <a:buChar char="○"/>
               <a:defRPr/>
             </a:lvl2pPr>
-            <a:lvl3pPr indent="-298450" lvl="2" marL="1371600">
+            <a:lvl3pPr marL="1371600" lvl="2" indent="-298450">
               <a:spcBef>
                 <a:spcPts val="0"/>
               </a:spcBef>
@@ -6084,7 +6087,7 @@
               <a:buChar char="■"/>
               <a:defRPr/>
             </a:lvl3pPr>
-            <a:lvl4pPr indent="-298450" lvl="3" marL="1828800">
+            <a:lvl4pPr marL="1828800" lvl="3" indent="-298450">
               <a:spcBef>
                 <a:spcPts val="0"/>
               </a:spcBef>
@@ -6095,7 +6098,7 @@
               <a:buChar char="●"/>
               <a:defRPr/>
             </a:lvl4pPr>
-            <a:lvl5pPr indent="-298450" lvl="4" marL="2286000">
+            <a:lvl5pPr marL="2286000" lvl="4" indent="-298450">
               <a:spcBef>
                 <a:spcPts val="0"/>
               </a:spcBef>
@@ -6106,7 +6109,7 @@
               <a:buChar char="○"/>
               <a:defRPr/>
             </a:lvl5pPr>
-            <a:lvl6pPr indent="-298450" lvl="5" marL="2743200">
+            <a:lvl6pPr marL="2743200" lvl="5" indent="-298450">
               <a:spcBef>
                 <a:spcPts val="0"/>
               </a:spcBef>
@@ -6117,7 +6120,7 @@
               <a:buChar char="■"/>
               <a:defRPr/>
             </a:lvl6pPr>
-            <a:lvl7pPr indent="-298450" lvl="6" marL="3200400">
+            <a:lvl7pPr marL="3200400" lvl="6" indent="-298450">
               <a:spcBef>
                 <a:spcPts val="0"/>
               </a:spcBef>
@@ -6128,7 +6131,7 @@
               <a:buChar char="●"/>
               <a:defRPr/>
             </a:lvl7pPr>
-            <a:lvl8pPr indent="-298450" lvl="7" marL="3657600">
+            <a:lvl8pPr marL="3657600" lvl="7" indent="-298450">
               <a:spcBef>
                 <a:spcPts val="0"/>
               </a:spcBef>
@@ -6139,7 +6142,7 @@
               <a:buChar char="○"/>
               <a:defRPr/>
             </a:lvl8pPr>
-            <a:lvl9pPr indent="-298450" lvl="8" marL="4114800">
+            <a:lvl9pPr marL="4114800" lvl="8" indent="-298450">
               <a:spcBef>
                 <a:spcPts val="0"/>
               </a:spcBef>
@@ -6151,15 +6154,19 @@
               <a:defRPr/>
             </a:lvl9pPr>
           </a:lstStyle>
-          <a:p/>
+          <a:p>
+            <a:endParaRPr/>
+          </a:p>
         </p:txBody>
       </p:sp>
       <p:sp>
         <p:nvSpPr>
           <p:cNvPr id="54" name="Google Shape;54;p5"/>
-          <p:cNvSpPr txBox="1"/>
+          <p:cNvSpPr txBox="1">
+            <a:spLocks noGrp="1"/>
+          </p:cNvSpPr>
           <p:nvPr>
-            <p:ph idx="2" type="body"/>
+            <p:ph type="body" idx="2"/>
           </p:nvPr>
         </p:nvSpPr>
         <p:spPr>
@@ -6172,11 +6179,11 @@
           </a:prstGeom>
         </p:spPr>
         <p:txBody>
-          <a:bodyPr anchorCtr="0" anchor="t" bIns="91425" lIns="91425" spcFirstLastPara="1" rIns="91425" wrap="square" tIns="91425">
+          <a:bodyPr spcFirstLastPara="1" wrap="square" lIns="91425" tIns="91425" rIns="91425" bIns="91425" anchor="t" anchorCtr="0">
             <a:normAutofit/>
           </a:bodyPr>
           <a:lstStyle>
-            <a:lvl1pPr indent="-311150" lvl="0" marL="457200">
+            <a:lvl1pPr marL="457200" lvl="0" indent="-311150">
               <a:spcBef>
                 <a:spcPts val="0"/>
               </a:spcBef>
@@ -6187,7 +6194,7 @@
               <a:buChar char="●"/>
               <a:defRPr/>
             </a:lvl1pPr>
-            <a:lvl2pPr indent="-298450" lvl="1" marL="914400">
+            <a:lvl2pPr marL="914400" lvl="1" indent="-298450">
               <a:spcBef>
                 <a:spcPts val="0"/>
               </a:spcBef>
@@ -6198,7 +6205,7 @@
               <a:buChar char="○"/>
               <a:defRPr/>
             </a:lvl2pPr>
-            <a:lvl3pPr indent="-298450" lvl="2" marL="1371600">
+            <a:lvl3pPr marL="1371600" lvl="2" indent="-298450">
               <a:spcBef>
                 <a:spcPts val="0"/>
               </a:spcBef>
@@ -6209,7 +6216,7 @@
               <a:buChar char="■"/>
               <a:defRPr/>
             </a:lvl3pPr>
-            <a:lvl4pPr indent="-298450" lvl="3" marL="1828800">
+            <a:lvl4pPr marL="1828800" lvl="3" indent="-298450">
               <a:spcBef>
                 <a:spcPts val="0"/>
               </a:spcBef>
@@ -6220,7 +6227,7 @@
               <a:buChar char="●"/>
               <a:defRPr/>
             </a:lvl4pPr>
-            <a:lvl5pPr indent="-298450" lvl="4" marL="2286000">
+            <a:lvl5pPr marL="2286000" lvl="4" indent="-298450">
               <a:spcBef>
                 <a:spcPts val="0"/>
               </a:spcBef>
@@ -6231,7 +6238,7 @@
               <a:buChar char="○"/>
               <a:defRPr/>
             </a:lvl5pPr>
-            <a:lvl6pPr indent="-298450" lvl="5" marL="2743200">
+            <a:lvl6pPr marL="2743200" lvl="5" indent="-298450">
               <a:spcBef>
                 <a:spcPts val="0"/>
               </a:spcBef>
@@ -6242,7 +6249,7 @@
               <a:buChar char="■"/>
               <a:defRPr/>
             </a:lvl6pPr>
-            <a:lvl7pPr indent="-298450" lvl="6" marL="3200400">
+            <a:lvl7pPr marL="3200400" lvl="6" indent="-298450">
               <a:spcBef>
                 <a:spcPts val="0"/>
               </a:spcBef>
@@ -6253,7 +6260,7 @@
               <a:buChar char="●"/>
               <a:defRPr/>
             </a:lvl7pPr>
-            <a:lvl8pPr indent="-298450" lvl="7" marL="3657600">
+            <a:lvl8pPr marL="3657600" lvl="7" indent="-298450">
               <a:spcBef>
                 <a:spcPts val="0"/>
               </a:spcBef>
@@ -6264,7 +6271,7 @@
               <a:buChar char="○"/>
               <a:defRPr/>
             </a:lvl8pPr>
-            <a:lvl9pPr indent="-298450" lvl="8" marL="4114800">
+            <a:lvl9pPr marL="4114800" lvl="8" indent="-298450">
               <a:spcBef>
                 <a:spcPts val="0"/>
               </a:spcBef>
@@ -6276,15 +6283,19 @@
               <a:defRPr/>
             </a:lvl9pPr>
           </a:lstStyle>
-          <a:p/>
+          <a:p>
+            <a:endParaRPr/>
+          </a:p>
         </p:txBody>
       </p:sp>
       <p:sp>
         <p:nvSpPr>
           <p:cNvPr id="55" name="Google Shape;55;p5"/>
-          <p:cNvSpPr txBox="1"/>
+          <p:cNvSpPr txBox="1">
+            <a:spLocks noGrp="1"/>
+          </p:cNvSpPr>
           <p:nvPr>
-            <p:ph idx="12" type="sldNum"/>
+            <p:ph type="sldNum" idx="12"/>
           </p:nvPr>
         </p:nvSpPr>
         <p:spPr>
@@ -6297,7 +6308,7 @@
           </a:prstGeom>
         </p:spPr>
         <p:txBody>
-          <a:bodyPr anchorCtr="0" anchor="ctr" bIns="91425" lIns="91425" spcFirstLastPara="1" rIns="91425" wrap="square" tIns="91425">
+          <a:bodyPr spcFirstLastPara="1" wrap="square" lIns="91425" tIns="91425" rIns="91425" bIns="91425" anchor="ctr" anchorCtr="0">
             <a:normAutofit/>
           </a:bodyPr>
           <a:lstStyle>
@@ -6339,7 +6350,7 @@
             </a:lvl9pPr>
           </a:lstStyle>
           <a:p>
-            <a:pPr indent="0" lvl="0" marL="0" rtl="0" algn="r">
+            <a:pPr marL="0" lvl="0" indent="0" algn="r" rtl="0">
               <a:spcBef>
                 <a:spcPts val="0"/>
               </a:spcBef>
@@ -6365,11 +6376,11 @@
 </file>
 
 <file path=ppt/slideLayouts/slideLayout5.xml><?xml version="1.0" encoding="utf-8"?>
-<p:sldLayout xmlns:a="http://schemas.openxmlformats.org/drawingml/2006/main" xmlns:r="http://schemas.openxmlformats.org/officeDocument/2006/relationships" xmlns:mc="http://schemas.openxmlformats.org/markup-compatibility/2006" xmlns:mv="urn:schemas-microsoft-com:mac:vml" xmlns:p="http://schemas.openxmlformats.org/presentationml/2006/main" xmlns:c="http://schemas.openxmlformats.org/drawingml/2006/chart" xmlns:dgm="http://schemas.openxmlformats.org/drawingml/2006/diagram" xmlns:o="urn:schemas-microsoft-com:office:office" xmlns:v="urn:schemas-microsoft-com:vml" xmlns:pvml="urn:schemas-microsoft-com:office:powerpoint" xmlns:com="http://schemas.openxmlformats.org/drawingml/2006/compatibility" xmlns:p14="http://schemas.microsoft.com/office/powerpoint/2010/main" xmlns:p15="http://schemas.microsoft.com/office/powerpoint/2012/main" xmlns:ahyp="http://schemas.microsoft.com/office/drawing/2018/hyperlinkcolor" matchingName="Title only" type="titleOnly">
+<p:sldLayout xmlns:a="http://schemas.openxmlformats.org/drawingml/2006/main" xmlns:r="http://schemas.openxmlformats.org/officeDocument/2006/relationships" xmlns:p="http://schemas.openxmlformats.org/presentationml/2006/main" matchingName="Title only" type="titleOnly">
   <p:cSld name="TITLE_ONLY">
     <p:spTree>
       <p:nvGrpSpPr>
-        <p:cNvPr id="56" name="Shape 56"/>
+        <p:cNvPr id="1" name="Shape 56"/>
         <p:cNvGrpSpPr/>
         <p:nvPr/>
       </p:nvGrpSpPr>
@@ -6408,7 +6419,7 @@
             </a:xfrm>
             <a:prstGeom prst="diagStripe">
               <a:avLst>
-                <a:gd fmla="val 50000" name="adj"/>
+                <a:gd name="adj" fmla="val 50000"/>
               </a:avLst>
             </a:prstGeom>
             <a:solidFill>
@@ -6419,12 +6430,12 @@
             </a:ln>
           </p:spPr>
           <p:txBody>
-            <a:bodyPr anchorCtr="0" anchor="ctr" bIns="91425" lIns="91425" spcFirstLastPara="1" rIns="91425" wrap="square" tIns="91425">
+            <a:bodyPr spcFirstLastPara="1" wrap="square" lIns="91425" tIns="91425" rIns="91425" bIns="91425" anchor="ctr" anchorCtr="0">
               <a:noAutofit/>
             </a:bodyPr>
             <a:lstStyle/>
             <a:p>
-              <a:pPr indent="0" lvl="0" marL="0" rtl="0" algn="l">
+              <a:pPr marL="0" lvl="0" indent="0" algn="l" rtl="0">
                 <a:spcBef>
                   <a:spcPts val="0"/>
                 </a:spcBef>
@@ -6433,9 +6444,6 @@
                 </a:spcAft>
                 <a:buNone/>
               </a:pPr>
-              <a:r>
-                <a:t/>
-              </a:r>
               <a:endParaRPr/>
             </a:p>
           </p:txBody>
@@ -6453,7 +6461,7 @@
             </a:xfrm>
             <a:prstGeom prst="diagStripe">
               <a:avLst>
-                <a:gd fmla="val 50000" name="adj"/>
+                <a:gd name="adj" fmla="val 50000"/>
               </a:avLst>
             </a:prstGeom>
             <a:solidFill>
@@ -6464,12 +6472,12 @@
             </a:ln>
           </p:spPr>
           <p:txBody>
-            <a:bodyPr anchorCtr="0" anchor="ctr" bIns="91425" lIns="91425" spcFirstLastPara="1" rIns="91425" wrap="square" tIns="91425">
+            <a:bodyPr spcFirstLastPara="1" wrap="square" lIns="91425" tIns="91425" rIns="91425" bIns="91425" anchor="ctr" anchorCtr="0">
               <a:noAutofit/>
             </a:bodyPr>
             <a:lstStyle/>
             <a:p>
-              <a:pPr indent="0" lvl="0" marL="0" rtl="0" algn="l">
+              <a:pPr marL="0" lvl="0" indent="0" algn="l" rtl="0">
                 <a:spcBef>
                   <a:spcPts val="0"/>
                 </a:spcBef>
@@ -6478,9 +6486,6 @@
                 </a:spcAft>
                 <a:buNone/>
               </a:pPr>
-              <a:r>
-                <a:t/>
-              </a:r>
               <a:endParaRPr/>
             </a:p>
           </p:txBody>
@@ -6489,7 +6494,9 @@
       <p:sp>
         <p:nvSpPr>
           <p:cNvPr id="60" name="Google Shape;60;p6"/>
-          <p:cNvSpPr txBox="1"/>
+          <p:cNvSpPr txBox="1">
+            <a:spLocks noGrp="1"/>
+          </p:cNvSpPr>
           <p:nvPr>
             <p:ph type="title"/>
           </p:nvPr>
@@ -6504,7 +6511,7 @@
           </a:prstGeom>
         </p:spPr>
         <p:txBody>
-          <a:bodyPr anchorCtr="0" anchor="t" bIns="91425" lIns="91425" spcFirstLastPara="1" rIns="91425" wrap="square" tIns="91425">
+          <a:bodyPr spcFirstLastPara="1" wrap="square" lIns="91425" tIns="91425" rIns="91425" bIns="91425" anchor="t" anchorCtr="0">
             <a:normAutofit/>
           </a:bodyPr>
           <a:lstStyle>
@@ -6608,15 +6615,19 @@
               <a:defRPr sz="2400"/>
             </a:lvl9pPr>
           </a:lstStyle>
-          <a:p/>
+          <a:p>
+            <a:endParaRPr/>
+          </a:p>
         </p:txBody>
       </p:sp>
       <p:sp>
         <p:nvSpPr>
           <p:cNvPr id="61" name="Google Shape;61;p6"/>
-          <p:cNvSpPr txBox="1"/>
+          <p:cNvSpPr txBox="1">
+            <a:spLocks noGrp="1"/>
+          </p:cNvSpPr>
           <p:nvPr>
-            <p:ph idx="12" type="sldNum"/>
+            <p:ph type="sldNum" idx="12"/>
           </p:nvPr>
         </p:nvSpPr>
         <p:spPr>
@@ -6629,7 +6640,7 @@
           </a:prstGeom>
         </p:spPr>
         <p:txBody>
-          <a:bodyPr anchorCtr="0" anchor="ctr" bIns="91425" lIns="91425" spcFirstLastPara="1" rIns="91425" wrap="square" tIns="91425">
+          <a:bodyPr spcFirstLastPara="1" wrap="square" lIns="91425" tIns="91425" rIns="91425" bIns="91425" anchor="ctr" anchorCtr="0">
             <a:normAutofit/>
           </a:bodyPr>
           <a:lstStyle>
@@ -6671,7 +6682,7 @@
             </a:lvl9pPr>
           </a:lstStyle>
           <a:p>
-            <a:pPr indent="0" lvl="0" marL="0" rtl="0" algn="r">
+            <a:pPr marL="0" lvl="0" indent="0" algn="r" rtl="0">
               <a:spcBef>
                 <a:spcPts val="0"/>
               </a:spcBef>
@@ -6697,11 +6708,11 @@
 </file>
 
 <file path=ppt/slideLayouts/slideLayout6.xml><?xml version="1.0" encoding="utf-8"?>
-<p:sldLayout xmlns:a="http://schemas.openxmlformats.org/drawingml/2006/main" xmlns:r="http://schemas.openxmlformats.org/officeDocument/2006/relationships" xmlns:mc="http://schemas.openxmlformats.org/markup-compatibility/2006" xmlns:mv="urn:schemas-microsoft-com:mac:vml" xmlns:p="http://schemas.openxmlformats.org/presentationml/2006/main" xmlns:c="http://schemas.openxmlformats.org/drawingml/2006/chart" xmlns:dgm="http://schemas.openxmlformats.org/drawingml/2006/diagram" xmlns:o="urn:schemas-microsoft-com:office:office" xmlns:v="urn:schemas-microsoft-com:vml" xmlns:pvml="urn:schemas-microsoft-com:office:powerpoint" xmlns:com="http://schemas.openxmlformats.org/drawingml/2006/compatibility" xmlns:p14="http://schemas.microsoft.com/office/powerpoint/2010/main" xmlns:p15="http://schemas.microsoft.com/office/powerpoint/2012/main" xmlns:ahyp="http://schemas.microsoft.com/office/drawing/2018/hyperlinkcolor" matchingName="One column text">
+<p:sldLayout xmlns:a="http://schemas.openxmlformats.org/drawingml/2006/main" xmlns:r="http://schemas.openxmlformats.org/officeDocument/2006/relationships" xmlns:p="http://schemas.openxmlformats.org/presentationml/2006/main" matchingName="One column text">
   <p:cSld name="ONE_COLUMN_TEXT">
     <p:spTree>
       <p:nvGrpSpPr>
-        <p:cNvPr id="62" name="Shape 62"/>
+        <p:cNvPr id="1" name="Shape 62"/>
         <p:cNvGrpSpPr/>
         <p:nvPr/>
       </p:nvGrpSpPr>
@@ -6740,7 +6751,7 @@
             </a:xfrm>
             <a:prstGeom prst="diagStripe">
               <a:avLst>
-                <a:gd fmla="val 50000" name="adj"/>
+                <a:gd name="adj" fmla="val 50000"/>
               </a:avLst>
             </a:prstGeom>
             <a:solidFill>
@@ -6751,12 +6762,12 @@
             </a:ln>
           </p:spPr>
           <p:txBody>
-            <a:bodyPr anchorCtr="0" anchor="ctr" bIns="91425" lIns="91425" spcFirstLastPara="1" rIns="91425" wrap="square" tIns="91425">
+            <a:bodyPr spcFirstLastPara="1" wrap="square" lIns="91425" tIns="91425" rIns="91425" bIns="91425" anchor="ctr" anchorCtr="0">
               <a:noAutofit/>
             </a:bodyPr>
             <a:lstStyle/>
             <a:p>
-              <a:pPr indent="0" lvl="0" marL="0" rtl="0" algn="l">
+              <a:pPr marL="0" lvl="0" indent="0" algn="l" rtl="0">
                 <a:spcBef>
                   <a:spcPts val="0"/>
                 </a:spcBef>
@@ -6765,9 +6776,6 @@
                 </a:spcAft>
                 <a:buNone/>
               </a:pPr>
-              <a:r>
-                <a:t/>
-              </a:r>
               <a:endParaRPr/>
             </a:p>
           </p:txBody>
@@ -6785,7 +6793,7 @@
             </a:xfrm>
             <a:prstGeom prst="diagStripe">
               <a:avLst>
-                <a:gd fmla="val 50000" name="adj"/>
+                <a:gd name="adj" fmla="val 50000"/>
               </a:avLst>
             </a:prstGeom>
             <a:solidFill>
@@ -6796,12 +6804,12 @@
             </a:ln>
           </p:spPr>
           <p:txBody>
-            <a:bodyPr anchorCtr="0" anchor="ctr" bIns="91425" lIns="91425" spcFirstLastPara="1" rIns="91425" wrap="square" tIns="91425">
+            <a:bodyPr spcFirstLastPara="1" wrap="square" lIns="91425" tIns="91425" rIns="91425" bIns="91425" anchor="ctr" anchorCtr="0">
               <a:noAutofit/>
             </a:bodyPr>
             <a:lstStyle/>
             <a:p>
-              <a:pPr indent="0" lvl="0" marL="0" rtl="0" algn="l">
+              <a:pPr marL="0" lvl="0" indent="0" algn="l" rtl="0">
                 <a:spcBef>
                   <a:spcPts val="0"/>
                 </a:spcBef>
@@ -6810,9 +6818,6 @@
                 </a:spcAft>
                 <a:buNone/>
               </a:pPr>
-              <a:r>
-                <a:t/>
-              </a:r>
               <a:endParaRPr/>
             </a:p>
           </p:txBody>
@@ -6821,7 +6826,9 @@
       <p:sp>
         <p:nvSpPr>
           <p:cNvPr id="66" name="Google Shape;66;p7"/>
-          <p:cNvSpPr txBox="1"/>
+          <p:cNvSpPr txBox="1">
+            <a:spLocks noGrp="1"/>
+          </p:cNvSpPr>
           <p:nvPr>
             <p:ph type="title"/>
           </p:nvPr>
@@ -6836,7 +6843,7 @@
           </a:prstGeom>
         </p:spPr>
         <p:txBody>
-          <a:bodyPr anchorCtr="0" anchor="t" bIns="91425" lIns="91425" spcFirstLastPara="1" rIns="91425" wrap="square" tIns="91425">
+          <a:bodyPr spcFirstLastPara="1" wrap="square" lIns="91425" tIns="91425" rIns="91425" bIns="91425" anchor="t" anchorCtr="0">
             <a:normAutofit/>
           </a:bodyPr>
           <a:lstStyle>
@@ -6940,15 +6947,19 @@
               <a:defRPr sz="2400"/>
             </a:lvl9pPr>
           </a:lstStyle>
-          <a:p/>
+          <a:p>
+            <a:endParaRPr/>
+          </a:p>
         </p:txBody>
       </p:sp>
       <p:sp>
         <p:nvSpPr>
           <p:cNvPr id="67" name="Google Shape;67;p7"/>
-          <p:cNvSpPr txBox="1"/>
+          <p:cNvSpPr txBox="1">
+            <a:spLocks noGrp="1"/>
+          </p:cNvSpPr>
           <p:nvPr>
-            <p:ph idx="1" type="body"/>
+            <p:ph type="body" idx="1"/>
           </p:nvPr>
         </p:nvSpPr>
         <p:spPr>
@@ -6961,11 +6972,11 @@
           </a:prstGeom>
         </p:spPr>
         <p:txBody>
-          <a:bodyPr anchorCtr="0" anchor="t" bIns="91425" lIns="91425" spcFirstLastPara="1" rIns="91425" wrap="square" tIns="91425">
+          <a:bodyPr spcFirstLastPara="1" wrap="square" lIns="91425" tIns="91425" rIns="91425" bIns="91425" anchor="t" anchorCtr="0">
             <a:normAutofit/>
           </a:bodyPr>
           <a:lstStyle>
-            <a:lvl1pPr indent="-311150" lvl="0" marL="457200">
+            <a:lvl1pPr marL="457200" lvl="0" indent="-311150">
               <a:spcBef>
                 <a:spcPts val="0"/>
               </a:spcBef>
@@ -6976,7 +6987,7 @@
               <a:buChar char="●"/>
               <a:defRPr/>
             </a:lvl1pPr>
-            <a:lvl2pPr indent="-298450" lvl="1" marL="914400">
+            <a:lvl2pPr marL="914400" lvl="1" indent="-298450">
               <a:spcBef>
                 <a:spcPts val="0"/>
               </a:spcBef>
@@ -6987,7 +6998,7 @@
               <a:buChar char="○"/>
               <a:defRPr/>
             </a:lvl2pPr>
-            <a:lvl3pPr indent="-298450" lvl="2" marL="1371600">
+            <a:lvl3pPr marL="1371600" lvl="2" indent="-298450">
               <a:spcBef>
                 <a:spcPts val="0"/>
               </a:spcBef>
@@ -6998,7 +7009,7 @@
               <a:buChar char="■"/>
               <a:defRPr/>
             </a:lvl3pPr>
-            <a:lvl4pPr indent="-298450" lvl="3" marL="1828800">
+            <a:lvl4pPr marL="1828800" lvl="3" indent="-298450">
               <a:spcBef>
                 <a:spcPts val="0"/>
               </a:spcBef>
@@ -7009,7 +7020,7 @@
               <a:buChar char="●"/>
               <a:defRPr/>
             </a:lvl4pPr>
-            <a:lvl5pPr indent="-298450" lvl="4" marL="2286000">
+            <a:lvl5pPr marL="2286000" lvl="4" indent="-298450">
               <a:spcBef>
                 <a:spcPts val="0"/>
               </a:spcBef>
@@ -7020,7 +7031,7 @@
               <a:buChar char="○"/>
               <a:defRPr/>
             </a:lvl5pPr>
-            <a:lvl6pPr indent="-298450" lvl="5" marL="2743200">
+            <a:lvl6pPr marL="2743200" lvl="5" indent="-298450">
               <a:spcBef>
                 <a:spcPts val="0"/>
               </a:spcBef>
@@ -7031,7 +7042,7 @@
               <a:buChar char="■"/>
               <a:defRPr/>
             </a:lvl6pPr>
-            <a:lvl7pPr indent="-298450" lvl="6" marL="3200400">
+            <a:lvl7pPr marL="3200400" lvl="6" indent="-298450">
               <a:spcBef>
                 <a:spcPts val="0"/>
               </a:spcBef>
@@ -7042,7 +7053,7 @@
               <a:buChar char="●"/>
               <a:defRPr/>
             </a:lvl7pPr>
-            <a:lvl8pPr indent="-298450" lvl="7" marL="3657600">
+            <a:lvl8pPr marL="3657600" lvl="7" indent="-298450">
               <a:spcBef>
                 <a:spcPts val="0"/>
               </a:spcBef>
@@ -7053,7 +7064,7 @@
               <a:buChar char="○"/>
               <a:defRPr/>
             </a:lvl8pPr>
-            <a:lvl9pPr indent="-298450" lvl="8" marL="4114800">
+            <a:lvl9pPr marL="4114800" lvl="8" indent="-298450">
               <a:spcBef>
                 <a:spcPts val="0"/>
               </a:spcBef>
@@ -7065,15 +7076,19 @@
               <a:defRPr/>
             </a:lvl9pPr>
           </a:lstStyle>
-          <a:p/>
+          <a:p>
+            <a:endParaRPr/>
+          </a:p>
         </p:txBody>
       </p:sp>
       <p:sp>
         <p:nvSpPr>
           <p:cNvPr id="68" name="Google Shape;68;p7"/>
-          <p:cNvSpPr txBox="1"/>
+          <p:cNvSpPr txBox="1">
+            <a:spLocks noGrp="1"/>
+          </p:cNvSpPr>
           <p:nvPr>
-            <p:ph idx="12" type="sldNum"/>
+            <p:ph type="sldNum" idx="12"/>
           </p:nvPr>
         </p:nvSpPr>
         <p:spPr>
@@ -7086,7 +7101,7 @@
           </a:prstGeom>
         </p:spPr>
         <p:txBody>
-          <a:bodyPr anchorCtr="0" anchor="ctr" bIns="91425" lIns="91425" spcFirstLastPara="1" rIns="91425" wrap="square" tIns="91425">
+          <a:bodyPr spcFirstLastPara="1" wrap="square" lIns="91425" tIns="91425" rIns="91425" bIns="91425" anchor="ctr" anchorCtr="0">
             <a:normAutofit/>
           </a:bodyPr>
           <a:lstStyle>
@@ -7128,7 +7143,7 @@
             </a:lvl9pPr>
           </a:lstStyle>
           <a:p>
-            <a:pPr indent="0" lvl="0" marL="0" rtl="0" algn="r">
+            <a:pPr marL="0" lvl="0" indent="0" algn="r" rtl="0">
               <a:spcBef>
                 <a:spcPts val="0"/>
               </a:spcBef>
@@ -7154,11 +7169,11 @@
 </file>
 
 <file path=ppt/slideLayouts/slideLayout7.xml><?xml version="1.0" encoding="utf-8"?>
-<p:sldLayout xmlns:a="http://schemas.openxmlformats.org/drawingml/2006/main" xmlns:r="http://schemas.openxmlformats.org/officeDocument/2006/relationships" xmlns:mc="http://schemas.openxmlformats.org/markup-compatibility/2006" xmlns:mv="urn:schemas-microsoft-com:mac:vml" xmlns:p="http://schemas.openxmlformats.org/presentationml/2006/main" xmlns:c="http://schemas.openxmlformats.org/drawingml/2006/chart" xmlns:dgm="http://schemas.openxmlformats.org/drawingml/2006/diagram" xmlns:o="urn:schemas-microsoft-com:office:office" xmlns:v="urn:schemas-microsoft-com:vml" xmlns:pvml="urn:schemas-microsoft-com:office:powerpoint" xmlns:com="http://schemas.openxmlformats.org/drawingml/2006/compatibility" xmlns:p14="http://schemas.microsoft.com/office/powerpoint/2010/main" xmlns:p15="http://schemas.microsoft.com/office/powerpoint/2012/main" xmlns:ahyp="http://schemas.microsoft.com/office/drawing/2018/hyperlinkcolor" matchingName="Main point">
+<p:sldLayout xmlns:a="http://schemas.openxmlformats.org/drawingml/2006/main" xmlns:r="http://schemas.openxmlformats.org/officeDocument/2006/relationships" xmlns:p="http://schemas.openxmlformats.org/presentationml/2006/main" matchingName="Main point">
   <p:cSld name="MAIN_POINT">
     <p:spTree>
       <p:nvGrpSpPr>
-        <p:cNvPr id="69" name="Shape 69"/>
+        <p:cNvPr id="1" name="Shape 69"/>
         <p:cNvGrpSpPr/>
         <p:nvPr/>
       </p:nvGrpSpPr>
@@ -7197,7 +7212,7 @@
             </a:xfrm>
             <a:prstGeom prst="diagStripe">
               <a:avLst>
-                <a:gd fmla="val 49469" name="adj"/>
+                <a:gd name="adj" fmla="val 49469"/>
               </a:avLst>
             </a:prstGeom>
             <a:solidFill>
@@ -7210,12 +7225,12 @@
             </a:ln>
           </p:spPr>
           <p:txBody>
-            <a:bodyPr anchorCtr="0" anchor="ctr" bIns="91425" lIns="91425" spcFirstLastPara="1" rIns="91425" wrap="square" tIns="91425">
+            <a:bodyPr spcFirstLastPara="1" wrap="square" lIns="91425" tIns="91425" rIns="91425" bIns="91425" anchor="ctr" anchorCtr="0">
               <a:noAutofit/>
             </a:bodyPr>
             <a:lstStyle/>
             <a:p>
-              <a:pPr indent="0" lvl="0" marL="0" rtl="0" algn="l">
+              <a:pPr marL="0" lvl="0" indent="0" algn="l" rtl="0">
                 <a:spcBef>
                   <a:spcPts val="0"/>
                 </a:spcBef>
@@ -7224,9 +7239,6 @@
                 </a:spcAft>
                 <a:buNone/>
               </a:pPr>
-              <a:r>
-                <a:t/>
-              </a:r>
               <a:endParaRPr/>
             </a:p>
           </p:txBody>
@@ -7244,7 +7256,7 @@
             </a:xfrm>
             <a:prstGeom prst="diagStripe">
               <a:avLst>
-                <a:gd fmla="val 0" name="adj"/>
+                <a:gd name="adj" fmla="val 0"/>
               </a:avLst>
             </a:prstGeom>
             <a:solidFill>
@@ -7257,12 +7269,12 @@
             </a:ln>
           </p:spPr>
           <p:txBody>
-            <a:bodyPr anchorCtr="0" anchor="ctr" bIns="91425" lIns="91425" spcFirstLastPara="1" rIns="91425" wrap="square" tIns="91425">
+            <a:bodyPr spcFirstLastPara="1" wrap="square" lIns="91425" tIns="91425" rIns="91425" bIns="91425" anchor="ctr" anchorCtr="0">
               <a:noAutofit/>
             </a:bodyPr>
             <a:lstStyle/>
             <a:p>
-              <a:pPr indent="0" lvl="0" marL="0" rtl="0" algn="l">
+              <a:pPr marL="0" lvl="0" indent="0" algn="l" rtl="0">
                 <a:spcBef>
                   <a:spcPts val="0"/>
                 </a:spcBef>
@@ -7271,9 +7283,6 @@
                 </a:spcAft>
                 <a:buNone/>
               </a:pPr>
-              <a:r>
-                <a:t/>
-              </a:r>
               <a:endParaRPr/>
             </a:p>
           </p:txBody>
@@ -7291,7 +7300,7 @@
             </a:xfrm>
             <a:prstGeom prst="diagStripe">
               <a:avLst>
-                <a:gd fmla="val 50000" name="adj"/>
+                <a:gd name="adj" fmla="val 50000"/>
               </a:avLst>
             </a:prstGeom>
             <a:solidFill>
@@ -7304,12 +7313,12 @@
             </a:ln>
           </p:spPr>
           <p:txBody>
-            <a:bodyPr anchorCtr="0" anchor="ctr" bIns="91425" lIns="91425" spcFirstLastPara="1" rIns="91425" wrap="square" tIns="91425">
+            <a:bodyPr spcFirstLastPara="1" wrap="square" lIns="91425" tIns="91425" rIns="91425" bIns="91425" anchor="ctr" anchorCtr="0">
               <a:noAutofit/>
             </a:bodyPr>
             <a:lstStyle/>
             <a:p>
-              <a:pPr indent="0" lvl="0" marL="0" rtl="0" algn="l">
+              <a:pPr marL="0" lvl="0" indent="0" algn="l" rtl="0">
                 <a:spcBef>
                   <a:spcPts val="0"/>
                 </a:spcBef>
@@ -7318,9 +7327,6 @@
                 </a:spcAft>
                 <a:buNone/>
               </a:pPr>
-              <a:r>
-                <a:t/>
-              </a:r>
               <a:endParaRPr/>
             </a:p>
           </p:txBody>
@@ -7338,7 +7344,7 @@
             </a:xfrm>
             <a:prstGeom prst="diagStripe">
               <a:avLst>
-                <a:gd fmla="val 50000" name="adj"/>
+                <a:gd name="adj" fmla="val 50000"/>
               </a:avLst>
             </a:prstGeom>
             <a:solidFill>
@@ -7351,12 +7357,12 @@
             </a:ln>
           </p:spPr>
           <p:txBody>
-            <a:bodyPr anchorCtr="0" anchor="ctr" bIns="91425" lIns="91425" spcFirstLastPara="1" rIns="91425" wrap="square" tIns="91425">
+            <a:bodyPr spcFirstLastPara="1" wrap="square" lIns="91425" tIns="91425" rIns="91425" bIns="91425" anchor="ctr" anchorCtr="0">
               <a:noAutofit/>
             </a:bodyPr>
             <a:lstStyle/>
             <a:p>
-              <a:pPr indent="0" lvl="0" marL="0" rtl="0" algn="l">
+              <a:pPr marL="0" lvl="0" indent="0" algn="l" rtl="0">
                 <a:spcBef>
                   <a:spcPts val="0"/>
                 </a:spcBef>
@@ -7365,9 +7371,6 @@
                 </a:spcAft>
                 <a:buNone/>
               </a:pPr>
-              <a:r>
-                <a:t/>
-              </a:r>
               <a:endParaRPr/>
             </a:p>
           </p:txBody>
@@ -7385,7 +7388,7 @@
             </a:xfrm>
             <a:prstGeom prst="diagStripe">
               <a:avLst>
-                <a:gd fmla="val 50000" name="adj"/>
+                <a:gd name="adj" fmla="val 50000"/>
               </a:avLst>
             </a:prstGeom>
             <a:solidFill>
@@ -7398,12 +7401,12 @@
             </a:ln>
           </p:spPr>
           <p:txBody>
-            <a:bodyPr anchorCtr="0" anchor="ctr" bIns="91425" lIns="91425" spcFirstLastPara="1" rIns="91425" wrap="square" tIns="91425">
+            <a:bodyPr spcFirstLastPara="1" wrap="square" lIns="91425" tIns="91425" rIns="91425" bIns="91425" anchor="ctr" anchorCtr="0">
               <a:noAutofit/>
             </a:bodyPr>
             <a:lstStyle/>
             <a:p>
-              <a:pPr indent="0" lvl="0" marL="0" rtl="0" algn="l">
+              <a:pPr marL="0" lvl="0" indent="0" algn="l" rtl="0">
                 <a:spcBef>
                   <a:spcPts val="0"/>
                 </a:spcBef>
@@ -7412,9 +7415,6 @@
                 </a:spcAft>
                 <a:buNone/>
               </a:pPr>
-              <a:r>
-                <a:t/>
-              </a:r>
               <a:endParaRPr/>
             </a:p>
           </p:txBody>
@@ -7432,7 +7432,7 @@
             </a:xfrm>
             <a:prstGeom prst="diagStripe">
               <a:avLst>
-                <a:gd fmla="val 50000" name="adj"/>
+                <a:gd name="adj" fmla="val 50000"/>
               </a:avLst>
             </a:prstGeom>
             <a:solidFill>
@@ -7445,12 +7445,12 @@
             </a:ln>
           </p:spPr>
           <p:txBody>
-            <a:bodyPr anchorCtr="0" anchor="ctr" bIns="91425" lIns="91425" spcFirstLastPara="1" rIns="91425" wrap="square" tIns="91425">
+            <a:bodyPr spcFirstLastPara="1" wrap="square" lIns="91425" tIns="91425" rIns="91425" bIns="91425" anchor="ctr" anchorCtr="0">
               <a:noAutofit/>
             </a:bodyPr>
             <a:lstStyle/>
             <a:p>
-              <a:pPr indent="0" lvl="0" marL="0" rtl="0" algn="l">
+              <a:pPr marL="0" lvl="0" indent="0" algn="l" rtl="0">
                 <a:spcBef>
                   <a:spcPts val="0"/>
                 </a:spcBef>
@@ -7459,9 +7459,6 @@
                 </a:spcAft>
                 <a:buNone/>
               </a:pPr>
-              <a:r>
-                <a:t/>
-              </a:r>
               <a:endParaRPr/>
             </a:p>
           </p:txBody>
@@ -7479,7 +7476,7 @@
             </a:xfrm>
             <a:prstGeom prst="diagStripe">
               <a:avLst>
-                <a:gd fmla="val 50000" name="adj"/>
+                <a:gd name="adj" fmla="val 50000"/>
               </a:avLst>
             </a:prstGeom>
             <a:solidFill>
@@ -7492,12 +7489,12 @@
             </a:ln>
           </p:spPr>
           <p:txBody>
-            <a:bodyPr anchorCtr="0" anchor="ctr" bIns="91425" lIns="91425" spcFirstLastPara="1" rIns="91425" wrap="square" tIns="91425">
+            <a:bodyPr spcFirstLastPara="1" wrap="square" lIns="91425" tIns="91425" rIns="91425" bIns="91425" anchor="ctr" anchorCtr="0">
               <a:noAutofit/>
             </a:bodyPr>
             <a:lstStyle/>
             <a:p>
-              <a:pPr indent="0" lvl="0" marL="0" rtl="0" algn="l">
+              <a:pPr marL="0" lvl="0" indent="0" algn="l" rtl="0">
                 <a:spcBef>
                   <a:spcPts val="0"/>
                 </a:spcBef>
@@ -7506,9 +7503,6 @@
                 </a:spcAft>
                 <a:buNone/>
               </a:pPr>
-              <a:r>
-                <a:t/>
-              </a:r>
               <a:endParaRPr/>
             </a:p>
           </p:txBody>
@@ -7526,7 +7520,7 @@
             </a:xfrm>
             <a:prstGeom prst="diagStripe">
               <a:avLst>
-                <a:gd fmla="val 50000" name="adj"/>
+                <a:gd name="adj" fmla="val 50000"/>
               </a:avLst>
             </a:prstGeom>
             <a:solidFill>
@@ -7537,12 +7531,12 @@
             </a:ln>
           </p:spPr>
           <p:txBody>
-            <a:bodyPr anchorCtr="0" anchor="ctr" bIns="91425" lIns="91425" spcFirstLastPara="1" rIns="91425" wrap="square" tIns="91425">
+            <a:bodyPr spcFirstLastPara="1" wrap="square" lIns="91425" tIns="91425" rIns="91425" bIns="91425" anchor="ctr" anchorCtr="0">
               <a:noAutofit/>
             </a:bodyPr>
             <a:lstStyle/>
             <a:p>
-              <a:pPr indent="0" lvl="0" marL="0" rtl="0" algn="l">
+              <a:pPr marL="0" lvl="0" indent="0" algn="l" rtl="0">
                 <a:spcBef>
                   <a:spcPts val="0"/>
                 </a:spcBef>
@@ -7551,9 +7545,6 @@
                 </a:spcAft>
                 <a:buNone/>
               </a:pPr>
-              <a:r>
-                <a:t/>
-              </a:r>
               <a:endParaRPr/>
             </a:p>
           </p:txBody>
@@ -7571,7 +7562,7 @@
             </a:xfrm>
             <a:prstGeom prst="diagStripe">
               <a:avLst>
-                <a:gd fmla="val 50000" name="adj"/>
+                <a:gd name="adj" fmla="val 50000"/>
               </a:avLst>
             </a:prstGeom>
             <a:solidFill>
@@ -7584,12 +7575,12 @@
             </a:ln>
           </p:spPr>
           <p:txBody>
-            <a:bodyPr anchorCtr="0" anchor="ctr" bIns="91425" lIns="91425" spcFirstLastPara="1" rIns="91425" wrap="square" tIns="91425">
+            <a:bodyPr spcFirstLastPara="1" wrap="square" lIns="91425" tIns="91425" rIns="91425" bIns="91425" anchor="ctr" anchorCtr="0">
               <a:noAutofit/>
             </a:bodyPr>
             <a:lstStyle/>
             <a:p>
-              <a:pPr indent="0" lvl="0" marL="0" rtl="0" algn="l">
+              <a:pPr marL="0" lvl="0" indent="0" algn="l" rtl="0">
                 <a:spcBef>
                   <a:spcPts val="0"/>
                 </a:spcBef>
@@ -7598,9 +7589,6 @@
                 </a:spcAft>
                 <a:buNone/>
               </a:pPr>
-              <a:r>
-                <a:t/>
-              </a:r>
               <a:endParaRPr/>
             </a:p>
           </p:txBody>
@@ -7618,7 +7606,7 @@
             </a:xfrm>
             <a:prstGeom prst="diagStripe">
               <a:avLst>
-                <a:gd fmla="val 50000" name="adj"/>
+                <a:gd name="adj" fmla="val 50000"/>
               </a:avLst>
             </a:prstGeom>
             <a:solidFill>
@@ -7631,12 +7619,12 @@
             </a:ln>
           </p:spPr>
           <p:txBody>
-            <a:bodyPr anchorCtr="0" anchor="ctr" bIns="91425" lIns="91425" spcFirstLastPara="1" rIns="91425" wrap="square" tIns="91425">
+            <a:bodyPr spcFirstLastPara="1" wrap="square" lIns="91425" tIns="91425" rIns="91425" bIns="91425" anchor="ctr" anchorCtr="0">
               <a:noAutofit/>
             </a:bodyPr>
             <a:lstStyle/>
             <a:p>
-              <a:pPr indent="0" lvl="0" marL="0" rtl="0" algn="l">
+              <a:pPr marL="0" lvl="0" indent="0" algn="l" rtl="0">
                 <a:spcBef>
                   <a:spcPts val="0"/>
                 </a:spcBef>
@@ -7645,9 +7633,6 @@
                 </a:spcAft>
                 <a:buNone/>
               </a:pPr>
-              <a:r>
-                <a:t/>
-              </a:r>
               <a:endParaRPr/>
             </a:p>
           </p:txBody>
@@ -7665,7 +7650,7 @@
             </a:xfrm>
             <a:prstGeom prst="diagStripe">
               <a:avLst>
-                <a:gd fmla="val 50000" name="adj"/>
+                <a:gd name="adj" fmla="val 50000"/>
               </a:avLst>
             </a:prstGeom>
             <a:solidFill>
@@ -7678,12 +7663,12 @@
             </a:ln>
           </p:spPr>
           <p:txBody>
-            <a:bodyPr anchorCtr="0" anchor="ctr" bIns="91425" lIns="91425" spcFirstLastPara="1" rIns="91425" wrap="square" tIns="91425">
+            <a:bodyPr spcFirstLastPara="1" wrap="square" lIns="91425" tIns="91425" rIns="91425" bIns="91425" anchor="ctr" anchorCtr="0">
               <a:noAutofit/>
             </a:bodyPr>
             <a:lstStyle/>
             <a:p>
-              <a:pPr indent="0" lvl="0" marL="0" rtl="0" algn="l">
+              <a:pPr marL="0" lvl="0" indent="0" algn="l" rtl="0">
                 <a:spcBef>
                   <a:spcPts val="0"/>
                 </a:spcBef>
@@ -7692,9 +7677,6 @@
                 </a:spcAft>
                 <a:buNone/>
               </a:pPr>
-              <a:r>
-                <a:t/>
-              </a:r>
               <a:endParaRPr/>
             </a:p>
           </p:txBody>
@@ -7712,7 +7694,7 @@
             </a:xfrm>
             <a:prstGeom prst="diagStripe">
               <a:avLst>
-                <a:gd fmla="val 50000" name="adj"/>
+                <a:gd name="adj" fmla="val 50000"/>
               </a:avLst>
             </a:prstGeom>
             <a:solidFill>
@@ -7725,12 +7707,12 @@
             </a:ln>
           </p:spPr>
           <p:txBody>
-            <a:bodyPr anchorCtr="0" anchor="ctr" bIns="91425" lIns="91425" spcFirstLastPara="1" rIns="91425" wrap="square" tIns="91425">
+            <a:bodyPr spcFirstLastPara="1" wrap="square" lIns="91425" tIns="91425" rIns="91425" bIns="91425" anchor="ctr" anchorCtr="0">
               <a:noAutofit/>
             </a:bodyPr>
             <a:lstStyle/>
             <a:p>
-              <a:pPr indent="0" lvl="0" marL="0" rtl="0" algn="l">
+              <a:pPr marL="0" lvl="0" indent="0" algn="l" rtl="0">
                 <a:spcBef>
                   <a:spcPts val="0"/>
                 </a:spcBef>
@@ -7739,9 +7721,6 @@
                 </a:spcAft>
                 <a:buNone/>
               </a:pPr>
-              <a:r>
-                <a:t/>
-              </a:r>
               <a:endParaRPr/>
             </a:p>
           </p:txBody>
@@ -7759,7 +7738,7 @@
             </a:xfrm>
             <a:prstGeom prst="diagStripe">
               <a:avLst>
-                <a:gd fmla="val 50000" name="adj"/>
+                <a:gd name="adj" fmla="val 50000"/>
               </a:avLst>
             </a:prstGeom>
             <a:solidFill>
@@ -7772,12 +7751,12 @@
             </a:ln>
           </p:spPr>
           <p:txBody>
-            <a:bodyPr anchorCtr="0" anchor="ctr" bIns="91425" lIns="91425" spcFirstLastPara="1" rIns="91425" wrap="square" tIns="91425">
+            <a:bodyPr spcFirstLastPara="1" wrap="square" lIns="91425" tIns="91425" rIns="91425" bIns="91425" anchor="ctr" anchorCtr="0">
               <a:noAutofit/>
             </a:bodyPr>
             <a:lstStyle/>
             <a:p>
-              <a:pPr indent="0" lvl="0" marL="0" rtl="0" algn="l">
+              <a:pPr marL="0" lvl="0" indent="0" algn="l" rtl="0">
                 <a:spcBef>
                   <a:spcPts val="0"/>
                 </a:spcBef>
@@ -7786,9 +7765,6 @@
                 </a:spcAft>
                 <a:buNone/>
               </a:pPr>
-              <a:r>
-                <a:t/>
-              </a:r>
               <a:endParaRPr/>
             </a:p>
           </p:txBody>
@@ -7806,7 +7782,7 @@
             </a:xfrm>
             <a:prstGeom prst="diagStripe">
               <a:avLst>
-                <a:gd fmla="val 50000" name="adj"/>
+                <a:gd name="adj" fmla="val 50000"/>
               </a:avLst>
             </a:prstGeom>
             <a:solidFill>
@@ -7817,12 +7793,12 @@
             </a:ln>
           </p:spPr>
           <p:txBody>
-            <a:bodyPr anchorCtr="0" anchor="ctr" bIns="91425" lIns="91425" spcFirstLastPara="1" rIns="91425" wrap="square" tIns="91425">
+            <a:bodyPr spcFirstLastPara="1" wrap="square" lIns="91425" tIns="91425" rIns="91425" bIns="91425" anchor="ctr" anchorCtr="0">
               <a:noAutofit/>
             </a:bodyPr>
             <a:lstStyle/>
             <a:p>
-              <a:pPr indent="0" lvl="0" marL="0" rtl="0" algn="l">
+              <a:pPr marL="0" lvl="0" indent="0" algn="l" rtl="0">
                 <a:spcBef>
                   <a:spcPts val="0"/>
                 </a:spcBef>
@@ -7831,9 +7807,6 @@
                 </a:spcAft>
                 <a:buNone/>
               </a:pPr>
-              <a:r>
-                <a:t/>
-              </a:r>
               <a:endParaRPr/>
             </a:p>
           </p:txBody>
@@ -7851,7 +7824,7 @@
             </a:xfrm>
             <a:prstGeom prst="diagStripe">
               <a:avLst>
-                <a:gd fmla="val 50000" name="adj"/>
+                <a:gd name="adj" fmla="val 50000"/>
               </a:avLst>
             </a:prstGeom>
             <a:solidFill>
@@ -7864,12 +7837,12 @@
             </a:ln>
           </p:spPr>
           <p:txBody>
-            <a:bodyPr anchorCtr="0" anchor="ctr" bIns="91425" lIns="91425" spcFirstLastPara="1" rIns="91425" wrap="square" tIns="91425">
+            <a:bodyPr spcFirstLastPara="1" wrap="square" lIns="91425" tIns="91425" rIns="91425" bIns="91425" anchor="ctr" anchorCtr="0">
               <a:noAutofit/>
             </a:bodyPr>
             <a:lstStyle/>
             <a:p>
-              <a:pPr indent="0" lvl="0" marL="0" rtl="0" algn="l">
+              <a:pPr marL="0" lvl="0" indent="0" algn="l" rtl="0">
                 <a:spcBef>
                   <a:spcPts val="0"/>
                 </a:spcBef>
@@ -7878,9 +7851,6 @@
                 </a:spcAft>
                 <a:buNone/>
               </a:pPr>
-              <a:r>
-                <a:t/>
-              </a:r>
               <a:endParaRPr/>
             </a:p>
           </p:txBody>
@@ -7898,7 +7868,7 @@
             </a:xfrm>
             <a:prstGeom prst="diagStripe">
               <a:avLst>
-                <a:gd fmla="val 50000" name="adj"/>
+                <a:gd name="adj" fmla="val 50000"/>
               </a:avLst>
             </a:prstGeom>
             <a:solidFill>
@@ -7911,12 +7881,12 @@
             </a:ln>
           </p:spPr>
           <p:txBody>
-            <a:bodyPr anchorCtr="0" anchor="ctr" bIns="91425" lIns="91425" spcFirstLastPara="1" rIns="91425" wrap="square" tIns="91425">
+            <a:bodyPr spcFirstLastPara="1" wrap="square" lIns="91425" tIns="91425" rIns="91425" bIns="91425" anchor="ctr" anchorCtr="0">
               <a:noAutofit/>
             </a:bodyPr>
             <a:lstStyle/>
             <a:p>
-              <a:pPr indent="0" lvl="0" marL="0" rtl="0" algn="l">
+              <a:pPr marL="0" lvl="0" indent="0" algn="l" rtl="0">
                 <a:spcBef>
                   <a:spcPts val="0"/>
                 </a:spcBef>
@@ -7925,9 +7895,6 @@
                 </a:spcAft>
                 <a:buNone/>
               </a:pPr>
-              <a:r>
-                <a:t/>
-              </a:r>
               <a:endParaRPr/>
             </a:p>
           </p:txBody>
@@ -7945,7 +7912,7 @@
             </a:xfrm>
             <a:prstGeom prst="diagStripe">
               <a:avLst>
-                <a:gd fmla="val 50000" name="adj"/>
+                <a:gd name="adj" fmla="val 50000"/>
               </a:avLst>
             </a:prstGeom>
             <a:solidFill>
@@ -7958,12 +7925,12 @@
             </a:ln>
           </p:spPr>
           <p:txBody>
-            <a:bodyPr anchorCtr="0" anchor="ctr" bIns="91425" lIns="91425" spcFirstLastPara="1" rIns="91425" wrap="square" tIns="91425">
+            <a:bodyPr spcFirstLastPara="1" wrap="square" lIns="91425" tIns="91425" rIns="91425" bIns="91425" anchor="ctr" anchorCtr="0">
               <a:noAutofit/>
             </a:bodyPr>
             <a:lstStyle/>
             <a:p>
-              <a:pPr indent="0" lvl="0" marL="0" rtl="0" algn="l">
+              <a:pPr marL="0" lvl="0" indent="0" algn="l" rtl="0">
                 <a:spcBef>
                   <a:spcPts val="0"/>
                 </a:spcBef>
@@ -7972,9 +7939,6 @@
                 </a:spcAft>
                 <a:buNone/>
               </a:pPr>
-              <a:r>
-                <a:t/>
-              </a:r>
               <a:endParaRPr/>
             </a:p>
           </p:txBody>
@@ -7992,7 +7956,7 @@
             </a:xfrm>
             <a:prstGeom prst="diagStripe">
               <a:avLst>
-                <a:gd fmla="val 50000" name="adj"/>
+                <a:gd name="adj" fmla="val 50000"/>
               </a:avLst>
             </a:prstGeom>
             <a:solidFill>
@@ -8005,12 +7969,12 @@
             </a:ln>
           </p:spPr>
           <p:txBody>
-            <a:bodyPr anchorCtr="0" anchor="ctr" bIns="91425" lIns="91425" spcFirstLastPara="1" rIns="91425" wrap="square" tIns="91425">
+            <a:bodyPr spcFirstLastPara="1" wrap="square" lIns="91425" tIns="91425" rIns="91425" bIns="91425" anchor="ctr" anchorCtr="0">
               <a:noAutofit/>
             </a:bodyPr>
             <a:lstStyle/>
             <a:p>
-              <a:pPr indent="0" lvl="0" marL="0" rtl="0" algn="l">
+              <a:pPr marL="0" lvl="0" indent="0" algn="l" rtl="0">
                 <a:spcBef>
                   <a:spcPts val="0"/>
                 </a:spcBef>
@@ -8019,9 +7983,6 @@
                 </a:spcAft>
                 <a:buNone/>
               </a:pPr>
-              <a:r>
-                <a:t/>
-              </a:r>
               <a:endParaRPr/>
             </a:p>
           </p:txBody>
@@ -8030,7 +7991,9 @@
       <p:sp>
         <p:nvSpPr>
           <p:cNvPr id="89" name="Google Shape;89;p8"/>
-          <p:cNvSpPr txBox="1"/>
+          <p:cNvSpPr txBox="1">
+            <a:spLocks noGrp="1"/>
+          </p:cNvSpPr>
           <p:nvPr>
             <p:ph type="title"/>
           </p:nvPr>
@@ -8045,7 +8008,7 @@
           </a:prstGeom>
         </p:spPr>
         <p:txBody>
-          <a:bodyPr anchorCtr="0" anchor="ctr" bIns="91425" lIns="91425" spcFirstLastPara="1" rIns="91425" wrap="square" tIns="91425">
+          <a:bodyPr spcFirstLastPara="1" wrap="square" lIns="91425" tIns="91425" rIns="91425" bIns="91425" anchor="ctr" anchorCtr="0">
             <a:normAutofit/>
           </a:bodyPr>
           <a:lstStyle>
@@ -8149,15 +8112,19 @@
               <a:defRPr/>
             </a:lvl9pPr>
           </a:lstStyle>
-          <a:p/>
+          <a:p>
+            <a:endParaRPr/>
+          </a:p>
         </p:txBody>
       </p:sp>
       <p:sp>
         <p:nvSpPr>
           <p:cNvPr id="90" name="Google Shape;90;p8"/>
-          <p:cNvSpPr txBox="1"/>
+          <p:cNvSpPr txBox="1">
+            <a:spLocks noGrp="1"/>
+          </p:cNvSpPr>
           <p:nvPr>
-            <p:ph idx="12" type="sldNum"/>
+            <p:ph type="sldNum" idx="12"/>
           </p:nvPr>
         </p:nvSpPr>
         <p:spPr>
@@ -8170,7 +8137,7 @@
           </a:prstGeom>
         </p:spPr>
         <p:txBody>
-          <a:bodyPr anchorCtr="0" anchor="ctr" bIns="91425" lIns="91425" spcFirstLastPara="1" rIns="91425" wrap="square" tIns="91425">
+          <a:bodyPr spcFirstLastPara="1" wrap="square" lIns="91425" tIns="91425" rIns="91425" bIns="91425" anchor="ctr" anchorCtr="0">
             <a:normAutofit/>
           </a:bodyPr>
           <a:lstStyle>
@@ -8212,7 +8179,7 @@
             </a:lvl9pPr>
           </a:lstStyle>
           <a:p>
-            <a:pPr indent="0" lvl="0" marL="0" rtl="0" algn="r">
+            <a:pPr marL="0" lvl="0" indent="0" algn="r" rtl="0">
               <a:spcBef>
                 <a:spcPts val="0"/>
               </a:spcBef>
@@ -8238,11 +8205,11 @@
 </file>
 
 <file path=ppt/slideLayouts/slideLayout8.xml><?xml version="1.0" encoding="utf-8"?>
-<p:sldLayout xmlns:a="http://schemas.openxmlformats.org/drawingml/2006/main" xmlns:r="http://schemas.openxmlformats.org/officeDocument/2006/relationships" xmlns:mc="http://schemas.openxmlformats.org/markup-compatibility/2006" xmlns:mv="urn:schemas-microsoft-com:mac:vml" xmlns:p="http://schemas.openxmlformats.org/presentationml/2006/main" xmlns:c="http://schemas.openxmlformats.org/drawingml/2006/chart" xmlns:dgm="http://schemas.openxmlformats.org/drawingml/2006/diagram" xmlns:o="urn:schemas-microsoft-com:office:office" xmlns:v="urn:schemas-microsoft-com:vml" xmlns:pvml="urn:schemas-microsoft-com:office:powerpoint" xmlns:com="http://schemas.openxmlformats.org/drawingml/2006/compatibility" xmlns:p14="http://schemas.microsoft.com/office/powerpoint/2010/main" xmlns:p15="http://schemas.microsoft.com/office/powerpoint/2012/main" xmlns:ahyp="http://schemas.microsoft.com/office/drawing/2018/hyperlinkcolor" matchingName="Section title and description">
+<p:sldLayout xmlns:a="http://schemas.openxmlformats.org/drawingml/2006/main" xmlns:r="http://schemas.openxmlformats.org/officeDocument/2006/relationships" xmlns:p="http://schemas.openxmlformats.org/presentationml/2006/main" matchingName="Section title and description">
   <p:cSld name="SECTION_TITLE_AND_DESCRIPTION">
     <p:spTree>
       <p:nvGrpSpPr>
-        <p:cNvPr id="91" name="Shape 91"/>
+        <p:cNvPr id="1" name="Shape 91"/>
         <p:cNvGrpSpPr/>
         <p:nvPr/>
       </p:nvGrpSpPr>
@@ -8281,7 +8248,7 @@
             </a:xfrm>
             <a:prstGeom prst="diagStripe">
               <a:avLst>
-                <a:gd fmla="val 50000" name="adj"/>
+                <a:gd name="adj" fmla="val 50000"/>
               </a:avLst>
             </a:prstGeom>
             <a:solidFill>
@@ -8292,12 +8259,12 @@
             </a:ln>
           </p:spPr>
           <p:txBody>
-            <a:bodyPr anchorCtr="0" anchor="ctr" bIns="91425" lIns="91425" spcFirstLastPara="1" rIns="91425" wrap="square" tIns="91425">
+            <a:bodyPr spcFirstLastPara="1" wrap="square" lIns="91425" tIns="91425" rIns="91425" bIns="91425" anchor="ctr" anchorCtr="0">
               <a:noAutofit/>
             </a:bodyPr>
             <a:lstStyle/>
             <a:p>
-              <a:pPr indent="0" lvl="0" marL="0" rtl="0" algn="l">
+              <a:pPr marL="0" lvl="0" indent="0" algn="l" rtl="0">
                 <a:spcBef>
                   <a:spcPts val="0"/>
                 </a:spcBef>
@@ -8306,9 +8273,6 @@
                 </a:spcAft>
                 <a:buNone/>
               </a:pPr>
-              <a:r>
-                <a:t/>
-              </a:r>
               <a:endParaRPr/>
             </a:p>
           </p:txBody>
@@ -8326,7 +8290,7 @@
             </a:xfrm>
             <a:prstGeom prst="diagStripe">
               <a:avLst>
-                <a:gd fmla="val 50000" name="adj"/>
+                <a:gd name="adj" fmla="val 50000"/>
               </a:avLst>
             </a:prstGeom>
             <a:solidFill>
@@ -8337,12 +8301,12 @@
             </a:ln>
           </p:spPr>
           <p:txBody>
-            <a:bodyPr anchorCtr="0" anchor="ctr" bIns="91425" lIns="91425" spcFirstLastPara="1" rIns="91425" wrap="square" tIns="91425">
+            <a:bodyPr spcFirstLastPara="1" wrap="square" lIns="91425" tIns="91425" rIns="91425" bIns="91425" anchor="ctr" anchorCtr="0">
               <a:noAutofit/>
             </a:bodyPr>
             <a:lstStyle/>
             <a:p>
-              <a:pPr indent="0" lvl="0" marL="0" rtl="0" algn="l">
+              <a:pPr marL="0" lvl="0" indent="0" algn="l" rtl="0">
                 <a:spcBef>
                   <a:spcPts val="0"/>
                 </a:spcBef>
@@ -8351,9 +8315,6 @@
                 </a:spcAft>
                 <a:buNone/>
               </a:pPr>
-              <a:r>
-                <a:t/>
-              </a:r>
               <a:endParaRPr/>
             </a:p>
           </p:txBody>
@@ -8362,7 +8323,9 @@
       <p:sp>
         <p:nvSpPr>
           <p:cNvPr id="95" name="Google Shape;95;p9"/>
-          <p:cNvSpPr txBox="1"/>
+          <p:cNvSpPr txBox="1">
+            <a:spLocks noGrp="1"/>
+          </p:cNvSpPr>
           <p:nvPr>
             <p:ph type="title"/>
           </p:nvPr>
@@ -8377,7 +8340,7 @@
           </a:prstGeom>
         </p:spPr>
         <p:txBody>
-          <a:bodyPr anchorCtr="0" anchor="t" bIns="91425" lIns="91425" spcFirstLastPara="1" rIns="91425" wrap="square" tIns="91425">
+          <a:bodyPr spcFirstLastPara="1" wrap="square" lIns="91425" tIns="91425" rIns="91425" bIns="91425" anchor="t" anchorCtr="0">
             <a:normAutofit/>
           </a:bodyPr>
           <a:lstStyle>
@@ -8481,15 +8444,19 @@
               <a:defRPr sz="2400"/>
             </a:lvl9pPr>
           </a:lstStyle>
-          <a:p/>
+          <a:p>
+            <a:endParaRPr/>
+          </a:p>
         </p:txBody>
       </p:sp>
       <p:sp>
         <p:nvSpPr>
           <p:cNvPr id="96" name="Google Shape;96;p9"/>
-          <p:cNvSpPr txBox="1"/>
+          <p:cNvSpPr txBox="1">
+            <a:spLocks noGrp="1"/>
+          </p:cNvSpPr>
           <p:nvPr>
-            <p:ph idx="1" type="subTitle"/>
+            <p:ph type="subTitle" idx="1"/>
           </p:nvPr>
         </p:nvSpPr>
         <p:spPr>
@@ -8502,7 +8469,7 @@
           </a:prstGeom>
         </p:spPr>
         <p:txBody>
-          <a:bodyPr anchorCtr="0" anchor="t" bIns="91425" lIns="91425" spcFirstLastPara="1" rIns="91425" wrap="square" tIns="91425">
+          <a:bodyPr spcFirstLastPara="1" wrap="square" lIns="91425" tIns="91425" rIns="91425" bIns="91425" anchor="t" anchorCtr="0">
             <a:normAutofit/>
           </a:bodyPr>
           <a:lstStyle>
@@ -8633,15 +8600,19 @@
               <a:defRPr sz="1300"/>
             </a:lvl9pPr>
           </a:lstStyle>
-          <a:p/>
+          <a:p>
+            <a:endParaRPr/>
+          </a:p>
         </p:txBody>
       </p:sp>
       <p:sp>
         <p:nvSpPr>
           <p:cNvPr id="97" name="Google Shape;97;p9"/>
-          <p:cNvSpPr txBox="1"/>
+          <p:cNvSpPr txBox="1">
+            <a:spLocks noGrp="1"/>
+          </p:cNvSpPr>
           <p:nvPr>
-            <p:ph idx="2" type="body"/>
+            <p:ph type="body" idx="2"/>
           </p:nvPr>
         </p:nvSpPr>
         <p:spPr>
@@ -8654,11 +8625,11 @@
           </a:prstGeom>
         </p:spPr>
         <p:txBody>
-          <a:bodyPr anchorCtr="0" anchor="t" bIns="91425" lIns="91425" spcFirstLastPara="1" rIns="91425" wrap="square" tIns="91425">
+          <a:bodyPr spcFirstLastPara="1" wrap="square" lIns="91425" tIns="91425" rIns="91425" bIns="91425" anchor="t" anchorCtr="0">
             <a:normAutofit/>
           </a:bodyPr>
           <a:lstStyle>
-            <a:lvl1pPr indent="-311150" lvl="0" marL="457200">
+            <a:lvl1pPr marL="457200" lvl="0" indent="-311150">
               <a:spcBef>
                 <a:spcPts val="0"/>
               </a:spcBef>
@@ -8669,7 +8640,7 @@
               <a:buChar char="●"/>
               <a:defRPr/>
             </a:lvl1pPr>
-            <a:lvl2pPr indent="-298450" lvl="1" marL="914400">
+            <a:lvl2pPr marL="914400" lvl="1" indent="-298450">
               <a:spcBef>
                 <a:spcPts val="0"/>
               </a:spcBef>
@@ -8680,7 +8651,7 @@
               <a:buChar char="○"/>
               <a:defRPr/>
             </a:lvl2pPr>
-            <a:lvl3pPr indent="-298450" lvl="2" marL="1371600">
+            <a:lvl3pPr marL="1371600" lvl="2" indent="-298450">
               <a:spcBef>
                 <a:spcPts val="0"/>
               </a:spcBef>
@@ -8691,7 +8662,7 @@
               <a:buChar char="■"/>
               <a:defRPr/>
             </a:lvl3pPr>
-            <a:lvl4pPr indent="-298450" lvl="3" marL="1828800">
+            <a:lvl4pPr marL="1828800" lvl="3" indent="-298450">
               <a:spcBef>
                 <a:spcPts val="0"/>
               </a:spcBef>
@@ -8702,7 +8673,7 @@
               <a:buChar char="●"/>
               <a:defRPr/>
             </a:lvl4pPr>
-            <a:lvl5pPr indent="-298450" lvl="4" marL="2286000">
+            <a:lvl5pPr marL="2286000" lvl="4" indent="-298450">
               <a:spcBef>
                 <a:spcPts val="0"/>
               </a:spcBef>
@@ -8713,7 +8684,7 @@
               <a:buChar char="○"/>
               <a:defRPr/>
             </a:lvl5pPr>
-            <a:lvl6pPr indent="-298450" lvl="5" marL="2743200">
+            <a:lvl6pPr marL="2743200" lvl="5" indent="-298450">
               <a:spcBef>
                 <a:spcPts val="0"/>
               </a:spcBef>
@@ -8724,7 +8695,7 @@
               <a:buChar char="■"/>
               <a:defRPr/>
             </a:lvl6pPr>
-            <a:lvl7pPr indent="-298450" lvl="6" marL="3200400">
+            <a:lvl7pPr marL="3200400" lvl="6" indent="-298450">
               <a:spcBef>
                 <a:spcPts val="0"/>
               </a:spcBef>
@@ -8735,7 +8706,7 @@
               <a:buChar char="●"/>
               <a:defRPr/>
             </a:lvl7pPr>
-            <a:lvl8pPr indent="-298450" lvl="7" marL="3657600">
+            <a:lvl8pPr marL="3657600" lvl="7" indent="-298450">
               <a:spcBef>
                 <a:spcPts val="0"/>
               </a:spcBef>
@@ -8746,7 +8717,7 @@
               <a:buChar char="○"/>
               <a:defRPr/>
             </a:lvl8pPr>
-            <a:lvl9pPr indent="-298450" lvl="8" marL="4114800">
+            <a:lvl9pPr marL="4114800" lvl="8" indent="-298450">
               <a:spcBef>
                 <a:spcPts val="0"/>
               </a:spcBef>
@@ -8758,15 +8729,19 @@
               <a:defRPr/>
             </a:lvl9pPr>
           </a:lstStyle>
-          <a:p/>
+          <a:p>
+            <a:endParaRPr/>
+          </a:p>
         </p:txBody>
       </p:sp>
       <p:sp>
         <p:nvSpPr>
           <p:cNvPr id="98" name="Google Shape;98;p9"/>
-          <p:cNvSpPr txBox="1"/>
+          <p:cNvSpPr txBox="1">
+            <a:spLocks noGrp="1"/>
+          </p:cNvSpPr>
           <p:nvPr>
-            <p:ph idx="12" type="sldNum"/>
+            <p:ph type="sldNum" idx="12"/>
           </p:nvPr>
         </p:nvSpPr>
         <p:spPr>
@@ -8779,7 +8754,7 @@
           </a:prstGeom>
         </p:spPr>
         <p:txBody>
-          <a:bodyPr anchorCtr="0" anchor="ctr" bIns="91425" lIns="91425" spcFirstLastPara="1" rIns="91425" wrap="square" tIns="91425">
+          <a:bodyPr spcFirstLastPara="1" wrap="square" lIns="91425" tIns="91425" rIns="91425" bIns="91425" anchor="ctr" anchorCtr="0">
             <a:normAutofit/>
           </a:bodyPr>
           <a:lstStyle>
@@ -8821,7 +8796,7 @@
             </a:lvl9pPr>
           </a:lstStyle>
           <a:p>
-            <a:pPr indent="0" lvl="0" marL="0" rtl="0" algn="r">
+            <a:pPr marL="0" lvl="0" indent="0" algn="r" rtl="0">
               <a:spcBef>
                 <a:spcPts val="0"/>
               </a:spcBef>
@@ -8847,11 +8822,11 @@
 </file>
 
 <file path=ppt/slideLayouts/slideLayout9.xml><?xml version="1.0" encoding="utf-8"?>
-<p:sldLayout xmlns:a="http://schemas.openxmlformats.org/drawingml/2006/main" xmlns:r="http://schemas.openxmlformats.org/officeDocument/2006/relationships" xmlns:mc="http://schemas.openxmlformats.org/markup-compatibility/2006" xmlns:mv="urn:schemas-microsoft-com:mac:vml" xmlns:p="http://schemas.openxmlformats.org/presentationml/2006/main" xmlns:c="http://schemas.openxmlformats.org/drawingml/2006/chart" xmlns:dgm="http://schemas.openxmlformats.org/drawingml/2006/diagram" xmlns:o="urn:schemas-microsoft-com:office:office" xmlns:v="urn:schemas-microsoft-com:vml" xmlns:pvml="urn:schemas-microsoft-com:office:powerpoint" xmlns:com="http://schemas.openxmlformats.org/drawingml/2006/compatibility" xmlns:p14="http://schemas.microsoft.com/office/powerpoint/2010/main" xmlns:p15="http://schemas.microsoft.com/office/powerpoint/2012/main" xmlns:ahyp="http://schemas.microsoft.com/office/drawing/2018/hyperlinkcolor" matchingName="Caption">
+<p:sldLayout xmlns:a="http://schemas.openxmlformats.org/drawingml/2006/main" xmlns:r="http://schemas.openxmlformats.org/officeDocument/2006/relationships" xmlns:p="http://schemas.openxmlformats.org/presentationml/2006/main" matchingName="Caption">
   <p:cSld name="CAPTION_ONLY">
     <p:spTree>
       <p:nvGrpSpPr>
-        <p:cNvPr id="99" name="Shape 99"/>
+        <p:cNvPr id="1" name="Shape 99"/>
         <p:cNvGrpSpPr/>
         <p:nvPr/>
       </p:nvGrpSpPr>
@@ -8890,7 +8865,7 @@
             </a:xfrm>
             <a:prstGeom prst="diagStripe">
               <a:avLst>
-                <a:gd fmla="val 50000" name="adj"/>
+                <a:gd name="adj" fmla="val 50000"/>
               </a:avLst>
             </a:prstGeom>
             <a:solidFill>
@@ -8903,12 +8878,12 @@
             </a:ln>
           </p:spPr>
           <p:txBody>
-            <a:bodyPr anchorCtr="0" anchor="ctr" bIns="91425" lIns="91425" spcFirstLastPara="1" rIns="91425" wrap="square" tIns="91425">
+            <a:bodyPr spcFirstLastPara="1" wrap="square" lIns="91425" tIns="91425" rIns="91425" bIns="91425" anchor="ctr" anchorCtr="0">
               <a:noAutofit/>
             </a:bodyPr>
             <a:lstStyle/>
             <a:p>
-              <a:pPr indent="0" lvl="0" marL="0" rtl="0" algn="l">
+              <a:pPr marL="0" lvl="0" indent="0" algn="l" rtl="0">
                 <a:spcBef>
                   <a:spcPts val="0"/>
                 </a:spcBef>
@@ -8917,9 +8892,6 @@
                 </a:spcAft>
                 <a:buNone/>
               </a:pPr>
-              <a:r>
-                <a:t/>
-              </a:r>
               <a:endParaRPr/>
             </a:p>
           </p:txBody>
@@ -8937,7 +8909,7 @@
             </a:xfrm>
             <a:prstGeom prst="diagStripe">
               <a:avLst>
-                <a:gd fmla="val 50000" name="adj"/>
+                <a:gd name="adj" fmla="val 50000"/>
               </a:avLst>
             </a:prstGeom>
             <a:solidFill>
@@ -8950,12 +8922,12 @@
             </a:ln>
           </p:spPr>
           <p:txBody>
-            <a:bodyPr anchorCtr="0" anchor="ctr" bIns="91425" lIns="91425" spcFirstLastPara="1" rIns="91425" wrap="square" tIns="91425">
+            <a:bodyPr spcFirstLastPara="1" wrap="square" lIns="91425" tIns="91425" rIns="91425" bIns="91425" anchor="ctr" anchorCtr="0">
               <a:noAutofit/>
             </a:bodyPr>
             <a:lstStyle/>
             <a:p>
-              <a:pPr indent="0" lvl="0" marL="0" rtl="0" algn="l">
+              <a:pPr marL="0" lvl="0" indent="0" algn="l" rtl="0">
                 <a:spcBef>
                   <a:spcPts val="0"/>
                 </a:spcBef>
@@ -8964,9 +8936,6 @@
                 </a:spcAft>
                 <a:buNone/>
               </a:pPr>
-              <a:r>
-                <a:t/>
-              </a:r>
               <a:endParaRPr/>
             </a:p>
           </p:txBody>
@@ -8975,9 +8944,11 @@
       <p:sp>
         <p:nvSpPr>
           <p:cNvPr id="103" name="Google Shape;103;p10"/>
-          <p:cNvSpPr txBox="1"/>
+          <p:cNvSpPr txBox="1">
+            <a:spLocks noGrp="1"/>
+          </p:cNvSpPr>
           <p:nvPr>
-            <p:ph idx="1" type="body"/>
+            <p:ph type="body" idx="1"/>
           </p:nvPr>
         </p:nvSpPr>
         <p:spPr>
@@ -8990,11 +8961,11 @@
           </a:prstGeom>
         </p:spPr>
         <p:txBody>
-          <a:bodyPr anchorCtr="0" anchor="ctr" bIns="91425" lIns="91425" spcFirstLastPara="1" rIns="91425" wrap="square" tIns="91425">
+          <a:bodyPr spcFirstLastPara="1" wrap="square" lIns="91425" tIns="91425" rIns="91425" bIns="91425" anchor="ctr" anchorCtr="0">
             <a:normAutofit/>
           </a:bodyPr>
           <a:lstStyle>
-            <a:lvl1pPr indent="-228600" lvl="0" marL="457200">
+            <a:lvl1pPr marL="457200" lvl="0" indent="-228600">
               <a:lnSpc>
                 <a:spcPct val="100000"/>
               </a:lnSpc>
@@ -9009,15 +8980,19 @@
               <a:defRPr/>
             </a:lvl1pPr>
           </a:lstStyle>
-          <a:p/>
+          <a:p>
+            <a:endParaRPr/>
+          </a:p>
         </p:txBody>
       </p:sp>
       <p:sp>
         <p:nvSpPr>
           <p:cNvPr id="104" name="Google Shape;104;p10"/>
-          <p:cNvSpPr txBox="1"/>
+          <p:cNvSpPr txBox="1">
+            <a:spLocks noGrp="1"/>
+          </p:cNvSpPr>
           <p:nvPr>
-            <p:ph idx="12" type="sldNum"/>
+            <p:ph type="sldNum" idx="12"/>
           </p:nvPr>
         </p:nvSpPr>
         <p:spPr>
@@ -9030,7 +9005,7 @@
           </a:prstGeom>
         </p:spPr>
         <p:txBody>
-          <a:bodyPr anchorCtr="0" anchor="ctr" bIns="91425" lIns="91425" spcFirstLastPara="1" rIns="91425" wrap="square" tIns="91425">
+          <a:bodyPr spcFirstLastPara="1" wrap="square" lIns="91425" tIns="91425" rIns="91425" bIns="91425" anchor="ctr" anchorCtr="0">
             <a:normAutofit/>
           </a:bodyPr>
           <a:lstStyle>
@@ -9072,7 +9047,7 @@
             </a:lvl9pPr>
           </a:lstStyle>
           <a:p>
-            <a:pPr indent="0" lvl="0" marL="0" rtl="0" algn="r">
+            <a:pPr marL="0" lvl="0" indent="0" algn="r" rtl="0">
               <a:spcBef>
                 <a:spcPts val="0"/>
               </a:spcBef>
@@ -9098,18 +9073,19 @@
 </file>
 
 <file path=ppt/slideMasters/slideMaster1.xml><?xml version="1.0" encoding="utf-8"?>
-<p:sldMaster xmlns:a="http://schemas.openxmlformats.org/drawingml/2006/main" xmlns:r="http://schemas.openxmlformats.org/officeDocument/2006/relationships" xmlns:mc="http://schemas.openxmlformats.org/markup-compatibility/2006" xmlns:mv="urn:schemas-microsoft-com:mac:vml" xmlns:p="http://schemas.openxmlformats.org/presentationml/2006/main" xmlns:c="http://schemas.openxmlformats.org/drawingml/2006/chart" xmlns:dgm="http://schemas.openxmlformats.org/drawingml/2006/diagram" xmlns:o="urn:schemas-microsoft-com:office:office" xmlns:v="urn:schemas-microsoft-com:vml" xmlns:pvml="urn:schemas-microsoft-com:office:powerpoint" xmlns:com="http://schemas.openxmlformats.org/drawingml/2006/compatibility" xmlns:p14="http://schemas.microsoft.com/office/powerpoint/2010/main" xmlns:p15="http://schemas.microsoft.com/office/powerpoint/2012/main" xmlns:ahyp="http://schemas.microsoft.com/office/drawing/2018/hyperlinkcolor">
+<p:sldMaster xmlns:a="http://schemas.openxmlformats.org/drawingml/2006/main" xmlns:r="http://schemas.openxmlformats.org/officeDocument/2006/relationships" xmlns:p="http://schemas.openxmlformats.org/presentationml/2006/main">
   <p:cSld name="focus">
     <p:bg>
       <p:bgPr>
         <a:solidFill>
           <a:schemeClr val="dk1"/>
         </a:solidFill>
+        <a:effectLst/>
       </p:bgPr>
     </p:bg>
     <p:spTree>
       <p:nvGrpSpPr>
-        <p:cNvPr id="5" name="Shape 5"/>
+        <p:cNvPr id="1" name="Shape 5"/>
         <p:cNvGrpSpPr/>
         <p:nvPr/>
       </p:nvGrpSpPr>
@@ -9124,7 +9100,9 @@
       <p:sp>
         <p:nvSpPr>
           <p:cNvPr id="6" name="Google Shape;6;p1"/>
-          <p:cNvSpPr txBox="1"/>
+          <p:cNvSpPr txBox="1">
+            <a:spLocks noGrp="1"/>
+          </p:cNvSpPr>
           <p:nvPr>
             <p:ph type="title"/>
           </p:nvPr>
@@ -9143,7 +9121,7 @@
           </a:ln>
         </p:spPr>
         <p:txBody>
-          <a:bodyPr anchorCtr="0" anchor="t" bIns="91425" lIns="91425" spcFirstLastPara="1" rIns="91425" wrap="square" tIns="91425">
+          <a:bodyPr spcFirstLastPara="1" wrap="square" lIns="91425" tIns="91425" rIns="91425" bIns="91425" anchor="t" anchorCtr="0">
             <a:normAutofit/>
           </a:bodyPr>
           <a:lstStyle>
@@ -9355,15 +9333,19 @@
               </a:defRPr>
             </a:lvl9pPr>
           </a:lstStyle>
-          <a:p/>
+          <a:p>
+            <a:endParaRPr/>
+          </a:p>
         </p:txBody>
       </p:sp>
       <p:sp>
         <p:nvSpPr>
           <p:cNvPr id="7" name="Google Shape;7;p1"/>
-          <p:cNvSpPr txBox="1"/>
+          <p:cNvSpPr txBox="1">
+            <a:spLocks noGrp="1"/>
+          </p:cNvSpPr>
           <p:nvPr>
-            <p:ph idx="1" type="body"/>
+            <p:ph type="body" idx="1"/>
           </p:nvPr>
         </p:nvSpPr>
         <p:spPr>
@@ -9380,11 +9362,11 @@
           </a:ln>
         </p:spPr>
         <p:txBody>
-          <a:bodyPr anchorCtr="0" anchor="t" bIns="91425" lIns="91425" spcFirstLastPara="1" rIns="91425" wrap="square" tIns="91425">
+          <a:bodyPr spcFirstLastPara="1" wrap="square" lIns="91425" tIns="91425" rIns="91425" bIns="91425" anchor="t" anchorCtr="0">
             <a:normAutofit/>
           </a:bodyPr>
           <a:lstStyle>
-            <a:lvl1pPr indent="-311150" lvl="0" marL="457200">
+            <a:lvl1pPr marL="457200" lvl="0" indent="-311150">
               <a:lnSpc>
                 <a:spcPct val="115000"/>
               </a:lnSpc>
@@ -9410,7 +9392,7 @@
                 <a:sym typeface="Lato"/>
               </a:defRPr>
             </a:lvl1pPr>
-            <a:lvl2pPr indent="-298450" lvl="1" marL="914400">
+            <a:lvl2pPr marL="914400" lvl="1" indent="-298450">
               <a:lnSpc>
                 <a:spcPct val="115000"/>
               </a:lnSpc>
@@ -9436,7 +9418,7 @@
                 <a:sym typeface="Lato"/>
               </a:defRPr>
             </a:lvl2pPr>
-            <a:lvl3pPr indent="-298450" lvl="2" marL="1371600">
+            <a:lvl3pPr marL="1371600" lvl="2" indent="-298450">
               <a:lnSpc>
                 <a:spcPct val="115000"/>
               </a:lnSpc>
@@ -9462,7 +9444,7 @@
                 <a:sym typeface="Lato"/>
               </a:defRPr>
             </a:lvl3pPr>
-            <a:lvl4pPr indent="-298450" lvl="3" marL="1828800">
+            <a:lvl4pPr marL="1828800" lvl="3" indent="-298450">
               <a:lnSpc>
                 <a:spcPct val="115000"/>
               </a:lnSpc>
@@ -9488,7 +9470,7 @@
                 <a:sym typeface="Lato"/>
               </a:defRPr>
             </a:lvl4pPr>
-            <a:lvl5pPr indent="-298450" lvl="4" marL="2286000">
+            <a:lvl5pPr marL="2286000" lvl="4" indent="-298450">
               <a:lnSpc>
                 <a:spcPct val="115000"/>
               </a:lnSpc>
@@ -9514,7 +9496,7 @@
                 <a:sym typeface="Lato"/>
               </a:defRPr>
             </a:lvl5pPr>
-            <a:lvl6pPr indent="-298450" lvl="5" marL="2743200">
+            <a:lvl6pPr marL="2743200" lvl="5" indent="-298450">
               <a:lnSpc>
                 <a:spcPct val="115000"/>
               </a:lnSpc>
@@ -9540,7 +9522,7 @@
                 <a:sym typeface="Lato"/>
               </a:defRPr>
             </a:lvl6pPr>
-            <a:lvl7pPr indent="-298450" lvl="6" marL="3200400">
+            <a:lvl7pPr marL="3200400" lvl="6" indent="-298450">
               <a:lnSpc>
                 <a:spcPct val="115000"/>
               </a:lnSpc>
@@ -9566,7 +9548,7 @@
                 <a:sym typeface="Lato"/>
               </a:defRPr>
             </a:lvl7pPr>
-            <a:lvl8pPr indent="-298450" lvl="7" marL="3657600">
+            <a:lvl8pPr marL="3657600" lvl="7" indent="-298450">
               <a:lnSpc>
                 <a:spcPct val="115000"/>
               </a:lnSpc>
@@ -9592,7 +9574,7 @@
                 <a:sym typeface="Lato"/>
               </a:defRPr>
             </a:lvl8pPr>
-            <a:lvl9pPr indent="-298450" lvl="8" marL="4114800">
+            <a:lvl9pPr marL="4114800" lvl="8" indent="-298450">
               <a:lnSpc>
                 <a:spcPct val="115000"/>
               </a:lnSpc>
@@ -9619,15 +9601,19 @@
               </a:defRPr>
             </a:lvl9pPr>
           </a:lstStyle>
-          <a:p/>
+          <a:p>
+            <a:endParaRPr/>
+          </a:p>
         </p:txBody>
       </p:sp>
       <p:sp>
         <p:nvSpPr>
           <p:cNvPr id="8" name="Google Shape;8;p1"/>
-          <p:cNvSpPr txBox="1"/>
+          <p:cNvSpPr txBox="1">
+            <a:spLocks noGrp="1"/>
+          </p:cNvSpPr>
           <p:nvPr>
-            <p:ph idx="12" type="sldNum"/>
+            <p:ph type="sldNum" idx="12"/>
           </p:nvPr>
         </p:nvSpPr>
         <p:spPr>
@@ -9644,7 +9630,7 @@
           </a:ln>
         </p:spPr>
         <p:txBody>
-          <a:bodyPr anchorCtr="0" anchor="ctr" bIns="91425" lIns="91425" spcFirstLastPara="1" rIns="91425" wrap="square" tIns="91425">
+          <a:bodyPr spcFirstLastPara="1" wrap="square" lIns="91425" tIns="91425" rIns="91425" bIns="91425" anchor="ctr" anchorCtr="0">
             <a:normAutofit/>
           </a:bodyPr>
           <a:lstStyle>
@@ -9758,7 +9744,7 @@
             </a:lvl9pPr>
           </a:lstStyle>
           <a:p>
-            <a:pPr indent="0" lvl="0" marL="0" rtl="0" algn="r">
+            <a:pPr marL="0" lvl="0" indent="0" algn="r" rtl="0">
               <a:spcBef>
                 <a:spcPts val="0"/>
               </a:spcBef>
@@ -9777,7 +9763,7 @@
       </p:sp>
     </p:spTree>
   </p:cSld>
-  <p:clrMap accent1="accent1" accent2="accent2" accent3="accent3" accent4="accent4" accent5="accent5" accent6="accent6" bg1="lt1" bg2="dk2" tx1="dk1" tx2="lt2" folHlink="folHlink" hlink="hlink"/>
+  <p:clrMap bg1="lt1" tx1="dk1" bg2="dk2" tx2="lt2" accent1="accent1" accent2="accent2" accent3="accent3" accent4="accent4" accent5="accent5" accent6="accent6" hlink="hlink" folHlink="folHlink"/>
   <p:sldLayoutIdLst>
     <p:sldLayoutId id="2147483648" r:id="rId1"/>
     <p:sldLayoutId id="2147483649" r:id="rId2"/>
@@ -9791,10 +9777,10 @@
     <p:sldLayoutId id="2147483657" r:id="rId10"/>
     <p:sldLayoutId id="2147483658" r:id="rId11"/>
   </p:sldLayoutIdLst>
-  <p:hf dt="0" ftr="0" hdr="0" sldNum="0"/>
+  <p:hf sldNum="0" hdr="0" ftr="0" dt="0"/>
   <p:txStyles>
     <p:titleStyle>
-      <a:defPPr lvl="0" marR="0" rtl="0" algn="l">
+      <a:defPPr marR="0" lvl="0" algn="l" rtl="0">
         <a:lnSpc>
           <a:spcPct val="100000"/>
         </a:lnSpc>
@@ -9805,7 +9791,7 @@
           <a:spcPts val="0"/>
         </a:spcAft>
       </a:defPPr>
-      <a:lvl1pPr lvl="0" marR="0" rtl="0" algn="l">
+      <a:lvl1pPr marR="0" lvl="0" algn="l" rtl="0">
         <a:lnSpc>
           <a:spcPct val="100000"/>
         </a:lnSpc>
@@ -9819,7 +9805,7 @@
           <a:srgbClr val="000000"/>
         </a:buClr>
         <a:buFont typeface="Arial"/>
-        <a:defRPr b="0" i="0" sz="1400" u="none" cap="none" strike="noStrike">
+        <a:defRPr sz="1400" b="0" i="0" u="none" strike="noStrike" cap="none">
           <a:solidFill>
             <a:srgbClr val="000000"/>
           </a:solidFill>
@@ -9829,7 +9815,7 @@
           <a:sym typeface="Arial"/>
         </a:defRPr>
       </a:lvl1pPr>
-      <a:lvl2pPr lvl="1" marR="0" rtl="0" algn="l">
+      <a:lvl2pPr marR="0" lvl="1" algn="l" rtl="0">
         <a:lnSpc>
           <a:spcPct val="100000"/>
         </a:lnSpc>
@@ -9843,7 +9829,7 @@
           <a:srgbClr val="000000"/>
         </a:buClr>
         <a:buFont typeface="Arial"/>
-        <a:defRPr b="0" i="0" sz="1400" u="none" cap="none" strike="noStrike">
+        <a:defRPr sz="1400" b="0" i="0" u="none" strike="noStrike" cap="none">
           <a:solidFill>
             <a:srgbClr val="000000"/>
           </a:solidFill>
@@ -9853,7 +9839,7 @@
           <a:sym typeface="Arial"/>
         </a:defRPr>
       </a:lvl2pPr>
-      <a:lvl3pPr lvl="2" marR="0" rtl="0" algn="l">
+      <a:lvl3pPr marR="0" lvl="2" algn="l" rtl="0">
         <a:lnSpc>
           <a:spcPct val="100000"/>
         </a:lnSpc>
@@ -9867,7 +9853,7 @@
           <a:srgbClr val="000000"/>
         </a:buClr>
         <a:buFont typeface="Arial"/>
-        <a:defRPr b="0" i="0" sz="1400" u="none" cap="none" strike="noStrike">
+        <a:defRPr sz="1400" b="0" i="0" u="none" strike="noStrike" cap="none">
           <a:solidFill>
             <a:srgbClr val="000000"/>
           </a:solidFill>
@@ -9877,7 +9863,7 @@
           <a:sym typeface="Arial"/>
         </a:defRPr>
       </a:lvl3pPr>
-      <a:lvl4pPr lvl="3" marR="0" rtl="0" algn="l">
+      <a:lvl4pPr marR="0" lvl="3" algn="l" rtl="0">
         <a:lnSpc>
           <a:spcPct val="100000"/>
         </a:lnSpc>
@@ -9891,7 +9877,7 @@
           <a:srgbClr val="000000"/>
         </a:buClr>
         <a:buFont typeface="Arial"/>
-        <a:defRPr b="0" i="0" sz="1400" u="none" cap="none" strike="noStrike">
+        <a:defRPr sz="1400" b="0" i="0" u="none" strike="noStrike" cap="none">
           <a:solidFill>
             <a:srgbClr val="000000"/>
           </a:solidFill>
@@ -9901,7 +9887,7 @@
           <a:sym typeface="Arial"/>
         </a:defRPr>
       </a:lvl4pPr>
-      <a:lvl5pPr lvl="4" marR="0" rtl="0" algn="l">
+      <a:lvl5pPr marR="0" lvl="4" algn="l" rtl="0">
         <a:lnSpc>
           <a:spcPct val="100000"/>
         </a:lnSpc>
@@ -9915,7 +9901,7 @@
           <a:srgbClr val="000000"/>
         </a:buClr>
         <a:buFont typeface="Arial"/>
-        <a:defRPr b="0" i="0" sz="1400" u="none" cap="none" strike="noStrike">
+        <a:defRPr sz="1400" b="0" i="0" u="none" strike="noStrike" cap="none">
           <a:solidFill>
             <a:srgbClr val="000000"/>
           </a:solidFill>
@@ -9925,7 +9911,7 @@
           <a:sym typeface="Arial"/>
         </a:defRPr>
       </a:lvl5pPr>
-      <a:lvl6pPr lvl="5" marR="0" rtl="0" algn="l">
+      <a:lvl6pPr marR="0" lvl="5" algn="l" rtl="0">
         <a:lnSpc>
           <a:spcPct val="100000"/>
         </a:lnSpc>
@@ -9939,7 +9925,7 @@
           <a:srgbClr val="000000"/>
         </a:buClr>
         <a:buFont typeface="Arial"/>
-        <a:defRPr b="0" i="0" sz="1400" u="none" cap="none" strike="noStrike">
+        <a:defRPr sz="1400" b="0" i="0" u="none" strike="noStrike" cap="none">
           <a:solidFill>
             <a:srgbClr val="000000"/>
           </a:solidFill>
@@ -9949,7 +9935,7 @@
           <a:sym typeface="Arial"/>
         </a:defRPr>
       </a:lvl6pPr>
-      <a:lvl7pPr lvl="6" marR="0" rtl="0" algn="l">
+      <a:lvl7pPr marR="0" lvl="6" algn="l" rtl="0">
         <a:lnSpc>
           <a:spcPct val="100000"/>
         </a:lnSpc>
@@ -9963,7 +9949,7 @@
           <a:srgbClr val="000000"/>
         </a:buClr>
         <a:buFont typeface="Arial"/>
-        <a:defRPr b="0" i="0" sz="1400" u="none" cap="none" strike="noStrike">
+        <a:defRPr sz="1400" b="0" i="0" u="none" strike="noStrike" cap="none">
           <a:solidFill>
             <a:srgbClr val="000000"/>
           </a:solidFill>
@@ -9973,7 +9959,7 @@
           <a:sym typeface="Arial"/>
         </a:defRPr>
       </a:lvl7pPr>
-      <a:lvl8pPr lvl="7" marR="0" rtl="0" algn="l">
+      <a:lvl8pPr marR="0" lvl="7" algn="l" rtl="0">
         <a:lnSpc>
           <a:spcPct val="100000"/>
         </a:lnSpc>
@@ -9987,7 +9973,7 @@
           <a:srgbClr val="000000"/>
         </a:buClr>
         <a:buFont typeface="Arial"/>
-        <a:defRPr b="0" i="0" sz="1400" u="none" cap="none" strike="noStrike">
+        <a:defRPr sz="1400" b="0" i="0" u="none" strike="noStrike" cap="none">
           <a:solidFill>
             <a:srgbClr val="000000"/>
           </a:solidFill>
@@ -9997,7 +9983,7 @@
           <a:sym typeface="Arial"/>
         </a:defRPr>
       </a:lvl8pPr>
-      <a:lvl9pPr lvl="8" marR="0" rtl="0" algn="l">
+      <a:lvl9pPr marR="0" lvl="8" algn="l" rtl="0">
         <a:lnSpc>
           <a:spcPct val="100000"/>
         </a:lnSpc>
@@ -10011,7 +9997,7 @@
           <a:srgbClr val="000000"/>
         </a:buClr>
         <a:buFont typeface="Arial"/>
-        <a:defRPr b="0" i="0" sz="1400" u="none" cap="none" strike="noStrike">
+        <a:defRPr sz="1400" b="0" i="0" u="none" strike="noStrike" cap="none">
           <a:solidFill>
             <a:srgbClr val="000000"/>
           </a:solidFill>
@@ -10023,7 +10009,7 @@
       </a:lvl9pPr>
     </p:titleStyle>
     <p:bodyStyle>
-      <a:defPPr lvl="0" marR="0" rtl="0" algn="l">
+      <a:defPPr marR="0" lvl="0" algn="l" rtl="0">
         <a:lnSpc>
           <a:spcPct val="100000"/>
         </a:lnSpc>
@@ -10034,7 +10020,7 @@
           <a:spcPts val="0"/>
         </a:spcAft>
       </a:defPPr>
-      <a:lvl1pPr lvl="0" marR="0" rtl="0" algn="l">
+      <a:lvl1pPr marR="0" lvl="0" algn="l" rtl="0">
         <a:lnSpc>
           <a:spcPct val="100000"/>
         </a:lnSpc>
@@ -10048,7 +10034,7 @@
           <a:srgbClr val="000000"/>
         </a:buClr>
         <a:buFont typeface="Arial"/>
-        <a:defRPr b="0" i="0" sz="1400" u="none" cap="none" strike="noStrike">
+        <a:defRPr sz="1400" b="0" i="0" u="none" strike="noStrike" cap="none">
           <a:solidFill>
             <a:srgbClr val="000000"/>
           </a:solidFill>
@@ -10058,7 +10044,7 @@
           <a:sym typeface="Arial"/>
         </a:defRPr>
       </a:lvl1pPr>
-      <a:lvl2pPr lvl="1" marR="0" rtl="0" algn="l">
+      <a:lvl2pPr marR="0" lvl="1" algn="l" rtl="0">
         <a:lnSpc>
           <a:spcPct val="100000"/>
         </a:lnSpc>
@@ -10072,7 +10058,7 @@
           <a:srgbClr val="000000"/>
         </a:buClr>
         <a:buFont typeface="Arial"/>
-        <a:defRPr b="0" i="0" sz="1400" u="none" cap="none" strike="noStrike">
+        <a:defRPr sz="1400" b="0" i="0" u="none" strike="noStrike" cap="none">
           <a:solidFill>
             <a:srgbClr val="000000"/>
           </a:solidFill>
@@ -10082,7 +10068,7 @@
           <a:sym typeface="Arial"/>
         </a:defRPr>
       </a:lvl2pPr>
-      <a:lvl3pPr lvl="2" marR="0" rtl="0" algn="l">
+      <a:lvl3pPr marR="0" lvl="2" algn="l" rtl="0">
         <a:lnSpc>
           <a:spcPct val="100000"/>
         </a:lnSpc>
@@ -10096,7 +10082,7 @@
           <a:srgbClr val="000000"/>
         </a:buClr>
         <a:buFont typeface="Arial"/>
-        <a:defRPr b="0" i="0" sz="1400" u="none" cap="none" strike="noStrike">
+        <a:defRPr sz="1400" b="0" i="0" u="none" strike="noStrike" cap="none">
           <a:solidFill>
             <a:srgbClr val="000000"/>
           </a:solidFill>
@@ -10106,7 +10092,7 @@
           <a:sym typeface="Arial"/>
         </a:defRPr>
       </a:lvl3pPr>
-      <a:lvl4pPr lvl="3" marR="0" rtl="0" algn="l">
+      <a:lvl4pPr marR="0" lvl="3" algn="l" rtl="0">
         <a:lnSpc>
           <a:spcPct val="100000"/>
         </a:lnSpc>
@@ -10120,7 +10106,7 @@
           <a:srgbClr val="000000"/>
         </a:buClr>
         <a:buFont typeface="Arial"/>
-        <a:defRPr b="0" i="0" sz="1400" u="none" cap="none" strike="noStrike">
+        <a:defRPr sz="1400" b="0" i="0" u="none" strike="noStrike" cap="none">
           <a:solidFill>
             <a:srgbClr val="000000"/>
           </a:solidFill>
@@ -10130,7 +10116,7 @@
           <a:sym typeface="Arial"/>
         </a:defRPr>
       </a:lvl4pPr>
-      <a:lvl5pPr lvl="4" marR="0" rtl="0" algn="l">
+      <a:lvl5pPr marR="0" lvl="4" algn="l" rtl="0">
         <a:lnSpc>
           <a:spcPct val="100000"/>
         </a:lnSpc>
@@ -10144,7 +10130,7 @@
           <a:srgbClr val="000000"/>
         </a:buClr>
         <a:buFont typeface="Arial"/>
-        <a:defRPr b="0" i="0" sz="1400" u="none" cap="none" strike="noStrike">
+        <a:defRPr sz="1400" b="0" i="0" u="none" strike="noStrike" cap="none">
           <a:solidFill>
             <a:srgbClr val="000000"/>
           </a:solidFill>
@@ -10154,7 +10140,7 @@
           <a:sym typeface="Arial"/>
         </a:defRPr>
       </a:lvl5pPr>
-      <a:lvl6pPr lvl="5" marR="0" rtl="0" algn="l">
+      <a:lvl6pPr marR="0" lvl="5" algn="l" rtl="0">
         <a:lnSpc>
           <a:spcPct val="100000"/>
         </a:lnSpc>
@@ -10168,7 +10154,7 @@
           <a:srgbClr val="000000"/>
         </a:buClr>
         <a:buFont typeface="Arial"/>
-        <a:defRPr b="0" i="0" sz="1400" u="none" cap="none" strike="noStrike">
+        <a:defRPr sz="1400" b="0" i="0" u="none" strike="noStrike" cap="none">
           <a:solidFill>
             <a:srgbClr val="000000"/>
           </a:solidFill>
@@ -10178,7 +10164,7 @@
           <a:sym typeface="Arial"/>
         </a:defRPr>
       </a:lvl6pPr>
-      <a:lvl7pPr lvl="6" marR="0" rtl="0" algn="l">
+      <a:lvl7pPr marR="0" lvl="6" algn="l" rtl="0">
         <a:lnSpc>
           <a:spcPct val="100000"/>
         </a:lnSpc>
@@ -10192,7 +10178,7 @@
           <a:srgbClr val="000000"/>
         </a:buClr>
         <a:buFont typeface="Arial"/>
-        <a:defRPr b="0" i="0" sz="1400" u="none" cap="none" strike="noStrike">
+        <a:defRPr sz="1400" b="0" i="0" u="none" strike="noStrike" cap="none">
           <a:solidFill>
             <a:srgbClr val="000000"/>
           </a:solidFill>
@@ -10202,7 +10188,7 @@
           <a:sym typeface="Arial"/>
         </a:defRPr>
       </a:lvl7pPr>
-      <a:lvl8pPr lvl="7" marR="0" rtl="0" algn="l">
+      <a:lvl8pPr marR="0" lvl="7" algn="l" rtl="0">
         <a:lnSpc>
           <a:spcPct val="100000"/>
         </a:lnSpc>
@@ -10216,7 +10202,7 @@
           <a:srgbClr val="000000"/>
         </a:buClr>
         <a:buFont typeface="Arial"/>
-        <a:defRPr b="0" i="0" sz="1400" u="none" cap="none" strike="noStrike">
+        <a:defRPr sz="1400" b="0" i="0" u="none" strike="noStrike" cap="none">
           <a:solidFill>
             <a:srgbClr val="000000"/>
           </a:solidFill>
@@ -10226,7 +10212,7 @@
           <a:sym typeface="Arial"/>
         </a:defRPr>
       </a:lvl8pPr>
-      <a:lvl9pPr lvl="8" marR="0" rtl="0" algn="l">
+      <a:lvl9pPr marR="0" lvl="8" algn="l" rtl="0">
         <a:lnSpc>
           <a:spcPct val="100000"/>
         </a:lnSpc>
@@ -10240,7 +10226,7 @@
           <a:srgbClr val="000000"/>
         </a:buClr>
         <a:buFont typeface="Arial"/>
-        <a:defRPr b="0" i="0" sz="1400" u="none" cap="none" strike="noStrike">
+        <a:defRPr sz="1400" b="0" i="0" u="none" strike="noStrike" cap="none">
           <a:solidFill>
             <a:srgbClr val="000000"/>
           </a:solidFill>
@@ -10252,7 +10238,7 @@
       </a:lvl9pPr>
     </p:bodyStyle>
     <p:otherStyle>
-      <a:defPPr lvl="0" marR="0" rtl="0" algn="l">
+      <a:defPPr marR="0" lvl="0" algn="l" rtl="0">
         <a:lnSpc>
           <a:spcPct val="100000"/>
         </a:lnSpc>
@@ -10263,7 +10249,7 @@
           <a:spcPts val="0"/>
         </a:spcAft>
       </a:defPPr>
-      <a:lvl1pPr lvl="0" marR="0" rtl="0" algn="l">
+      <a:lvl1pPr marR="0" lvl="0" algn="l" rtl="0">
         <a:lnSpc>
           <a:spcPct val="100000"/>
         </a:lnSpc>
@@ -10277,7 +10263,7 @@
           <a:srgbClr val="000000"/>
         </a:buClr>
         <a:buFont typeface="Arial"/>
-        <a:defRPr b="0" i="0" sz="1400" u="none" cap="none" strike="noStrike">
+        <a:defRPr sz="1400" b="0" i="0" u="none" strike="noStrike" cap="none">
           <a:solidFill>
             <a:srgbClr val="000000"/>
           </a:solidFill>
@@ -10287,7 +10273,7 @@
           <a:sym typeface="Arial"/>
         </a:defRPr>
       </a:lvl1pPr>
-      <a:lvl2pPr lvl="1" marR="0" rtl="0" algn="l">
+      <a:lvl2pPr marR="0" lvl="1" algn="l" rtl="0">
         <a:lnSpc>
           <a:spcPct val="100000"/>
         </a:lnSpc>
@@ -10301,7 +10287,7 @@
           <a:srgbClr val="000000"/>
         </a:buClr>
         <a:buFont typeface="Arial"/>
-        <a:defRPr b="0" i="0" sz="1400" u="none" cap="none" strike="noStrike">
+        <a:defRPr sz="1400" b="0" i="0" u="none" strike="noStrike" cap="none">
           <a:solidFill>
             <a:srgbClr val="000000"/>
           </a:solidFill>
@@ -10311,7 +10297,7 @@
           <a:sym typeface="Arial"/>
         </a:defRPr>
       </a:lvl2pPr>
-      <a:lvl3pPr lvl="2" marR="0" rtl="0" algn="l">
+      <a:lvl3pPr marR="0" lvl="2" algn="l" rtl="0">
         <a:lnSpc>
           <a:spcPct val="100000"/>
         </a:lnSpc>
@@ -10325,7 +10311,7 @@
           <a:srgbClr val="000000"/>
         </a:buClr>
         <a:buFont typeface="Arial"/>
-        <a:defRPr b="0" i="0" sz="1400" u="none" cap="none" strike="noStrike">
+        <a:defRPr sz="1400" b="0" i="0" u="none" strike="noStrike" cap="none">
           <a:solidFill>
             <a:srgbClr val="000000"/>
           </a:solidFill>
@@ -10335,7 +10321,7 @@
           <a:sym typeface="Arial"/>
         </a:defRPr>
       </a:lvl3pPr>
-      <a:lvl4pPr lvl="3" marR="0" rtl="0" algn="l">
+      <a:lvl4pPr marR="0" lvl="3" algn="l" rtl="0">
         <a:lnSpc>
           <a:spcPct val="100000"/>
         </a:lnSpc>
@@ -10349,7 +10335,7 @@
           <a:srgbClr val="000000"/>
         </a:buClr>
         <a:buFont typeface="Arial"/>
-        <a:defRPr b="0" i="0" sz="1400" u="none" cap="none" strike="noStrike">
+        <a:defRPr sz="1400" b="0" i="0" u="none" strike="noStrike" cap="none">
           <a:solidFill>
             <a:srgbClr val="000000"/>
           </a:solidFill>
@@ -10359,7 +10345,7 @@
           <a:sym typeface="Arial"/>
         </a:defRPr>
       </a:lvl4pPr>
-      <a:lvl5pPr lvl="4" marR="0" rtl="0" algn="l">
+      <a:lvl5pPr marR="0" lvl="4" algn="l" rtl="0">
         <a:lnSpc>
           <a:spcPct val="100000"/>
         </a:lnSpc>
@@ -10373,7 +10359,7 @@
           <a:srgbClr val="000000"/>
         </a:buClr>
         <a:buFont typeface="Arial"/>
-        <a:defRPr b="0" i="0" sz="1400" u="none" cap="none" strike="noStrike">
+        <a:defRPr sz="1400" b="0" i="0" u="none" strike="noStrike" cap="none">
           <a:solidFill>
             <a:srgbClr val="000000"/>
           </a:solidFill>
@@ -10383,7 +10369,7 @@
           <a:sym typeface="Arial"/>
         </a:defRPr>
       </a:lvl5pPr>
-      <a:lvl6pPr lvl="5" marR="0" rtl="0" algn="l">
+      <a:lvl6pPr marR="0" lvl="5" algn="l" rtl="0">
         <a:lnSpc>
           <a:spcPct val="100000"/>
         </a:lnSpc>
@@ -10397,7 +10383,7 @@
           <a:srgbClr val="000000"/>
         </a:buClr>
         <a:buFont typeface="Arial"/>
-        <a:defRPr b="0" i="0" sz="1400" u="none" cap="none" strike="noStrike">
+        <a:defRPr sz="1400" b="0" i="0" u="none" strike="noStrike" cap="none">
           <a:solidFill>
             <a:srgbClr val="000000"/>
           </a:solidFill>
@@ -10407,7 +10393,7 @@
           <a:sym typeface="Arial"/>
         </a:defRPr>
       </a:lvl6pPr>
-      <a:lvl7pPr lvl="6" marR="0" rtl="0" algn="l">
+      <a:lvl7pPr marR="0" lvl="6" algn="l" rtl="0">
         <a:lnSpc>
           <a:spcPct val="100000"/>
         </a:lnSpc>
@@ -10421,7 +10407,7 @@
           <a:srgbClr val="000000"/>
         </a:buClr>
         <a:buFont typeface="Arial"/>
-        <a:defRPr b="0" i="0" sz="1400" u="none" cap="none" strike="noStrike">
+        <a:defRPr sz="1400" b="0" i="0" u="none" strike="noStrike" cap="none">
           <a:solidFill>
             <a:srgbClr val="000000"/>
           </a:solidFill>
@@ -10431,7 +10417,7 @@
           <a:sym typeface="Arial"/>
         </a:defRPr>
       </a:lvl7pPr>
-      <a:lvl8pPr lvl="7" marR="0" rtl="0" algn="l">
+      <a:lvl8pPr marR="0" lvl="7" algn="l" rtl="0">
         <a:lnSpc>
           <a:spcPct val="100000"/>
         </a:lnSpc>
@@ -10445,7 +10431,7 @@
           <a:srgbClr val="000000"/>
         </a:buClr>
         <a:buFont typeface="Arial"/>
-        <a:defRPr b="0" i="0" sz="1400" u="none" cap="none" strike="noStrike">
+        <a:defRPr sz="1400" b="0" i="0" u="none" strike="noStrike" cap="none">
           <a:solidFill>
             <a:srgbClr val="000000"/>
           </a:solidFill>
@@ -10455,7 +10441,7 @@
           <a:sym typeface="Arial"/>
         </a:defRPr>
       </a:lvl8pPr>
-      <a:lvl9pPr lvl="8" marR="0" rtl="0" algn="l">
+      <a:lvl9pPr marR="0" lvl="8" algn="l" rtl="0">
         <a:lnSpc>
           <a:spcPct val="100000"/>
         </a:lnSpc>
@@ -10469,7 +10455,7 @@
           <a:srgbClr val="000000"/>
         </a:buClr>
         <a:buFont typeface="Arial"/>
-        <a:defRPr b="0" i="0" sz="1400" u="none" cap="none" strike="noStrike">
+        <a:defRPr sz="1400" b="0" i="0" u="none" strike="noStrike" cap="none">
           <a:solidFill>
             <a:srgbClr val="000000"/>
           </a:solidFill>
@@ -10485,11 +10471,11 @@
 </file>
 
 <file path=ppt/slides/slide1.xml><?xml version="1.0" encoding="utf-8"?>
-<p:sld xmlns:a="http://schemas.openxmlformats.org/drawingml/2006/main" xmlns:r="http://schemas.openxmlformats.org/officeDocument/2006/relationships" xmlns:mc="http://schemas.openxmlformats.org/markup-compatibility/2006" xmlns:mv="urn:schemas-microsoft-com:mac:vml" xmlns:p="http://schemas.openxmlformats.org/presentationml/2006/main" xmlns:c="http://schemas.openxmlformats.org/drawingml/2006/chart" xmlns:dgm="http://schemas.openxmlformats.org/drawingml/2006/diagram" xmlns:o="urn:schemas-microsoft-com:office:office" xmlns:v="urn:schemas-microsoft-com:vml" xmlns:pvml="urn:schemas-microsoft-com:office:powerpoint" xmlns:com="http://schemas.openxmlformats.org/drawingml/2006/compatibility" xmlns:p14="http://schemas.microsoft.com/office/powerpoint/2010/main" xmlns:p15="http://schemas.microsoft.com/office/powerpoint/2012/main" xmlns:ahyp="http://schemas.microsoft.com/office/drawing/2018/hyperlinkcolor">
+<p:sld xmlns:a="http://schemas.openxmlformats.org/drawingml/2006/main" xmlns:r="http://schemas.openxmlformats.org/officeDocument/2006/relationships" xmlns:p="http://schemas.openxmlformats.org/presentationml/2006/main">
   <p:cSld>
     <p:spTree>
       <p:nvGrpSpPr>
-        <p:cNvPr id="133" name="Shape 133"/>
+        <p:cNvPr id="1" name="Shape 133"/>
         <p:cNvGrpSpPr/>
         <p:nvPr/>
       </p:nvGrpSpPr>
@@ -10504,7 +10490,9 @@
       <p:sp>
         <p:nvSpPr>
           <p:cNvPr id="134" name="Google Shape;134;p13"/>
-          <p:cNvSpPr txBox="1"/>
+          <p:cNvSpPr txBox="1">
+            <a:spLocks noGrp="1"/>
+          </p:cNvSpPr>
           <p:nvPr>
             <p:ph type="ctrTitle"/>
           </p:nvPr>
@@ -10518,7 +10506,7 @@
             <a:avLst/>
           </a:prstGeom>
           <a:effectLst>
-            <a:outerShdw blurRad="57150" rotWithShape="0" algn="bl" dir="5400000" dist="19050">
+            <a:outerShdw blurRad="57150" dist="19050" dir="5400000" algn="bl" rotWithShape="0">
               <a:srgbClr val="000000">
                 <a:alpha val="50000"/>
               </a:srgbClr>
@@ -10526,12 +10514,12 @@
           </a:effectLst>
         </p:spPr>
         <p:txBody>
-          <a:bodyPr anchorCtr="0" anchor="t" bIns="91425" lIns="91425" spcFirstLastPara="1" rIns="91425" wrap="square" tIns="91425">
+          <a:bodyPr spcFirstLastPara="1" wrap="square" lIns="91425" tIns="91425" rIns="91425" bIns="91425" anchor="t" anchorCtr="0">
             <a:normAutofit fontScale="90000"/>
           </a:bodyPr>
           <a:lstStyle/>
           <a:p>
-            <a:pPr indent="0" lvl="0" marL="0" rtl="0" algn="l">
+            <a:pPr marL="0" lvl="0" indent="0" algn="l" rtl="0">
               <a:spcBef>
                 <a:spcPts val="0"/>
               </a:spcBef>
@@ -10551,9 +10539,11 @@
       <p:sp>
         <p:nvSpPr>
           <p:cNvPr id="135" name="Google Shape;135;p13"/>
-          <p:cNvSpPr txBox="1"/>
+          <p:cNvSpPr txBox="1">
+            <a:spLocks noGrp="1"/>
+          </p:cNvSpPr>
           <p:nvPr>
-            <p:ph idx="1" type="subTitle"/>
+            <p:ph type="subTitle" idx="1"/>
           </p:nvPr>
         </p:nvSpPr>
         <p:spPr>
@@ -10566,12 +10556,12 @@
           </a:prstGeom>
         </p:spPr>
         <p:txBody>
-          <a:bodyPr anchorCtr="0" anchor="t" bIns="91425" lIns="91425" spcFirstLastPara="1" rIns="91425" wrap="square" tIns="91425">
-            <a:normAutofit lnSpcReduction="20000"/>
+          <a:bodyPr spcFirstLastPara="1" wrap="square" lIns="91425" tIns="91425" rIns="91425" bIns="91425" anchor="t" anchorCtr="0">
+            <a:normAutofit fontScale="92500"/>
           </a:bodyPr>
           <a:lstStyle/>
           <a:p>
-            <a:pPr indent="0" lvl="0" marL="0" rtl="0" algn="l">
+            <a:pPr marL="0" lvl="0" indent="0" algn="l" rtl="0">
               <a:spcBef>
                 <a:spcPts val="0"/>
               </a:spcBef>
@@ -10587,7 +10577,7 @@
             <a:endParaRPr/>
           </a:p>
           <a:p>
-            <a:pPr indent="0" lvl="0" marL="0" rtl="0" algn="l">
+            <a:pPr marL="0" lvl="0" indent="0" algn="l" rtl="0">
               <a:spcBef>
                 <a:spcPts val="0"/>
               </a:spcBef>
@@ -10613,11 +10603,11 @@
 </file>
 
 <file path=ppt/slides/slide10.xml><?xml version="1.0" encoding="utf-8"?>
-<p:sld xmlns:a="http://schemas.openxmlformats.org/drawingml/2006/main" xmlns:r="http://schemas.openxmlformats.org/officeDocument/2006/relationships" xmlns:mc="http://schemas.openxmlformats.org/markup-compatibility/2006" xmlns:mv="urn:schemas-microsoft-com:mac:vml" xmlns:p="http://schemas.openxmlformats.org/presentationml/2006/main" xmlns:c="http://schemas.openxmlformats.org/drawingml/2006/chart" xmlns:dgm="http://schemas.openxmlformats.org/drawingml/2006/diagram" xmlns:o="urn:schemas-microsoft-com:office:office" xmlns:v="urn:schemas-microsoft-com:vml" xmlns:pvml="urn:schemas-microsoft-com:office:powerpoint" xmlns:com="http://schemas.openxmlformats.org/drawingml/2006/compatibility" xmlns:p14="http://schemas.microsoft.com/office/powerpoint/2010/main" xmlns:p15="http://schemas.microsoft.com/office/powerpoint/2012/main" xmlns:ahyp="http://schemas.microsoft.com/office/drawing/2018/hyperlinkcolor">
+<p:sld xmlns:a="http://schemas.openxmlformats.org/drawingml/2006/main" xmlns:r="http://schemas.openxmlformats.org/officeDocument/2006/relationships" xmlns:p="http://schemas.openxmlformats.org/presentationml/2006/main">
   <p:cSld>
     <p:spTree>
       <p:nvGrpSpPr>
-        <p:cNvPr id="188" name="Shape 188"/>
+        <p:cNvPr id="1" name="Shape 188"/>
         <p:cNvGrpSpPr/>
         <p:nvPr/>
       </p:nvGrpSpPr>
@@ -10632,7 +10622,9 @@
       <p:sp>
         <p:nvSpPr>
           <p:cNvPr id="189" name="Google Shape;189;p22"/>
-          <p:cNvSpPr txBox="1"/>
+          <p:cNvSpPr txBox="1">
+            <a:spLocks noGrp="1"/>
+          </p:cNvSpPr>
           <p:nvPr>
             <p:ph type="title"/>
           </p:nvPr>
@@ -10647,12 +10639,12 @@
           </a:prstGeom>
         </p:spPr>
         <p:txBody>
-          <a:bodyPr anchorCtr="0" anchor="t" bIns="91425" lIns="91425" spcFirstLastPara="1" rIns="91425" wrap="square" tIns="91425">
+          <a:bodyPr spcFirstLastPara="1" wrap="square" lIns="91425" tIns="91425" rIns="91425" bIns="91425" anchor="t" anchorCtr="0">
             <a:normAutofit/>
           </a:bodyPr>
           <a:lstStyle/>
           <a:p>
-            <a:pPr indent="0" lvl="0" marL="0" rtl="0" algn="ctr">
+            <a:pPr marL="0" lvl="0" indent="0" algn="ctr" rtl="0">
               <a:spcBef>
                 <a:spcPts val="0"/>
               </a:spcBef>
@@ -10662,49 +10654,175 @@
               <a:buNone/>
             </a:pPr>
             <a:r>
-              <a:rPr b="1" lang="en"/>
+              <a:rPr lang="en" b="1" dirty="0"/>
               <a:t>Game Loops</a:t>
             </a:r>
-            <a:endParaRPr b="1"/>
+            <a:endParaRPr b="1" dirty="0"/>
+          </a:p>
+        </p:txBody>
+      </p:sp>
+      <p:pic>
+        <p:nvPicPr>
+          <p:cNvPr id="4" name="Picture 3" descr="A diagram of a process&#10;&#10;Description automatically generated">
+            <a:extLst>
+              <a:ext uri="{FF2B5EF4-FFF2-40B4-BE49-F238E27FC236}">
+                <a16:creationId xmlns:a16="http://schemas.microsoft.com/office/drawing/2014/main" id="{88869821-B443-9F26-9850-4D5CDFC8E88D}"/>
+              </a:ext>
+            </a:extLst>
+          </p:cNvPr>
+          <p:cNvPicPr>
+            <a:picLocks noChangeAspect="1"/>
+          </p:cNvPicPr>
+          <p:nvPr/>
+        </p:nvPicPr>
+        <p:blipFill>
+          <a:blip r:embed="rId3"/>
+          <a:stretch>
+            <a:fillRect/>
+          </a:stretch>
+        </p:blipFill>
+        <p:spPr>
+          <a:xfrm>
+            <a:off x="1448356" y="994208"/>
+            <a:ext cx="6247288" cy="2474886"/>
+          </a:xfrm>
+          <a:prstGeom prst="rect">
+            <a:avLst/>
+          </a:prstGeom>
+        </p:spPr>
+      </p:pic>
+      <p:sp>
+        <p:nvSpPr>
+          <p:cNvPr id="7" name="TextBox 6">
+            <a:extLst>
+              <a:ext uri="{FF2B5EF4-FFF2-40B4-BE49-F238E27FC236}">
+                <a16:creationId xmlns:a16="http://schemas.microsoft.com/office/drawing/2014/main" id="{6B1F9F4D-4FCB-5B99-A40C-4076BA45CC6D}"/>
+              </a:ext>
+            </a:extLst>
+          </p:cNvPr>
+          <p:cNvSpPr txBox="1"/>
+          <p:nvPr/>
+        </p:nvSpPr>
+        <p:spPr>
+          <a:xfrm>
+            <a:off x="714167" y="3715609"/>
+            <a:ext cx="7715666" cy="707886"/>
+          </a:xfrm>
+          <a:prstGeom prst="rect">
+            <a:avLst/>
+          </a:prstGeom>
+          <a:noFill/>
+        </p:spPr>
+        <p:txBody>
+          <a:bodyPr wrap="square" rtlCol="0">
+            <a:spAutoFit/>
+          </a:bodyPr>
+          <a:lstStyle/>
+          <a:p>
+            <a:pPr algn="ctr"/>
+            <a:r>
+              <a:rPr lang="en-US" sz="2000" b="1" u="sng" kern="100" dirty="0">
+                <a:solidFill>
+                  <a:schemeClr val="bg1"/>
+                </a:solidFill>
+                <a:effectLst/>
+                <a:ea typeface="Calibri" panose="020F0502020204030204" pitchFamily="34" charset="0"/>
+                <a:cs typeface="Times New Roman" panose="02020603050405020304" pitchFamily="18" charset="0"/>
+              </a:rPr>
+              <a:t>Decouple the progression of game time from user input and processor speed.</a:t>
+            </a:r>
+            <a:endParaRPr lang="en-IN" sz="2000" u="sng" kern="100" dirty="0">
+              <a:solidFill>
+                <a:schemeClr val="bg1"/>
+              </a:solidFill>
+              <a:effectLst/>
+              <a:ea typeface="Calibri" panose="020F0502020204030204" pitchFamily="34" charset="0"/>
+              <a:cs typeface="Times New Roman" panose="02020603050405020304" pitchFamily="18" charset="0"/>
+            </a:endParaRPr>
           </a:p>
         </p:txBody>
       </p:sp>
       <p:sp>
         <p:nvSpPr>
-          <p:cNvPr id="190" name="Google Shape;190;p22"/>
+          <p:cNvPr id="8" name="TextBox 7">
+            <a:extLst>
+              <a:ext uri="{FF2B5EF4-FFF2-40B4-BE49-F238E27FC236}">
+                <a16:creationId xmlns:a16="http://schemas.microsoft.com/office/drawing/2014/main" id="{200A7D39-D08B-056E-4749-34F4DE283F50}"/>
+              </a:ext>
+            </a:extLst>
+          </p:cNvPr>
           <p:cNvSpPr txBox="1"/>
-          <p:nvPr>
-            <p:ph idx="1" type="body"/>
-          </p:nvPr>
+          <p:nvPr/>
         </p:nvSpPr>
         <p:spPr>
           <a:xfrm>
-            <a:off x="1297500" y="1567550"/>
-            <a:ext cx="7038900" cy="2911200"/>
+            <a:off x="6513967" y="4546605"/>
+            <a:ext cx="2924008" cy="461665"/>
           </a:xfrm>
           <a:prstGeom prst="rect">
             <a:avLst/>
           </a:prstGeom>
+          <a:noFill/>
         </p:spPr>
         <p:txBody>
-          <a:bodyPr anchorCtr="0" anchor="t" bIns="91425" lIns="91425" spcFirstLastPara="1" rIns="91425" wrap="square" tIns="91425">
-            <a:normAutofit/>
+          <a:bodyPr wrap="square" rtlCol="0">
+            <a:spAutoFit/>
           </a:bodyPr>
           <a:lstStyle/>
           <a:p>
-            <a:pPr indent="0" lvl="0" marL="0" rtl="0" algn="l">
-              <a:spcBef>
-                <a:spcPts val="0"/>
-              </a:spcBef>
-              <a:spcAft>
-                <a:spcPts val="1200"/>
-              </a:spcAft>
-              <a:buNone/>
-            </a:pPr>
             <a:r>
-              <a:t/>
+              <a:rPr lang="en-US" sz="1200" dirty="0">
+                <a:solidFill>
+                  <a:schemeClr val="bg2"/>
+                </a:solidFill>
+              </a:rPr>
+              <a:t>Credits: Robert Nystrom</a:t>
             </a:r>
-            <a:endParaRPr/>
+          </a:p>
+          <a:p>
+            <a:endParaRPr lang="en-IN" sz="1200" dirty="0">
+              <a:solidFill>
+                <a:schemeClr val="bg2"/>
+              </a:solidFill>
+            </a:endParaRPr>
+          </a:p>
+        </p:txBody>
+      </p:sp>
+      <p:sp>
+        <p:nvSpPr>
+          <p:cNvPr id="10" name="TextBox 9">
+            <a:extLst>
+              <a:ext uri="{FF2B5EF4-FFF2-40B4-BE49-F238E27FC236}">
+                <a16:creationId xmlns:a16="http://schemas.microsoft.com/office/drawing/2014/main" id="{2CE05560-66AD-0BD1-DBF6-B83610412C4B}"/>
+              </a:ext>
+            </a:extLst>
+          </p:cNvPr>
+          <p:cNvSpPr txBox="1"/>
+          <p:nvPr/>
+        </p:nvSpPr>
+        <p:spPr>
+          <a:xfrm>
+            <a:off x="5877155" y="4762049"/>
+            <a:ext cx="3266845" cy="246221"/>
+          </a:xfrm>
+          <a:prstGeom prst="rect">
+            <a:avLst/>
+          </a:prstGeom>
+          <a:noFill/>
+        </p:spPr>
+        <p:txBody>
+          <a:bodyPr wrap="square">
+            <a:spAutoFit/>
+          </a:bodyPr>
+          <a:lstStyle/>
+          <a:p>
+            <a:r>
+              <a:rPr lang="en-IN" sz="1000" dirty="0">
+                <a:hlinkClick r:id="rId4"/>
+              </a:rPr>
+              <a:t>http://gameprogrammingpatterns.com/game-loop.html</a:t>
+            </a:r>
+            <a:endParaRPr lang="en-IN" sz="1000" dirty="0"/>
           </a:p>
         </p:txBody>
       </p:sp>
@@ -10717,11 +10835,116 @@
 </file>
 
 <file path=ppt/slides/slide11.xml><?xml version="1.0" encoding="utf-8"?>
-<p:sld xmlns:a="http://schemas.openxmlformats.org/drawingml/2006/main" xmlns:r="http://schemas.openxmlformats.org/officeDocument/2006/relationships" xmlns:mc="http://schemas.openxmlformats.org/markup-compatibility/2006" xmlns:mv="urn:schemas-microsoft-com:mac:vml" xmlns:p="http://schemas.openxmlformats.org/presentationml/2006/main" xmlns:c="http://schemas.openxmlformats.org/drawingml/2006/chart" xmlns:dgm="http://schemas.openxmlformats.org/drawingml/2006/diagram" xmlns:o="urn:schemas-microsoft-com:office:office" xmlns:v="urn:schemas-microsoft-com:vml" xmlns:pvml="urn:schemas-microsoft-com:office:powerpoint" xmlns:com="http://schemas.openxmlformats.org/drawingml/2006/compatibility" xmlns:p14="http://schemas.microsoft.com/office/powerpoint/2010/main" xmlns:p15="http://schemas.microsoft.com/office/powerpoint/2012/main" xmlns:ahyp="http://schemas.microsoft.com/office/drawing/2018/hyperlinkcolor">
+<p:sld xmlns:a="http://schemas.openxmlformats.org/drawingml/2006/main" xmlns:r="http://schemas.openxmlformats.org/officeDocument/2006/relationships" xmlns:p="http://schemas.openxmlformats.org/presentationml/2006/main">
   <p:cSld>
     <p:spTree>
       <p:nvGrpSpPr>
-        <p:cNvPr id="194" name="Shape 194"/>
+        <p:cNvPr id="1" name=""/>
+        <p:cNvGrpSpPr/>
+        <p:nvPr/>
+      </p:nvGrpSpPr>
+      <p:grpSpPr>
+        <a:xfrm>
+          <a:off x="0" y="0"/>
+          <a:ext cx="0" cy="0"/>
+          <a:chOff x="0" y="0"/>
+          <a:chExt cx="0" cy="0"/>
+        </a:xfrm>
+      </p:grpSpPr>
+      <p:sp>
+        <p:nvSpPr>
+          <p:cNvPr id="5" name="Title 4">
+            <a:extLst>
+              <a:ext uri="{FF2B5EF4-FFF2-40B4-BE49-F238E27FC236}">
+                <a16:creationId xmlns:a16="http://schemas.microsoft.com/office/drawing/2014/main" id="{B5934F1C-E948-17AE-F765-D47F5EDF8A28}"/>
+              </a:ext>
+            </a:extLst>
+          </p:cNvPr>
+          <p:cNvSpPr>
+            <a:spLocks noGrp="1"/>
+          </p:cNvSpPr>
+          <p:nvPr>
+            <p:ph type="title"/>
+          </p:nvPr>
+        </p:nvSpPr>
+        <p:spPr/>
+        <p:txBody>
+          <a:bodyPr/>
+          <a:lstStyle/>
+          <a:p>
+            <a:r>
+              <a:rPr lang="en-US" b="1" dirty="0"/>
+              <a:t>What a game loop looks like:</a:t>
+            </a:r>
+            <a:endParaRPr lang="en-IN" b="1" dirty="0"/>
+          </a:p>
+        </p:txBody>
+      </p:sp>
+      <p:sp>
+        <p:nvSpPr>
+          <p:cNvPr id="10" name="TextBox 9">
+            <a:extLst>
+              <a:ext uri="{FF2B5EF4-FFF2-40B4-BE49-F238E27FC236}">
+                <a16:creationId xmlns:a16="http://schemas.microsoft.com/office/drawing/2014/main" id="{B8607F2E-2D28-7602-E55D-3CC484D2E629}"/>
+              </a:ext>
+            </a:extLst>
+          </p:cNvPr>
+          <p:cNvSpPr txBox="1"/>
+          <p:nvPr/>
+        </p:nvSpPr>
+        <p:spPr>
+          <a:xfrm>
+            <a:off x="766294" y="3580199"/>
+            <a:ext cx="7611411" cy="1169551"/>
+          </a:xfrm>
+          <a:prstGeom prst="rect">
+            <a:avLst/>
+          </a:prstGeom>
+          <a:noFill/>
+        </p:spPr>
+        <p:txBody>
+          <a:bodyPr wrap="square" rtlCol="0">
+            <a:spAutoFit/>
+          </a:bodyPr>
+          <a:lstStyle/>
+          <a:p>
+            <a:r>
+              <a:rPr lang="en-US" dirty="0">
+                <a:solidFill>
+                  <a:schemeClr val="bg1"/>
+                </a:solidFill>
+              </a:rPr>
+              <a:t>Implementing an efficient and well-structured game loop is crucial for achieving smooth gameplay and maintaining a consistent user experience. The loop needs to strike a balance between updating the game state frequently enough to ensure responsiveness and rendering frames at a suitable frame rate to prevent issues like screen tearing or stuttering.</a:t>
+            </a:r>
+          </a:p>
+          <a:p>
+            <a:endParaRPr lang="en-IN" dirty="0">
+              <a:solidFill>
+                <a:schemeClr val="bg1"/>
+              </a:solidFill>
+            </a:endParaRPr>
+          </a:p>
+        </p:txBody>
+      </p:sp>
+    </p:spTree>
+    <p:extLst>
+      <p:ext uri="{BB962C8B-B14F-4D97-AF65-F5344CB8AC3E}">
+        <p14:creationId xmlns:p14="http://schemas.microsoft.com/office/powerpoint/2010/main" val="2313947650"/>
+      </p:ext>
+    </p:extLst>
+  </p:cSld>
+  <p:clrMapOvr>
+    <a:masterClrMapping/>
+  </p:clrMapOvr>
+</p:sld>
+</file>
+
+<file path=ppt/slides/slide12.xml><?xml version="1.0" encoding="utf-8"?>
+<p:sld xmlns:a="http://schemas.openxmlformats.org/drawingml/2006/main" xmlns:r="http://schemas.openxmlformats.org/officeDocument/2006/relationships" xmlns:p="http://schemas.openxmlformats.org/presentationml/2006/main">
+  <p:cSld>
+    <p:spTree>
+      <p:nvGrpSpPr>
+        <p:cNvPr id="1" name="Shape 194"/>
         <p:cNvGrpSpPr/>
         <p:nvPr/>
       </p:nvGrpSpPr>
@@ -10736,7 +10959,9 @@
       <p:sp>
         <p:nvSpPr>
           <p:cNvPr id="195" name="Google Shape;195;p23"/>
-          <p:cNvSpPr txBox="1"/>
+          <p:cNvSpPr txBox="1">
+            <a:spLocks noGrp="1"/>
+          </p:cNvSpPr>
           <p:nvPr>
             <p:ph type="title"/>
           </p:nvPr>
@@ -10751,12 +10976,12 @@
           </a:prstGeom>
         </p:spPr>
         <p:txBody>
-          <a:bodyPr anchorCtr="0" anchor="t" bIns="91425" lIns="91425" spcFirstLastPara="1" rIns="91425" wrap="square" tIns="91425">
+          <a:bodyPr spcFirstLastPara="1" wrap="square" lIns="91425" tIns="91425" rIns="91425" bIns="91425" anchor="t" anchorCtr="0">
             <a:normAutofit/>
           </a:bodyPr>
           <a:lstStyle/>
           <a:p>
-            <a:pPr indent="0" lvl="0" marL="0" rtl="0" algn="ctr">
+            <a:pPr marL="0" lvl="0" indent="0" algn="ctr" rtl="0">
               <a:spcBef>
                 <a:spcPts val="0"/>
               </a:spcBef>
@@ -10766,7 +10991,7 @@
               <a:buNone/>
             </a:pPr>
             <a:r>
-              <a:rPr b="1" lang="en"/>
+              <a:rPr lang="en" b="1"/>
               <a:t>2D Coordinate System</a:t>
             </a:r>
             <a:endParaRPr b="1"/>
@@ -10776,9 +11001,11 @@
       <p:sp>
         <p:nvSpPr>
           <p:cNvPr id="196" name="Google Shape;196;p23"/>
-          <p:cNvSpPr txBox="1"/>
+          <p:cNvSpPr txBox="1">
+            <a:spLocks noGrp="1"/>
+          </p:cNvSpPr>
           <p:nvPr>
-            <p:ph idx="1" type="body"/>
+            <p:ph type="body" idx="1"/>
           </p:nvPr>
         </p:nvSpPr>
         <p:spPr>
@@ -10791,12 +11018,12 @@
           </a:prstGeom>
         </p:spPr>
         <p:txBody>
-          <a:bodyPr anchorCtr="0" anchor="t" bIns="91425" lIns="91425" spcFirstLastPara="1" rIns="91425" wrap="square" tIns="91425">
+          <a:bodyPr spcFirstLastPara="1" wrap="square" lIns="91425" tIns="91425" rIns="91425" bIns="91425" anchor="t" anchorCtr="0">
             <a:normAutofit/>
           </a:bodyPr>
           <a:lstStyle/>
           <a:p>
-            <a:pPr indent="0" lvl="0" marL="0" rtl="0" algn="l">
+            <a:pPr marL="0" lvl="0" indent="0" algn="l" rtl="0">
               <a:spcBef>
                 <a:spcPts val="0"/>
               </a:spcBef>
@@ -10805,9 +11032,6 @@
               </a:spcAft>
               <a:buNone/>
             </a:pPr>
-            <a:r>
-              <a:t/>
-            </a:r>
             <a:endParaRPr/>
           </a:p>
         </p:txBody>
@@ -10820,12 +11044,12 @@
 </p:sld>
 </file>
 
-<file path=ppt/slides/slide12.xml><?xml version="1.0" encoding="utf-8"?>
-<p:sld xmlns:a="http://schemas.openxmlformats.org/drawingml/2006/main" xmlns:r="http://schemas.openxmlformats.org/officeDocument/2006/relationships" xmlns:mc="http://schemas.openxmlformats.org/markup-compatibility/2006" xmlns:mv="urn:schemas-microsoft-com:mac:vml" xmlns:p="http://schemas.openxmlformats.org/presentationml/2006/main" xmlns:c="http://schemas.openxmlformats.org/drawingml/2006/chart" xmlns:dgm="http://schemas.openxmlformats.org/drawingml/2006/diagram" xmlns:o="urn:schemas-microsoft-com:office:office" xmlns:v="urn:schemas-microsoft-com:vml" xmlns:pvml="urn:schemas-microsoft-com:office:powerpoint" xmlns:com="http://schemas.openxmlformats.org/drawingml/2006/compatibility" xmlns:p14="http://schemas.microsoft.com/office/powerpoint/2010/main" xmlns:p15="http://schemas.microsoft.com/office/powerpoint/2012/main" xmlns:ahyp="http://schemas.microsoft.com/office/drawing/2018/hyperlinkcolor">
+<file path=ppt/slides/slide13.xml><?xml version="1.0" encoding="utf-8"?>
+<p:sld xmlns:a="http://schemas.openxmlformats.org/drawingml/2006/main" xmlns:r="http://schemas.openxmlformats.org/officeDocument/2006/relationships" xmlns:p="http://schemas.openxmlformats.org/presentationml/2006/main">
   <p:cSld>
     <p:spTree>
       <p:nvGrpSpPr>
-        <p:cNvPr id="200" name="Shape 200"/>
+        <p:cNvPr id="1" name="Shape 200"/>
         <p:cNvGrpSpPr/>
         <p:nvPr/>
       </p:nvGrpSpPr>
@@ -10840,7 +11064,9 @@
       <p:sp>
         <p:nvSpPr>
           <p:cNvPr id="201" name="Google Shape;201;p24"/>
-          <p:cNvSpPr txBox="1"/>
+          <p:cNvSpPr txBox="1">
+            <a:spLocks noGrp="1"/>
+          </p:cNvSpPr>
           <p:nvPr>
             <p:ph type="title"/>
           </p:nvPr>
@@ -10855,12 +11081,12 @@
           </a:prstGeom>
         </p:spPr>
         <p:txBody>
-          <a:bodyPr anchorCtr="0" anchor="t" bIns="91425" lIns="91425" spcFirstLastPara="1" rIns="91425" wrap="square" tIns="91425">
+          <a:bodyPr spcFirstLastPara="1" wrap="square" lIns="91425" tIns="91425" rIns="91425" bIns="91425" anchor="t" anchorCtr="0">
             <a:normAutofit/>
           </a:bodyPr>
           <a:lstStyle/>
           <a:p>
-            <a:pPr indent="0" lvl="0" marL="0" rtl="0" algn="ctr">
+            <a:pPr marL="0" lvl="0" indent="0" algn="ctr" rtl="0">
               <a:spcBef>
                 <a:spcPts val="0"/>
               </a:spcBef>
@@ -10870,7 +11096,7 @@
               <a:buNone/>
             </a:pPr>
             <a:r>
-              <a:rPr b="1" lang="en"/>
+              <a:rPr lang="en" b="1"/>
               <a:t>Drawing Basic Shapes</a:t>
             </a:r>
             <a:endParaRPr b="1"/>
@@ -10880,9 +11106,11 @@
       <p:sp>
         <p:nvSpPr>
           <p:cNvPr id="202" name="Google Shape;202;p24"/>
-          <p:cNvSpPr txBox="1"/>
+          <p:cNvSpPr txBox="1">
+            <a:spLocks noGrp="1"/>
+          </p:cNvSpPr>
           <p:nvPr>
-            <p:ph idx="1" type="body"/>
+            <p:ph type="body" idx="1"/>
           </p:nvPr>
         </p:nvSpPr>
         <p:spPr>
@@ -10895,12 +11123,12 @@
           </a:prstGeom>
         </p:spPr>
         <p:txBody>
-          <a:bodyPr anchorCtr="0" anchor="t" bIns="91425" lIns="91425" spcFirstLastPara="1" rIns="91425" wrap="square" tIns="91425">
+          <a:bodyPr spcFirstLastPara="1" wrap="square" lIns="91425" tIns="91425" rIns="91425" bIns="91425" anchor="t" anchorCtr="0">
             <a:normAutofit/>
           </a:bodyPr>
           <a:lstStyle/>
           <a:p>
-            <a:pPr indent="0" lvl="0" marL="0" rtl="0" algn="l">
+            <a:pPr marL="0" lvl="0" indent="0" algn="l" rtl="0">
               <a:spcBef>
                 <a:spcPts val="0"/>
               </a:spcBef>
@@ -10909,9 +11137,6 @@
               </a:spcAft>
               <a:buNone/>
             </a:pPr>
-            <a:r>
-              <a:t/>
-            </a:r>
             <a:endParaRPr/>
           </a:p>
         </p:txBody>
@@ -10924,12 +11149,12 @@
 </p:sld>
 </file>
 
-<file path=ppt/slides/slide13.xml><?xml version="1.0" encoding="utf-8"?>
-<p:sld xmlns:a="http://schemas.openxmlformats.org/drawingml/2006/main" xmlns:r="http://schemas.openxmlformats.org/officeDocument/2006/relationships" xmlns:mc="http://schemas.openxmlformats.org/markup-compatibility/2006" xmlns:mv="urn:schemas-microsoft-com:mac:vml" xmlns:p="http://schemas.openxmlformats.org/presentationml/2006/main" xmlns:c="http://schemas.openxmlformats.org/drawingml/2006/chart" xmlns:dgm="http://schemas.openxmlformats.org/drawingml/2006/diagram" xmlns:o="urn:schemas-microsoft-com:office:office" xmlns:v="urn:schemas-microsoft-com:vml" xmlns:pvml="urn:schemas-microsoft-com:office:powerpoint" xmlns:com="http://schemas.openxmlformats.org/drawingml/2006/compatibility" xmlns:p14="http://schemas.microsoft.com/office/powerpoint/2010/main" xmlns:p15="http://schemas.microsoft.com/office/powerpoint/2012/main" xmlns:ahyp="http://schemas.microsoft.com/office/drawing/2018/hyperlinkcolor">
+<file path=ppt/slides/slide14.xml><?xml version="1.0" encoding="utf-8"?>
+<p:sld xmlns:a="http://schemas.openxmlformats.org/drawingml/2006/main" xmlns:r="http://schemas.openxmlformats.org/officeDocument/2006/relationships" xmlns:p="http://schemas.openxmlformats.org/presentationml/2006/main">
   <p:cSld>
     <p:spTree>
       <p:nvGrpSpPr>
-        <p:cNvPr id="206" name="Shape 206"/>
+        <p:cNvPr id="1" name="Shape 206"/>
         <p:cNvGrpSpPr/>
         <p:nvPr/>
       </p:nvGrpSpPr>
@@ -10944,7 +11169,9 @@
       <p:sp>
         <p:nvSpPr>
           <p:cNvPr id="207" name="Google Shape;207;p25"/>
-          <p:cNvSpPr txBox="1"/>
+          <p:cNvSpPr txBox="1">
+            <a:spLocks noGrp="1"/>
+          </p:cNvSpPr>
           <p:nvPr>
             <p:ph type="title"/>
           </p:nvPr>
@@ -10959,12 +11186,12 @@
           </a:prstGeom>
         </p:spPr>
         <p:txBody>
-          <a:bodyPr anchorCtr="0" anchor="t" bIns="91425" lIns="91425" spcFirstLastPara="1" rIns="91425" wrap="square" tIns="91425">
+          <a:bodyPr spcFirstLastPara="1" wrap="square" lIns="91425" tIns="91425" rIns="91425" bIns="91425" anchor="t" anchorCtr="0">
             <a:normAutofit/>
           </a:bodyPr>
           <a:lstStyle/>
           <a:p>
-            <a:pPr indent="0" lvl="0" marL="0" rtl="0" algn="ctr">
+            <a:pPr marL="0" lvl="0" indent="0" algn="ctr" rtl="0">
               <a:spcBef>
                 <a:spcPts val="0"/>
               </a:spcBef>
@@ -10974,7 +11201,7 @@
               <a:buNone/>
             </a:pPr>
             <a:r>
-              <a:rPr b="1" lang="en"/>
+              <a:rPr lang="en" b="1"/>
               <a:t>Delta Time</a:t>
             </a:r>
             <a:endParaRPr b="1"/>
@@ -10984,9 +11211,11 @@
       <p:sp>
         <p:nvSpPr>
           <p:cNvPr id="208" name="Google Shape;208;p25"/>
-          <p:cNvSpPr txBox="1"/>
+          <p:cNvSpPr txBox="1">
+            <a:spLocks noGrp="1"/>
+          </p:cNvSpPr>
           <p:nvPr>
-            <p:ph idx="1" type="body"/>
+            <p:ph type="body" idx="1"/>
           </p:nvPr>
         </p:nvSpPr>
         <p:spPr>
@@ -10999,12 +11228,12 @@
           </a:prstGeom>
         </p:spPr>
         <p:txBody>
-          <a:bodyPr anchorCtr="0" anchor="t" bIns="91425" lIns="91425" spcFirstLastPara="1" rIns="91425" wrap="square" tIns="91425">
+          <a:bodyPr spcFirstLastPara="1" wrap="square" lIns="91425" tIns="91425" rIns="91425" bIns="91425" anchor="t" anchorCtr="0">
             <a:normAutofit/>
           </a:bodyPr>
           <a:lstStyle/>
           <a:p>
-            <a:pPr indent="0" lvl="0" marL="0" rtl="0" algn="l">
+            <a:pPr marL="0" lvl="0" indent="0" algn="l" rtl="0">
               <a:spcBef>
                 <a:spcPts val="0"/>
               </a:spcBef>
@@ -11013,9 +11242,6 @@
               </a:spcAft>
               <a:buNone/>
             </a:pPr>
-            <a:r>
-              <a:t/>
-            </a:r>
             <a:endParaRPr/>
           </a:p>
         </p:txBody>
@@ -11028,12 +11254,12 @@
 </p:sld>
 </file>
 
-<file path=ppt/slides/slide14.xml><?xml version="1.0" encoding="utf-8"?>
-<p:sld xmlns:a="http://schemas.openxmlformats.org/drawingml/2006/main" xmlns:r="http://schemas.openxmlformats.org/officeDocument/2006/relationships" xmlns:mc="http://schemas.openxmlformats.org/markup-compatibility/2006" xmlns:mv="urn:schemas-microsoft-com:mac:vml" xmlns:p="http://schemas.openxmlformats.org/presentationml/2006/main" xmlns:c="http://schemas.openxmlformats.org/drawingml/2006/chart" xmlns:dgm="http://schemas.openxmlformats.org/drawingml/2006/diagram" xmlns:o="urn:schemas-microsoft-com:office:office" xmlns:v="urn:schemas-microsoft-com:vml" xmlns:pvml="urn:schemas-microsoft-com:office:powerpoint" xmlns:com="http://schemas.openxmlformats.org/drawingml/2006/compatibility" xmlns:p14="http://schemas.microsoft.com/office/powerpoint/2010/main" xmlns:p15="http://schemas.microsoft.com/office/powerpoint/2012/main" xmlns:ahyp="http://schemas.microsoft.com/office/drawing/2018/hyperlinkcolor">
+<file path=ppt/slides/slide15.xml><?xml version="1.0" encoding="utf-8"?>
+<p:sld xmlns:a="http://schemas.openxmlformats.org/drawingml/2006/main" xmlns:r="http://schemas.openxmlformats.org/officeDocument/2006/relationships" xmlns:p="http://schemas.openxmlformats.org/presentationml/2006/main">
   <p:cSld>
     <p:spTree>
       <p:nvGrpSpPr>
-        <p:cNvPr id="212" name="Shape 212"/>
+        <p:cNvPr id="1" name="Shape 212"/>
         <p:cNvGrpSpPr/>
         <p:nvPr/>
       </p:nvGrpSpPr>
@@ -11048,7 +11274,9 @@
       <p:sp>
         <p:nvSpPr>
           <p:cNvPr id="213" name="Google Shape;213;p26"/>
-          <p:cNvSpPr txBox="1"/>
+          <p:cNvSpPr txBox="1">
+            <a:spLocks noGrp="1"/>
+          </p:cNvSpPr>
           <p:nvPr>
             <p:ph type="title"/>
           </p:nvPr>
@@ -11063,12 +11291,12 @@
           </a:prstGeom>
         </p:spPr>
         <p:txBody>
-          <a:bodyPr anchorCtr="0" anchor="t" bIns="91425" lIns="91425" spcFirstLastPara="1" rIns="91425" wrap="square" tIns="91425">
+          <a:bodyPr spcFirstLastPara="1" wrap="square" lIns="91425" tIns="91425" rIns="91425" bIns="91425" anchor="t" anchorCtr="0">
             <a:normAutofit/>
           </a:bodyPr>
           <a:lstStyle/>
           <a:p>
-            <a:pPr indent="0" lvl="0" marL="0" rtl="0" algn="ctr">
+            <a:pPr marL="0" lvl="0" indent="0" algn="ctr" rtl="0">
               <a:spcBef>
                 <a:spcPts val="0"/>
               </a:spcBef>
@@ -11078,7 +11306,7 @@
               <a:buNone/>
             </a:pPr>
             <a:r>
-              <a:rPr b="1" lang="en"/>
+              <a:rPr lang="en" b="1"/>
               <a:t>AABB Collision</a:t>
             </a:r>
             <a:endParaRPr b="1"/>
@@ -11088,9 +11316,11 @@
       <p:sp>
         <p:nvSpPr>
           <p:cNvPr id="214" name="Google Shape;214;p26"/>
-          <p:cNvSpPr txBox="1"/>
+          <p:cNvSpPr txBox="1">
+            <a:spLocks noGrp="1"/>
+          </p:cNvSpPr>
           <p:nvPr>
-            <p:ph idx="1" type="body"/>
+            <p:ph type="body" idx="1"/>
           </p:nvPr>
         </p:nvSpPr>
         <p:spPr>
@@ -11103,12 +11333,12 @@
           </a:prstGeom>
         </p:spPr>
         <p:txBody>
-          <a:bodyPr anchorCtr="0" anchor="t" bIns="91425" lIns="91425" spcFirstLastPara="1" rIns="91425" wrap="square" tIns="91425">
+          <a:bodyPr spcFirstLastPara="1" wrap="square" lIns="91425" tIns="91425" rIns="91425" bIns="91425" anchor="t" anchorCtr="0">
             <a:normAutofit/>
           </a:bodyPr>
           <a:lstStyle/>
           <a:p>
-            <a:pPr indent="0" lvl="0" marL="0" rtl="0" algn="l">
+            <a:pPr marL="0" lvl="0" indent="0" algn="l" rtl="0">
               <a:spcBef>
                 <a:spcPts val="0"/>
               </a:spcBef>
@@ -11117,9 +11347,6 @@
               </a:spcAft>
               <a:buNone/>
             </a:pPr>
-            <a:r>
-              <a:t/>
-            </a:r>
             <a:endParaRPr/>
           </a:p>
         </p:txBody>
@@ -11132,12 +11359,12 @@
 </p:sld>
 </file>
 
-<file path=ppt/slides/slide15.xml><?xml version="1.0" encoding="utf-8"?>
-<p:sld xmlns:a="http://schemas.openxmlformats.org/drawingml/2006/main" xmlns:r="http://schemas.openxmlformats.org/officeDocument/2006/relationships" xmlns:mc="http://schemas.openxmlformats.org/markup-compatibility/2006" xmlns:mv="urn:schemas-microsoft-com:mac:vml" xmlns:p="http://schemas.openxmlformats.org/presentationml/2006/main" xmlns:c="http://schemas.openxmlformats.org/drawingml/2006/chart" xmlns:dgm="http://schemas.openxmlformats.org/drawingml/2006/diagram" xmlns:o="urn:schemas-microsoft-com:office:office" xmlns:v="urn:schemas-microsoft-com:vml" xmlns:pvml="urn:schemas-microsoft-com:office:powerpoint" xmlns:com="http://schemas.openxmlformats.org/drawingml/2006/compatibility" xmlns:p14="http://schemas.microsoft.com/office/powerpoint/2010/main" xmlns:p15="http://schemas.microsoft.com/office/powerpoint/2012/main" xmlns:ahyp="http://schemas.microsoft.com/office/drawing/2018/hyperlinkcolor">
+<file path=ppt/slides/slide16.xml><?xml version="1.0" encoding="utf-8"?>
+<p:sld xmlns:a="http://schemas.openxmlformats.org/drawingml/2006/main" xmlns:r="http://schemas.openxmlformats.org/officeDocument/2006/relationships" xmlns:p="http://schemas.openxmlformats.org/presentationml/2006/main">
   <p:cSld>
     <p:spTree>
       <p:nvGrpSpPr>
-        <p:cNvPr id="218" name="Shape 218"/>
+        <p:cNvPr id="1" name="Shape 218"/>
         <p:cNvGrpSpPr/>
         <p:nvPr/>
       </p:nvGrpSpPr>
@@ -11152,7 +11379,9 @@
       <p:sp>
         <p:nvSpPr>
           <p:cNvPr id="219" name="Google Shape;219;p27"/>
-          <p:cNvSpPr txBox="1"/>
+          <p:cNvSpPr txBox="1">
+            <a:spLocks noGrp="1"/>
+          </p:cNvSpPr>
           <p:nvPr>
             <p:ph type="title"/>
           </p:nvPr>
@@ -11167,12 +11396,12 @@
           </a:prstGeom>
         </p:spPr>
         <p:txBody>
-          <a:bodyPr anchorCtr="0" anchor="t" bIns="91425" lIns="91425" spcFirstLastPara="1" rIns="91425" wrap="square" tIns="91425">
+          <a:bodyPr spcFirstLastPara="1" wrap="square" lIns="91425" tIns="91425" rIns="91425" bIns="91425" anchor="t" anchorCtr="0">
             <a:normAutofit/>
           </a:bodyPr>
           <a:lstStyle/>
           <a:p>
-            <a:pPr indent="0" lvl="0" marL="0" rtl="0" algn="ctr">
+            <a:pPr marL="0" lvl="0" indent="0" algn="ctr" rtl="0">
               <a:spcBef>
                 <a:spcPts val="0"/>
               </a:spcBef>
@@ -11182,7 +11411,7 @@
               <a:buNone/>
             </a:pPr>
             <a:r>
-              <a:rPr b="1" lang="en"/>
+              <a:rPr lang="en" b="1"/>
               <a:t>Sprites</a:t>
             </a:r>
             <a:endParaRPr b="1"/>
@@ -11192,9 +11421,11 @@
       <p:sp>
         <p:nvSpPr>
           <p:cNvPr id="220" name="Google Shape;220;p27"/>
-          <p:cNvSpPr txBox="1"/>
+          <p:cNvSpPr txBox="1">
+            <a:spLocks noGrp="1"/>
+          </p:cNvSpPr>
           <p:nvPr>
-            <p:ph idx="1" type="body"/>
+            <p:ph type="body" idx="1"/>
           </p:nvPr>
         </p:nvSpPr>
         <p:spPr>
@@ -11207,12 +11438,12 @@
           </a:prstGeom>
         </p:spPr>
         <p:txBody>
-          <a:bodyPr anchorCtr="0" anchor="t" bIns="91425" lIns="91425" spcFirstLastPara="1" rIns="91425" wrap="square" tIns="91425">
+          <a:bodyPr spcFirstLastPara="1" wrap="square" lIns="91425" tIns="91425" rIns="91425" bIns="91425" anchor="t" anchorCtr="0">
             <a:normAutofit/>
           </a:bodyPr>
           <a:lstStyle/>
           <a:p>
-            <a:pPr indent="0" lvl="0" marL="0" rtl="0" algn="l">
+            <a:pPr marL="0" lvl="0" indent="0" algn="l" rtl="0">
               <a:spcBef>
                 <a:spcPts val="0"/>
               </a:spcBef>
@@ -11221,9 +11452,6 @@
               </a:spcAft>
               <a:buNone/>
             </a:pPr>
-            <a:r>
-              <a:t/>
-            </a:r>
             <a:endParaRPr/>
           </a:p>
         </p:txBody>
@@ -11236,12 +11464,12 @@
 </p:sld>
 </file>
 
-<file path=ppt/slides/slide16.xml><?xml version="1.0" encoding="utf-8"?>
-<p:sld xmlns:a="http://schemas.openxmlformats.org/drawingml/2006/main" xmlns:r="http://schemas.openxmlformats.org/officeDocument/2006/relationships" xmlns:mc="http://schemas.openxmlformats.org/markup-compatibility/2006" xmlns:mv="urn:schemas-microsoft-com:mac:vml" xmlns:p="http://schemas.openxmlformats.org/presentationml/2006/main" xmlns:c="http://schemas.openxmlformats.org/drawingml/2006/chart" xmlns:dgm="http://schemas.openxmlformats.org/drawingml/2006/diagram" xmlns:o="urn:schemas-microsoft-com:office:office" xmlns:v="urn:schemas-microsoft-com:vml" xmlns:pvml="urn:schemas-microsoft-com:office:powerpoint" xmlns:com="http://schemas.openxmlformats.org/drawingml/2006/compatibility" xmlns:p14="http://schemas.microsoft.com/office/powerpoint/2010/main" xmlns:p15="http://schemas.microsoft.com/office/powerpoint/2012/main" xmlns:ahyp="http://schemas.microsoft.com/office/drawing/2018/hyperlinkcolor">
+<file path=ppt/slides/slide17.xml><?xml version="1.0" encoding="utf-8"?>
+<p:sld xmlns:a="http://schemas.openxmlformats.org/drawingml/2006/main" xmlns:r="http://schemas.openxmlformats.org/officeDocument/2006/relationships" xmlns:p="http://schemas.openxmlformats.org/presentationml/2006/main">
   <p:cSld>
     <p:spTree>
       <p:nvGrpSpPr>
-        <p:cNvPr id="224" name="Shape 224"/>
+        <p:cNvPr id="1" name="Shape 224"/>
         <p:cNvGrpSpPr/>
         <p:nvPr/>
       </p:nvGrpSpPr>
@@ -11256,7 +11484,9 @@
       <p:sp>
         <p:nvSpPr>
           <p:cNvPr id="225" name="Google Shape;225;p28"/>
-          <p:cNvSpPr txBox="1"/>
+          <p:cNvSpPr txBox="1">
+            <a:spLocks noGrp="1"/>
+          </p:cNvSpPr>
           <p:nvPr>
             <p:ph type="title"/>
           </p:nvPr>
@@ -11271,12 +11501,12 @@
           </a:prstGeom>
         </p:spPr>
         <p:txBody>
-          <a:bodyPr anchorCtr="0" anchor="t" bIns="91425" lIns="91425" spcFirstLastPara="1" rIns="91425" wrap="square" tIns="91425">
+          <a:bodyPr spcFirstLastPara="1" wrap="square" lIns="91425" tIns="91425" rIns="91425" bIns="91425" anchor="t" anchorCtr="0">
             <a:normAutofit/>
           </a:bodyPr>
           <a:lstStyle/>
           <a:p>
-            <a:pPr indent="0" lvl="0" marL="0" rtl="0" algn="ctr">
+            <a:pPr marL="0" lvl="0" indent="0" algn="ctr" rtl="0">
               <a:spcBef>
                 <a:spcPts val="0"/>
               </a:spcBef>
@@ -11286,12 +11516,8 @@
               <a:buNone/>
             </a:pPr>
             <a:r>
-              <a:rPr b="1" lang="en"/>
-              <a:t>Instantiation</a:t>
-            </a:r>
-            <a:r>
-              <a:rPr b="1" lang="en"/>
-              <a:t> (Spawning)</a:t>
+              <a:rPr lang="en" b="1"/>
+              <a:t>Instantiation (Spawning)</a:t>
             </a:r>
             <a:endParaRPr b="1"/>
           </a:p>
@@ -11300,9 +11526,11 @@
       <p:sp>
         <p:nvSpPr>
           <p:cNvPr id="226" name="Google Shape;226;p28"/>
-          <p:cNvSpPr txBox="1"/>
+          <p:cNvSpPr txBox="1">
+            <a:spLocks noGrp="1"/>
+          </p:cNvSpPr>
           <p:nvPr>
-            <p:ph idx="1" type="body"/>
+            <p:ph type="body" idx="1"/>
           </p:nvPr>
         </p:nvSpPr>
         <p:spPr>
@@ -11315,12 +11543,12 @@
           </a:prstGeom>
         </p:spPr>
         <p:txBody>
-          <a:bodyPr anchorCtr="0" anchor="t" bIns="91425" lIns="91425" spcFirstLastPara="1" rIns="91425" wrap="square" tIns="91425">
+          <a:bodyPr spcFirstLastPara="1" wrap="square" lIns="91425" tIns="91425" rIns="91425" bIns="91425" anchor="t" anchorCtr="0">
             <a:normAutofit/>
           </a:bodyPr>
           <a:lstStyle/>
           <a:p>
-            <a:pPr indent="0" lvl="0" marL="0" rtl="0" algn="l">
+            <a:pPr marL="0" lvl="0" indent="0" algn="l" rtl="0">
               <a:spcBef>
                 <a:spcPts val="0"/>
               </a:spcBef>
@@ -11329,9 +11557,6 @@
               </a:spcAft>
               <a:buNone/>
             </a:pPr>
-            <a:r>
-              <a:t/>
-            </a:r>
             <a:endParaRPr/>
           </a:p>
         </p:txBody>
@@ -11345,11 +11570,11 @@
 </file>
 
 <file path=ppt/slides/slide2.xml><?xml version="1.0" encoding="utf-8"?>
-<p:sld xmlns:a="http://schemas.openxmlformats.org/drawingml/2006/main" xmlns:r="http://schemas.openxmlformats.org/officeDocument/2006/relationships" xmlns:mc="http://schemas.openxmlformats.org/markup-compatibility/2006" xmlns:mv="urn:schemas-microsoft-com:mac:vml" xmlns:p="http://schemas.openxmlformats.org/presentationml/2006/main" xmlns:c="http://schemas.openxmlformats.org/drawingml/2006/chart" xmlns:dgm="http://schemas.openxmlformats.org/drawingml/2006/diagram" xmlns:o="urn:schemas-microsoft-com:office:office" xmlns:v="urn:schemas-microsoft-com:vml" xmlns:pvml="urn:schemas-microsoft-com:office:powerpoint" xmlns:com="http://schemas.openxmlformats.org/drawingml/2006/compatibility" xmlns:p14="http://schemas.microsoft.com/office/powerpoint/2010/main" xmlns:p15="http://schemas.microsoft.com/office/powerpoint/2012/main" xmlns:ahyp="http://schemas.microsoft.com/office/drawing/2018/hyperlinkcolor">
+<p:sld xmlns:a="http://schemas.openxmlformats.org/drawingml/2006/main" xmlns:r="http://schemas.openxmlformats.org/officeDocument/2006/relationships" xmlns:p="http://schemas.openxmlformats.org/presentationml/2006/main">
   <p:cSld>
     <p:spTree>
       <p:nvGrpSpPr>
-        <p:cNvPr id="139" name="Shape 139"/>
+        <p:cNvPr id="1" name="Shape 139"/>
         <p:cNvGrpSpPr/>
         <p:nvPr/>
       </p:nvGrpSpPr>
@@ -11364,7 +11589,9 @@
       <p:sp>
         <p:nvSpPr>
           <p:cNvPr id="140" name="Google Shape;140;p14"/>
-          <p:cNvSpPr txBox="1"/>
+          <p:cNvSpPr txBox="1">
+            <a:spLocks noGrp="1"/>
+          </p:cNvSpPr>
           <p:nvPr>
             <p:ph type="title"/>
           </p:nvPr>
@@ -11379,12 +11606,12 @@
           </a:prstGeom>
         </p:spPr>
         <p:txBody>
-          <a:bodyPr anchorCtr="0" anchor="t" bIns="91425" lIns="91425" spcFirstLastPara="1" rIns="91425" wrap="square" tIns="91425">
+          <a:bodyPr spcFirstLastPara="1" wrap="square" lIns="91425" tIns="91425" rIns="91425" bIns="91425" anchor="t" anchorCtr="0">
             <a:noAutofit/>
           </a:bodyPr>
           <a:lstStyle/>
           <a:p>
-            <a:pPr indent="0" lvl="0" marL="0" rtl="0" algn="ctr">
+            <a:pPr marL="0" lvl="0" indent="0" algn="ctr" rtl="0">
               <a:spcBef>
                 <a:spcPts val="0"/>
               </a:spcBef>
@@ -11399,7 +11626,7 @@
               <a:t>“</a:t>
             </a:r>
             <a:r>
-              <a:rPr i="1" lang="en" sz="2560"/>
+              <a:rPr lang="en" sz="2560" i="1"/>
               <a:t>Introduction</a:t>
             </a:r>
             <a:r>
@@ -11409,7 +11636,7 @@
             <a:endParaRPr sz="2560"/>
           </a:p>
           <a:p>
-            <a:pPr indent="0" lvl="0" marL="0" rtl="0" algn="ctr">
+            <a:pPr marL="0" lvl="0" indent="0" algn="ctr" rtl="0">
               <a:spcBef>
                 <a:spcPts val="0"/>
               </a:spcBef>
@@ -11420,19 +11647,21 @@
               <a:buNone/>
             </a:pPr>
             <a:r>
-              <a:rPr b="1" lang="en" sz="2060"/>
+              <a:rPr lang="en" sz="2060" b="1"/>
               <a:t>Welcome to the World of Game Development with Lua!</a:t>
             </a:r>
-            <a:endParaRPr b="1" sz="2060"/>
+            <a:endParaRPr sz="2060" b="1"/>
           </a:p>
         </p:txBody>
       </p:sp>
       <p:sp>
         <p:nvSpPr>
           <p:cNvPr id="141" name="Google Shape;141;p14"/>
-          <p:cNvSpPr txBox="1"/>
+          <p:cNvSpPr txBox="1">
+            <a:spLocks noGrp="1"/>
+          </p:cNvSpPr>
           <p:nvPr>
-            <p:ph idx="1" type="body"/>
+            <p:ph type="body" idx="1"/>
           </p:nvPr>
         </p:nvSpPr>
         <p:spPr>
@@ -11445,12 +11674,12 @@
           </a:prstGeom>
         </p:spPr>
         <p:txBody>
-          <a:bodyPr anchorCtr="0" anchor="t" bIns="91425" lIns="91425" spcFirstLastPara="1" rIns="91425" wrap="square" tIns="91425">
+          <a:bodyPr spcFirstLastPara="1" wrap="square" lIns="91425" tIns="91425" rIns="91425" bIns="91425" anchor="t" anchorCtr="0">
             <a:normAutofit/>
           </a:bodyPr>
           <a:lstStyle/>
           <a:p>
-            <a:pPr indent="0" lvl="0" marL="0" rtl="0" algn="l">
+            <a:pPr marL="0" lvl="0" indent="0" algn="l" rtl="0">
               <a:spcBef>
                 <a:spcPts val="0"/>
               </a:spcBef>
@@ -11466,7 +11695,7 @@
             <a:endParaRPr sz="1700"/>
           </a:p>
           <a:p>
-            <a:pPr indent="0" lvl="0" marL="0" rtl="0" algn="l">
+            <a:pPr marL="0" lvl="0" indent="0" algn="l" rtl="0">
               <a:spcBef>
                 <a:spcPts val="1200"/>
               </a:spcBef>
@@ -11482,7 +11711,7 @@
             <a:endParaRPr sz="1700"/>
           </a:p>
           <a:p>
-            <a:pPr indent="0" lvl="0" marL="0" rtl="0" algn="l">
+            <a:pPr marL="0" lvl="0" indent="0" algn="l" rtl="0">
               <a:spcBef>
                 <a:spcPts val="1200"/>
               </a:spcBef>
@@ -11508,11 +11737,11 @@
 </file>
 
 <file path=ppt/slides/slide3.xml><?xml version="1.0" encoding="utf-8"?>
-<p:sld xmlns:a="http://schemas.openxmlformats.org/drawingml/2006/main" xmlns:r="http://schemas.openxmlformats.org/officeDocument/2006/relationships" xmlns:mc="http://schemas.openxmlformats.org/markup-compatibility/2006" xmlns:mv="urn:schemas-microsoft-com:mac:vml" xmlns:p="http://schemas.openxmlformats.org/presentationml/2006/main" xmlns:c="http://schemas.openxmlformats.org/drawingml/2006/chart" xmlns:dgm="http://schemas.openxmlformats.org/drawingml/2006/diagram" xmlns:o="urn:schemas-microsoft-com:office:office" xmlns:v="urn:schemas-microsoft-com:vml" xmlns:pvml="urn:schemas-microsoft-com:office:powerpoint" xmlns:com="http://schemas.openxmlformats.org/drawingml/2006/compatibility" xmlns:p14="http://schemas.microsoft.com/office/powerpoint/2010/main" xmlns:p15="http://schemas.microsoft.com/office/powerpoint/2012/main" xmlns:ahyp="http://schemas.microsoft.com/office/drawing/2018/hyperlinkcolor">
+<p:sld xmlns:a="http://schemas.openxmlformats.org/drawingml/2006/main" xmlns:r="http://schemas.openxmlformats.org/officeDocument/2006/relationships" xmlns:p="http://schemas.openxmlformats.org/presentationml/2006/main">
   <p:cSld>
     <p:spTree>
       <p:nvGrpSpPr>
-        <p:cNvPr id="145" name="Shape 145"/>
+        <p:cNvPr id="1" name="Shape 145"/>
         <p:cNvGrpSpPr/>
         <p:nvPr/>
       </p:nvGrpSpPr>
@@ -11527,7 +11756,9 @@
       <p:sp>
         <p:nvSpPr>
           <p:cNvPr id="146" name="Google Shape;146;p15"/>
-          <p:cNvSpPr txBox="1"/>
+          <p:cNvSpPr txBox="1">
+            <a:spLocks noGrp="1"/>
+          </p:cNvSpPr>
           <p:nvPr>
             <p:ph type="title"/>
           </p:nvPr>
@@ -11542,12 +11773,12 @@
           </a:prstGeom>
         </p:spPr>
         <p:txBody>
-          <a:bodyPr anchorCtr="0" anchor="t" bIns="91425" lIns="91425" spcFirstLastPara="1" rIns="91425" wrap="square" tIns="91425">
+          <a:bodyPr spcFirstLastPara="1" wrap="square" lIns="91425" tIns="91425" rIns="91425" bIns="91425" anchor="t" anchorCtr="0">
             <a:normAutofit/>
           </a:bodyPr>
           <a:lstStyle/>
           <a:p>
-            <a:pPr indent="0" lvl="0" marL="0" rtl="0" algn="ctr">
+            <a:pPr marL="0" lvl="0" indent="0" algn="ctr" rtl="0">
               <a:spcBef>
                 <a:spcPts val="0"/>
               </a:spcBef>
@@ -11557,7 +11788,7 @@
               <a:buNone/>
             </a:pPr>
             <a:r>
-              <a:rPr b="1" lang="en"/>
+              <a:rPr lang="en" b="1"/>
               <a:t>Why LUA?</a:t>
             </a:r>
             <a:endParaRPr b="1"/>
@@ -11567,9 +11798,11 @@
       <p:sp>
         <p:nvSpPr>
           <p:cNvPr id="147" name="Google Shape;147;p15"/>
-          <p:cNvSpPr txBox="1"/>
+          <p:cNvSpPr txBox="1">
+            <a:spLocks noGrp="1"/>
+          </p:cNvSpPr>
           <p:nvPr>
-            <p:ph idx="1" type="body"/>
+            <p:ph type="body" idx="1"/>
           </p:nvPr>
         </p:nvSpPr>
         <p:spPr>
@@ -11582,12 +11815,12 @@
           </a:prstGeom>
         </p:spPr>
         <p:txBody>
-          <a:bodyPr anchorCtr="0" anchor="t" bIns="91425" lIns="91425" spcFirstLastPara="1" rIns="91425" wrap="square" tIns="91425">
+          <a:bodyPr spcFirstLastPara="1" wrap="square" lIns="91425" tIns="91425" rIns="91425" bIns="91425" anchor="t" anchorCtr="0">
             <a:normAutofit/>
           </a:bodyPr>
           <a:lstStyle/>
           <a:p>
-            <a:pPr indent="-311150" lvl="0" marL="457200" rtl="0" algn="l">
+            <a:pPr marL="457200" lvl="0" indent="-311150" algn="l" rtl="0">
               <a:lnSpc>
                 <a:spcPct val="200000"/>
               </a:lnSpc>
@@ -11601,7 +11834,7 @@
               <a:buChar char="●"/>
             </a:pPr>
             <a:r>
-              <a:rPr b="1" lang="en"/>
+              <a:rPr lang="en" b="1"/>
               <a:t>Lua's Role in Game Dev</a:t>
             </a:r>
             <a:r>
@@ -11611,7 +11844,7 @@
             <a:endParaRPr/>
           </a:p>
           <a:p>
-            <a:pPr indent="-311150" lvl="0" marL="457200" rtl="0" algn="l">
+            <a:pPr marL="457200" lvl="0" indent="-311150" algn="l" rtl="0">
               <a:lnSpc>
                 <a:spcPct val="200000"/>
               </a:lnSpc>
@@ -11625,7 +11858,7 @@
               <a:buChar char="●"/>
             </a:pPr>
             <a:r>
-              <a:rPr b="1" lang="en"/>
+              <a:rPr lang="en" b="1"/>
               <a:t>Efficiency and Performance:</a:t>
             </a:r>
             <a:r>
@@ -11635,7 +11868,7 @@
             <a:endParaRPr/>
           </a:p>
           <a:p>
-            <a:pPr indent="-311150" lvl="0" marL="457200" rtl="0" algn="l">
+            <a:pPr marL="457200" lvl="0" indent="-311150" algn="l" rtl="0">
               <a:lnSpc>
                 <a:spcPct val="200000"/>
               </a:lnSpc>
@@ -11649,7 +11882,7 @@
               <a:buChar char="●"/>
             </a:pPr>
             <a:r>
-              <a:rPr b="1" lang="en"/>
+              <a:rPr lang="en" b="1"/>
               <a:t>Accessible for All</a:t>
             </a:r>
             <a:r>
@@ -11659,7 +11892,7 @@
             <a:endParaRPr/>
           </a:p>
           <a:p>
-            <a:pPr indent="-311150" lvl="0" marL="457200" rtl="0" algn="l">
+            <a:pPr marL="457200" lvl="0" indent="-311150" algn="l" rtl="0">
               <a:lnSpc>
                 <a:spcPct val="200000"/>
               </a:lnSpc>
@@ -11673,7 +11906,7 @@
               <a:buChar char="●"/>
             </a:pPr>
             <a:r>
-              <a:rPr b="1" lang="en"/>
+              <a:rPr lang="en" b="1"/>
               <a:t>Libraries: </a:t>
             </a:r>
             <a:r>
@@ -11693,11 +11926,11 @@
 </file>
 
 <file path=ppt/slides/slide4.xml><?xml version="1.0" encoding="utf-8"?>
-<p:sld xmlns:a="http://schemas.openxmlformats.org/drawingml/2006/main" xmlns:r="http://schemas.openxmlformats.org/officeDocument/2006/relationships" xmlns:mc="http://schemas.openxmlformats.org/markup-compatibility/2006" xmlns:mv="urn:schemas-microsoft-com:mac:vml" xmlns:p="http://schemas.openxmlformats.org/presentationml/2006/main" xmlns:c="http://schemas.openxmlformats.org/drawingml/2006/chart" xmlns:dgm="http://schemas.openxmlformats.org/drawingml/2006/diagram" xmlns:o="urn:schemas-microsoft-com:office:office" xmlns:v="urn:schemas-microsoft-com:vml" xmlns:pvml="urn:schemas-microsoft-com:office:powerpoint" xmlns:com="http://schemas.openxmlformats.org/drawingml/2006/compatibility" xmlns:p14="http://schemas.microsoft.com/office/powerpoint/2010/main" xmlns:p15="http://schemas.microsoft.com/office/powerpoint/2012/main" xmlns:ahyp="http://schemas.microsoft.com/office/drawing/2018/hyperlinkcolor">
+<p:sld xmlns:a="http://schemas.openxmlformats.org/drawingml/2006/main" xmlns:r="http://schemas.openxmlformats.org/officeDocument/2006/relationships" xmlns:p="http://schemas.openxmlformats.org/presentationml/2006/main">
   <p:cSld>
     <p:spTree>
       <p:nvGrpSpPr>
-        <p:cNvPr id="151" name="Shape 151"/>
+        <p:cNvPr id="1" name="Shape 151"/>
         <p:cNvGrpSpPr/>
         <p:nvPr/>
       </p:nvGrpSpPr>
@@ -11712,7 +11945,9 @@
       <p:sp>
         <p:nvSpPr>
           <p:cNvPr id="152" name="Google Shape;152;p16"/>
-          <p:cNvSpPr txBox="1"/>
+          <p:cNvSpPr txBox="1">
+            <a:spLocks noGrp="1"/>
+          </p:cNvSpPr>
           <p:nvPr>
             <p:ph type="title"/>
           </p:nvPr>
@@ -11727,12 +11962,12 @@
           </a:prstGeom>
         </p:spPr>
         <p:txBody>
-          <a:bodyPr anchorCtr="0" anchor="t" bIns="91425" lIns="91425" spcFirstLastPara="1" rIns="91425" wrap="square" tIns="91425">
+          <a:bodyPr spcFirstLastPara="1" wrap="square" lIns="91425" tIns="91425" rIns="91425" bIns="91425" anchor="t" anchorCtr="0">
             <a:normAutofit/>
           </a:bodyPr>
           <a:lstStyle/>
           <a:p>
-            <a:pPr indent="0" lvl="0" marL="0" rtl="0" algn="ctr">
+            <a:pPr marL="0" lvl="0" indent="0" algn="ctr" rtl="0">
               <a:spcBef>
                 <a:spcPts val="0"/>
               </a:spcBef>
@@ -11742,7 +11977,7 @@
               <a:buNone/>
             </a:pPr>
             <a:r>
-              <a:rPr b="1" lang="en"/>
+              <a:rPr lang="en" b="1"/>
               <a:t>Python VS Lua</a:t>
             </a:r>
             <a:endParaRPr b="1"/>
@@ -11752,9 +11987,11 @@
       <p:sp>
         <p:nvSpPr>
           <p:cNvPr id="153" name="Google Shape;153;p16"/>
-          <p:cNvSpPr txBox="1"/>
+          <p:cNvSpPr txBox="1">
+            <a:spLocks noGrp="1"/>
+          </p:cNvSpPr>
           <p:nvPr>
-            <p:ph idx="1" type="body"/>
+            <p:ph type="body" idx="1"/>
           </p:nvPr>
         </p:nvSpPr>
         <p:spPr>
@@ -11767,12 +12004,12 @@
           </a:prstGeom>
         </p:spPr>
         <p:txBody>
-          <a:bodyPr anchorCtr="0" anchor="t" bIns="91425" lIns="91425" spcFirstLastPara="1" rIns="91425" wrap="square" tIns="91425">
+          <a:bodyPr spcFirstLastPara="1" wrap="square" lIns="91425" tIns="91425" rIns="91425" bIns="91425" anchor="t" anchorCtr="0">
             <a:normAutofit/>
           </a:bodyPr>
           <a:lstStyle/>
           <a:p>
-            <a:pPr indent="0" lvl="0" marL="0" rtl="0" algn="l">
+            <a:pPr marL="0" lvl="0" indent="0" algn="l" rtl="0">
               <a:spcBef>
                 <a:spcPts val="0"/>
               </a:spcBef>
@@ -11781,9 +12018,6 @@
               </a:spcAft>
               <a:buNone/>
             </a:pPr>
-            <a:r>
-              <a:t/>
-            </a:r>
             <a:endParaRPr/>
           </a:p>
         </p:txBody>
@@ -11797,11 +12031,11 @@
 </file>
 
 <file path=ppt/slides/slide5.xml><?xml version="1.0" encoding="utf-8"?>
-<p:sld xmlns:a="http://schemas.openxmlformats.org/drawingml/2006/main" xmlns:r="http://schemas.openxmlformats.org/officeDocument/2006/relationships" xmlns:mc="http://schemas.openxmlformats.org/markup-compatibility/2006" xmlns:mv="urn:schemas-microsoft-com:mac:vml" xmlns:p="http://schemas.openxmlformats.org/presentationml/2006/main" xmlns:c="http://schemas.openxmlformats.org/drawingml/2006/chart" xmlns:dgm="http://schemas.openxmlformats.org/drawingml/2006/diagram" xmlns:o="urn:schemas-microsoft-com:office:office" xmlns:v="urn:schemas-microsoft-com:vml" xmlns:pvml="urn:schemas-microsoft-com:office:powerpoint" xmlns:com="http://schemas.openxmlformats.org/drawingml/2006/compatibility" xmlns:p14="http://schemas.microsoft.com/office/powerpoint/2010/main" xmlns:p15="http://schemas.microsoft.com/office/powerpoint/2012/main" xmlns:ahyp="http://schemas.microsoft.com/office/drawing/2018/hyperlinkcolor">
+<p:sld xmlns:a="http://schemas.openxmlformats.org/drawingml/2006/main" xmlns:r="http://schemas.openxmlformats.org/officeDocument/2006/relationships" xmlns:p="http://schemas.openxmlformats.org/presentationml/2006/main">
   <p:cSld>
     <p:spTree>
       <p:nvGrpSpPr>
-        <p:cNvPr id="157" name="Shape 157"/>
+        <p:cNvPr id="1" name="Shape 157"/>
         <p:cNvGrpSpPr/>
         <p:nvPr/>
       </p:nvGrpSpPr>
@@ -11816,7 +12050,9 @@
       <p:sp>
         <p:nvSpPr>
           <p:cNvPr id="158" name="Google Shape;158;p17"/>
-          <p:cNvSpPr txBox="1"/>
+          <p:cNvSpPr txBox="1">
+            <a:spLocks noGrp="1"/>
+          </p:cNvSpPr>
           <p:nvPr>
             <p:ph type="title"/>
           </p:nvPr>
@@ -11831,12 +12067,12 @@
           </a:prstGeom>
         </p:spPr>
         <p:txBody>
-          <a:bodyPr anchorCtr="0" anchor="t" bIns="91425" lIns="91425" spcFirstLastPara="1" rIns="91425" wrap="square" tIns="91425">
+          <a:bodyPr spcFirstLastPara="1" wrap="square" lIns="91425" tIns="91425" rIns="91425" bIns="91425" anchor="t" anchorCtr="0">
             <a:normAutofit/>
           </a:bodyPr>
           <a:lstStyle/>
           <a:p>
-            <a:pPr indent="0" lvl="0" marL="0" rtl="0" algn="ctr">
+            <a:pPr marL="0" lvl="0" indent="0" algn="ctr" rtl="0">
               <a:spcBef>
                 <a:spcPts val="0"/>
               </a:spcBef>
@@ -11850,16 +12086,8 @@
               <a:t>“</a:t>
             </a:r>
             <a:r>
-              <a:rPr b="1" lang="en"/>
-              <a:t>INTRODUCING </a:t>
-            </a:r>
-            <a:r>
-              <a:rPr b="1" lang="en"/>
-              <a:t>LÖVE</a:t>
-            </a:r>
-            <a:r>
-              <a:rPr b="1" lang="en"/>
-              <a:t>2D</a:t>
+              <a:rPr lang="en" b="1"/>
+              <a:t>INTRODUCING LÖVE2D</a:t>
             </a:r>
             <a:r>
               <a:rPr lang="en"/>
@@ -11945,12 +12173,12 @@
           </a:ln>
         </p:spPr>
         <p:txBody>
-          <a:bodyPr anchorCtr="0" anchor="ctr" bIns="91425" lIns="91425" spcFirstLastPara="1" rIns="91425" wrap="square" tIns="91425">
+          <a:bodyPr spcFirstLastPara="1" wrap="square" lIns="91425" tIns="91425" rIns="91425" bIns="91425" anchor="ctr" anchorCtr="0">
             <a:noAutofit/>
           </a:bodyPr>
           <a:lstStyle/>
           <a:p>
-            <a:pPr indent="0" lvl="0" marL="0" marR="0" rtl="0" algn="ctr">
+            <a:pPr marL="0" marR="0" lvl="0" indent="0" algn="ctr" rtl="0">
               <a:lnSpc>
                 <a:spcPct val="200000"/>
               </a:lnSpc>
@@ -11975,7 +12203,7 @@
               <a:t>LÖVE, often referred to as Love2D, is a popular </a:t>
             </a:r>
             <a:r>
-              <a:rPr b="1" lang="en" sz="1500">
+              <a:rPr lang="en" sz="1500" b="1">
                 <a:solidFill>
                   <a:schemeClr val="lt1"/>
                 </a:solidFill>
@@ -11999,7 +12227,7 @@
               <a:t> </a:t>
             </a:r>
             <a:r>
-              <a:rPr b="1" lang="en" sz="1500">
+              <a:rPr lang="en" sz="1500" b="1">
                 <a:solidFill>
                   <a:schemeClr val="lt1"/>
                 </a:solidFill>
@@ -12023,7 +12251,7 @@
               <a:t> that empowers developers to create 2D games, interactive applications, and multimedia experiences. Designed for </a:t>
             </a:r>
             <a:r>
-              <a:rPr b="1" lang="en" sz="1500">
+              <a:rPr lang="en" sz="1500" b="1">
                 <a:solidFill>
                   <a:schemeClr val="lt1"/>
                 </a:solidFill>
@@ -12047,7 +12275,7 @@
               <a:t> and </a:t>
             </a:r>
             <a:r>
-              <a:rPr b="1" lang="en" sz="1500">
+              <a:rPr lang="en" sz="1500" b="1">
                 <a:solidFill>
                   <a:schemeClr val="lt1"/>
                 </a:solidFill>
@@ -12071,7 +12299,7 @@
               <a:t>, Love2D is built using the </a:t>
             </a:r>
             <a:r>
-              <a:rPr b="1" lang="en" sz="1500">
+              <a:rPr lang="en" sz="1500" b="1">
                 <a:solidFill>
                   <a:schemeClr val="lt1"/>
                 </a:solidFill>
@@ -12095,7 +12323,7 @@
               <a:t> scripting language and provides a wide range of features for </a:t>
             </a:r>
             <a:r>
-              <a:rPr b="1" lang="en" sz="1500">
+              <a:rPr lang="en" sz="1500" b="1">
                 <a:solidFill>
                   <a:schemeClr val="lt1"/>
                 </a:solidFill>
@@ -12106,7 +12334,7 @@
               </a:rPr>
               <a:t>game development.</a:t>
             </a:r>
-            <a:endParaRPr b="1" sz="1500">
+            <a:endParaRPr sz="1500" b="1">
               <a:solidFill>
                 <a:schemeClr val="lt1"/>
               </a:solidFill>
@@ -12127,11 +12355,11 @@
 </file>
 
 <file path=ppt/slides/slide6.xml><?xml version="1.0" encoding="utf-8"?>
-<p:sld xmlns:a="http://schemas.openxmlformats.org/drawingml/2006/main" xmlns:r="http://schemas.openxmlformats.org/officeDocument/2006/relationships" xmlns:mc="http://schemas.openxmlformats.org/markup-compatibility/2006" xmlns:mv="urn:schemas-microsoft-com:mac:vml" xmlns:p="http://schemas.openxmlformats.org/presentationml/2006/main" xmlns:c="http://schemas.openxmlformats.org/drawingml/2006/chart" xmlns:dgm="http://schemas.openxmlformats.org/drawingml/2006/diagram" xmlns:o="urn:schemas-microsoft-com:office:office" xmlns:v="urn:schemas-microsoft-com:vml" xmlns:pvml="urn:schemas-microsoft-com:office:powerpoint" xmlns:com="http://schemas.openxmlformats.org/drawingml/2006/compatibility" xmlns:p14="http://schemas.microsoft.com/office/powerpoint/2010/main" xmlns:p15="http://schemas.microsoft.com/office/powerpoint/2012/main" xmlns:ahyp="http://schemas.microsoft.com/office/drawing/2018/hyperlinkcolor">
+<p:sld xmlns:a="http://schemas.openxmlformats.org/drawingml/2006/main" xmlns:r="http://schemas.openxmlformats.org/officeDocument/2006/relationships" xmlns:p="http://schemas.openxmlformats.org/presentationml/2006/main">
   <p:cSld>
     <p:spTree>
       <p:nvGrpSpPr>
-        <p:cNvPr id="165" name="Shape 165"/>
+        <p:cNvPr id="1" name="Shape 165"/>
         <p:cNvGrpSpPr/>
         <p:nvPr/>
       </p:nvGrpSpPr>
@@ -12146,7 +12374,9 @@
       <p:sp>
         <p:nvSpPr>
           <p:cNvPr id="166" name="Google Shape;166;p18"/>
-          <p:cNvSpPr txBox="1"/>
+          <p:cNvSpPr txBox="1">
+            <a:spLocks noGrp="1"/>
+          </p:cNvSpPr>
           <p:nvPr>
             <p:ph type="title"/>
           </p:nvPr>
@@ -12161,12 +12391,12 @@
           </a:prstGeom>
         </p:spPr>
         <p:txBody>
-          <a:bodyPr anchorCtr="0" anchor="t" bIns="91425" lIns="91425" spcFirstLastPara="1" rIns="91425" wrap="square" tIns="91425">
+          <a:bodyPr spcFirstLastPara="1" wrap="square" lIns="91425" tIns="91425" rIns="91425" bIns="91425" anchor="t" anchorCtr="0">
             <a:normAutofit/>
           </a:bodyPr>
           <a:lstStyle/>
           <a:p>
-            <a:pPr indent="0" lvl="0" marL="0" rtl="0" algn="ctr">
+            <a:pPr marL="0" lvl="0" indent="0" algn="ctr" rtl="0">
               <a:spcBef>
                 <a:spcPts val="0"/>
               </a:spcBef>
@@ -12176,7 +12406,7 @@
               <a:buNone/>
             </a:pPr>
             <a:r>
-              <a:rPr b="1" lang="en"/>
+              <a:rPr lang="en" b="1"/>
               <a:t>Advantages of using LÖVE2D</a:t>
             </a:r>
             <a:endParaRPr b="1"/>
@@ -12186,9 +12416,11 @@
       <p:sp>
         <p:nvSpPr>
           <p:cNvPr id="167" name="Google Shape;167;p18"/>
-          <p:cNvSpPr txBox="1"/>
+          <p:cNvSpPr txBox="1">
+            <a:spLocks noGrp="1"/>
+          </p:cNvSpPr>
           <p:nvPr>
-            <p:ph idx="1" type="body"/>
+            <p:ph type="body" idx="1"/>
           </p:nvPr>
         </p:nvSpPr>
         <p:spPr>
@@ -12201,12 +12433,12 @@
           </a:prstGeom>
         </p:spPr>
         <p:txBody>
-          <a:bodyPr anchorCtr="0" anchor="ctr" bIns="91425" lIns="91425" spcFirstLastPara="1" rIns="91425" wrap="square" tIns="91425">
+          <a:bodyPr spcFirstLastPara="1" wrap="square" lIns="91425" tIns="91425" rIns="91425" bIns="91425" anchor="ctr" anchorCtr="0">
             <a:normAutofit/>
           </a:bodyPr>
           <a:lstStyle/>
           <a:p>
-            <a:pPr indent="-311150" lvl="0" marL="457200" rtl="0" algn="l">
+            <a:pPr marL="457200" lvl="0" indent="-311150" algn="l" rtl="0">
               <a:spcBef>
                 <a:spcPts val="0"/>
               </a:spcBef>
@@ -12217,29 +12449,17 @@
               <a:buChar char="●"/>
             </a:pPr>
             <a:r>
-              <a:rPr b="1" lang="en"/>
+              <a:rPr lang="en" b="1"/>
               <a:t>Ease of Use:</a:t>
             </a:r>
             <a:r>
               <a:rPr lang="en"/>
-              <a:t> Love2D's simple and intuitive API allows developers to focus on creativity rather than comp</a:t>
-            </a:r>
-            <a:r>
-              <a:rPr lang="en"/>
-              <a:t>le</a:t>
-            </a:r>
-            <a:r>
-              <a:rPr lang="en"/>
-              <a:t>x technicalitie</a:t>
-            </a:r>
-            <a:r>
-              <a:rPr lang="en"/>
-              <a:t>s.</a:t>
+              <a:t> Love2D's simple and intuitive API allows developers to focus on creativity rather than complex technicalities.</a:t>
             </a:r>
             <a:endParaRPr/>
           </a:p>
           <a:p>
-            <a:pPr indent="-311150" lvl="0" marL="457200" rtl="0" algn="l">
+            <a:pPr marL="457200" lvl="0" indent="-311150" algn="l" rtl="0">
               <a:spcBef>
                 <a:spcPts val="0"/>
               </a:spcBef>
@@ -12250,7 +12470,7 @@
               <a:buChar char="●"/>
             </a:pPr>
             <a:r>
-              <a:rPr b="1" lang="en"/>
+              <a:rPr lang="en" b="1"/>
               <a:t>Rapid Prototyping:</a:t>
             </a:r>
             <a:r>
@@ -12260,7 +12480,7 @@
             <a:endParaRPr/>
           </a:p>
           <a:p>
-            <a:pPr indent="-311150" lvl="0" marL="457200" rtl="0" algn="l">
+            <a:pPr marL="457200" lvl="0" indent="-311150" algn="l" rtl="0">
               <a:spcBef>
                 <a:spcPts val="0"/>
               </a:spcBef>
@@ -12271,7 +12491,7 @@
               <a:buChar char="●"/>
             </a:pPr>
             <a:r>
-              <a:rPr b="1" lang="en"/>
+              <a:rPr lang="en" b="1"/>
               <a:t>Learning Curve: </a:t>
             </a:r>
             <a:r>
@@ -12281,7 +12501,7 @@
             <a:endParaRPr/>
           </a:p>
           <a:p>
-            <a:pPr indent="-311150" lvl="0" marL="457200" rtl="0" algn="l">
+            <a:pPr marL="457200" lvl="0" indent="-311150" algn="l" rtl="0">
               <a:spcBef>
                 <a:spcPts val="0"/>
               </a:spcBef>
@@ -12292,7 +12512,7 @@
               <a:buChar char="●"/>
             </a:pPr>
             <a:r>
-              <a:rPr b="1" lang="en"/>
+              <a:rPr lang="en" b="1"/>
               <a:t>Open Source:</a:t>
             </a:r>
             <a:r>
@@ -12302,7 +12522,7 @@
             <a:endParaRPr/>
           </a:p>
           <a:p>
-            <a:pPr indent="-311150" lvl="0" marL="457200" rtl="0" algn="l">
+            <a:pPr marL="457200" lvl="0" indent="-311150" algn="l" rtl="0">
               <a:spcBef>
                 <a:spcPts val="0"/>
               </a:spcBef>
@@ -12313,7 +12533,7 @@
               <a:buChar char="●"/>
             </a:pPr>
             <a:r>
-              <a:rPr b="1" lang="en"/>
+              <a:rPr lang="en" b="1"/>
               <a:t>Customizability:</a:t>
             </a:r>
             <a:r>
@@ -12333,11 +12553,11 @@
 </file>
 
 <file path=ppt/slides/slide7.xml><?xml version="1.0" encoding="utf-8"?>
-<p:sld xmlns:a="http://schemas.openxmlformats.org/drawingml/2006/main" xmlns:r="http://schemas.openxmlformats.org/officeDocument/2006/relationships" xmlns:mc="http://schemas.openxmlformats.org/markup-compatibility/2006" xmlns:mv="urn:schemas-microsoft-com:mac:vml" xmlns:p="http://schemas.openxmlformats.org/presentationml/2006/main" xmlns:c="http://schemas.openxmlformats.org/drawingml/2006/chart" xmlns:dgm="http://schemas.openxmlformats.org/drawingml/2006/diagram" xmlns:o="urn:schemas-microsoft-com:office:office" xmlns:v="urn:schemas-microsoft-com:vml" xmlns:pvml="urn:schemas-microsoft-com:office:powerpoint" xmlns:com="http://schemas.openxmlformats.org/drawingml/2006/compatibility" xmlns:p14="http://schemas.microsoft.com/office/powerpoint/2010/main" xmlns:p15="http://schemas.microsoft.com/office/powerpoint/2012/main" xmlns:ahyp="http://schemas.microsoft.com/office/drawing/2018/hyperlinkcolor">
+<p:sld xmlns:a="http://schemas.openxmlformats.org/drawingml/2006/main" xmlns:r="http://schemas.openxmlformats.org/officeDocument/2006/relationships" xmlns:p="http://schemas.openxmlformats.org/presentationml/2006/main">
   <p:cSld>
     <p:spTree>
       <p:nvGrpSpPr>
-        <p:cNvPr id="171" name="Shape 171"/>
+        <p:cNvPr id="1" name="Shape 171"/>
         <p:cNvGrpSpPr/>
         <p:nvPr/>
       </p:nvGrpSpPr>
@@ -12352,7 +12572,9 @@
       <p:sp>
         <p:nvSpPr>
           <p:cNvPr id="172" name="Google Shape;172;p19"/>
-          <p:cNvSpPr txBox="1"/>
+          <p:cNvSpPr txBox="1">
+            <a:spLocks noGrp="1"/>
+          </p:cNvSpPr>
           <p:nvPr>
             <p:ph type="title"/>
           </p:nvPr>
@@ -12367,12 +12589,12 @@
           </a:prstGeom>
         </p:spPr>
         <p:txBody>
-          <a:bodyPr anchorCtr="0" anchor="t" bIns="91425" lIns="91425" spcFirstLastPara="1" rIns="91425" wrap="square" tIns="91425">
+          <a:bodyPr spcFirstLastPara="1" wrap="square" lIns="91425" tIns="91425" rIns="91425" bIns="91425" anchor="t" anchorCtr="0">
             <a:normAutofit/>
           </a:bodyPr>
           <a:lstStyle/>
           <a:p>
-            <a:pPr indent="0" lvl="0" marL="0" rtl="0" algn="ctr">
+            <a:pPr marL="0" lvl="0" indent="0" algn="ctr" rtl="0">
               <a:spcBef>
                 <a:spcPts val="0"/>
               </a:spcBef>
@@ -12382,7 +12604,7 @@
               <a:buNone/>
             </a:pPr>
             <a:r>
-              <a:rPr b="1" lang="en"/>
+              <a:rPr lang="en" b="1"/>
               <a:t>Framework VS Engine</a:t>
             </a:r>
             <a:endParaRPr b="1"/>
@@ -12392,9 +12614,11 @@
       <p:sp>
         <p:nvSpPr>
           <p:cNvPr id="173" name="Google Shape;173;p19"/>
-          <p:cNvSpPr txBox="1"/>
+          <p:cNvSpPr txBox="1">
+            <a:spLocks noGrp="1"/>
+          </p:cNvSpPr>
           <p:nvPr>
-            <p:ph idx="1" type="body"/>
+            <p:ph type="body" idx="1"/>
           </p:nvPr>
         </p:nvSpPr>
         <p:spPr>
@@ -12407,12 +12631,12 @@
           </a:prstGeom>
         </p:spPr>
         <p:txBody>
-          <a:bodyPr anchorCtr="0" anchor="t" bIns="91425" lIns="91425" spcFirstLastPara="1" rIns="91425" wrap="square" tIns="91425">
+          <a:bodyPr spcFirstLastPara="1" wrap="square" lIns="91425" tIns="91425" rIns="91425" bIns="91425" anchor="t" anchorCtr="0">
             <a:normAutofit/>
           </a:bodyPr>
           <a:lstStyle/>
           <a:p>
-            <a:pPr indent="0" lvl="0" marL="0" rtl="0" algn="l">
+            <a:pPr marL="0" lvl="0" indent="0" algn="l" rtl="0">
               <a:spcBef>
                 <a:spcPts val="0"/>
               </a:spcBef>
@@ -12421,9 +12645,6 @@
               </a:spcAft>
               <a:buNone/>
             </a:pPr>
-            <a:r>
-              <a:t/>
-            </a:r>
             <a:endParaRPr/>
           </a:p>
         </p:txBody>
@@ -12437,11 +12658,11 @@
 </file>
 
 <file path=ppt/slides/slide8.xml><?xml version="1.0" encoding="utf-8"?>
-<p:sld xmlns:a="http://schemas.openxmlformats.org/drawingml/2006/main" xmlns:r="http://schemas.openxmlformats.org/officeDocument/2006/relationships" xmlns:mc="http://schemas.openxmlformats.org/markup-compatibility/2006" xmlns:mv="urn:schemas-microsoft-com:mac:vml" xmlns:p="http://schemas.openxmlformats.org/presentationml/2006/main" xmlns:c="http://schemas.openxmlformats.org/drawingml/2006/chart" xmlns:dgm="http://schemas.openxmlformats.org/drawingml/2006/diagram" xmlns:o="urn:schemas-microsoft-com:office:office" xmlns:v="urn:schemas-microsoft-com:vml" xmlns:pvml="urn:schemas-microsoft-com:office:powerpoint" xmlns:com="http://schemas.openxmlformats.org/drawingml/2006/compatibility" xmlns:p14="http://schemas.microsoft.com/office/powerpoint/2010/main" xmlns:p15="http://schemas.microsoft.com/office/powerpoint/2012/main" xmlns:ahyp="http://schemas.microsoft.com/office/drawing/2018/hyperlinkcolor">
+<p:sld xmlns:a="http://schemas.openxmlformats.org/drawingml/2006/main" xmlns:r="http://schemas.openxmlformats.org/officeDocument/2006/relationships" xmlns:p="http://schemas.openxmlformats.org/presentationml/2006/main">
   <p:cSld>
     <p:spTree>
       <p:nvGrpSpPr>
-        <p:cNvPr id="177" name="Shape 177"/>
+        <p:cNvPr id="1" name="Shape 177"/>
         <p:cNvGrpSpPr/>
         <p:nvPr/>
       </p:nvGrpSpPr>
@@ -12456,7 +12677,9 @@
       <p:sp>
         <p:nvSpPr>
           <p:cNvPr id="178" name="Google Shape;178;p20"/>
-          <p:cNvSpPr txBox="1"/>
+          <p:cNvSpPr txBox="1">
+            <a:spLocks noGrp="1"/>
+          </p:cNvSpPr>
           <p:nvPr>
             <p:ph type="title"/>
           </p:nvPr>
@@ -12471,12 +12694,12 @@
           </a:prstGeom>
         </p:spPr>
         <p:txBody>
-          <a:bodyPr anchorCtr="0" anchor="t" bIns="91425" lIns="91425" spcFirstLastPara="1" rIns="91425" wrap="square" tIns="91425">
+          <a:bodyPr spcFirstLastPara="1" wrap="square" lIns="91425" tIns="91425" rIns="91425" bIns="91425" anchor="t" anchorCtr="0">
             <a:normAutofit/>
           </a:bodyPr>
           <a:lstStyle/>
           <a:p>
-            <a:pPr indent="0" lvl="0" marL="0" rtl="0" algn="ctr">
+            <a:pPr marL="0" lvl="0" indent="0" algn="ctr" rtl="0">
               <a:spcBef>
                 <a:spcPts val="0"/>
               </a:spcBef>
@@ -12486,7 +12709,7 @@
               <a:buNone/>
             </a:pPr>
             <a:r>
-              <a:rPr b="1" lang="en"/>
+              <a:rPr lang="en" b="1"/>
               <a:t>Pygame VS Love2D</a:t>
             </a:r>
             <a:endParaRPr b="1"/>
@@ -12496,9 +12719,11 @@
       <p:sp>
         <p:nvSpPr>
           <p:cNvPr id="179" name="Google Shape;179;p20"/>
-          <p:cNvSpPr txBox="1"/>
+          <p:cNvSpPr txBox="1">
+            <a:spLocks noGrp="1"/>
+          </p:cNvSpPr>
           <p:nvPr>
-            <p:ph idx="1" type="body"/>
+            <p:ph type="body" idx="1"/>
           </p:nvPr>
         </p:nvSpPr>
         <p:spPr>
@@ -12511,12 +12736,12 @@
           </a:prstGeom>
         </p:spPr>
         <p:txBody>
-          <a:bodyPr anchorCtr="0" anchor="t" bIns="91425" lIns="91425" spcFirstLastPara="1" rIns="91425" wrap="square" tIns="91425">
+          <a:bodyPr spcFirstLastPara="1" wrap="square" lIns="91425" tIns="91425" rIns="91425" bIns="91425" anchor="t" anchorCtr="0">
             <a:normAutofit/>
           </a:bodyPr>
           <a:lstStyle/>
           <a:p>
-            <a:pPr indent="0" lvl="0" marL="0" rtl="0" algn="l">
+            <a:pPr marL="0" lvl="0" indent="0" algn="l" rtl="0">
               <a:spcBef>
                 <a:spcPts val="0"/>
               </a:spcBef>
@@ -12525,9 +12750,6 @@
               </a:spcAft>
               <a:buNone/>
             </a:pPr>
-            <a:r>
-              <a:t/>
-            </a:r>
             <a:endParaRPr/>
           </a:p>
         </p:txBody>
@@ -12541,11 +12763,11 @@
 </file>
 
 <file path=ppt/slides/slide9.xml><?xml version="1.0" encoding="utf-8"?>
-<p:sld xmlns:a="http://schemas.openxmlformats.org/drawingml/2006/main" xmlns:r="http://schemas.openxmlformats.org/officeDocument/2006/relationships" xmlns:mc="http://schemas.openxmlformats.org/markup-compatibility/2006" xmlns:mv="urn:schemas-microsoft-com:mac:vml" xmlns:p="http://schemas.openxmlformats.org/presentationml/2006/main" xmlns:c="http://schemas.openxmlformats.org/drawingml/2006/chart" xmlns:dgm="http://schemas.openxmlformats.org/drawingml/2006/diagram" xmlns:o="urn:schemas-microsoft-com:office:office" xmlns:v="urn:schemas-microsoft-com:vml" xmlns:pvml="urn:schemas-microsoft-com:office:powerpoint" xmlns:com="http://schemas.openxmlformats.org/drawingml/2006/compatibility" xmlns:p14="http://schemas.microsoft.com/office/powerpoint/2010/main" xmlns:p15="http://schemas.microsoft.com/office/powerpoint/2012/main" xmlns:ahyp="http://schemas.microsoft.com/office/drawing/2018/hyperlinkcolor">
+<p:sld xmlns:a="http://schemas.openxmlformats.org/drawingml/2006/main" xmlns:r="http://schemas.openxmlformats.org/officeDocument/2006/relationships" xmlns:p="http://schemas.openxmlformats.org/presentationml/2006/main">
   <p:cSld>
     <p:spTree>
       <p:nvGrpSpPr>
-        <p:cNvPr id="183" name="Shape 183"/>
+        <p:cNvPr id="1" name="Shape 183"/>
         <p:cNvGrpSpPr/>
         <p:nvPr/>
       </p:nvGrpSpPr>
@@ -12560,7 +12782,9 @@
       <p:sp>
         <p:nvSpPr>
           <p:cNvPr id="184" name="Google Shape;184;p21"/>
-          <p:cNvSpPr txBox="1"/>
+          <p:cNvSpPr txBox="1">
+            <a:spLocks noGrp="1"/>
+          </p:cNvSpPr>
           <p:nvPr>
             <p:ph type="ctrTitle"/>
           </p:nvPr>
@@ -12575,12 +12799,12 @@
           </a:prstGeom>
         </p:spPr>
         <p:txBody>
-          <a:bodyPr anchorCtr="0" anchor="t" bIns="91425" lIns="91425" spcFirstLastPara="1" rIns="91425" wrap="square" tIns="91425">
-            <a:normAutofit fontScale="90000"/>
+          <a:bodyPr spcFirstLastPara="1" wrap="square" lIns="91425" tIns="91425" rIns="91425" bIns="91425" anchor="t" anchorCtr="0">
+            <a:normAutofit/>
           </a:bodyPr>
           <a:lstStyle/>
           <a:p>
-            <a:pPr indent="0" lvl="0" marL="0" rtl="0" algn="l">
+            <a:pPr marL="0" lvl="0" indent="0" algn="l" rtl="0">
               <a:spcBef>
                 <a:spcPts val="0"/>
               </a:spcBef>
@@ -12590,10 +12814,10 @@
               <a:buNone/>
             </a:pPr>
             <a:r>
-              <a:rPr b="1" lang="en"/>
+              <a:rPr lang="en" b="1" dirty="0"/>
               <a:t>Some Game-Specific Concepts</a:t>
             </a:r>
-            <a:endParaRPr b="1"/>
+            <a:endParaRPr b="1" dirty="0"/>
           </a:p>
         </p:txBody>
       </p:sp>
@@ -12606,7 +12830,288 @@
 </file>
 
 <file path=ppt/theme/theme1.xml><?xml version="1.0" encoding="utf-8"?>
-<a:theme xmlns:a="http://schemas.openxmlformats.org/drawingml/2006/main" xmlns:r="http://schemas.openxmlformats.org/officeDocument/2006/relationships">
+<a:theme xmlns:a="http://schemas.openxmlformats.org/drawingml/2006/main" name="Focus">
+  <a:themeElements>
+    <a:clrScheme name="Focus">
+      <a:dk1>
+        <a:srgbClr val="1B212C"/>
+      </a:dk1>
+      <a:lt1>
+        <a:srgbClr val="FFFFFF"/>
+      </a:lt1>
+      <a:dk2>
+        <a:srgbClr val="D9D9D9"/>
+      </a:dk2>
+      <a:lt2>
+        <a:srgbClr val="82C7A5"/>
+      </a:lt2>
+      <a:accent1>
+        <a:srgbClr val="0145AC"/>
+      </a:accent1>
+      <a:accent2>
+        <a:srgbClr val="EECE1A"/>
+      </a:accent2>
+      <a:accent3>
+        <a:srgbClr val="4E5567"/>
+      </a:accent3>
+      <a:accent4>
+        <a:srgbClr val="F4D6AD"/>
+      </a:accent4>
+      <a:accent5>
+        <a:srgbClr val="7890CD"/>
+      </a:accent5>
+      <a:accent6>
+        <a:srgbClr val="F15E22"/>
+      </a:accent6>
+      <a:hlink>
+        <a:srgbClr val="7890CD"/>
+      </a:hlink>
+      <a:folHlink>
+        <a:srgbClr val="7890CD"/>
+      </a:folHlink>
+    </a:clrScheme>
+    <a:fontScheme name="Office">
+      <a:majorFont>
+        <a:latin typeface="Arial"/>
+        <a:ea typeface=""/>
+        <a:cs typeface=""/>
+        <a:font script="Jpan" typeface="ＭＳ Ｐゴシック"/>
+        <a:font script="Hang" typeface="맑은 고딕"/>
+        <a:font script="Hans" typeface="宋体"/>
+        <a:font script="Hant" typeface="新細明體"/>
+        <a:font script="Arab" typeface="Times New Roman"/>
+        <a:font script="Hebr" typeface="Times New Roman"/>
+        <a:font script="Thai" typeface="Angsana New"/>
+        <a:font script="Ethi" typeface="Nyala"/>
+        <a:font script="Beng" typeface="Vrinda"/>
+        <a:font script="Gujr" typeface="Shruti"/>
+        <a:font script="Khmr" typeface="MoolBoran"/>
+        <a:font script="Knda" typeface="Tunga"/>
+        <a:font script="Guru" typeface="Raavi"/>
+        <a:font script="Cans" typeface="Euphemia"/>
+        <a:font script="Cher" typeface="Plantagenet Cherokee"/>
+        <a:font script="Yiii" typeface="Microsoft Yi Baiti"/>
+        <a:font script="Tibt" typeface="Microsoft Himalaya"/>
+        <a:font script="Thaa" typeface="MV Boli"/>
+        <a:font script="Deva" typeface="Mangal"/>
+        <a:font script="Telu" typeface="Gautami"/>
+        <a:font script="Taml" typeface="Latha"/>
+        <a:font script="Syrc" typeface="Estrangelo Edessa"/>
+        <a:font script="Orya" typeface="Kalinga"/>
+        <a:font script="Mlym" typeface="Kartika"/>
+        <a:font script="Laoo" typeface="DokChampa"/>
+        <a:font script="Sinh" typeface="Iskoola Pota"/>
+        <a:font script="Mong" typeface="Mongolian Baiti"/>
+        <a:font script="Viet" typeface="Times New Roman"/>
+        <a:font script="Uigh" typeface="Microsoft Uighur"/>
+        <a:font script="Geor" typeface="Sylfaen"/>
+      </a:majorFont>
+      <a:minorFont>
+        <a:latin typeface="Arial"/>
+        <a:ea typeface=""/>
+        <a:cs typeface=""/>
+        <a:font script="Jpan" typeface="ＭＳ Ｐゴシック"/>
+        <a:font script="Hang" typeface="맑은 고딕"/>
+        <a:font script="Hans" typeface="宋体"/>
+        <a:font script="Hant" typeface="新細明體"/>
+        <a:font script="Arab" typeface="Arial"/>
+        <a:font script="Hebr" typeface="Arial"/>
+        <a:font script="Thai" typeface="Cordia New"/>
+        <a:font script="Ethi" typeface="Nyala"/>
+        <a:font script="Beng" typeface="Vrinda"/>
+        <a:font script="Gujr" typeface="Shruti"/>
+        <a:font script="Khmr" typeface="DaunPenh"/>
+        <a:font script="Knda" typeface="Tunga"/>
+        <a:font script="Guru" typeface="Raavi"/>
+        <a:font script="Cans" typeface="Euphemia"/>
+        <a:font script="Cher" typeface="Plantagenet Cherokee"/>
+        <a:font script="Yiii" typeface="Microsoft Yi Baiti"/>
+        <a:font script="Tibt" typeface="Microsoft Himalaya"/>
+        <a:font script="Thaa" typeface="MV Boli"/>
+        <a:font script="Deva" typeface="Mangal"/>
+        <a:font script="Telu" typeface="Gautami"/>
+        <a:font script="Taml" typeface="Latha"/>
+        <a:font script="Syrc" typeface="Estrangelo Edessa"/>
+        <a:font script="Orya" typeface="Kalinga"/>
+        <a:font script="Mlym" typeface="Kartika"/>
+        <a:font script="Laoo" typeface="DokChampa"/>
+        <a:font script="Sinh" typeface="Iskoola Pota"/>
+        <a:font script="Mong" typeface="Mongolian Baiti"/>
+        <a:font script="Viet" typeface="Arial"/>
+        <a:font script="Uigh" typeface="Microsoft Uighur"/>
+        <a:font script="Geor" typeface="Sylfaen"/>
+      </a:minorFont>
+    </a:fontScheme>
+    <a:fmtScheme name="Office">
+      <a:fillStyleLst>
+        <a:solidFill>
+          <a:schemeClr val="phClr"/>
+        </a:solidFill>
+        <a:gradFill rotWithShape="1">
+          <a:gsLst>
+            <a:gs pos="0">
+              <a:schemeClr val="phClr">
+                <a:tint val="50000"/>
+                <a:satMod val="300000"/>
+              </a:schemeClr>
+            </a:gs>
+            <a:gs pos="35000">
+              <a:schemeClr val="phClr">
+                <a:tint val="37000"/>
+                <a:satMod val="300000"/>
+              </a:schemeClr>
+            </a:gs>
+            <a:gs pos="100000">
+              <a:schemeClr val="phClr">
+                <a:tint val="15000"/>
+                <a:satMod val="350000"/>
+              </a:schemeClr>
+            </a:gs>
+          </a:gsLst>
+          <a:lin ang="16200000" scaled="1"/>
+        </a:gradFill>
+        <a:gradFill rotWithShape="1">
+          <a:gsLst>
+            <a:gs pos="0">
+              <a:schemeClr val="phClr">
+                <a:tint val="100000"/>
+                <a:shade val="100000"/>
+                <a:satMod val="130000"/>
+              </a:schemeClr>
+            </a:gs>
+            <a:gs pos="100000">
+              <a:schemeClr val="phClr">
+                <a:tint val="50000"/>
+                <a:shade val="100000"/>
+                <a:satMod val="350000"/>
+              </a:schemeClr>
+            </a:gs>
+          </a:gsLst>
+          <a:lin ang="16200000" scaled="0"/>
+        </a:gradFill>
+      </a:fillStyleLst>
+      <a:lnStyleLst>
+        <a:ln w="9525" cap="flat" cmpd="sng" algn="ctr">
+          <a:solidFill>
+            <a:schemeClr val="phClr">
+              <a:shade val="95000"/>
+              <a:satMod val="105000"/>
+            </a:schemeClr>
+          </a:solidFill>
+          <a:prstDash val="solid"/>
+        </a:ln>
+        <a:ln w="25400" cap="flat" cmpd="sng" algn="ctr">
+          <a:solidFill>
+            <a:schemeClr val="phClr"/>
+          </a:solidFill>
+          <a:prstDash val="solid"/>
+        </a:ln>
+        <a:ln w="38100" cap="flat" cmpd="sng" algn="ctr">
+          <a:solidFill>
+            <a:schemeClr val="phClr"/>
+          </a:solidFill>
+          <a:prstDash val="solid"/>
+        </a:ln>
+      </a:lnStyleLst>
+      <a:effectStyleLst>
+        <a:effectStyle>
+          <a:effectLst>
+            <a:outerShdw blurRad="40000" dist="20000" dir="5400000" rotWithShape="0">
+              <a:srgbClr val="000000">
+                <a:alpha val="38000"/>
+              </a:srgbClr>
+            </a:outerShdw>
+          </a:effectLst>
+        </a:effectStyle>
+        <a:effectStyle>
+          <a:effectLst>
+            <a:outerShdw blurRad="40000" dist="23000" dir="5400000" rotWithShape="0">
+              <a:srgbClr val="000000">
+                <a:alpha val="35000"/>
+              </a:srgbClr>
+            </a:outerShdw>
+          </a:effectLst>
+        </a:effectStyle>
+        <a:effectStyle>
+          <a:effectLst>
+            <a:outerShdw blurRad="40000" dist="23000" dir="5400000" rotWithShape="0">
+              <a:srgbClr val="000000">
+                <a:alpha val="35000"/>
+              </a:srgbClr>
+            </a:outerShdw>
+          </a:effectLst>
+          <a:scene3d>
+            <a:camera prst="orthographicFront">
+              <a:rot lat="0" lon="0" rev="0"/>
+            </a:camera>
+            <a:lightRig rig="threePt" dir="t">
+              <a:rot lat="0" lon="0" rev="1200000"/>
+            </a:lightRig>
+          </a:scene3d>
+          <a:sp3d>
+            <a:bevelT w="63500" h="25400"/>
+          </a:sp3d>
+        </a:effectStyle>
+      </a:effectStyleLst>
+      <a:bgFillStyleLst>
+        <a:solidFill>
+          <a:schemeClr val="phClr"/>
+        </a:solidFill>
+        <a:gradFill rotWithShape="1">
+          <a:gsLst>
+            <a:gs pos="0">
+              <a:schemeClr val="phClr">
+                <a:tint val="40000"/>
+                <a:satMod val="350000"/>
+              </a:schemeClr>
+            </a:gs>
+            <a:gs pos="40000">
+              <a:schemeClr val="phClr">
+                <a:tint val="45000"/>
+                <a:shade val="99000"/>
+                <a:satMod val="350000"/>
+              </a:schemeClr>
+            </a:gs>
+            <a:gs pos="100000">
+              <a:schemeClr val="phClr">
+                <a:shade val="20000"/>
+                <a:satMod val="255000"/>
+              </a:schemeClr>
+            </a:gs>
+          </a:gsLst>
+          <a:path path="circle">
+            <a:fillToRect l="50000" t="-80000" r="50000" b="180000"/>
+          </a:path>
+        </a:gradFill>
+        <a:gradFill rotWithShape="1">
+          <a:gsLst>
+            <a:gs pos="0">
+              <a:schemeClr val="phClr">
+                <a:tint val="80000"/>
+                <a:satMod val="300000"/>
+              </a:schemeClr>
+            </a:gs>
+            <a:gs pos="100000">
+              <a:schemeClr val="phClr">
+                <a:shade val="30000"/>
+                <a:satMod val="200000"/>
+              </a:schemeClr>
+            </a:gs>
+          </a:gsLst>
+          <a:path path="circle">
+            <a:fillToRect l="50000" t="50000" r="50000" b="50000"/>
+          </a:path>
+        </a:gradFill>
+      </a:bgFillStyleLst>
+    </a:fmtScheme>
+  </a:themeElements>
+  <a:objectDefaults/>
+  <a:extraClrSchemeLst/>
+</a:theme>
+</file>
+
+<file path=ppt/theme/theme2.xml><?xml version="1.0" encoding="utf-8"?>
+<a:theme xmlns:a="http://schemas.openxmlformats.org/drawingml/2006/main">
   <a:themeElements>
     <a:clrScheme name="Default">
       <a:dk1>
@@ -12881,284 +13386,7 @@
       </a:bgFillStyleLst>
     </a:fmtScheme>
   </a:themeElements>
-</a:theme>
-</file>
-
-<file path=ppt/theme/theme2.xml><?xml version="1.0" encoding="utf-8"?>
-<a:theme xmlns:a="http://schemas.openxmlformats.org/drawingml/2006/main" xmlns:r="http://schemas.openxmlformats.org/officeDocument/2006/relationships" name="Focus">
-  <a:themeElements>
-    <a:clrScheme name="Focus">
-      <a:dk1>
-        <a:srgbClr val="1B212C"/>
-      </a:dk1>
-      <a:lt1>
-        <a:srgbClr val="FFFFFF"/>
-      </a:lt1>
-      <a:dk2>
-        <a:srgbClr val="D9D9D9"/>
-      </a:dk2>
-      <a:lt2>
-        <a:srgbClr val="82C7A5"/>
-      </a:lt2>
-      <a:accent1>
-        <a:srgbClr val="0145AC"/>
-      </a:accent1>
-      <a:accent2>
-        <a:srgbClr val="EECE1A"/>
-      </a:accent2>
-      <a:accent3>
-        <a:srgbClr val="4E5567"/>
-      </a:accent3>
-      <a:accent4>
-        <a:srgbClr val="F4D6AD"/>
-      </a:accent4>
-      <a:accent5>
-        <a:srgbClr val="7890CD"/>
-      </a:accent5>
-      <a:accent6>
-        <a:srgbClr val="F15E22"/>
-      </a:accent6>
-      <a:hlink>
-        <a:srgbClr val="7890CD"/>
-      </a:hlink>
-      <a:folHlink>
-        <a:srgbClr val="7890CD"/>
-      </a:folHlink>
-    </a:clrScheme>
-    <a:fontScheme name="Office">
-      <a:majorFont>
-        <a:latin typeface="Arial"/>
-        <a:ea typeface=""/>
-        <a:cs typeface=""/>
-        <a:font script="Jpan" typeface="ＭＳ Ｐゴシック"/>
-        <a:font script="Hang" typeface="맑은 고딕"/>
-        <a:font script="Hans" typeface="宋体"/>
-        <a:font script="Hant" typeface="新細明體"/>
-        <a:font script="Arab" typeface="Times New Roman"/>
-        <a:font script="Hebr" typeface="Times New Roman"/>
-        <a:font script="Thai" typeface="Angsana New"/>
-        <a:font script="Ethi" typeface="Nyala"/>
-        <a:font script="Beng" typeface="Vrinda"/>
-        <a:font script="Gujr" typeface="Shruti"/>
-        <a:font script="Khmr" typeface="MoolBoran"/>
-        <a:font script="Knda" typeface="Tunga"/>
-        <a:font script="Guru" typeface="Raavi"/>
-        <a:font script="Cans" typeface="Euphemia"/>
-        <a:font script="Cher" typeface="Plantagenet Cherokee"/>
-        <a:font script="Yiii" typeface="Microsoft Yi Baiti"/>
-        <a:font script="Tibt" typeface="Microsoft Himalaya"/>
-        <a:font script="Thaa" typeface="MV Boli"/>
-        <a:font script="Deva" typeface="Mangal"/>
-        <a:font script="Telu" typeface="Gautami"/>
-        <a:font script="Taml" typeface="Latha"/>
-        <a:font script="Syrc" typeface="Estrangelo Edessa"/>
-        <a:font script="Orya" typeface="Kalinga"/>
-        <a:font script="Mlym" typeface="Kartika"/>
-        <a:font script="Laoo" typeface="DokChampa"/>
-        <a:font script="Sinh" typeface="Iskoola Pota"/>
-        <a:font script="Mong" typeface="Mongolian Baiti"/>
-        <a:font script="Viet" typeface="Times New Roman"/>
-        <a:font script="Uigh" typeface="Microsoft Uighur"/>
-        <a:font script="Geor" typeface="Sylfaen"/>
-      </a:majorFont>
-      <a:minorFont>
-        <a:latin typeface="Arial"/>
-        <a:ea typeface=""/>
-        <a:cs typeface=""/>
-        <a:font script="Jpan" typeface="ＭＳ Ｐゴシック"/>
-        <a:font script="Hang" typeface="맑은 고딕"/>
-        <a:font script="Hans" typeface="宋体"/>
-        <a:font script="Hant" typeface="新細明體"/>
-        <a:font script="Arab" typeface="Arial"/>
-        <a:font script="Hebr" typeface="Arial"/>
-        <a:font script="Thai" typeface="Cordia New"/>
-        <a:font script="Ethi" typeface="Nyala"/>
-        <a:font script="Beng" typeface="Vrinda"/>
-        <a:font script="Gujr" typeface="Shruti"/>
-        <a:font script="Khmr" typeface="DaunPenh"/>
-        <a:font script="Knda" typeface="Tunga"/>
-        <a:font script="Guru" typeface="Raavi"/>
-        <a:font script="Cans" typeface="Euphemia"/>
-        <a:font script="Cher" typeface="Plantagenet Cherokee"/>
-        <a:font script="Yiii" typeface="Microsoft Yi Baiti"/>
-        <a:font script="Tibt" typeface="Microsoft Himalaya"/>
-        <a:font script="Thaa" typeface="MV Boli"/>
-        <a:font script="Deva" typeface="Mangal"/>
-        <a:font script="Telu" typeface="Gautami"/>
-        <a:font script="Taml" typeface="Latha"/>
-        <a:font script="Syrc" typeface="Estrangelo Edessa"/>
-        <a:font script="Orya" typeface="Kalinga"/>
-        <a:font script="Mlym" typeface="Kartika"/>
-        <a:font script="Laoo" typeface="DokChampa"/>
-        <a:font script="Sinh" typeface="Iskoola Pota"/>
-        <a:font script="Mong" typeface="Mongolian Baiti"/>
-        <a:font script="Viet" typeface="Arial"/>
-        <a:font script="Uigh" typeface="Microsoft Uighur"/>
-        <a:font script="Geor" typeface="Sylfaen"/>
-      </a:minorFont>
-    </a:fontScheme>
-    <a:fmtScheme name="Office">
-      <a:fillStyleLst>
-        <a:solidFill>
-          <a:schemeClr val="phClr"/>
-        </a:solidFill>
-        <a:gradFill rotWithShape="1">
-          <a:gsLst>
-            <a:gs pos="0">
-              <a:schemeClr val="phClr">
-                <a:tint val="50000"/>
-                <a:satMod val="300000"/>
-              </a:schemeClr>
-            </a:gs>
-            <a:gs pos="35000">
-              <a:schemeClr val="phClr">
-                <a:tint val="37000"/>
-                <a:satMod val="300000"/>
-              </a:schemeClr>
-            </a:gs>
-            <a:gs pos="100000">
-              <a:schemeClr val="phClr">
-                <a:tint val="15000"/>
-                <a:satMod val="350000"/>
-              </a:schemeClr>
-            </a:gs>
-          </a:gsLst>
-          <a:lin ang="16200000" scaled="1"/>
-        </a:gradFill>
-        <a:gradFill rotWithShape="1">
-          <a:gsLst>
-            <a:gs pos="0">
-              <a:schemeClr val="phClr">
-                <a:tint val="100000"/>
-                <a:shade val="100000"/>
-                <a:satMod val="130000"/>
-              </a:schemeClr>
-            </a:gs>
-            <a:gs pos="100000">
-              <a:schemeClr val="phClr">
-                <a:tint val="50000"/>
-                <a:shade val="100000"/>
-                <a:satMod val="350000"/>
-              </a:schemeClr>
-            </a:gs>
-          </a:gsLst>
-          <a:lin ang="16200000" scaled="0"/>
-        </a:gradFill>
-      </a:fillStyleLst>
-      <a:lnStyleLst>
-        <a:ln w="9525" cap="flat" cmpd="sng" algn="ctr">
-          <a:solidFill>
-            <a:schemeClr val="phClr">
-              <a:shade val="95000"/>
-              <a:satMod val="105000"/>
-            </a:schemeClr>
-          </a:solidFill>
-          <a:prstDash val="solid"/>
-        </a:ln>
-        <a:ln w="25400" cap="flat" cmpd="sng" algn="ctr">
-          <a:solidFill>
-            <a:schemeClr val="phClr"/>
-          </a:solidFill>
-          <a:prstDash val="solid"/>
-        </a:ln>
-        <a:ln w="38100" cap="flat" cmpd="sng" algn="ctr">
-          <a:solidFill>
-            <a:schemeClr val="phClr"/>
-          </a:solidFill>
-          <a:prstDash val="solid"/>
-        </a:ln>
-      </a:lnStyleLst>
-      <a:effectStyleLst>
-        <a:effectStyle>
-          <a:effectLst>
-            <a:outerShdw blurRad="40000" dist="20000" dir="5400000" rotWithShape="0">
-              <a:srgbClr val="000000">
-                <a:alpha val="38000"/>
-              </a:srgbClr>
-            </a:outerShdw>
-          </a:effectLst>
-        </a:effectStyle>
-        <a:effectStyle>
-          <a:effectLst>
-            <a:outerShdw blurRad="40000" dist="23000" dir="5400000" rotWithShape="0">
-              <a:srgbClr val="000000">
-                <a:alpha val="35000"/>
-              </a:srgbClr>
-            </a:outerShdw>
-          </a:effectLst>
-        </a:effectStyle>
-        <a:effectStyle>
-          <a:effectLst>
-            <a:outerShdw blurRad="40000" dist="23000" dir="5400000" rotWithShape="0">
-              <a:srgbClr val="000000">
-                <a:alpha val="35000"/>
-              </a:srgbClr>
-            </a:outerShdw>
-          </a:effectLst>
-          <a:scene3d>
-            <a:camera prst="orthographicFront">
-              <a:rot lat="0" lon="0" rev="0"/>
-            </a:camera>
-            <a:lightRig rig="threePt" dir="t">
-              <a:rot lat="0" lon="0" rev="1200000"/>
-            </a:lightRig>
-          </a:scene3d>
-          <a:sp3d>
-            <a:bevelT w="63500" h="25400"/>
-          </a:sp3d>
-        </a:effectStyle>
-      </a:effectStyleLst>
-      <a:bgFillStyleLst>
-        <a:solidFill>
-          <a:schemeClr val="phClr"/>
-        </a:solidFill>
-        <a:gradFill rotWithShape="1">
-          <a:gsLst>
-            <a:gs pos="0">
-              <a:schemeClr val="phClr">
-                <a:tint val="40000"/>
-                <a:satMod val="350000"/>
-              </a:schemeClr>
-            </a:gs>
-            <a:gs pos="40000">
-              <a:schemeClr val="phClr">
-                <a:tint val="45000"/>
-                <a:shade val="99000"/>
-                <a:satMod val="350000"/>
-              </a:schemeClr>
-            </a:gs>
-            <a:gs pos="100000">
-              <a:schemeClr val="phClr">
-                <a:shade val="20000"/>
-                <a:satMod val="255000"/>
-              </a:schemeClr>
-            </a:gs>
-          </a:gsLst>
-          <a:path path="circle">
-            <a:fillToRect l="50000" t="-80000" r="50000" b="180000"/>
-          </a:path>
-        </a:gradFill>
-        <a:gradFill rotWithShape="1">
-          <a:gsLst>
-            <a:gs pos="0">
-              <a:schemeClr val="phClr">
-                <a:tint val="80000"/>
-                <a:satMod val="300000"/>
-              </a:schemeClr>
-            </a:gs>
-            <a:gs pos="100000">
-              <a:schemeClr val="phClr">
-                <a:shade val="30000"/>
-                <a:satMod val="200000"/>
-              </a:schemeClr>
-            </a:gs>
-          </a:gsLst>
-          <a:path path="circle">
-            <a:fillToRect l="50000" t="50000" r="50000" b="50000"/>
-          </a:path>
-        </a:gradFill>
-      </a:bgFillStyleLst>
-    </a:fmtScheme>
-  </a:themeElements>
+  <a:objectDefaults/>
+  <a:extraClrSchemeLst/>
 </a:theme>
 </file>